--- a/aula08/Aula08.pptx
+++ b/aula08/Aula08.pptx
@@ -32,37 +32,40 @@
     <p:sldId id="278" r:id="rId26"/>
     <p:sldId id="279" r:id="rId27"/>
     <p:sldId id="280" r:id="rId28"/>
-    <p:sldId id="281" r:id="rId29"/>
-    <p:sldId id="282" r:id="rId30"/>
-    <p:sldId id="283" r:id="rId31"/>
-    <p:sldId id="284" r:id="rId32"/>
-    <p:sldId id="285" r:id="rId33"/>
-    <p:sldId id="286" r:id="rId34"/>
-    <p:sldId id="287" r:id="rId35"/>
-    <p:sldId id="288" r:id="rId36"/>
-    <p:sldId id="289" r:id="rId37"/>
-    <p:sldId id="290" r:id="rId38"/>
-    <p:sldId id="291" r:id="rId39"/>
-    <p:sldId id="292" r:id="rId40"/>
-    <p:sldId id="293" r:id="rId41"/>
-    <p:sldId id="294" r:id="rId42"/>
-    <p:sldId id="295" r:id="rId43"/>
-    <p:sldId id="296" r:id="rId44"/>
-    <p:sldId id="297" r:id="rId45"/>
-    <p:sldId id="298" r:id="rId46"/>
-    <p:sldId id="299" r:id="rId47"/>
-    <p:sldId id="300" r:id="rId48"/>
-    <p:sldId id="301" r:id="rId49"/>
-    <p:sldId id="302" r:id="rId50"/>
-    <p:sldId id="303" r:id="rId51"/>
-    <p:sldId id="304" r:id="rId52"/>
-    <p:sldId id="305" r:id="rId53"/>
-    <p:sldId id="306" r:id="rId54"/>
-    <p:sldId id="307" r:id="rId55"/>
-    <p:sldId id="308" r:id="rId56"/>
-    <p:sldId id="309" r:id="rId57"/>
-    <p:sldId id="310" r:id="rId58"/>
-    <p:sldId id="311" r:id="rId59"/>
+    <p:sldId id="314" r:id="rId29"/>
+    <p:sldId id="313" r:id="rId30"/>
+    <p:sldId id="312" r:id="rId31"/>
+    <p:sldId id="281" r:id="rId32"/>
+    <p:sldId id="282" r:id="rId33"/>
+    <p:sldId id="283" r:id="rId34"/>
+    <p:sldId id="284" r:id="rId35"/>
+    <p:sldId id="285" r:id="rId36"/>
+    <p:sldId id="286" r:id="rId37"/>
+    <p:sldId id="287" r:id="rId38"/>
+    <p:sldId id="288" r:id="rId39"/>
+    <p:sldId id="289" r:id="rId40"/>
+    <p:sldId id="290" r:id="rId41"/>
+    <p:sldId id="291" r:id="rId42"/>
+    <p:sldId id="292" r:id="rId43"/>
+    <p:sldId id="293" r:id="rId44"/>
+    <p:sldId id="294" r:id="rId45"/>
+    <p:sldId id="295" r:id="rId46"/>
+    <p:sldId id="296" r:id="rId47"/>
+    <p:sldId id="297" r:id="rId48"/>
+    <p:sldId id="298" r:id="rId49"/>
+    <p:sldId id="299" r:id="rId50"/>
+    <p:sldId id="300" r:id="rId51"/>
+    <p:sldId id="301" r:id="rId52"/>
+    <p:sldId id="302" r:id="rId53"/>
+    <p:sldId id="303" r:id="rId54"/>
+    <p:sldId id="304" r:id="rId55"/>
+    <p:sldId id="305" r:id="rId56"/>
+    <p:sldId id="306" r:id="rId57"/>
+    <p:sldId id="307" r:id="rId58"/>
+    <p:sldId id="308" r:id="rId59"/>
+    <p:sldId id="309" r:id="rId60"/>
+    <p:sldId id="310" r:id="rId61"/>
+    <p:sldId id="311" r:id="rId62"/>
   </p:sldIdLst>
   <p:sldSz cx="9144000" cy="5143500" type="screen16x9"/>
   <p:notesSz cx="7559675" cy="10691813"/>
@@ -9432,7 +9435,7 @@
               </a:tabLst>
             </a:pPr>
             <a:r>
-              <a:rPr lang="pt-BR" sz="2000" b="1" strike="noStrike" spc="-1">
+              <a:rPr lang="pt-BR" sz="2000" b="1" strike="noStrike" spc="-1" dirty="0">
                 <a:solidFill>
                   <a:srgbClr val="FFC000"/>
                 </a:solidFill>
@@ -9442,10 +9445,10 @@
               <a:t>PYTHON</a:t>
             </a:r>
             <a:br>
-              <a:rPr sz="2000"/>
+              <a:rPr sz="2000" dirty="0"/>
             </a:br>
             <a:r>
-              <a:rPr lang="pt-BR" sz="2000" b="1" strike="noStrike" spc="-1">
+              <a:rPr lang="pt-BR" sz="2000" b="1" strike="noStrike" spc="-1" dirty="0">
                 <a:solidFill>
                   <a:schemeClr val="dk1"/>
                 </a:solidFill>
@@ -9454,7 +9457,7 @@
               </a:rPr>
               <a:t>DESENVOLVIMENTO WEB</a:t>
             </a:r>
-            <a:endParaRPr lang="pt-BR" sz="2000" b="0" strike="noStrike" spc="-1">
+            <a:endParaRPr lang="pt-BR" sz="2000" b="0" strike="noStrike" spc="-1" dirty="0">
               <a:solidFill>
                 <a:srgbClr val="000000"/>
               </a:solidFill>
@@ -9475,7 +9478,7 @@
         </p:nvSpPr>
         <p:spPr>
           <a:xfrm>
-            <a:off x="4106520" y="3956760"/>
+            <a:off x="5644374" y="4194120"/>
             <a:ext cx="4890240" cy="900000"/>
           </a:xfrm>
           <a:prstGeom prst="rect">
@@ -9505,7 +9508,7 @@
               </a:tabLst>
             </a:pPr>
             <a:r>
-              <a:rPr lang="pt-BR" sz="2600" b="0" strike="noStrike" spc="-1">
+              <a:rPr lang="pt-BR" sz="2600" b="0" strike="noStrike" spc="-1" dirty="0">
                 <a:solidFill>
                   <a:schemeClr val="dk2"/>
                 </a:solidFill>
@@ -9515,7 +9518,7 @@
               <a:t>Prof. Daniel Mesquita </a:t>
             </a:r>
             <a:r>
-              <a:rPr lang="pt-BR" sz="1200" b="0" strike="noStrike" spc="-1">
+              <a:rPr lang="pt-BR" sz="1200" b="0" strike="noStrike" spc="-1" dirty="0">
                 <a:solidFill>
                   <a:schemeClr val="dk2"/>
                 </a:solidFill>
@@ -9525,7 +9528,7 @@
               <a:t>        </a:t>
             </a:r>
             <a:r>
-              <a:rPr lang="pt-BR" sz="1200" b="0" u="sng" strike="noStrike" spc="-1">
+              <a:rPr lang="pt-BR" sz="1200" b="0" u="sng" strike="noStrike" spc="-1" dirty="0">
                 <a:solidFill>
                   <a:schemeClr val="hlink"/>
                 </a:solidFill>
@@ -9535,7 +9538,7 @@
               </a:rPr>
               <a:t>danielme17@gmail.com</a:t>
             </a:r>
-            <a:endParaRPr lang="pt-BR" sz="1200" b="0" strike="noStrike" spc="-1">
+            <a:endParaRPr lang="pt-BR" sz="1200" b="0" strike="noStrike" spc="-1" dirty="0">
               <a:solidFill>
                 <a:srgbClr val="000000"/>
               </a:solidFill>
@@ -9752,7 +9755,7 @@
               <a:buChar char=""/>
             </a:pPr>
             <a:r>
-              <a:rPr lang="pt-BR" sz="1400" b="0" strike="noStrike" spc="-1">
+              <a:rPr lang="pt-BR" sz="1400" b="0" strike="noStrike" spc="-1" dirty="0">
                 <a:solidFill>
                   <a:srgbClr val="000000"/>
                 </a:solidFill>
@@ -9761,7 +9764,7 @@
               </a:rPr>
               <a:t>Cada erro é uma oportunidade de aprendizado; cada bug resolvido é um passo mais perto da excelência</a:t>
             </a:r>
-            <a:endParaRPr lang="pt-BR" sz="1400" b="0" strike="noStrike" spc="-1">
+            <a:endParaRPr lang="pt-BR" sz="1400" b="0" strike="noStrike" spc="-1" dirty="0">
               <a:solidFill>
                 <a:srgbClr val="000000"/>
               </a:solidFill>
@@ -9784,7 +9787,7 @@
               <a:buChar char=""/>
             </a:pPr>
             <a:r>
-              <a:rPr lang="pt-BR" sz="1400" b="0" strike="noStrike" spc="-1">
+              <a:rPr lang="pt-BR" sz="1400" b="0" strike="noStrike" spc="-1" dirty="0">
                 <a:solidFill>
                   <a:srgbClr val="000000"/>
                 </a:solidFill>
@@ -9793,7 +9796,7 @@
               </a:rPr>
               <a:t>O código que você escreve hoje é a base das inovações de amanhã.</a:t>
             </a:r>
-            <a:endParaRPr lang="pt-BR" sz="1400" b="0" strike="noStrike" spc="-1">
+            <a:endParaRPr lang="pt-BR" sz="1400" b="0" strike="noStrike" spc="-1" dirty="0">
               <a:solidFill>
                 <a:srgbClr val="000000"/>
               </a:solidFill>
@@ -9816,7 +9819,7 @@
               <a:buChar char=""/>
             </a:pPr>
             <a:r>
-              <a:rPr lang="pt-BR" sz="1400" b="0" strike="noStrike" spc="-1">
+              <a:rPr lang="pt-BR" sz="1400" b="0" strike="noStrike" spc="-1" dirty="0">
                 <a:solidFill>
                   <a:srgbClr val="000000"/>
                 </a:solidFill>
@@ -9825,7 +9828,7 @@
               </a:rPr>
               <a:t>Persistência é a chave: se você não desistir, eventualmente encontrará a solução</a:t>
             </a:r>
-            <a:endParaRPr lang="pt-BR" sz="1400" b="0" strike="noStrike" spc="-1">
+            <a:endParaRPr lang="pt-BR" sz="1400" b="0" strike="noStrike" spc="-1" dirty="0">
               <a:solidFill>
                 <a:srgbClr val="000000"/>
               </a:solidFill>
@@ -9841,7 +9844,162 @@
                 <a:spcPts val="1417"/>
               </a:spcBef>
             </a:pPr>
-            <a:endParaRPr lang="pt-BR" sz="1400" b="0" strike="noStrike" spc="-1">
+            <a:endParaRPr lang="pt-BR" sz="1400" b="0" strike="noStrike" spc="-1" dirty="0">
+              <a:solidFill>
+                <a:srgbClr val="000000"/>
+              </a:solidFill>
+              <a:latin typeface="Arial"/>
+            </a:endParaRPr>
+          </a:p>
+        </p:txBody>
+      </p:sp>
+      <p:sp>
+        <p:nvSpPr>
+          <p:cNvPr id="4" name="CaixaDeTexto 38">
+            <a:extLst>
+              <a:ext uri="{FF2B5EF4-FFF2-40B4-BE49-F238E27FC236}">
+                <a16:creationId xmlns:a16="http://schemas.microsoft.com/office/drawing/2014/main" id="{D71C2C4E-8719-9990-5DE1-590881BFB22D}"/>
+              </a:ext>
+            </a:extLst>
+          </p:cNvPr>
+          <p:cNvSpPr/>
+          <p:nvPr/>
+        </p:nvSpPr>
+        <p:spPr>
+          <a:xfrm>
+            <a:off x="493276" y="4183099"/>
+            <a:ext cx="7693920" cy="2293661"/>
+          </a:xfrm>
+          <a:prstGeom prst="rect">
+            <a:avLst/>
+          </a:prstGeom>
+          <a:noFill/>
+          <a:ln w="0">
+            <a:noFill/>
+          </a:ln>
+        </p:spPr>
+        <p:style>
+          <a:lnRef idx="0">
+            <a:scrgbClr r="0" g="0" b="0"/>
+          </a:lnRef>
+          <a:fillRef idx="0">
+            <a:scrgbClr r="0" g="0" b="0"/>
+          </a:fillRef>
+          <a:effectRef idx="0">
+            <a:scrgbClr r="0" g="0" b="0"/>
+          </a:effectRef>
+          <a:fontRef idx="minor"/>
+        </p:style>
+        <p:txBody>
+          <a:bodyPr lIns="90000" tIns="45000" rIns="90000" bIns="45000" anchor="t">
+            <a:spAutoFit/>
+          </a:bodyPr>
+          <a:lstStyle/>
+          <a:p>
+            <a:pPr algn="just">
+              <a:lnSpc>
+                <a:spcPct val="115000"/>
+              </a:lnSpc>
+              <a:buClr>
+                <a:srgbClr val="000000"/>
+              </a:buClr>
+            </a:pPr>
+            <a:r>
+              <a:rPr lang="pt-BR" spc="-1" dirty="0">
+                <a:solidFill>
+                  <a:srgbClr val="01498E"/>
+                </a:solidFill>
+                <a:latin typeface="Arial"/>
+                <a:ea typeface="Calibri"/>
+              </a:rPr>
+              <a:t>Pessoal adiantar a criação conta no GITHUB !!!</a:t>
+            </a:r>
+          </a:p>
+          <a:p>
+            <a:pPr algn="just">
+              <a:lnSpc>
+                <a:spcPct val="115000"/>
+              </a:lnSpc>
+              <a:buClr>
+                <a:srgbClr val="000000"/>
+              </a:buClr>
+            </a:pPr>
+            <a:r>
+              <a:rPr lang="pt-BR" sz="1800" b="0" strike="noStrike" spc="-1" dirty="0">
+                <a:solidFill>
+                  <a:srgbClr val="01498E"/>
+                </a:solidFill>
+                <a:latin typeface="Arial"/>
+                <a:ea typeface="Calibri"/>
+              </a:rPr>
+              <a:t>(quem ainda não tem)</a:t>
+            </a:r>
+            <a:endParaRPr lang="pt-BR" sz="1800" b="0" strike="noStrike" spc="-1" dirty="0">
+              <a:solidFill>
+                <a:srgbClr val="000000"/>
+              </a:solidFill>
+              <a:latin typeface="Arial"/>
+            </a:endParaRPr>
+          </a:p>
+          <a:p>
+            <a:pPr algn="just">
+              <a:lnSpc>
+                <a:spcPct val="115000"/>
+              </a:lnSpc>
+            </a:pPr>
+            <a:endParaRPr lang="pt-BR" sz="1800" b="0" strike="noStrike" spc="-1" dirty="0">
+              <a:solidFill>
+                <a:srgbClr val="000000"/>
+              </a:solidFill>
+              <a:latin typeface="Arial"/>
+            </a:endParaRPr>
+          </a:p>
+          <a:p>
+            <a:pPr algn="just">
+              <a:lnSpc>
+                <a:spcPct val="115000"/>
+              </a:lnSpc>
+            </a:pPr>
+            <a:endParaRPr lang="pt-BR" sz="1800" b="0" strike="noStrike" spc="-1" dirty="0">
+              <a:solidFill>
+                <a:srgbClr val="000000"/>
+              </a:solidFill>
+              <a:latin typeface="Arial"/>
+            </a:endParaRPr>
+          </a:p>
+          <a:p>
+            <a:pPr algn="just">
+              <a:lnSpc>
+                <a:spcPct val="115000"/>
+              </a:lnSpc>
+            </a:pPr>
+            <a:endParaRPr lang="pt-BR" sz="1800" b="0" strike="noStrike" spc="-1" dirty="0">
+              <a:solidFill>
+                <a:srgbClr val="000000"/>
+              </a:solidFill>
+              <a:latin typeface="Arial"/>
+            </a:endParaRPr>
+          </a:p>
+          <a:p>
+            <a:pPr algn="just">
+              <a:lnSpc>
+                <a:spcPct val="115000"/>
+              </a:lnSpc>
+            </a:pPr>
+            <a:endParaRPr lang="pt-BR" sz="1800" b="0" strike="noStrike" spc="-1" dirty="0">
+              <a:solidFill>
+                <a:srgbClr val="000000"/>
+              </a:solidFill>
+              <a:latin typeface="Arial"/>
+            </a:endParaRPr>
+          </a:p>
+          <a:p>
+            <a:pPr algn="just">
+              <a:lnSpc>
+                <a:spcPct val="115000"/>
+              </a:lnSpc>
+            </a:pPr>
+            <a:endParaRPr lang="pt-BR" sz="1800" b="0" strike="noStrike" spc="-1" dirty="0">
               <a:solidFill>
                 <a:srgbClr val="000000"/>
               </a:solidFill>
@@ -12526,7 +12684,7 @@
               <a:buChar char="●"/>
             </a:pPr>
             <a:r>
-              <a:rPr lang="pt-BR" sz="1800" b="0" strike="noStrike" spc="-1">
+              <a:rPr lang="pt-BR" sz="1800" b="0" strike="noStrike" spc="-1" dirty="0">
                 <a:solidFill>
                   <a:srgbClr val="01498E"/>
                 </a:solidFill>
@@ -12535,7 +12693,7 @@
               </a:rPr>
               <a:t>Arquitetura Web Básica?</a:t>
             </a:r>
-            <a:endParaRPr lang="pt-BR" sz="1800" b="0" strike="noStrike" spc="-1">
+            <a:endParaRPr lang="pt-BR" sz="1800" b="0" strike="noStrike" spc="-1" dirty="0">
               <a:solidFill>
                 <a:srgbClr val="000000"/>
               </a:solidFill>
@@ -12555,7 +12713,7 @@
               <a:buChar char=""/>
             </a:pPr>
             <a:r>
-              <a:rPr lang="pt-BR" sz="1800" b="0" strike="noStrike" spc="-1">
+              <a:rPr lang="pt-BR" sz="1800" b="0" strike="noStrike" spc="-1" dirty="0">
                 <a:solidFill>
                   <a:srgbClr val="01498E"/>
                 </a:solidFill>
@@ -12564,7 +12722,7 @@
               </a:rPr>
               <a:t>Cliente (navegador) faz requisições.</a:t>
             </a:r>
-            <a:endParaRPr lang="pt-BR" sz="1800" b="0" strike="noStrike" spc="-1">
+            <a:endParaRPr lang="pt-BR" sz="1800" b="0" strike="noStrike" spc="-1" dirty="0">
               <a:solidFill>
                 <a:srgbClr val="000000"/>
               </a:solidFill>
@@ -12584,7 +12742,7 @@
               <a:buChar char=""/>
             </a:pPr>
             <a:r>
-              <a:rPr lang="pt-BR" sz="1800" b="0" strike="noStrike" spc="-1">
+              <a:rPr lang="pt-BR" sz="1800" b="0" strike="noStrike" spc="-1" dirty="0">
                 <a:solidFill>
                   <a:srgbClr val="01498E"/>
                 </a:solidFill>
@@ -12593,7 +12751,7 @@
               </a:rPr>
               <a:t>Servidor processa e retorna respostas (HTTP).</a:t>
             </a:r>
-            <a:endParaRPr lang="pt-BR" sz="1800" b="0" strike="noStrike" spc="-1">
+            <a:endParaRPr lang="pt-BR" sz="1800" b="0" strike="noStrike" spc="-1" dirty="0">
               <a:solidFill>
                 <a:srgbClr val="000000"/>
               </a:solidFill>
@@ -12612,17 +12770,7 @@
               <a:buFont typeface="Wingdings" charset="2"/>
               <a:buChar char=""/>
             </a:pPr>
-            <a:r>
-              <a:rPr lang="pt-BR" sz="1800" b="0" strike="noStrike" spc="-1">
-                <a:solidFill>
-                  <a:srgbClr val="01498E"/>
-                </a:solidFill>
-                <a:latin typeface="Arial"/>
-                <a:ea typeface="Calibri"/>
-              </a:rPr>
-              <a:t>  </a:t>
-            </a:r>
-            <a:endParaRPr lang="pt-BR" sz="1800" b="0" strike="noStrike" spc="-1">
+            <a:endParaRPr lang="pt-BR" sz="1800" b="0" strike="noStrike" spc="-1" dirty="0">
               <a:solidFill>
                 <a:srgbClr val="000000"/>
               </a:solidFill>
@@ -12635,7 +12783,7 @@
                 <a:spcPct val="115000"/>
               </a:lnSpc>
             </a:pPr>
-            <a:endParaRPr lang="pt-BR" sz="1800" b="0" strike="noStrike" spc="-1">
+            <a:endParaRPr lang="pt-BR" sz="1800" b="0" strike="noStrike" spc="-1" dirty="0">
               <a:solidFill>
                 <a:srgbClr val="000000"/>
               </a:solidFill>
@@ -12648,7 +12796,7 @@
                 <a:spcPct val="115000"/>
               </a:lnSpc>
             </a:pPr>
-            <a:endParaRPr lang="pt-BR" sz="1800" b="0" strike="noStrike" spc="-1">
+            <a:endParaRPr lang="pt-BR" sz="1800" b="0" strike="noStrike" spc="-1" dirty="0">
               <a:solidFill>
                 <a:srgbClr val="000000"/>
               </a:solidFill>
@@ -12661,7 +12809,7 @@
                 <a:spcPct val="115000"/>
               </a:lnSpc>
             </a:pPr>
-            <a:endParaRPr lang="pt-BR" sz="1800" b="0" strike="noStrike" spc="-1">
+            <a:endParaRPr lang="pt-BR" sz="1800" b="0" strike="noStrike" spc="-1" dirty="0">
               <a:solidFill>
                 <a:srgbClr val="000000"/>
               </a:solidFill>
@@ -12674,7 +12822,7 @@
                 <a:spcPct val="115000"/>
               </a:lnSpc>
             </a:pPr>
-            <a:endParaRPr lang="pt-BR" sz="1800" b="0" strike="noStrike" spc="-1">
+            <a:endParaRPr lang="pt-BR" sz="1800" b="0" strike="noStrike" spc="-1" dirty="0">
               <a:solidFill>
                 <a:srgbClr val="000000"/>
               </a:solidFill>
@@ -12848,7 +12996,7 @@
         <p:spPr>
           <a:xfrm>
             <a:off x="291960" y="1113480"/>
-            <a:ext cx="7693920" cy="2612520"/>
+            <a:ext cx="7693920" cy="2612210"/>
           </a:xfrm>
           <a:prstGeom prst="rect">
             <a:avLst/>
@@ -12887,16 +13035,26 @@
               <a:buChar char="●"/>
             </a:pPr>
             <a:r>
-              <a:rPr lang="pt-BR" sz="1800" b="0" strike="noStrike" spc="-1">
+              <a:rPr lang="pt-BR" sz="1800" b="0" strike="noStrike" spc="-1" dirty="0">
                 <a:solidFill>
                   <a:srgbClr val="01498E"/>
                 </a:solidFill>
                 <a:latin typeface="Arial"/>
                 <a:ea typeface="Calibri"/>
               </a:rPr>
-              <a:t>Componentes do Front-End</a:t>
-            </a:r>
-            <a:endParaRPr lang="pt-BR" sz="1800" b="0" strike="noStrike" spc="-1">
+              <a:t>Componentes do Front-</a:t>
+            </a:r>
+            <a:r>
+              <a:rPr lang="pt-BR" sz="1800" b="0" strike="noStrike" spc="-1" dirty="0" err="1">
+                <a:solidFill>
+                  <a:srgbClr val="01498E"/>
+                </a:solidFill>
+                <a:latin typeface="Arial"/>
+                <a:ea typeface="Calibri"/>
+              </a:rPr>
+              <a:t>End</a:t>
+            </a:r>
+            <a:endParaRPr lang="pt-BR" sz="1800" b="0" strike="noStrike" spc="-1" dirty="0">
               <a:solidFill>
                 <a:srgbClr val="000000"/>
               </a:solidFill>
@@ -12916,24 +13074,18 @@
               <a:buChar char=""/>
             </a:pPr>
             <a:r>
-              <a:rPr lang="pt-BR" sz="1800" b="0" strike="noStrike" spc="-1">
+              <a:rPr lang="pt-BR" sz="1800" b="0" strike="noStrike" spc="-1" dirty="0">
                 <a:solidFill>
                   <a:srgbClr val="01498E"/>
                 </a:solidFill>
                 <a:latin typeface="Arial"/>
                 <a:ea typeface="Calibri"/>
               </a:rPr>
-              <a:t>HTML?</a:t>
-            </a:r>
-            <a:endParaRPr lang="pt-BR" sz="1800" b="0" strike="noStrike" spc="-1">
-              <a:solidFill>
-                <a:srgbClr val="000000"/>
-              </a:solidFill>
-              <a:latin typeface="Arial"/>
-            </a:endParaRPr>
-          </a:p>
-          <a:p>
-            <a:pPr marL="648000" lvl="2" indent="-216000" algn="just">
+              <a:t>Navegador WEB</a:t>
+            </a:r>
+          </a:p>
+          <a:p>
+            <a:pPr marL="432000" lvl="1" indent="-216000" algn="just">
               <a:lnSpc>
                 <a:spcPct val="115000"/>
               </a:lnSpc>
@@ -12945,24 +13097,24 @@
               <a:buChar char=""/>
             </a:pPr>
             <a:r>
-              <a:rPr lang="pt-BR" sz="1800" b="0" strike="noStrike" spc="-1">
+              <a:rPr lang="pt-BR" sz="1800" b="0" strike="noStrike" spc="-1" dirty="0">
                 <a:solidFill>
                   <a:srgbClr val="01498E"/>
                 </a:solidFill>
                 <a:latin typeface="Arial"/>
                 <a:ea typeface="Calibri"/>
               </a:rPr>
-              <a:t> </a:t>
-            </a:r>
-            <a:endParaRPr lang="pt-BR" sz="1800" b="0" strike="noStrike" spc="-1">
-              <a:solidFill>
-                <a:srgbClr val="000000"/>
-              </a:solidFill>
-              <a:latin typeface="Arial"/>
-            </a:endParaRPr>
-          </a:p>
-          <a:p>
-            <a:pPr marL="432000" lvl="1" indent="-216000" algn="just">
+              <a:t>HTML?</a:t>
+            </a:r>
+            <a:endParaRPr lang="pt-BR" sz="1800" b="0" strike="noStrike" spc="-1" dirty="0">
+              <a:solidFill>
+                <a:srgbClr val="000000"/>
+              </a:solidFill>
+              <a:latin typeface="Arial"/>
+            </a:endParaRPr>
+          </a:p>
+          <a:p>
+            <a:pPr marL="432000" lvl="2" algn="just">
               <a:lnSpc>
                 <a:spcPct val="115000"/>
               </a:lnSpc>
@@ -12970,20 +13122,8 @@
                 <a:srgbClr val="000000"/>
               </a:buClr>
               <a:buSzPct val="45000"/>
-              <a:buFont typeface="Wingdings" charset="2"/>
-              <a:buChar char=""/>
-            </a:pPr>
-            <a:r>
-              <a:rPr lang="pt-BR" sz="1800" b="0" strike="noStrike" spc="-1">
-                <a:solidFill>
-                  <a:srgbClr val="01498E"/>
-                </a:solidFill>
-                <a:latin typeface="Arial"/>
-                <a:ea typeface="Calibri"/>
-              </a:rPr>
-              <a:t>  </a:t>
-            </a:r>
-            <a:endParaRPr lang="pt-BR" sz="1800" b="0" strike="noStrike" spc="-1">
+            </a:pPr>
+            <a:endParaRPr lang="pt-BR" sz="1800" b="0" strike="noStrike" spc="-1" dirty="0">
               <a:solidFill>
                 <a:srgbClr val="000000"/>
               </a:solidFill>
@@ -12996,7 +13136,7 @@
                 <a:spcPct val="115000"/>
               </a:lnSpc>
             </a:pPr>
-            <a:endParaRPr lang="pt-BR" sz="1800" b="0" strike="noStrike" spc="-1">
+            <a:endParaRPr lang="pt-BR" sz="1800" b="0" strike="noStrike" spc="-1" dirty="0">
               <a:solidFill>
                 <a:srgbClr val="000000"/>
               </a:solidFill>
@@ -13009,7 +13149,7 @@
                 <a:spcPct val="115000"/>
               </a:lnSpc>
             </a:pPr>
-            <a:endParaRPr lang="pt-BR" sz="1800" b="0" strike="noStrike" spc="-1">
+            <a:endParaRPr lang="pt-BR" sz="1800" b="0" strike="noStrike" spc="-1" dirty="0">
               <a:solidFill>
                 <a:srgbClr val="000000"/>
               </a:solidFill>
@@ -13022,7 +13162,7 @@
                 <a:spcPct val="115000"/>
               </a:lnSpc>
             </a:pPr>
-            <a:endParaRPr lang="pt-BR" sz="1800" b="0" strike="noStrike" spc="-1">
+            <a:endParaRPr lang="pt-BR" sz="1800" b="0" strike="noStrike" spc="-1" dirty="0">
               <a:solidFill>
                 <a:srgbClr val="000000"/>
               </a:solidFill>
@@ -13035,7 +13175,7 @@
                 <a:spcPct val="115000"/>
               </a:lnSpc>
             </a:pPr>
-            <a:endParaRPr lang="pt-BR" sz="1800" b="0" strike="noStrike" spc="-1">
+            <a:endParaRPr lang="pt-BR" sz="1800" b="0" strike="noStrike" spc="-1" dirty="0">
               <a:solidFill>
                 <a:srgbClr val="000000"/>
               </a:solidFill>
@@ -13225,16 +13365,26 @@
               <a:buChar char="●"/>
             </a:pPr>
             <a:r>
-              <a:rPr lang="pt-BR" sz="1800" b="0" strike="noStrike" spc="-1">
+              <a:rPr lang="pt-BR" sz="1800" b="0" strike="noStrike" spc="-1" dirty="0">
                 <a:solidFill>
                   <a:srgbClr val="01498E"/>
                 </a:solidFill>
                 <a:latin typeface="Arial"/>
                 <a:ea typeface="Calibri"/>
               </a:rPr>
-              <a:t>Componentes do Front-End</a:t>
-            </a:r>
-            <a:endParaRPr lang="pt-BR" sz="1800" b="0" strike="noStrike" spc="-1">
+              <a:t>Componentes do Front-</a:t>
+            </a:r>
+            <a:r>
+              <a:rPr lang="pt-BR" sz="1800" b="0" strike="noStrike" spc="-1" dirty="0" err="1">
+                <a:solidFill>
+                  <a:srgbClr val="01498E"/>
+                </a:solidFill>
+                <a:latin typeface="Arial"/>
+                <a:ea typeface="Calibri"/>
+              </a:rPr>
+              <a:t>End</a:t>
+            </a:r>
+            <a:endParaRPr lang="pt-BR" sz="1800" b="0" strike="noStrike" spc="-1" dirty="0">
               <a:solidFill>
                 <a:srgbClr val="000000"/>
               </a:solidFill>
@@ -13254,7 +13404,7 @@
               <a:buChar char=""/>
             </a:pPr>
             <a:r>
-              <a:rPr lang="pt-BR" sz="1800" b="0" strike="noStrike" spc="-1">
+              <a:rPr lang="pt-BR" sz="1800" b="0" strike="noStrike" spc="-1" dirty="0">
                 <a:solidFill>
                   <a:srgbClr val="01498E"/>
                 </a:solidFill>
@@ -13263,7 +13413,7 @@
               </a:rPr>
               <a:t>HTML: </a:t>
             </a:r>
-            <a:endParaRPr lang="pt-BR" sz="1800" b="0" strike="noStrike" spc="-1">
+            <a:endParaRPr lang="pt-BR" sz="1800" b="0" strike="noStrike" spc="-1" dirty="0">
               <a:solidFill>
                 <a:srgbClr val="000000"/>
               </a:solidFill>
@@ -13283,16 +13433,76 @@
               <a:buChar char=""/>
             </a:pPr>
             <a:r>
-              <a:rPr lang="pt-BR" sz="1800" b="0" strike="noStrike" spc="-1">
+              <a:rPr lang="pt-BR" sz="1800" b="0" strike="noStrike" spc="-1" dirty="0">
                 <a:solidFill>
                   <a:srgbClr val="01498E"/>
                 </a:solidFill>
                 <a:latin typeface="Arial"/>
                 <a:ea typeface="Calibri"/>
               </a:rPr>
-              <a:t>Estrutura e conteúdo da página (tags como &lt;div&gt;, &lt;h1&gt;, &lt;form&gt;).</a:t>
-            </a:r>
-            <a:endParaRPr lang="pt-BR" sz="1800" b="0" strike="noStrike" spc="-1">
+              <a:t>Estrutura e conteúdo da página (</a:t>
+            </a:r>
+            <a:r>
+              <a:rPr lang="pt-BR" sz="1800" b="0" strike="noStrike" spc="-1" dirty="0" err="1">
+                <a:solidFill>
+                  <a:srgbClr val="01498E"/>
+                </a:solidFill>
+                <a:latin typeface="Arial"/>
+                <a:ea typeface="Calibri"/>
+              </a:rPr>
+              <a:t>tags</a:t>
+            </a:r>
+            <a:r>
+              <a:rPr lang="pt-BR" sz="1800" b="0" strike="noStrike" spc="-1" dirty="0">
+                <a:solidFill>
+                  <a:srgbClr val="01498E"/>
+                </a:solidFill>
+                <a:latin typeface="Arial"/>
+                <a:ea typeface="Calibri"/>
+              </a:rPr>
+              <a:t> como &lt;</a:t>
+            </a:r>
+            <a:r>
+              <a:rPr lang="pt-BR" sz="1800" b="0" strike="noStrike" spc="-1" dirty="0" err="1">
+                <a:solidFill>
+                  <a:srgbClr val="01498E"/>
+                </a:solidFill>
+                <a:latin typeface="Arial"/>
+                <a:ea typeface="Calibri"/>
+              </a:rPr>
+              <a:t>div</a:t>
+            </a:r>
+            <a:r>
+              <a:rPr lang="pt-BR" sz="1800" b="0" strike="noStrike" spc="-1" dirty="0">
+                <a:solidFill>
+                  <a:srgbClr val="01498E"/>
+                </a:solidFill>
+                <a:latin typeface="Arial"/>
+                <a:ea typeface="Calibri"/>
+              </a:rPr>
+              <a:t>&gt;, &lt;h1&gt;, &lt;</a:t>
+            </a:r>
+            <a:r>
+              <a:rPr lang="pt-BR" sz="1800" b="0" strike="noStrike" spc="-1" dirty="0" err="1">
+                <a:solidFill>
+                  <a:srgbClr val="01498E"/>
+                </a:solidFill>
+                <a:latin typeface="Arial"/>
+                <a:ea typeface="Calibri"/>
+              </a:rPr>
+              <a:t>form</a:t>
+            </a:r>
+            <a:r>
+              <a:rPr lang="pt-BR" sz="1800" b="0" strike="noStrike" spc="-1" dirty="0">
+                <a:solidFill>
+                  <a:srgbClr val="01498E"/>
+                </a:solidFill>
+                <a:latin typeface="Arial"/>
+                <a:ea typeface="Calibri"/>
+              </a:rPr>
+              <a:t>&gt;).</a:t>
+            </a:r>
+            <a:endParaRPr lang="pt-BR" sz="1800" b="0" strike="noStrike" spc="-1" dirty="0">
               <a:solidFill>
                 <a:srgbClr val="000000"/>
               </a:solidFill>
@@ -13305,7 +13515,7 @@
                 <a:spcPct val="115000"/>
               </a:lnSpc>
             </a:pPr>
-            <a:endParaRPr lang="pt-BR" sz="1800" b="0" strike="noStrike" spc="-1">
+            <a:endParaRPr lang="pt-BR" sz="1800" b="0" strike="noStrike" spc="-1" dirty="0">
               <a:solidFill>
                 <a:srgbClr val="000000"/>
               </a:solidFill>
@@ -13324,17 +13534,7 @@
               <a:buFont typeface="Wingdings" charset="2"/>
               <a:buChar char=""/>
             </a:pPr>
-            <a:r>
-              <a:rPr lang="pt-BR" sz="1800" b="0" strike="noStrike" spc="-1">
-                <a:solidFill>
-                  <a:srgbClr val="01498E"/>
-                </a:solidFill>
-                <a:latin typeface="Arial"/>
-                <a:ea typeface="Calibri"/>
-              </a:rPr>
-              <a:t>  </a:t>
-            </a:r>
-            <a:endParaRPr lang="pt-BR" sz="1800" b="0" strike="noStrike" spc="-1">
+            <a:endParaRPr lang="pt-BR" sz="1800" b="0" strike="noStrike" spc="-1" dirty="0">
               <a:solidFill>
                 <a:srgbClr val="000000"/>
               </a:solidFill>
@@ -13347,7 +13547,7 @@
                 <a:spcPct val="115000"/>
               </a:lnSpc>
             </a:pPr>
-            <a:endParaRPr lang="pt-BR" sz="1800" b="0" strike="noStrike" spc="-1">
+            <a:endParaRPr lang="pt-BR" sz="1800" b="0" strike="noStrike" spc="-1" dirty="0">
               <a:solidFill>
                 <a:srgbClr val="000000"/>
               </a:solidFill>
@@ -13360,7 +13560,7 @@
                 <a:spcPct val="115000"/>
               </a:lnSpc>
             </a:pPr>
-            <a:endParaRPr lang="pt-BR" sz="1800" b="0" strike="noStrike" spc="-1">
+            <a:endParaRPr lang="pt-BR" sz="1800" b="0" strike="noStrike" spc="-1" dirty="0">
               <a:solidFill>
                 <a:srgbClr val="000000"/>
               </a:solidFill>
@@ -13373,7 +13573,7 @@
                 <a:spcPct val="115000"/>
               </a:lnSpc>
             </a:pPr>
-            <a:endParaRPr lang="pt-BR" sz="1800" b="0" strike="noStrike" spc="-1">
+            <a:endParaRPr lang="pt-BR" sz="1800" b="0" strike="noStrike" spc="-1" dirty="0">
               <a:solidFill>
                 <a:srgbClr val="000000"/>
               </a:solidFill>
@@ -13386,7 +13586,7 @@
                 <a:spcPct val="115000"/>
               </a:lnSpc>
             </a:pPr>
-            <a:endParaRPr lang="pt-BR" sz="1800" b="0" strike="noStrike" spc="-1">
+            <a:endParaRPr lang="pt-BR" sz="1800" b="0" strike="noStrike" spc="-1" dirty="0">
               <a:solidFill>
                 <a:srgbClr val="000000"/>
               </a:solidFill>
@@ -13560,7 +13760,7 @@
         <p:spPr>
           <a:xfrm>
             <a:off x="291960" y="1113480"/>
-            <a:ext cx="7693920" cy="2927880"/>
+            <a:ext cx="7693920" cy="2612210"/>
           </a:xfrm>
           <a:prstGeom prst="rect">
             <a:avLst/>
@@ -13599,16 +13799,26 @@
               <a:buChar char="●"/>
             </a:pPr>
             <a:r>
-              <a:rPr lang="pt-BR" sz="1800" b="0" strike="noStrike" spc="-1">
+              <a:rPr lang="pt-BR" sz="1800" b="0" strike="noStrike" spc="-1" dirty="0">
                 <a:solidFill>
                   <a:srgbClr val="01498E"/>
                 </a:solidFill>
                 <a:latin typeface="Arial"/>
                 <a:ea typeface="Calibri"/>
               </a:rPr>
-              <a:t>Componentes do Front-End</a:t>
-            </a:r>
-            <a:endParaRPr lang="pt-BR" sz="1800" b="0" strike="noStrike" spc="-1">
+              <a:t>Componentes do Front-</a:t>
+            </a:r>
+            <a:r>
+              <a:rPr lang="pt-BR" sz="1800" b="0" strike="noStrike" spc="-1" dirty="0" err="1">
+                <a:solidFill>
+                  <a:srgbClr val="01498E"/>
+                </a:solidFill>
+                <a:latin typeface="Arial"/>
+                <a:ea typeface="Calibri"/>
+              </a:rPr>
+              <a:t>End</a:t>
+            </a:r>
+            <a:endParaRPr lang="pt-BR" sz="1800" b="0" strike="noStrike" spc="-1" dirty="0">
               <a:solidFill>
                 <a:srgbClr val="000000"/>
               </a:solidFill>
@@ -13628,7 +13838,7 @@
               <a:buChar char=""/>
             </a:pPr>
             <a:r>
-              <a:rPr lang="pt-BR" sz="1800" b="0" strike="noStrike" spc="-1">
+              <a:rPr lang="pt-BR" sz="1800" b="0" strike="noStrike" spc="-1" dirty="0">
                 <a:solidFill>
                   <a:srgbClr val="01498E"/>
                 </a:solidFill>
@@ -13637,7 +13847,7 @@
               </a:rPr>
               <a:t>HTML: </a:t>
             </a:r>
-            <a:endParaRPr lang="pt-BR" sz="1800" b="0" strike="noStrike" spc="-1">
+            <a:endParaRPr lang="pt-BR" sz="1800" b="0" strike="noStrike" spc="-1" dirty="0">
               <a:solidFill>
                 <a:srgbClr val="000000"/>
               </a:solidFill>
@@ -13657,16 +13867,76 @@
               <a:buChar char=""/>
             </a:pPr>
             <a:r>
-              <a:rPr lang="pt-BR" sz="1800" b="0" strike="noStrike" spc="-1">
+              <a:rPr lang="pt-BR" sz="1800" b="0" strike="noStrike" spc="-1" dirty="0">
                 <a:solidFill>
                   <a:srgbClr val="01498E"/>
                 </a:solidFill>
                 <a:latin typeface="Arial"/>
                 <a:ea typeface="Calibri"/>
               </a:rPr>
-              <a:t>Estrutura e conteúdo da página (tags como &lt;div&gt;, &lt;h1&gt;, &lt;form&gt;).</a:t>
-            </a:r>
-            <a:endParaRPr lang="pt-BR" sz="1800" b="0" strike="noStrike" spc="-1">
+              <a:t>Estrutura e conteúdo da página (</a:t>
+            </a:r>
+            <a:r>
+              <a:rPr lang="pt-BR" sz="1800" b="0" strike="noStrike" spc="-1" dirty="0" err="1">
+                <a:solidFill>
+                  <a:srgbClr val="01498E"/>
+                </a:solidFill>
+                <a:latin typeface="Arial"/>
+                <a:ea typeface="Calibri"/>
+              </a:rPr>
+              <a:t>tags</a:t>
+            </a:r>
+            <a:r>
+              <a:rPr lang="pt-BR" sz="1800" b="0" strike="noStrike" spc="-1" dirty="0">
+                <a:solidFill>
+                  <a:srgbClr val="01498E"/>
+                </a:solidFill>
+                <a:latin typeface="Arial"/>
+                <a:ea typeface="Calibri"/>
+              </a:rPr>
+              <a:t> como &lt;</a:t>
+            </a:r>
+            <a:r>
+              <a:rPr lang="pt-BR" sz="1800" b="0" strike="noStrike" spc="-1" dirty="0" err="1">
+                <a:solidFill>
+                  <a:srgbClr val="01498E"/>
+                </a:solidFill>
+                <a:latin typeface="Arial"/>
+                <a:ea typeface="Calibri"/>
+              </a:rPr>
+              <a:t>div</a:t>
+            </a:r>
+            <a:r>
+              <a:rPr lang="pt-BR" sz="1800" b="0" strike="noStrike" spc="-1" dirty="0">
+                <a:solidFill>
+                  <a:srgbClr val="01498E"/>
+                </a:solidFill>
+                <a:latin typeface="Arial"/>
+                <a:ea typeface="Calibri"/>
+              </a:rPr>
+              <a:t>&gt;, &lt;h1&gt;, &lt;</a:t>
+            </a:r>
+            <a:r>
+              <a:rPr lang="pt-BR" sz="1800" b="0" strike="noStrike" spc="-1" dirty="0" err="1">
+                <a:solidFill>
+                  <a:srgbClr val="01498E"/>
+                </a:solidFill>
+                <a:latin typeface="Arial"/>
+                <a:ea typeface="Calibri"/>
+              </a:rPr>
+              <a:t>form</a:t>
+            </a:r>
+            <a:r>
+              <a:rPr lang="pt-BR" sz="1800" b="0" strike="noStrike" spc="-1" dirty="0">
+                <a:solidFill>
+                  <a:srgbClr val="01498E"/>
+                </a:solidFill>
+                <a:latin typeface="Arial"/>
+                <a:ea typeface="Calibri"/>
+              </a:rPr>
+              <a:t>&gt;).</a:t>
+            </a:r>
+            <a:endParaRPr lang="pt-BR" sz="1800" b="0" strike="noStrike" spc="-1" dirty="0">
               <a:solidFill>
                 <a:srgbClr val="000000"/>
               </a:solidFill>
@@ -13686,7 +13956,7 @@
               <a:buChar char=""/>
             </a:pPr>
             <a:r>
-              <a:rPr lang="pt-BR" sz="1800" b="0" strike="noStrike" spc="-1">
+              <a:rPr lang="pt-BR" sz="1800" b="0" strike="noStrike" spc="-1" dirty="0">
                 <a:solidFill>
                   <a:srgbClr val="01498E"/>
                 </a:solidFill>
@@ -13695,15 +13965,15 @@
               </a:rPr>
               <a:t>CSS?</a:t>
             </a:r>
-            <a:endParaRPr lang="pt-BR" sz="1800" b="0" strike="noStrike" spc="-1">
-              <a:solidFill>
-                <a:srgbClr val="000000"/>
-              </a:solidFill>
-              <a:latin typeface="Arial"/>
-            </a:endParaRPr>
-          </a:p>
-          <a:p>
-            <a:pPr marL="432000" lvl="1" indent="-216000" algn="just">
+            <a:endParaRPr lang="pt-BR" sz="1800" b="0" strike="noStrike" spc="-1" dirty="0">
+              <a:solidFill>
+                <a:srgbClr val="000000"/>
+              </a:solidFill>
+              <a:latin typeface="Arial"/>
+            </a:endParaRPr>
+          </a:p>
+          <a:p>
+            <a:pPr marL="216000" lvl="1" algn="just">
               <a:lnSpc>
                 <a:spcPct val="115000"/>
               </a:lnSpc>
@@ -13711,20 +13981,8 @@
                 <a:srgbClr val="000000"/>
               </a:buClr>
               <a:buSzPct val="45000"/>
-              <a:buFont typeface="Wingdings" charset="2"/>
-              <a:buChar char=""/>
-            </a:pPr>
-            <a:r>
-              <a:rPr lang="pt-BR" sz="1800" b="0" strike="noStrike" spc="-1">
-                <a:solidFill>
-                  <a:srgbClr val="01498E"/>
-                </a:solidFill>
-                <a:latin typeface="Arial"/>
-                <a:ea typeface="Calibri"/>
-              </a:rPr>
-              <a:t>  </a:t>
-            </a:r>
-            <a:endParaRPr lang="pt-BR" sz="1800" b="0" strike="noStrike" spc="-1">
+            </a:pPr>
+            <a:endParaRPr lang="pt-BR" sz="1800" b="0" strike="noStrike" spc="-1" dirty="0">
               <a:solidFill>
                 <a:srgbClr val="000000"/>
               </a:solidFill>
@@ -13737,7 +13995,7 @@
                 <a:spcPct val="115000"/>
               </a:lnSpc>
             </a:pPr>
-            <a:endParaRPr lang="pt-BR" sz="1800" b="0" strike="noStrike" spc="-1">
+            <a:endParaRPr lang="pt-BR" sz="1800" b="0" strike="noStrike" spc="-1" dirty="0">
               <a:solidFill>
                 <a:srgbClr val="000000"/>
               </a:solidFill>
@@ -13750,7 +14008,7 @@
                 <a:spcPct val="115000"/>
               </a:lnSpc>
             </a:pPr>
-            <a:endParaRPr lang="pt-BR" sz="1800" b="0" strike="noStrike" spc="-1">
+            <a:endParaRPr lang="pt-BR" sz="1800" b="0" strike="noStrike" spc="-1" dirty="0">
               <a:solidFill>
                 <a:srgbClr val="000000"/>
               </a:solidFill>
@@ -13763,20 +14021,7 @@
                 <a:spcPct val="115000"/>
               </a:lnSpc>
             </a:pPr>
-            <a:endParaRPr lang="pt-BR" sz="1800" b="0" strike="noStrike" spc="-1">
-              <a:solidFill>
-                <a:srgbClr val="000000"/>
-              </a:solidFill>
-              <a:latin typeface="Arial"/>
-            </a:endParaRPr>
-          </a:p>
-          <a:p>
-            <a:pPr algn="just">
-              <a:lnSpc>
-                <a:spcPct val="115000"/>
-              </a:lnSpc>
-            </a:pPr>
-            <a:endParaRPr lang="pt-BR" sz="1800" b="0" strike="noStrike" spc="-1">
+            <a:endParaRPr lang="pt-BR" sz="1800" b="0" strike="noStrike" spc="-1" dirty="0">
               <a:solidFill>
                 <a:srgbClr val="000000"/>
               </a:solidFill>
@@ -13966,16 +14211,26 @@
               <a:buChar char="●"/>
             </a:pPr>
             <a:r>
-              <a:rPr lang="pt-BR" sz="1800" b="0" strike="noStrike" spc="-1">
+              <a:rPr lang="pt-BR" sz="1800" b="0" strike="noStrike" spc="-1" dirty="0">
                 <a:solidFill>
                   <a:srgbClr val="01498E"/>
                 </a:solidFill>
                 <a:latin typeface="Arial"/>
                 <a:ea typeface="Calibri"/>
               </a:rPr>
-              <a:t>Componentes do Front-End</a:t>
-            </a:r>
-            <a:endParaRPr lang="pt-BR" sz="1800" b="0" strike="noStrike" spc="-1">
+              <a:t>Componentes do Front-</a:t>
+            </a:r>
+            <a:r>
+              <a:rPr lang="pt-BR" sz="1800" b="0" strike="noStrike" spc="-1" dirty="0" err="1">
+                <a:solidFill>
+                  <a:srgbClr val="01498E"/>
+                </a:solidFill>
+                <a:latin typeface="Arial"/>
+                <a:ea typeface="Calibri"/>
+              </a:rPr>
+              <a:t>End</a:t>
+            </a:r>
+            <a:endParaRPr lang="pt-BR" sz="1800" b="0" strike="noStrike" spc="-1" dirty="0">
               <a:solidFill>
                 <a:srgbClr val="000000"/>
               </a:solidFill>
@@ -13995,7 +14250,7 @@
               <a:buChar char=""/>
             </a:pPr>
             <a:r>
-              <a:rPr lang="pt-BR" sz="1800" b="0" strike="noStrike" spc="-1">
+              <a:rPr lang="pt-BR" sz="1800" b="0" strike="noStrike" spc="-1" dirty="0">
                 <a:solidFill>
                   <a:srgbClr val="01498E"/>
                 </a:solidFill>
@@ -14004,7 +14259,7 @@
               </a:rPr>
               <a:t>HTML: </a:t>
             </a:r>
-            <a:endParaRPr lang="pt-BR" sz="1800" b="0" strike="noStrike" spc="-1">
+            <a:endParaRPr lang="pt-BR" sz="1800" b="0" strike="noStrike" spc="-1" dirty="0">
               <a:solidFill>
                 <a:srgbClr val="000000"/>
               </a:solidFill>
@@ -14024,16 +14279,76 @@
               <a:buChar char=""/>
             </a:pPr>
             <a:r>
-              <a:rPr lang="pt-BR" sz="1800" b="0" strike="noStrike" spc="-1">
+              <a:rPr lang="pt-BR" sz="1800" b="0" strike="noStrike" spc="-1" dirty="0">
                 <a:solidFill>
                   <a:srgbClr val="01498E"/>
                 </a:solidFill>
                 <a:latin typeface="Arial"/>
                 <a:ea typeface="Calibri"/>
               </a:rPr>
-              <a:t>Estrutura e conteúdo da página (tags como &lt;div&gt;, &lt;h1&gt;, &lt;form&gt;).</a:t>
-            </a:r>
-            <a:endParaRPr lang="pt-BR" sz="1800" b="0" strike="noStrike" spc="-1">
+              <a:t>Estrutura e conteúdo da página (</a:t>
+            </a:r>
+            <a:r>
+              <a:rPr lang="pt-BR" sz="1800" b="0" strike="noStrike" spc="-1" dirty="0" err="1">
+                <a:solidFill>
+                  <a:srgbClr val="01498E"/>
+                </a:solidFill>
+                <a:latin typeface="Arial"/>
+                <a:ea typeface="Calibri"/>
+              </a:rPr>
+              <a:t>tags</a:t>
+            </a:r>
+            <a:r>
+              <a:rPr lang="pt-BR" sz="1800" b="0" strike="noStrike" spc="-1" dirty="0">
+                <a:solidFill>
+                  <a:srgbClr val="01498E"/>
+                </a:solidFill>
+                <a:latin typeface="Arial"/>
+                <a:ea typeface="Calibri"/>
+              </a:rPr>
+              <a:t> como &lt;</a:t>
+            </a:r>
+            <a:r>
+              <a:rPr lang="pt-BR" sz="1800" b="0" strike="noStrike" spc="-1" dirty="0" err="1">
+                <a:solidFill>
+                  <a:srgbClr val="01498E"/>
+                </a:solidFill>
+                <a:latin typeface="Arial"/>
+                <a:ea typeface="Calibri"/>
+              </a:rPr>
+              <a:t>div</a:t>
+            </a:r>
+            <a:r>
+              <a:rPr lang="pt-BR" sz="1800" b="0" strike="noStrike" spc="-1" dirty="0">
+                <a:solidFill>
+                  <a:srgbClr val="01498E"/>
+                </a:solidFill>
+                <a:latin typeface="Arial"/>
+                <a:ea typeface="Calibri"/>
+              </a:rPr>
+              <a:t>&gt;, &lt;h1&gt;, &lt;</a:t>
+            </a:r>
+            <a:r>
+              <a:rPr lang="pt-BR" sz="1800" b="0" strike="noStrike" spc="-1" dirty="0" err="1">
+                <a:solidFill>
+                  <a:srgbClr val="01498E"/>
+                </a:solidFill>
+                <a:latin typeface="Arial"/>
+                <a:ea typeface="Calibri"/>
+              </a:rPr>
+              <a:t>form</a:t>
+            </a:r>
+            <a:r>
+              <a:rPr lang="pt-BR" sz="1800" b="0" strike="noStrike" spc="-1" dirty="0">
+                <a:solidFill>
+                  <a:srgbClr val="01498E"/>
+                </a:solidFill>
+                <a:latin typeface="Arial"/>
+                <a:ea typeface="Calibri"/>
+              </a:rPr>
+              <a:t>&gt;).</a:t>
+            </a:r>
+            <a:endParaRPr lang="pt-BR" sz="1800" b="0" strike="noStrike" spc="-1" dirty="0">
               <a:solidFill>
                 <a:srgbClr val="000000"/>
               </a:solidFill>
@@ -14053,7 +14368,7 @@
               <a:buChar char=""/>
             </a:pPr>
             <a:r>
-              <a:rPr lang="pt-BR" sz="1800" b="0" strike="noStrike" spc="-1">
+              <a:rPr lang="pt-BR" sz="1800" b="0" strike="noStrike" spc="-1" dirty="0">
                 <a:solidFill>
                   <a:srgbClr val="01498E"/>
                 </a:solidFill>
@@ -14062,7 +14377,7 @@
               </a:rPr>
               <a:t>CSS: </a:t>
             </a:r>
-            <a:endParaRPr lang="pt-BR" sz="1800" b="0" strike="noStrike" spc="-1">
+            <a:endParaRPr lang="pt-BR" sz="1800" b="0" strike="noStrike" spc="-1" dirty="0">
               <a:solidFill>
                 <a:srgbClr val="000000"/>
               </a:solidFill>
@@ -14082,7 +14397,7 @@
               <a:buChar char=""/>
             </a:pPr>
             <a:r>
-              <a:rPr lang="pt-BR" sz="1800" b="0" strike="noStrike" spc="-1">
+              <a:rPr lang="pt-BR" sz="1800" b="0" strike="noStrike" spc="-1" dirty="0">
                 <a:solidFill>
                   <a:srgbClr val="01498E"/>
                 </a:solidFill>
@@ -14091,15 +14406,15 @@
               </a:rPr>
               <a:t>Estilização (cores, layout, responsividade).</a:t>
             </a:r>
-            <a:endParaRPr lang="pt-BR" sz="1800" b="0" strike="noStrike" spc="-1">
-              <a:solidFill>
-                <a:srgbClr val="000000"/>
-              </a:solidFill>
-              <a:latin typeface="Arial"/>
-            </a:endParaRPr>
-          </a:p>
-          <a:p>
-            <a:pPr marL="432000" lvl="1" indent="-216000" algn="just">
+            <a:endParaRPr lang="pt-BR" sz="1800" b="0" strike="noStrike" spc="-1" dirty="0">
+              <a:solidFill>
+                <a:srgbClr val="000000"/>
+              </a:solidFill>
+              <a:latin typeface="Arial"/>
+            </a:endParaRPr>
+          </a:p>
+          <a:p>
+            <a:pPr marL="216000" lvl="1" algn="just">
               <a:lnSpc>
                 <a:spcPct val="115000"/>
               </a:lnSpc>
@@ -14107,11 +14422,9 @@
                 <a:srgbClr val="000000"/>
               </a:buClr>
               <a:buSzPct val="45000"/>
-              <a:buFont typeface="Wingdings" charset="2"/>
-              <a:buChar char=""/>
-            </a:pPr>
-            <a:r>
-              <a:rPr lang="pt-BR" sz="1800" b="0" strike="noStrike" spc="-1">
+            </a:pPr>
+            <a:r>
+              <a:rPr lang="pt-BR" sz="1800" b="0" strike="noStrike" spc="-1" dirty="0">
                 <a:solidFill>
                   <a:srgbClr val="01498E"/>
                 </a:solidFill>
@@ -14120,7 +14433,7 @@
               </a:rPr>
               <a:t>  </a:t>
             </a:r>
-            <a:endParaRPr lang="pt-BR" sz="1800" b="0" strike="noStrike" spc="-1">
+            <a:endParaRPr lang="pt-BR" sz="1800" b="0" strike="noStrike" spc="-1" dirty="0">
               <a:solidFill>
                 <a:srgbClr val="000000"/>
               </a:solidFill>
@@ -14133,7 +14446,7 @@
                 <a:spcPct val="115000"/>
               </a:lnSpc>
             </a:pPr>
-            <a:endParaRPr lang="pt-BR" sz="1800" b="0" strike="noStrike" spc="-1">
+            <a:endParaRPr lang="pt-BR" sz="1800" b="0" strike="noStrike" spc="-1" dirty="0">
               <a:solidFill>
                 <a:srgbClr val="000000"/>
               </a:solidFill>
@@ -14146,7 +14459,7 @@
                 <a:spcPct val="115000"/>
               </a:lnSpc>
             </a:pPr>
-            <a:endParaRPr lang="pt-BR" sz="1800" b="0" strike="noStrike" spc="-1">
+            <a:endParaRPr lang="pt-BR" sz="1800" b="0" strike="noStrike" spc="-1" dirty="0">
               <a:solidFill>
                 <a:srgbClr val="000000"/>
               </a:solidFill>
@@ -14159,7 +14472,7 @@
                 <a:spcPct val="115000"/>
               </a:lnSpc>
             </a:pPr>
-            <a:endParaRPr lang="pt-BR" sz="1800" b="0" strike="noStrike" spc="-1">
+            <a:endParaRPr lang="pt-BR" sz="1800" b="0" strike="noStrike" spc="-1" dirty="0">
               <a:solidFill>
                 <a:srgbClr val="000000"/>
               </a:solidFill>
@@ -14172,7 +14485,7 @@
                 <a:spcPct val="115000"/>
               </a:lnSpc>
             </a:pPr>
-            <a:endParaRPr lang="pt-BR" sz="1800" b="0" strike="noStrike" spc="-1">
+            <a:endParaRPr lang="pt-BR" sz="1800" b="0" strike="noStrike" spc="-1" dirty="0">
               <a:solidFill>
                 <a:srgbClr val="000000"/>
               </a:solidFill>
@@ -14385,7 +14698,7 @@
               <a:buChar char="●"/>
             </a:pPr>
             <a:r>
-              <a:rPr lang="pt-BR" sz="1800" b="0" strike="noStrike" spc="-1">
+              <a:rPr lang="pt-BR" sz="1800" b="0" strike="noStrike" spc="-1" dirty="0">
                 <a:solidFill>
                   <a:srgbClr val="01498E"/>
                 </a:solidFill>
@@ -14394,7 +14707,7 @@
               </a:rPr>
               <a:t>O que é o desenvolvimento web?</a:t>
             </a:r>
-            <a:endParaRPr lang="pt-BR" sz="1800" b="0" strike="noStrike" spc="-1">
+            <a:endParaRPr lang="pt-BR" sz="1800" b="0" strike="noStrike" spc="-1" dirty="0">
               <a:solidFill>
                 <a:srgbClr val="000000"/>
               </a:solidFill>
@@ -14407,7 +14720,7 @@
                 <a:spcPct val="115000"/>
               </a:lnSpc>
             </a:pPr>
-            <a:endParaRPr lang="pt-BR" sz="1800" b="0" strike="noStrike" spc="-1">
+            <a:endParaRPr lang="pt-BR" sz="1800" b="0" strike="noStrike" spc="-1" dirty="0">
               <a:solidFill>
                 <a:srgbClr val="000000"/>
               </a:solidFill>
@@ -14420,7 +14733,7 @@
                 <a:spcPct val="115000"/>
               </a:lnSpc>
             </a:pPr>
-            <a:endParaRPr lang="pt-BR" sz="1800" b="0" strike="noStrike" spc="-1">
+            <a:endParaRPr lang="pt-BR" sz="1800" b="0" strike="noStrike" spc="-1" dirty="0">
               <a:solidFill>
                 <a:srgbClr val="000000"/>
               </a:solidFill>
@@ -14433,7 +14746,7 @@
                 <a:spcPct val="115000"/>
               </a:lnSpc>
             </a:pPr>
-            <a:endParaRPr lang="pt-BR" sz="1800" b="0" strike="noStrike" spc="-1">
+            <a:endParaRPr lang="pt-BR" sz="1800" b="0" strike="noStrike" spc="-1" dirty="0">
               <a:solidFill>
                 <a:srgbClr val="000000"/>
               </a:solidFill>
@@ -14446,7 +14759,7 @@
                 <a:spcPct val="115000"/>
               </a:lnSpc>
             </a:pPr>
-            <a:endParaRPr lang="pt-BR" sz="1800" b="0" strike="noStrike" spc="-1">
+            <a:endParaRPr lang="pt-BR" sz="1800" b="0" strike="noStrike" spc="-1" dirty="0">
               <a:solidFill>
                 <a:srgbClr val="000000"/>
               </a:solidFill>
@@ -14459,7 +14772,7 @@
                 <a:spcPct val="115000"/>
               </a:lnSpc>
             </a:pPr>
-            <a:endParaRPr lang="pt-BR" sz="1800" b="0" strike="noStrike" spc="-1">
+            <a:endParaRPr lang="pt-BR" sz="1800" b="0" strike="noStrike" spc="-1" dirty="0">
               <a:solidFill>
                 <a:srgbClr val="000000"/>
               </a:solidFill>
@@ -14649,16 +14962,26 @@
               <a:buChar char="●"/>
             </a:pPr>
             <a:r>
-              <a:rPr lang="pt-BR" sz="1800" b="0" strike="noStrike" spc="-1">
+              <a:rPr lang="pt-BR" sz="1800" b="0" strike="noStrike" spc="-1" dirty="0">
                 <a:solidFill>
                   <a:srgbClr val="01498E"/>
                 </a:solidFill>
                 <a:latin typeface="Arial"/>
                 <a:ea typeface="Calibri"/>
               </a:rPr>
-              <a:t>Componentes do Front-End</a:t>
-            </a:r>
-            <a:endParaRPr lang="pt-BR" sz="1800" b="0" strike="noStrike" spc="-1">
+              <a:t>Componentes do Front-</a:t>
+            </a:r>
+            <a:r>
+              <a:rPr lang="pt-BR" sz="1800" b="0" strike="noStrike" spc="-1" dirty="0" err="1">
+                <a:solidFill>
+                  <a:srgbClr val="01498E"/>
+                </a:solidFill>
+                <a:latin typeface="Arial"/>
+                <a:ea typeface="Calibri"/>
+              </a:rPr>
+              <a:t>End</a:t>
+            </a:r>
+            <a:endParaRPr lang="pt-BR" sz="1800" b="0" strike="noStrike" spc="-1" dirty="0">
               <a:solidFill>
                 <a:srgbClr val="000000"/>
               </a:solidFill>
@@ -14678,7 +15001,7 @@
               <a:buChar char=""/>
             </a:pPr>
             <a:r>
-              <a:rPr lang="pt-BR" sz="1800" b="0" strike="noStrike" spc="-1">
+              <a:rPr lang="pt-BR" sz="1800" b="0" strike="noStrike" spc="-1" dirty="0">
                 <a:solidFill>
                   <a:srgbClr val="01498E"/>
                 </a:solidFill>
@@ -14687,7 +15010,7 @@
               </a:rPr>
               <a:t>HTML: </a:t>
             </a:r>
-            <a:endParaRPr lang="pt-BR" sz="1800" b="0" strike="noStrike" spc="-1">
+            <a:endParaRPr lang="pt-BR" sz="1800" b="0" strike="noStrike" spc="-1" dirty="0">
               <a:solidFill>
                 <a:srgbClr val="000000"/>
               </a:solidFill>
@@ -14707,16 +15030,76 @@
               <a:buChar char=""/>
             </a:pPr>
             <a:r>
-              <a:rPr lang="pt-BR" sz="1800" b="0" strike="noStrike" spc="-1">
+              <a:rPr lang="pt-BR" sz="1800" b="0" strike="noStrike" spc="-1" dirty="0">
                 <a:solidFill>
                   <a:srgbClr val="01498E"/>
                 </a:solidFill>
                 <a:latin typeface="Arial"/>
                 <a:ea typeface="Calibri"/>
               </a:rPr>
-              <a:t>Estrutura e conteúdo da página (tags como &lt;div&gt;, &lt;h1&gt;, &lt;form&gt;).</a:t>
-            </a:r>
-            <a:endParaRPr lang="pt-BR" sz="1800" b="0" strike="noStrike" spc="-1">
+              <a:t>Estrutura e conteúdo da página (</a:t>
+            </a:r>
+            <a:r>
+              <a:rPr lang="pt-BR" sz="1800" b="0" strike="noStrike" spc="-1" dirty="0" err="1">
+                <a:solidFill>
+                  <a:srgbClr val="01498E"/>
+                </a:solidFill>
+                <a:latin typeface="Arial"/>
+                <a:ea typeface="Calibri"/>
+              </a:rPr>
+              <a:t>tags</a:t>
+            </a:r>
+            <a:r>
+              <a:rPr lang="pt-BR" sz="1800" b="0" strike="noStrike" spc="-1" dirty="0">
+                <a:solidFill>
+                  <a:srgbClr val="01498E"/>
+                </a:solidFill>
+                <a:latin typeface="Arial"/>
+                <a:ea typeface="Calibri"/>
+              </a:rPr>
+              <a:t> como &lt;</a:t>
+            </a:r>
+            <a:r>
+              <a:rPr lang="pt-BR" sz="1800" b="0" strike="noStrike" spc="-1" dirty="0" err="1">
+                <a:solidFill>
+                  <a:srgbClr val="01498E"/>
+                </a:solidFill>
+                <a:latin typeface="Arial"/>
+                <a:ea typeface="Calibri"/>
+              </a:rPr>
+              <a:t>div</a:t>
+            </a:r>
+            <a:r>
+              <a:rPr lang="pt-BR" sz="1800" b="0" strike="noStrike" spc="-1" dirty="0">
+                <a:solidFill>
+                  <a:srgbClr val="01498E"/>
+                </a:solidFill>
+                <a:latin typeface="Arial"/>
+                <a:ea typeface="Calibri"/>
+              </a:rPr>
+              <a:t>&gt;, &lt;h1&gt;, &lt;</a:t>
+            </a:r>
+            <a:r>
+              <a:rPr lang="pt-BR" sz="1800" b="0" strike="noStrike" spc="-1" dirty="0" err="1">
+                <a:solidFill>
+                  <a:srgbClr val="01498E"/>
+                </a:solidFill>
+                <a:latin typeface="Arial"/>
+                <a:ea typeface="Calibri"/>
+              </a:rPr>
+              <a:t>form</a:t>
+            </a:r>
+            <a:r>
+              <a:rPr lang="pt-BR" sz="1800" b="0" strike="noStrike" spc="-1" dirty="0">
+                <a:solidFill>
+                  <a:srgbClr val="01498E"/>
+                </a:solidFill>
+                <a:latin typeface="Arial"/>
+                <a:ea typeface="Calibri"/>
+              </a:rPr>
+              <a:t>&gt;).</a:t>
+            </a:r>
+            <a:endParaRPr lang="pt-BR" sz="1800" b="0" strike="noStrike" spc="-1" dirty="0">
               <a:solidFill>
                 <a:srgbClr val="000000"/>
               </a:solidFill>
@@ -14736,7 +15119,7 @@
               <a:buChar char=""/>
             </a:pPr>
             <a:r>
-              <a:rPr lang="pt-BR" sz="1800" b="0" strike="noStrike" spc="-1">
+              <a:rPr lang="pt-BR" sz="1800" b="0" strike="noStrike" spc="-1" dirty="0">
                 <a:solidFill>
                   <a:srgbClr val="01498E"/>
                 </a:solidFill>
@@ -14745,7 +15128,7 @@
               </a:rPr>
               <a:t>CSS: </a:t>
             </a:r>
-            <a:endParaRPr lang="pt-BR" sz="1800" b="0" strike="noStrike" spc="-1">
+            <a:endParaRPr lang="pt-BR" sz="1800" b="0" strike="noStrike" spc="-1" dirty="0">
               <a:solidFill>
                 <a:srgbClr val="000000"/>
               </a:solidFill>
@@ -14765,7 +15148,7 @@
               <a:buChar char=""/>
             </a:pPr>
             <a:r>
-              <a:rPr lang="pt-BR" sz="1800" b="0" strike="noStrike" spc="-1">
+              <a:rPr lang="pt-BR" sz="1800" b="0" strike="noStrike" spc="-1" dirty="0">
                 <a:solidFill>
                   <a:srgbClr val="01498E"/>
                 </a:solidFill>
@@ -14774,7 +15157,7 @@
               </a:rPr>
               <a:t>Estilização (cores, layout, responsividade).</a:t>
             </a:r>
-            <a:endParaRPr lang="pt-BR" sz="1800" b="0" strike="noStrike" spc="-1">
+            <a:endParaRPr lang="pt-BR" sz="1800" b="0" strike="noStrike" spc="-1" dirty="0">
               <a:solidFill>
                 <a:srgbClr val="000000"/>
               </a:solidFill>
@@ -14794,16 +15177,26 @@
               <a:buChar char=""/>
             </a:pPr>
             <a:r>
-              <a:rPr lang="pt-BR" sz="1800" b="0" strike="noStrike" spc="-1">
+              <a:rPr lang="pt-BR" sz="1800" b="0" strike="noStrike" spc="-1" dirty="0" err="1">
                 <a:solidFill>
                   <a:srgbClr val="01498E"/>
                 </a:solidFill>
                 <a:latin typeface="Arial"/>
                 <a:ea typeface="Calibri"/>
               </a:rPr>
-              <a:t>JavaScript?</a:t>
-            </a:r>
-            <a:endParaRPr lang="pt-BR" sz="1800" b="0" strike="noStrike" spc="-1">
+              <a:t>JavaScript</a:t>
+            </a:r>
+            <a:r>
+              <a:rPr lang="pt-BR" sz="1800" b="0" strike="noStrike" spc="-1" dirty="0">
+                <a:solidFill>
+                  <a:srgbClr val="01498E"/>
+                </a:solidFill>
+                <a:latin typeface="Arial"/>
+                <a:ea typeface="Calibri"/>
+              </a:rPr>
+              <a:t>?</a:t>
+            </a:r>
+            <a:endParaRPr lang="pt-BR" sz="1800" b="0" strike="noStrike" spc="-1" dirty="0">
               <a:solidFill>
                 <a:srgbClr val="000000"/>
               </a:solidFill>
@@ -14822,17 +15215,7 @@
               <a:buFont typeface="Wingdings" charset="2"/>
               <a:buChar char=""/>
             </a:pPr>
-            <a:r>
-              <a:rPr lang="pt-BR" sz="1800" b="0" strike="noStrike" spc="-1">
-                <a:solidFill>
-                  <a:srgbClr val="01498E"/>
-                </a:solidFill>
-                <a:latin typeface="Arial"/>
-                <a:ea typeface="Calibri"/>
-              </a:rPr>
-              <a:t>  </a:t>
-            </a:r>
-            <a:endParaRPr lang="pt-BR" sz="1800" b="0" strike="noStrike" spc="-1">
+            <a:endParaRPr lang="pt-BR" sz="1800" b="0" strike="noStrike" spc="-1" dirty="0">
               <a:solidFill>
                 <a:srgbClr val="000000"/>
               </a:solidFill>
@@ -14845,7 +15228,7 @@
                 <a:spcPct val="115000"/>
               </a:lnSpc>
             </a:pPr>
-            <a:endParaRPr lang="pt-BR" sz="1800" b="0" strike="noStrike" spc="-1">
+            <a:endParaRPr lang="pt-BR" sz="1800" b="0" strike="noStrike" spc="-1" dirty="0">
               <a:solidFill>
                 <a:srgbClr val="000000"/>
               </a:solidFill>
@@ -14858,7 +15241,7 @@
                 <a:spcPct val="115000"/>
               </a:lnSpc>
             </a:pPr>
-            <a:endParaRPr lang="pt-BR" sz="1800" b="0" strike="noStrike" spc="-1">
+            <a:endParaRPr lang="pt-BR" sz="1800" b="0" strike="noStrike" spc="-1" dirty="0">
               <a:solidFill>
                 <a:srgbClr val="000000"/>
               </a:solidFill>
@@ -14871,7 +15254,7 @@
                 <a:spcPct val="115000"/>
               </a:lnSpc>
             </a:pPr>
-            <a:endParaRPr lang="pt-BR" sz="1800" b="0" strike="noStrike" spc="-1">
+            <a:endParaRPr lang="pt-BR" sz="1800" b="0" strike="noStrike" spc="-1" dirty="0">
               <a:solidFill>
                 <a:srgbClr val="000000"/>
               </a:solidFill>
@@ -14884,7 +15267,7 @@
                 <a:spcPct val="115000"/>
               </a:lnSpc>
             </a:pPr>
-            <a:endParaRPr lang="pt-BR" sz="1800" b="0" strike="noStrike" spc="-1">
+            <a:endParaRPr lang="pt-BR" sz="1800" b="0" strike="noStrike" spc="-1" dirty="0">
               <a:solidFill>
                 <a:srgbClr val="000000"/>
               </a:solidFill>
@@ -15074,16 +15457,26 @@
               <a:buChar char="●"/>
             </a:pPr>
             <a:r>
-              <a:rPr lang="pt-BR" sz="1800" b="0" strike="noStrike" spc="-1">
+              <a:rPr lang="pt-BR" sz="1800" b="0" strike="noStrike" spc="-1" dirty="0">
                 <a:solidFill>
                   <a:srgbClr val="01498E"/>
                 </a:solidFill>
                 <a:latin typeface="Arial"/>
                 <a:ea typeface="Calibri"/>
               </a:rPr>
-              <a:t>Componentes do Front-End</a:t>
-            </a:r>
-            <a:endParaRPr lang="pt-BR" sz="1800" b="0" strike="noStrike" spc="-1">
+              <a:t>Componentes do Front-</a:t>
+            </a:r>
+            <a:r>
+              <a:rPr lang="pt-BR" sz="1800" b="0" strike="noStrike" spc="-1" dirty="0" err="1">
+                <a:solidFill>
+                  <a:srgbClr val="01498E"/>
+                </a:solidFill>
+                <a:latin typeface="Arial"/>
+                <a:ea typeface="Calibri"/>
+              </a:rPr>
+              <a:t>End</a:t>
+            </a:r>
+            <a:endParaRPr lang="pt-BR" sz="1800" b="0" strike="noStrike" spc="-1" dirty="0">
               <a:solidFill>
                 <a:srgbClr val="000000"/>
               </a:solidFill>
@@ -15103,7 +15496,7 @@
               <a:buChar char=""/>
             </a:pPr>
             <a:r>
-              <a:rPr lang="pt-BR" sz="1800" b="0" strike="noStrike" spc="-1">
+              <a:rPr lang="pt-BR" sz="1800" b="0" strike="noStrike" spc="-1" dirty="0">
                 <a:solidFill>
                   <a:srgbClr val="01498E"/>
                 </a:solidFill>
@@ -15112,7 +15505,7 @@
               </a:rPr>
               <a:t>HTML: </a:t>
             </a:r>
-            <a:endParaRPr lang="pt-BR" sz="1800" b="0" strike="noStrike" spc="-1">
+            <a:endParaRPr lang="pt-BR" sz="1800" b="0" strike="noStrike" spc="-1" dirty="0">
               <a:solidFill>
                 <a:srgbClr val="000000"/>
               </a:solidFill>
@@ -15132,16 +15525,76 @@
               <a:buChar char=""/>
             </a:pPr>
             <a:r>
-              <a:rPr lang="pt-BR" sz="1800" b="0" strike="noStrike" spc="-1">
+              <a:rPr lang="pt-BR" sz="1800" b="0" strike="noStrike" spc="-1" dirty="0">
                 <a:solidFill>
                   <a:srgbClr val="01498E"/>
                 </a:solidFill>
                 <a:latin typeface="Arial"/>
                 <a:ea typeface="Calibri"/>
               </a:rPr>
-              <a:t>Estrutura e conteúdo da página (tags como &lt;div&gt;, &lt;h1&gt;, &lt;form&gt;).</a:t>
-            </a:r>
-            <a:endParaRPr lang="pt-BR" sz="1800" b="0" strike="noStrike" spc="-1">
+              <a:t>Estrutura e conteúdo da página (</a:t>
+            </a:r>
+            <a:r>
+              <a:rPr lang="pt-BR" sz="1800" b="0" strike="noStrike" spc="-1" dirty="0" err="1">
+                <a:solidFill>
+                  <a:srgbClr val="01498E"/>
+                </a:solidFill>
+                <a:latin typeface="Arial"/>
+                <a:ea typeface="Calibri"/>
+              </a:rPr>
+              <a:t>tags</a:t>
+            </a:r>
+            <a:r>
+              <a:rPr lang="pt-BR" sz="1800" b="0" strike="noStrike" spc="-1" dirty="0">
+                <a:solidFill>
+                  <a:srgbClr val="01498E"/>
+                </a:solidFill>
+                <a:latin typeface="Arial"/>
+                <a:ea typeface="Calibri"/>
+              </a:rPr>
+              <a:t> como &lt;</a:t>
+            </a:r>
+            <a:r>
+              <a:rPr lang="pt-BR" sz="1800" b="0" strike="noStrike" spc="-1" dirty="0" err="1">
+                <a:solidFill>
+                  <a:srgbClr val="01498E"/>
+                </a:solidFill>
+                <a:latin typeface="Arial"/>
+                <a:ea typeface="Calibri"/>
+              </a:rPr>
+              <a:t>div</a:t>
+            </a:r>
+            <a:r>
+              <a:rPr lang="pt-BR" sz="1800" b="0" strike="noStrike" spc="-1" dirty="0">
+                <a:solidFill>
+                  <a:srgbClr val="01498E"/>
+                </a:solidFill>
+                <a:latin typeface="Arial"/>
+                <a:ea typeface="Calibri"/>
+              </a:rPr>
+              <a:t>&gt;, &lt;h1&gt;, &lt;</a:t>
+            </a:r>
+            <a:r>
+              <a:rPr lang="pt-BR" sz="1800" b="0" strike="noStrike" spc="-1" dirty="0" err="1">
+                <a:solidFill>
+                  <a:srgbClr val="01498E"/>
+                </a:solidFill>
+                <a:latin typeface="Arial"/>
+                <a:ea typeface="Calibri"/>
+              </a:rPr>
+              <a:t>form</a:t>
+            </a:r>
+            <a:r>
+              <a:rPr lang="pt-BR" sz="1800" b="0" strike="noStrike" spc="-1" dirty="0">
+                <a:solidFill>
+                  <a:srgbClr val="01498E"/>
+                </a:solidFill>
+                <a:latin typeface="Arial"/>
+                <a:ea typeface="Calibri"/>
+              </a:rPr>
+              <a:t>&gt;).</a:t>
+            </a:r>
+            <a:endParaRPr lang="pt-BR" sz="1800" b="0" strike="noStrike" spc="-1" dirty="0">
               <a:solidFill>
                 <a:srgbClr val="000000"/>
               </a:solidFill>
@@ -15161,7 +15614,7 @@
               <a:buChar char=""/>
             </a:pPr>
             <a:r>
-              <a:rPr lang="pt-BR" sz="1800" b="0" strike="noStrike" spc="-1">
+              <a:rPr lang="pt-BR" sz="1800" b="0" strike="noStrike" spc="-1" dirty="0">
                 <a:solidFill>
                   <a:srgbClr val="01498E"/>
                 </a:solidFill>
@@ -15170,7 +15623,7 @@
               </a:rPr>
               <a:t>CSS: </a:t>
             </a:r>
-            <a:endParaRPr lang="pt-BR" sz="1800" b="0" strike="noStrike" spc="-1">
+            <a:endParaRPr lang="pt-BR" sz="1800" b="0" strike="noStrike" spc="-1" dirty="0">
               <a:solidFill>
                 <a:srgbClr val="000000"/>
               </a:solidFill>
@@ -15190,7 +15643,7 @@
               <a:buChar char=""/>
             </a:pPr>
             <a:r>
-              <a:rPr lang="pt-BR" sz="1800" b="0" strike="noStrike" spc="-1">
+              <a:rPr lang="pt-BR" sz="1800" b="0" strike="noStrike" spc="-1" dirty="0">
                 <a:solidFill>
                   <a:srgbClr val="01498E"/>
                 </a:solidFill>
@@ -15199,7 +15652,7 @@
               </a:rPr>
               <a:t>Estilização (cores, layout, responsividade).</a:t>
             </a:r>
-            <a:endParaRPr lang="pt-BR" sz="1800" b="0" strike="noStrike" spc="-1">
+            <a:endParaRPr lang="pt-BR" sz="1800" b="0" strike="noStrike" spc="-1" dirty="0">
               <a:solidFill>
                 <a:srgbClr val="000000"/>
               </a:solidFill>
@@ -15219,16 +15672,26 @@
               <a:buChar char=""/>
             </a:pPr>
             <a:r>
-              <a:rPr lang="pt-BR" sz="1800" b="0" strike="noStrike" spc="-1">
+              <a:rPr lang="pt-BR" sz="1800" b="0" strike="noStrike" spc="-1" dirty="0" err="1">
                 <a:solidFill>
                   <a:srgbClr val="01498E"/>
                 </a:solidFill>
                 <a:latin typeface="Arial"/>
                 <a:ea typeface="Calibri"/>
               </a:rPr>
-              <a:t>JavaScript: </a:t>
-            </a:r>
-            <a:endParaRPr lang="pt-BR" sz="1800" b="0" strike="noStrike" spc="-1">
+              <a:t>JavaScript</a:t>
+            </a:r>
+            <a:r>
+              <a:rPr lang="pt-BR" sz="1800" b="0" strike="noStrike" spc="-1" dirty="0">
+                <a:solidFill>
+                  <a:srgbClr val="01498E"/>
+                </a:solidFill>
+                <a:latin typeface="Arial"/>
+                <a:ea typeface="Calibri"/>
+              </a:rPr>
+              <a:t>: </a:t>
+            </a:r>
+            <a:endParaRPr lang="pt-BR" sz="1800" b="0" strike="noStrike" spc="-1" dirty="0">
               <a:solidFill>
                 <a:srgbClr val="000000"/>
               </a:solidFill>
@@ -15248,7 +15711,7 @@
               <a:buChar char=""/>
             </a:pPr>
             <a:r>
-              <a:rPr lang="pt-BR" sz="1800" b="0" strike="noStrike" spc="-1">
+              <a:rPr lang="pt-BR" sz="1800" b="0" strike="noStrike" spc="-1" dirty="0">
                 <a:solidFill>
                   <a:srgbClr val="01498E"/>
                 </a:solidFill>
@@ -15257,15 +15720,15 @@
               </a:rPr>
               <a:t>Interatividade (eventos, manipulação do DOM).</a:t>
             </a:r>
-            <a:endParaRPr lang="pt-BR" sz="1800" b="0" strike="noStrike" spc="-1">
-              <a:solidFill>
-                <a:srgbClr val="000000"/>
-              </a:solidFill>
-              <a:latin typeface="Arial"/>
-            </a:endParaRPr>
-          </a:p>
-          <a:p>
-            <a:pPr marL="432000" lvl="1" indent="-216000" algn="just">
+            <a:endParaRPr lang="pt-BR" sz="1800" b="0" strike="noStrike" spc="-1" dirty="0">
+              <a:solidFill>
+                <a:srgbClr val="000000"/>
+              </a:solidFill>
+              <a:latin typeface="Arial"/>
+            </a:endParaRPr>
+          </a:p>
+          <a:p>
+            <a:pPr marL="216000" lvl="1" algn="just">
               <a:lnSpc>
                 <a:spcPct val="115000"/>
               </a:lnSpc>
@@ -15273,20 +15736,8 @@
                 <a:srgbClr val="000000"/>
               </a:buClr>
               <a:buSzPct val="45000"/>
-              <a:buFont typeface="Wingdings" charset="2"/>
-              <a:buChar char=""/>
-            </a:pPr>
-            <a:r>
-              <a:rPr lang="pt-BR" sz="1800" b="0" strike="noStrike" spc="-1">
-                <a:solidFill>
-                  <a:srgbClr val="01498E"/>
-                </a:solidFill>
-                <a:latin typeface="Arial"/>
-                <a:ea typeface="Calibri"/>
-              </a:rPr>
-              <a:t>  </a:t>
-            </a:r>
-            <a:endParaRPr lang="pt-BR" sz="1800" b="0" strike="noStrike" spc="-1">
+            </a:pPr>
+            <a:endParaRPr lang="pt-BR" sz="1800" b="0" strike="noStrike" spc="-1" dirty="0">
               <a:solidFill>
                 <a:srgbClr val="000000"/>
               </a:solidFill>
@@ -15299,7 +15750,7 @@
                 <a:spcPct val="115000"/>
               </a:lnSpc>
             </a:pPr>
-            <a:endParaRPr lang="pt-BR" sz="1800" b="0" strike="noStrike" spc="-1">
+            <a:endParaRPr lang="pt-BR" sz="1800" b="0" strike="noStrike" spc="-1" dirty="0">
               <a:solidFill>
                 <a:srgbClr val="000000"/>
               </a:solidFill>
@@ -15312,7 +15763,7 @@
                 <a:spcPct val="115000"/>
               </a:lnSpc>
             </a:pPr>
-            <a:endParaRPr lang="pt-BR" sz="1800" b="0" strike="noStrike" spc="-1">
+            <a:endParaRPr lang="pt-BR" sz="1800" b="0" strike="noStrike" spc="-1" dirty="0">
               <a:solidFill>
                 <a:srgbClr val="000000"/>
               </a:solidFill>
@@ -15325,7 +15776,7 @@
                 <a:spcPct val="115000"/>
               </a:lnSpc>
             </a:pPr>
-            <a:endParaRPr lang="pt-BR" sz="1800" b="0" strike="noStrike" spc="-1">
+            <a:endParaRPr lang="pt-BR" sz="1800" b="0" strike="noStrike" spc="-1" dirty="0">
               <a:solidFill>
                 <a:srgbClr val="000000"/>
               </a:solidFill>
@@ -15338,7 +15789,7 @@
                 <a:spcPct val="115000"/>
               </a:lnSpc>
             </a:pPr>
-            <a:endParaRPr lang="pt-BR" sz="1800" b="0" strike="noStrike" spc="-1">
+            <a:endParaRPr lang="pt-BR" sz="1800" b="0" strike="noStrike" spc="-1" dirty="0">
               <a:solidFill>
                 <a:srgbClr val="000000"/>
               </a:solidFill>
@@ -15551,16 +16002,26 @@
               <a:buChar char="●"/>
             </a:pPr>
             <a:r>
-              <a:rPr lang="pt-BR" sz="1800" b="0" strike="noStrike" spc="-1">
+              <a:rPr lang="pt-BR" sz="1800" b="0" strike="noStrike" spc="-1" dirty="0">
                 <a:solidFill>
                   <a:srgbClr val="01498E"/>
                 </a:solidFill>
                 <a:latin typeface="Arial"/>
                 <a:ea typeface="Calibri"/>
               </a:rPr>
-              <a:t>Componentes do Front-End</a:t>
-            </a:r>
-            <a:endParaRPr lang="pt-BR" sz="1800" b="0" strike="noStrike" spc="-1">
+              <a:t>Componentes do Front-</a:t>
+            </a:r>
+            <a:r>
+              <a:rPr lang="pt-BR" sz="1800" b="0" strike="noStrike" spc="-1" dirty="0" err="1">
+                <a:solidFill>
+                  <a:srgbClr val="01498E"/>
+                </a:solidFill>
+                <a:latin typeface="Arial"/>
+                <a:ea typeface="Calibri"/>
+              </a:rPr>
+              <a:t>End</a:t>
+            </a:r>
+            <a:endParaRPr lang="pt-BR" sz="1800" b="0" strike="noStrike" spc="-1" dirty="0">
               <a:solidFill>
                 <a:srgbClr val="000000"/>
               </a:solidFill>
@@ -15580,7 +16041,7 @@
               <a:buChar char=""/>
             </a:pPr>
             <a:r>
-              <a:rPr lang="pt-BR" sz="1800" b="0" strike="noStrike" spc="-1">
+              <a:rPr lang="pt-BR" sz="1800" b="0" strike="noStrike" spc="-1" dirty="0">
                 <a:solidFill>
                   <a:srgbClr val="01498E"/>
                 </a:solidFill>
@@ -15589,7 +16050,7 @@
               </a:rPr>
               <a:t>HTML: </a:t>
             </a:r>
-            <a:endParaRPr lang="pt-BR" sz="1800" b="0" strike="noStrike" spc="-1">
+            <a:endParaRPr lang="pt-BR" sz="1800" b="0" strike="noStrike" spc="-1" dirty="0">
               <a:solidFill>
                 <a:srgbClr val="000000"/>
               </a:solidFill>
@@ -15609,16 +16070,76 @@
               <a:buChar char=""/>
             </a:pPr>
             <a:r>
-              <a:rPr lang="pt-BR" sz="1800" b="0" strike="noStrike" spc="-1">
+              <a:rPr lang="pt-BR" sz="1800" b="0" strike="noStrike" spc="-1" dirty="0">
                 <a:solidFill>
                   <a:srgbClr val="01498E"/>
                 </a:solidFill>
                 <a:latin typeface="Arial"/>
                 <a:ea typeface="Calibri"/>
               </a:rPr>
-              <a:t>Estrutura e conteúdo da página (tags como &lt;div&gt;, &lt;h1&gt;, &lt;form&gt;).</a:t>
-            </a:r>
-            <a:endParaRPr lang="pt-BR" sz="1800" b="0" strike="noStrike" spc="-1">
+              <a:t>Estrutura e conteúdo da página (</a:t>
+            </a:r>
+            <a:r>
+              <a:rPr lang="pt-BR" sz="1800" b="0" strike="noStrike" spc="-1" dirty="0" err="1">
+                <a:solidFill>
+                  <a:srgbClr val="01498E"/>
+                </a:solidFill>
+                <a:latin typeface="Arial"/>
+                <a:ea typeface="Calibri"/>
+              </a:rPr>
+              <a:t>tags</a:t>
+            </a:r>
+            <a:r>
+              <a:rPr lang="pt-BR" sz="1800" b="0" strike="noStrike" spc="-1" dirty="0">
+                <a:solidFill>
+                  <a:srgbClr val="01498E"/>
+                </a:solidFill>
+                <a:latin typeface="Arial"/>
+                <a:ea typeface="Calibri"/>
+              </a:rPr>
+              <a:t> como &lt;</a:t>
+            </a:r>
+            <a:r>
+              <a:rPr lang="pt-BR" sz="1800" b="0" strike="noStrike" spc="-1" dirty="0" err="1">
+                <a:solidFill>
+                  <a:srgbClr val="01498E"/>
+                </a:solidFill>
+                <a:latin typeface="Arial"/>
+                <a:ea typeface="Calibri"/>
+              </a:rPr>
+              <a:t>div</a:t>
+            </a:r>
+            <a:r>
+              <a:rPr lang="pt-BR" sz="1800" b="0" strike="noStrike" spc="-1" dirty="0">
+                <a:solidFill>
+                  <a:srgbClr val="01498E"/>
+                </a:solidFill>
+                <a:latin typeface="Arial"/>
+                <a:ea typeface="Calibri"/>
+              </a:rPr>
+              <a:t>&gt;, &lt;h1&gt;, &lt;</a:t>
+            </a:r>
+            <a:r>
+              <a:rPr lang="pt-BR" sz="1800" b="0" strike="noStrike" spc="-1" dirty="0" err="1">
+                <a:solidFill>
+                  <a:srgbClr val="01498E"/>
+                </a:solidFill>
+                <a:latin typeface="Arial"/>
+                <a:ea typeface="Calibri"/>
+              </a:rPr>
+              <a:t>form</a:t>
+            </a:r>
+            <a:r>
+              <a:rPr lang="pt-BR" sz="1800" b="0" strike="noStrike" spc="-1" dirty="0">
+                <a:solidFill>
+                  <a:srgbClr val="01498E"/>
+                </a:solidFill>
+                <a:latin typeface="Arial"/>
+                <a:ea typeface="Calibri"/>
+              </a:rPr>
+              <a:t>&gt;).</a:t>
+            </a:r>
+            <a:endParaRPr lang="pt-BR" sz="1800" b="0" strike="noStrike" spc="-1" dirty="0">
               <a:solidFill>
                 <a:srgbClr val="000000"/>
               </a:solidFill>
@@ -15638,7 +16159,7 @@
               <a:buChar char=""/>
             </a:pPr>
             <a:r>
-              <a:rPr lang="pt-BR" sz="1800" b="0" strike="noStrike" spc="-1">
+              <a:rPr lang="pt-BR" sz="1800" b="0" strike="noStrike" spc="-1" dirty="0">
                 <a:solidFill>
                   <a:srgbClr val="01498E"/>
                 </a:solidFill>
@@ -15647,7 +16168,7 @@
               </a:rPr>
               <a:t>CSS: </a:t>
             </a:r>
-            <a:endParaRPr lang="pt-BR" sz="1800" b="0" strike="noStrike" spc="-1">
+            <a:endParaRPr lang="pt-BR" sz="1800" b="0" strike="noStrike" spc="-1" dirty="0">
               <a:solidFill>
                 <a:srgbClr val="000000"/>
               </a:solidFill>
@@ -15667,7 +16188,7 @@
               <a:buChar char=""/>
             </a:pPr>
             <a:r>
-              <a:rPr lang="pt-BR" sz="1800" b="0" strike="noStrike" spc="-1">
+              <a:rPr lang="pt-BR" sz="1800" b="0" strike="noStrike" spc="-1" dirty="0">
                 <a:solidFill>
                   <a:srgbClr val="01498E"/>
                 </a:solidFill>
@@ -15676,7 +16197,7 @@
               </a:rPr>
               <a:t>Estilização (cores, layout, responsividade).</a:t>
             </a:r>
-            <a:endParaRPr lang="pt-BR" sz="1800" b="0" strike="noStrike" spc="-1">
+            <a:endParaRPr lang="pt-BR" sz="1800" b="0" strike="noStrike" spc="-1" dirty="0">
               <a:solidFill>
                 <a:srgbClr val="000000"/>
               </a:solidFill>
@@ -15696,16 +16217,26 @@
               <a:buChar char=""/>
             </a:pPr>
             <a:r>
-              <a:rPr lang="pt-BR" sz="1800" b="0" strike="noStrike" spc="-1">
+              <a:rPr lang="pt-BR" sz="1800" b="0" strike="noStrike" spc="-1" dirty="0" err="1">
                 <a:solidFill>
                   <a:srgbClr val="01498E"/>
                 </a:solidFill>
                 <a:latin typeface="Arial"/>
                 <a:ea typeface="Calibri"/>
               </a:rPr>
-              <a:t>JavaScript: </a:t>
-            </a:r>
-            <a:endParaRPr lang="pt-BR" sz="1800" b="0" strike="noStrike" spc="-1">
+              <a:t>JavaScript</a:t>
+            </a:r>
+            <a:r>
+              <a:rPr lang="pt-BR" sz="1800" b="0" strike="noStrike" spc="-1" dirty="0">
+                <a:solidFill>
+                  <a:srgbClr val="01498E"/>
+                </a:solidFill>
+                <a:latin typeface="Arial"/>
+                <a:ea typeface="Calibri"/>
+              </a:rPr>
+              <a:t>: </a:t>
+            </a:r>
+            <a:endParaRPr lang="pt-BR" sz="1800" b="0" strike="noStrike" spc="-1" dirty="0">
               <a:solidFill>
                 <a:srgbClr val="000000"/>
               </a:solidFill>
@@ -15725,7 +16256,7 @@
               <a:buChar char=""/>
             </a:pPr>
             <a:r>
-              <a:rPr lang="pt-BR" sz="1800" b="0" strike="noStrike" spc="-1">
+              <a:rPr lang="pt-BR" sz="1800" b="0" strike="noStrike" spc="-1" dirty="0">
                 <a:solidFill>
                   <a:srgbClr val="01498E"/>
                 </a:solidFill>
@@ -15734,7 +16265,7 @@
               </a:rPr>
               <a:t>Interatividade (eventos, manipulação do DOM).</a:t>
             </a:r>
-            <a:endParaRPr lang="pt-BR" sz="1800" b="0" strike="noStrike" spc="-1">
+            <a:endParaRPr lang="pt-BR" sz="1800" b="0" strike="noStrike" spc="-1" dirty="0">
               <a:solidFill>
                 <a:srgbClr val="000000"/>
               </a:solidFill>
@@ -15754,7 +16285,7 @@
               <a:buChar char=""/>
             </a:pPr>
             <a:r>
-              <a:rPr lang="pt-BR" sz="1800" b="0" strike="noStrike" spc="-1">
+              <a:rPr lang="pt-BR" sz="1800" b="0" strike="noStrike" spc="-1" dirty="0">
                 <a:solidFill>
                   <a:srgbClr val="01498E"/>
                 </a:solidFill>
@@ -15763,15 +16294,15 @@
               </a:rPr>
               <a:t>Python?</a:t>
             </a:r>
-            <a:endParaRPr lang="pt-BR" sz="1800" b="0" strike="noStrike" spc="-1">
-              <a:solidFill>
-                <a:srgbClr val="000000"/>
-              </a:solidFill>
-              <a:latin typeface="Arial"/>
-            </a:endParaRPr>
-          </a:p>
-          <a:p>
-            <a:pPr marL="432000" lvl="1" indent="-216000" algn="just">
+            <a:endParaRPr lang="pt-BR" sz="1800" b="0" strike="noStrike" spc="-1" dirty="0">
+              <a:solidFill>
+                <a:srgbClr val="000000"/>
+              </a:solidFill>
+              <a:latin typeface="Arial"/>
+            </a:endParaRPr>
+          </a:p>
+          <a:p>
+            <a:pPr marL="216000" lvl="1" algn="just">
               <a:lnSpc>
                 <a:spcPct val="115000"/>
               </a:lnSpc>
@@ -15779,20 +16310,8 @@
                 <a:srgbClr val="000000"/>
               </a:buClr>
               <a:buSzPct val="45000"/>
-              <a:buFont typeface="Wingdings" charset="2"/>
-              <a:buChar char=""/>
-            </a:pPr>
-            <a:r>
-              <a:rPr lang="pt-BR" sz="1800" b="0" strike="noStrike" spc="-1">
-                <a:solidFill>
-                  <a:srgbClr val="01498E"/>
-                </a:solidFill>
-                <a:latin typeface="Arial"/>
-                <a:ea typeface="Calibri"/>
-              </a:rPr>
-              <a:t>  </a:t>
-            </a:r>
-            <a:endParaRPr lang="pt-BR" sz="1800" b="0" strike="noStrike" spc="-1">
+            </a:pPr>
+            <a:endParaRPr lang="pt-BR" sz="1800" b="0" strike="noStrike" spc="-1" dirty="0">
               <a:solidFill>
                 <a:srgbClr val="000000"/>
               </a:solidFill>
@@ -15805,7 +16324,7 @@
                 <a:spcPct val="115000"/>
               </a:lnSpc>
             </a:pPr>
-            <a:endParaRPr lang="pt-BR" sz="1800" b="0" strike="noStrike" spc="-1">
+            <a:endParaRPr lang="pt-BR" sz="1800" b="0" strike="noStrike" spc="-1" dirty="0">
               <a:solidFill>
                 <a:srgbClr val="000000"/>
               </a:solidFill>
@@ -15818,7 +16337,7 @@
                 <a:spcPct val="115000"/>
               </a:lnSpc>
             </a:pPr>
-            <a:endParaRPr lang="pt-BR" sz="1800" b="0" strike="noStrike" spc="-1">
+            <a:endParaRPr lang="pt-BR" sz="1800" b="0" strike="noStrike" spc="-1" dirty="0">
               <a:solidFill>
                 <a:srgbClr val="000000"/>
               </a:solidFill>
@@ -15831,7 +16350,7 @@
                 <a:spcPct val="115000"/>
               </a:lnSpc>
             </a:pPr>
-            <a:endParaRPr lang="pt-BR" sz="1800" b="0" strike="noStrike" spc="-1">
+            <a:endParaRPr lang="pt-BR" sz="1800" b="0" strike="noStrike" spc="-1" dirty="0">
               <a:solidFill>
                 <a:srgbClr val="000000"/>
               </a:solidFill>
@@ -15844,7 +16363,7 @@
                 <a:spcPct val="115000"/>
               </a:lnSpc>
             </a:pPr>
-            <a:endParaRPr lang="pt-BR" sz="1800" b="0" strike="noStrike" spc="-1">
+            <a:endParaRPr lang="pt-BR" sz="1800" b="0" strike="noStrike" spc="-1" dirty="0">
               <a:solidFill>
                 <a:srgbClr val="000000"/>
               </a:solidFill>
@@ -16034,16 +16553,26 @@
               <a:buChar char="●"/>
             </a:pPr>
             <a:r>
-              <a:rPr lang="pt-BR" sz="1800" b="0" strike="noStrike" spc="-1">
+              <a:rPr lang="pt-BR" sz="1800" b="0" strike="noStrike" spc="-1" dirty="0">
                 <a:solidFill>
                   <a:srgbClr val="01498E"/>
                 </a:solidFill>
                 <a:latin typeface="Arial"/>
                 <a:ea typeface="Calibri"/>
               </a:rPr>
-              <a:t>Componentes do Front-End</a:t>
-            </a:r>
-            <a:endParaRPr lang="pt-BR" sz="1800" b="0" strike="noStrike" spc="-1">
+              <a:t>Componentes do Front-</a:t>
+            </a:r>
+            <a:r>
+              <a:rPr lang="pt-BR" sz="1800" b="0" strike="noStrike" spc="-1" dirty="0" err="1">
+                <a:solidFill>
+                  <a:srgbClr val="01498E"/>
+                </a:solidFill>
+                <a:latin typeface="Arial"/>
+                <a:ea typeface="Calibri"/>
+              </a:rPr>
+              <a:t>End</a:t>
+            </a:r>
+            <a:endParaRPr lang="pt-BR" sz="1800" b="0" strike="noStrike" spc="-1" dirty="0">
               <a:solidFill>
                 <a:srgbClr val="000000"/>
               </a:solidFill>
@@ -16063,7 +16592,7 @@
               <a:buChar char=""/>
             </a:pPr>
             <a:r>
-              <a:rPr lang="pt-BR" sz="1800" b="0" strike="noStrike" spc="-1">
+              <a:rPr lang="pt-BR" sz="1800" b="0" strike="noStrike" spc="-1" dirty="0">
                 <a:solidFill>
                   <a:srgbClr val="01498E"/>
                 </a:solidFill>
@@ -16072,7 +16601,7 @@
               </a:rPr>
               <a:t>HTML: </a:t>
             </a:r>
-            <a:endParaRPr lang="pt-BR" sz="1800" b="0" strike="noStrike" spc="-1">
+            <a:endParaRPr lang="pt-BR" sz="1800" b="0" strike="noStrike" spc="-1" dirty="0">
               <a:solidFill>
                 <a:srgbClr val="000000"/>
               </a:solidFill>
@@ -16092,16 +16621,76 @@
               <a:buChar char=""/>
             </a:pPr>
             <a:r>
-              <a:rPr lang="pt-BR" sz="1800" b="0" strike="noStrike" spc="-1">
+              <a:rPr lang="pt-BR" sz="1800" b="0" strike="noStrike" spc="-1" dirty="0">
                 <a:solidFill>
                   <a:srgbClr val="01498E"/>
                 </a:solidFill>
                 <a:latin typeface="Arial"/>
                 <a:ea typeface="Calibri"/>
               </a:rPr>
-              <a:t>Estrutura e conteúdo da página (tags como &lt;div&gt;, &lt;h1&gt;, &lt;form&gt;).</a:t>
-            </a:r>
-            <a:endParaRPr lang="pt-BR" sz="1800" b="0" strike="noStrike" spc="-1">
+              <a:t>Estrutura e conteúdo da página (</a:t>
+            </a:r>
+            <a:r>
+              <a:rPr lang="pt-BR" sz="1800" b="0" strike="noStrike" spc="-1" dirty="0" err="1">
+                <a:solidFill>
+                  <a:srgbClr val="01498E"/>
+                </a:solidFill>
+                <a:latin typeface="Arial"/>
+                <a:ea typeface="Calibri"/>
+              </a:rPr>
+              <a:t>tags</a:t>
+            </a:r>
+            <a:r>
+              <a:rPr lang="pt-BR" sz="1800" b="0" strike="noStrike" spc="-1" dirty="0">
+                <a:solidFill>
+                  <a:srgbClr val="01498E"/>
+                </a:solidFill>
+                <a:latin typeface="Arial"/>
+                <a:ea typeface="Calibri"/>
+              </a:rPr>
+              <a:t> como &lt;</a:t>
+            </a:r>
+            <a:r>
+              <a:rPr lang="pt-BR" sz="1800" b="0" strike="noStrike" spc="-1" dirty="0" err="1">
+                <a:solidFill>
+                  <a:srgbClr val="01498E"/>
+                </a:solidFill>
+                <a:latin typeface="Arial"/>
+                <a:ea typeface="Calibri"/>
+              </a:rPr>
+              <a:t>div</a:t>
+            </a:r>
+            <a:r>
+              <a:rPr lang="pt-BR" sz="1800" b="0" strike="noStrike" spc="-1" dirty="0">
+                <a:solidFill>
+                  <a:srgbClr val="01498E"/>
+                </a:solidFill>
+                <a:latin typeface="Arial"/>
+                <a:ea typeface="Calibri"/>
+              </a:rPr>
+              <a:t>&gt;, &lt;h1&gt;, &lt;</a:t>
+            </a:r>
+            <a:r>
+              <a:rPr lang="pt-BR" sz="1800" b="0" strike="noStrike" spc="-1" dirty="0" err="1">
+                <a:solidFill>
+                  <a:srgbClr val="01498E"/>
+                </a:solidFill>
+                <a:latin typeface="Arial"/>
+                <a:ea typeface="Calibri"/>
+              </a:rPr>
+              <a:t>form</a:t>
+            </a:r>
+            <a:r>
+              <a:rPr lang="pt-BR" sz="1800" b="0" strike="noStrike" spc="-1" dirty="0">
+                <a:solidFill>
+                  <a:srgbClr val="01498E"/>
+                </a:solidFill>
+                <a:latin typeface="Arial"/>
+                <a:ea typeface="Calibri"/>
+              </a:rPr>
+              <a:t>&gt;).</a:t>
+            </a:r>
+            <a:endParaRPr lang="pt-BR" sz="1800" b="0" strike="noStrike" spc="-1" dirty="0">
               <a:solidFill>
                 <a:srgbClr val="000000"/>
               </a:solidFill>
@@ -16121,7 +16710,7 @@
               <a:buChar char=""/>
             </a:pPr>
             <a:r>
-              <a:rPr lang="pt-BR" sz="1800" b="0" strike="noStrike" spc="-1">
+              <a:rPr lang="pt-BR" sz="1800" b="0" strike="noStrike" spc="-1" dirty="0">
                 <a:solidFill>
                   <a:srgbClr val="01498E"/>
                 </a:solidFill>
@@ -16130,7 +16719,7 @@
               </a:rPr>
               <a:t>CSS: </a:t>
             </a:r>
-            <a:endParaRPr lang="pt-BR" sz="1800" b="0" strike="noStrike" spc="-1">
+            <a:endParaRPr lang="pt-BR" sz="1800" b="0" strike="noStrike" spc="-1" dirty="0">
               <a:solidFill>
                 <a:srgbClr val="000000"/>
               </a:solidFill>
@@ -16150,7 +16739,7 @@
               <a:buChar char=""/>
             </a:pPr>
             <a:r>
-              <a:rPr lang="pt-BR" sz="1800" b="0" strike="noStrike" spc="-1">
+              <a:rPr lang="pt-BR" sz="1800" b="0" strike="noStrike" spc="-1" dirty="0">
                 <a:solidFill>
                   <a:srgbClr val="01498E"/>
                 </a:solidFill>
@@ -16159,7 +16748,7 @@
               </a:rPr>
               <a:t>Estilização (cores, layout, responsividade).</a:t>
             </a:r>
-            <a:endParaRPr lang="pt-BR" sz="1800" b="0" strike="noStrike" spc="-1">
+            <a:endParaRPr lang="pt-BR" sz="1800" b="0" strike="noStrike" spc="-1" dirty="0">
               <a:solidFill>
                 <a:srgbClr val="000000"/>
               </a:solidFill>
@@ -16179,16 +16768,26 @@
               <a:buChar char=""/>
             </a:pPr>
             <a:r>
-              <a:rPr lang="pt-BR" sz="1800" b="0" strike="noStrike" spc="-1">
+              <a:rPr lang="pt-BR" sz="1800" b="0" strike="noStrike" spc="-1" dirty="0" err="1">
                 <a:solidFill>
                   <a:srgbClr val="01498E"/>
                 </a:solidFill>
                 <a:latin typeface="Arial"/>
                 <a:ea typeface="Calibri"/>
               </a:rPr>
-              <a:t>JavaScript: </a:t>
-            </a:r>
-            <a:endParaRPr lang="pt-BR" sz="1800" b="0" strike="noStrike" spc="-1">
+              <a:t>JavaScript</a:t>
+            </a:r>
+            <a:r>
+              <a:rPr lang="pt-BR" sz="1800" b="0" strike="noStrike" spc="-1" dirty="0">
+                <a:solidFill>
+                  <a:srgbClr val="01498E"/>
+                </a:solidFill>
+                <a:latin typeface="Arial"/>
+                <a:ea typeface="Calibri"/>
+              </a:rPr>
+              <a:t>: </a:t>
+            </a:r>
+            <a:endParaRPr lang="pt-BR" sz="1800" b="0" strike="noStrike" spc="-1" dirty="0">
               <a:solidFill>
                 <a:srgbClr val="000000"/>
               </a:solidFill>
@@ -16208,7 +16807,7 @@
               <a:buChar char=""/>
             </a:pPr>
             <a:r>
-              <a:rPr lang="pt-BR" sz="1800" b="0" strike="noStrike" spc="-1">
+              <a:rPr lang="pt-BR" sz="1800" b="0" strike="noStrike" spc="-1" dirty="0">
                 <a:solidFill>
                   <a:srgbClr val="01498E"/>
                 </a:solidFill>
@@ -16217,7 +16816,7 @@
               </a:rPr>
               <a:t>Interatividade (eventos, manipulação do DOM).</a:t>
             </a:r>
-            <a:endParaRPr lang="pt-BR" sz="1800" b="0" strike="noStrike" spc="-1">
+            <a:endParaRPr lang="pt-BR" sz="1800" b="0" strike="noStrike" spc="-1" dirty="0">
               <a:solidFill>
                 <a:srgbClr val="000000"/>
               </a:solidFill>
@@ -16237,7 +16836,7 @@
               <a:buChar char=""/>
             </a:pPr>
             <a:r>
-              <a:rPr lang="pt-BR" sz="1800" b="0" strike="noStrike" spc="-1">
+              <a:rPr lang="pt-BR" sz="1800" b="0" strike="noStrike" spc="-1" dirty="0">
                 <a:solidFill>
                   <a:srgbClr val="01498E"/>
                 </a:solidFill>
@@ -16246,15 +16845,15 @@
               </a:rPr>
               <a:t>Python?</a:t>
             </a:r>
-            <a:endParaRPr lang="pt-BR" sz="1800" b="0" strike="noStrike" spc="-1">
-              <a:solidFill>
-                <a:srgbClr val="000000"/>
-              </a:solidFill>
-              <a:latin typeface="Arial"/>
-            </a:endParaRPr>
-          </a:p>
-          <a:p>
-            <a:pPr marL="432000" lvl="1" indent="-216000" algn="just">
+            <a:endParaRPr lang="pt-BR" sz="1800" b="0" strike="noStrike" spc="-1" dirty="0">
+              <a:solidFill>
+                <a:srgbClr val="000000"/>
+              </a:solidFill>
+              <a:latin typeface="Arial"/>
+            </a:endParaRPr>
+          </a:p>
+          <a:p>
+            <a:pPr marL="216000" lvl="1" algn="just">
               <a:lnSpc>
                 <a:spcPct val="115000"/>
               </a:lnSpc>
@@ -16262,20 +16861,8 @@
                 <a:srgbClr val="000000"/>
               </a:buClr>
               <a:buSzPct val="45000"/>
-              <a:buFont typeface="Wingdings" charset="2"/>
-              <a:buChar char=""/>
-            </a:pPr>
-            <a:r>
-              <a:rPr lang="pt-BR" sz="1800" b="0" strike="noStrike" spc="-1">
-                <a:solidFill>
-                  <a:srgbClr val="01498E"/>
-                </a:solidFill>
-                <a:latin typeface="Arial"/>
-                <a:ea typeface="Calibri"/>
-              </a:rPr>
-              <a:t>  </a:t>
-            </a:r>
-            <a:endParaRPr lang="pt-BR" sz="1800" b="0" strike="noStrike" spc="-1">
+            </a:pPr>
+            <a:endParaRPr lang="pt-BR" sz="1800" b="0" strike="noStrike" spc="-1" dirty="0">
               <a:solidFill>
                 <a:srgbClr val="000000"/>
               </a:solidFill>
@@ -16288,7 +16875,7 @@
                 <a:spcPct val="115000"/>
               </a:lnSpc>
             </a:pPr>
-            <a:endParaRPr lang="pt-BR" sz="1800" b="0" strike="noStrike" spc="-1">
+            <a:endParaRPr lang="pt-BR" sz="1800" b="0" strike="noStrike" spc="-1" dirty="0">
               <a:solidFill>
                 <a:srgbClr val="000000"/>
               </a:solidFill>
@@ -16301,7 +16888,7 @@
                 <a:spcPct val="115000"/>
               </a:lnSpc>
             </a:pPr>
-            <a:endParaRPr lang="pt-BR" sz="1800" b="0" strike="noStrike" spc="-1">
+            <a:endParaRPr lang="pt-BR" sz="1800" b="0" strike="noStrike" spc="-1" dirty="0">
               <a:solidFill>
                 <a:srgbClr val="000000"/>
               </a:solidFill>
@@ -16314,7 +16901,7 @@
                 <a:spcPct val="115000"/>
               </a:lnSpc>
             </a:pPr>
-            <a:endParaRPr lang="pt-BR" sz="1800" b="0" strike="noStrike" spc="-1">
+            <a:endParaRPr lang="pt-BR" sz="1800" b="0" strike="noStrike" spc="-1" dirty="0">
               <a:solidFill>
                 <a:srgbClr val="000000"/>
               </a:solidFill>
@@ -16327,7 +16914,7 @@
                 <a:spcPct val="115000"/>
               </a:lnSpc>
             </a:pPr>
-            <a:endParaRPr lang="pt-BR" sz="1800" b="0" strike="noStrike" spc="-1">
+            <a:endParaRPr lang="pt-BR" sz="1800" b="0" strike="noStrike" spc="-1" dirty="0">
               <a:solidFill>
                 <a:srgbClr val="000000"/>
               </a:solidFill>
@@ -16784,7 +17371,7 @@
         <p:spPr>
           <a:xfrm>
             <a:off x="180000" y="900000"/>
-            <a:ext cx="7419600" cy="3243240"/>
+            <a:ext cx="7419600" cy="3886405"/>
           </a:xfrm>
           <a:prstGeom prst="rect">
             <a:avLst/>
@@ -16823,7 +17410,7 @@
               <a:buChar char="●"/>
             </a:pPr>
             <a:r>
-              <a:rPr lang="pt-BR" sz="1800" b="0" strike="noStrike" spc="-1">
+              <a:rPr lang="pt-BR" sz="1800" b="0" strike="noStrike" spc="-1" dirty="0">
                 <a:solidFill>
                   <a:srgbClr val="01498E"/>
                 </a:solidFill>
@@ -16832,7 +17419,7 @@
               </a:rPr>
               <a:t>Problema 1:</a:t>
             </a:r>
-            <a:endParaRPr lang="pt-BR" sz="1800" b="0" strike="noStrike" spc="-1">
+            <a:endParaRPr lang="pt-BR" sz="1800" b="0" strike="noStrike" spc="-1" dirty="0">
               <a:solidFill>
                 <a:srgbClr val="000000"/>
               </a:solidFill>
@@ -16851,16 +17438,16 @@
               <a:buChar char="●"/>
             </a:pPr>
             <a:r>
-              <a:rPr lang="pt-BR" sz="1800" b="0" strike="noStrike" spc="-1">
+              <a:rPr lang="pt-BR" sz="1800" b="0" strike="noStrike" spc="-1" dirty="0">
                 <a:solidFill>
                   <a:srgbClr val="01498E"/>
                 </a:solidFill>
                 <a:latin typeface="Arial"/>
                 <a:ea typeface="Calibri"/>
               </a:rPr>
-              <a:t>Crie um arquivo HTML com  paragrafos com sugestões para melhoria das nossas aulas </a:t>
-            </a:r>
-            <a:endParaRPr lang="pt-BR" sz="1800" b="0" strike="noStrike" spc="-1">
+              <a:t>Crie um arquivo HTML com  parágrafos com sugestões para melhoria das nossas aulas </a:t>
+            </a:r>
+            <a:endParaRPr lang="pt-BR" sz="1800" b="0" strike="noStrike" spc="-1" dirty="0">
               <a:solidFill>
                 <a:srgbClr val="000000"/>
               </a:solidFill>
@@ -16879,7 +17466,7 @@
               <a:buChar char="●"/>
             </a:pPr>
             <a:r>
-              <a:rPr lang="pt-BR" sz="1800" b="0" strike="noStrike" spc="-1">
+              <a:rPr lang="pt-BR" sz="1800" b="0" strike="noStrike" spc="-1" dirty="0">
                 <a:solidFill>
                   <a:srgbClr val="01498E"/>
                 </a:solidFill>
@@ -16888,7 +17475,7 @@
               </a:rPr>
               <a:t>Utilize CSS para mudar cor e coloque uma borda</a:t>
             </a:r>
-            <a:endParaRPr lang="pt-BR" sz="1800" b="0" strike="noStrike" spc="-1">
+            <a:endParaRPr lang="pt-BR" sz="1800" b="0" strike="noStrike" spc="-1" dirty="0">
               <a:solidFill>
                 <a:srgbClr val="000000"/>
               </a:solidFill>
@@ -16907,16 +17494,148 @@
               <a:buChar char="●"/>
             </a:pPr>
             <a:r>
-              <a:rPr lang="pt-BR" sz="1800" b="0" strike="noStrike" spc="-1">
+              <a:rPr lang="pt-BR" sz="1800" b="0" strike="noStrike" spc="-1" dirty="0">
                 <a:solidFill>
                   <a:srgbClr val="01498E"/>
                 </a:solidFill>
                 <a:latin typeface="Arial"/>
                 <a:ea typeface="Calibri"/>
               </a:rPr>
-              <a:t>Utilize javascript para mudar o tema quando o mouse passar em cima (evento mouseover)</a:t>
-            </a:r>
-            <a:endParaRPr lang="pt-BR" sz="1800" b="0" strike="noStrike" spc="-1">
+              <a:t>Utilize </a:t>
+            </a:r>
+            <a:r>
+              <a:rPr lang="pt-BR" sz="1800" b="0" strike="noStrike" spc="-1" dirty="0" err="1">
+                <a:solidFill>
+                  <a:srgbClr val="01498E"/>
+                </a:solidFill>
+                <a:latin typeface="Arial"/>
+                <a:ea typeface="Calibri"/>
+              </a:rPr>
+              <a:t>javascript</a:t>
+            </a:r>
+            <a:r>
+              <a:rPr lang="pt-BR" sz="1800" b="0" strike="noStrike" spc="-1" dirty="0">
+                <a:solidFill>
+                  <a:srgbClr val="01498E"/>
+                </a:solidFill>
+                <a:latin typeface="Arial"/>
+                <a:ea typeface="Calibri"/>
+              </a:rPr>
+              <a:t> para mudar o tema quando o mouse passar em cima (evento </a:t>
+            </a:r>
+            <a:r>
+              <a:rPr lang="pt-BR" sz="1800" b="0" strike="noStrike" spc="-1" dirty="0" err="1">
+                <a:solidFill>
+                  <a:srgbClr val="01498E"/>
+                </a:solidFill>
+                <a:latin typeface="Arial"/>
+                <a:ea typeface="Calibri"/>
+              </a:rPr>
+              <a:t>mouseover</a:t>
+            </a:r>
+            <a:r>
+              <a:rPr lang="pt-BR" sz="1800" b="0" strike="noStrike" spc="-1" dirty="0">
+                <a:solidFill>
+                  <a:srgbClr val="01498E"/>
+                </a:solidFill>
+                <a:latin typeface="Arial"/>
+                <a:ea typeface="Calibri"/>
+              </a:rPr>
+              <a:t>)</a:t>
+            </a:r>
+          </a:p>
+          <a:p>
+            <a:pPr marL="673200" lvl="1" indent="-216000" algn="just">
+              <a:lnSpc>
+                <a:spcPct val="115000"/>
+              </a:lnSpc>
+              <a:buClr>
+                <a:srgbClr val="000000"/>
+              </a:buClr>
+              <a:buFont typeface="Arial"/>
+              <a:buChar char="●"/>
+            </a:pPr>
+            <a:r>
+              <a:rPr lang="pt-BR" sz="1800" b="0" strike="noStrike" spc="-1" dirty="0">
+                <a:solidFill>
+                  <a:srgbClr val="01498E"/>
+                </a:solidFill>
+                <a:latin typeface="Arial"/>
+                <a:ea typeface="Calibri"/>
+              </a:rPr>
+              <a:t>Faça um </a:t>
+            </a:r>
+            <a:r>
+              <a:rPr lang="pt-BR" sz="1800" b="0" strike="noStrike" spc="-1" dirty="0" err="1">
+                <a:solidFill>
+                  <a:srgbClr val="01498E"/>
+                </a:solidFill>
+                <a:latin typeface="Arial"/>
+                <a:ea typeface="Calibri"/>
+              </a:rPr>
+              <a:t>pull</a:t>
+            </a:r>
+            <a:r>
+              <a:rPr lang="pt-BR" sz="1800" b="0" strike="noStrike" spc="-1" dirty="0">
+                <a:solidFill>
+                  <a:srgbClr val="01498E"/>
+                </a:solidFill>
+                <a:latin typeface="Arial"/>
+                <a:ea typeface="Calibri"/>
+              </a:rPr>
+              <a:t> </a:t>
+            </a:r>
+            <a:r>
+              <a:rPr lang="pt-BR" sz="1800" b="0" strike="noStrike" spc="-1" dirty="0" err="1">
+                <a:solidFill>
+                  <a:srgbClr val="01498E"/>
+                </a:solidFill>
+                <a:latin typeface="Arial"/>
+                <a:ea typeface="Calibri"/>
+              </a:rPr>
+              <a:t>request</a:t>
+            </a:r>
+            <a:r>
+              <a:rPr lang="pt-BR" sz="1800" b="0" strike="noStrike" spc="-1" dirty="0">
+                <a:solidFill>
+                  <a:srgbClr val="01498E"/>
+                </a:solidFill>
+                <a:latin typeface="Arial"/>
+                <a:ea typeface="Calibri"/>
+              </a:rPr>
+              <a:t> da resposta em um</a:t>
+            </a:r>
+            <a:r>
+              <a:rPr lang="pt-BR" spc="-1" dirty="0">
+                <a:solidFill>
+                  <a:srgbClr val="01498E"/>
+                </a:solidFill>
+                <a:latin typeface="Arial"/>
+                <a:ea typeface="Calibri"/>
+              </a:rPr>
+              <a:t> diretório</a:t>
+            </a:r>
+          </a:p>
+          <a:p>
+            <a:pPr lvl="2" algn="just">
+              <a:lnSpc>
+                <a:spcPct val="115000"/>
+              </a:lnSpc>
+              <a:buClr>
+                <a:srgbClr val="000000"/>
+              </a:buClr>
+            </a:pPr>
+            <a:r>
+              <a:rPr lang="pt-BR" spc="-1" dirty="0">
+                <a:solidFill>
+                  <a:srgbClr val="01498E"/>
+                </a:solidFill>
+                <a:latin typeface="Arial"/>
+                <a:ea typeface="Calibri"/>
+              </a:rPr>
+              <a:t>com seu nome na pasta aula08 no github ---&gt; </a:t>
+            </a:r>
+            <a:endParaRPr lang="pt-BR" b="0" strike="noStrike" spc="-1" dirty="0">
               <a:solidFill>
                 <a:srgbClr val="000000"/>
               </a:solidFill>
@@ -16929,7 +17648,7 @@
                 <a:spcPct val="115000"/>
               </a:lnSpc>
             </a:pPr>
-            <a:endParaRPr lang="pt-BR" sz="1800" b="0" strike="noStrike" spc="-1">
+            <a:endParaRPr lang="pt-BR" sz="1800" b="0" strike="noStrike" spc="-1" dirty="0">
               <a:solidFill>
                 <a:srgbClr val="000000"/>
               </a:solidFill>
@@ -16942,7 +17661,7 @@
                 <a:spcPct val="115000"/>
               </a:lnSpc>
             </a:pPr>
-            <a:endParaRPr lang="pt-BR" sz="1800" b="0" strike="noStrike" spc="-1">
+            <a:endParaRPr lang="pt-BR" sz="1800" b="0" strike="noStrike" spc="-1" dirty="0">
               <a:solidFill>
                 <a:srgbClr val="000000"/>
               </a:solidFill>
@@ -16955,7 +17674,7 @@
                 <a:spcPct val="115000"/>
               </a:lnSpc>
             </a:pPr>
-            <a:endParaRPr lang="pt-BR" sz="1800" b="0" strike="noStrike" spc="-1">
+            <a:endParaRPr lang="pt-BR" sz="1800" b="0" strike="noStrike" spc="-1" dirty="0">
               <a:solidFill>
                 <a:srgbClr val="000000"/>
               </a:solidFill>
@@ -16968,15 +17687,45 @@
                 <a:spcPct val="115000"/>
               </a:lnSpc>
             </a:pPr>
-            <a:endParaRPr lang="pt-BR" sz="1800" b="0" strike="noStrike" spc="-1">
-              <a:solidFill>
-                <a:srgbClr val="000000"/>
-              </a:solidFill>
-              <a:latin typeface="Arial"/>
-            </a:endParaRPr>
-          </a:p>
-        </p:txBody>
-      </p:sp>
+            <a:endParaRPr lang="pt-BR" sz="1800" b="0" u="sng" strike="noStrike" spc="-1" dirty="0">
+              <a:solidFill>
+                <a:srgbClr val="000000"/>
+              </a:solidFill>
+              <a:latin typeface="Arial"/>
+            </a:endParaRPr>
+          </a:p>
+        </p:txBody>
+      </p:sp>
+      <p:pic>
+        <p:nvPicPr>
+          <p:cNvPr id="3" name="Imagem 2">
+            <a:extLst>
+              <a:ext uri="{FF2B5EF4-FFF2-40B4-BE49-F238E27FC236}">
+                <a16:creationId xmlns:a16="http://schemas.microsoft.com/office/drawing/2014/main" id="{12F501DA-5E4B-2663-497B-DA857EDA8F62}"/>
+              </a:ext>
+            </a:extLst>
+          </p:cNvPr>
+          <p:cNvPicPr>
+            <a:picLocks noChangeAspect="1"/>
+          </p:cNvPicPr>
+          <p:nvPr/>
+        </p:nvPicPr>
+        <p:blipFill>
+          <a:blip r:embed="rId3"/>
+          <a:stretch>
+            <a:fillRect/>
+          </a:stretch>
+        </p:blipFill>
+        <p:spPr>
+          <a:xfrm>
+            <a:off x="6466391" y="2517362"/>
+            <a:ext cx="2677609" cy="2620465"/>
+          </a:xfrm>
+          <a:prstGeom prst="rect">
+            <a:avLst/>
+          </a:prstGeom>
+        </p:spPr>
+      </p:pic>
     </p:spTree>
   </p:cSld>
   <p:clrMapOvr>
@@ -16990,7 +17739,13 @@
   <p:cSld>
     <p:spTree>
       <p:nvGrpSpPr>
-        <p:cNvPr id="1" name=""/>
+        <p:cNvPr id="1" name="">
+          <a:extLst>
+            <a:ext uri="{FF2B5EF4-FFF2-40B4-BE49-F238E27FC236}">
+              <a16:creationId xmlns:a16="http://schemas.microsoft.com/office/drawing/2014/main" id="{E33AB3A6-7968-D054-88B0-FDC170C00966}"/>
+            </a:ext>
+          </a:extLst>
+        </p:cNvPr>
         <p:cNvGrpSpPr/>
         <p:nvPr/>
       </p:nvGrpSpPr>
@@ -17002,7 +17757,271 @@
           <a:chExt cx="0" cy="0"/>
         </a:xfrm>
       </p:grpSpPr>
+      <p:sp>
+        <p:nvSpPr>
+          <p:cNvPr id="237" name="Título 32">
+            <a:extLst>
+              <a:ext uri="{FF2B5EF4-FFF2-40B4-BE49-F238E27FC236}">
+                <a16:creationId xmlns:a16="http://schemas.microsoft.com/office/drawing/2014/main" id="{AAB1EF4A-DF6D-404A-7639-7C6AAF1777AD}"/>
+              </a:ext>
+            </a:extLst>
+          </p:cNvPr>
+          <p:cNvSpPr/>
+          <p:nvPr/>
+        </p:nvSpPr>
+        <p:spPr>
+          <a:xfrm>
+            <a:off x="291960" y="32040"/>
+            <a:ext cx="5587560" cy="900000"/>
+          </a:xfrm>
+          <a:prstGeom prst="rect">
+            <a:avLst/>
+          </a:prstGeom>
+          <a:noFill/>
+          <a:ln w="0">
+            <a:noFill/>
+          </a:ln>
+        </p:spPr>
+        <p:style>
+          <a:lnRef idx="0">
+            <a:scrgbClr r="0" g="0" b="0"/>
+          </a:lnRef>
+          <a:fillRef idx="0">
+            <a:scrgbClr r="0" g="0" b="0"/>
+          </a:fillRef>
+          <a:effectRef idx="0">
+            <a:scrgbClr r="0" g="0" b="0"/>
+          </a:effectRef>
+          <a:fontRef idx="minor"/>
+        </p:style>
+        <p:txBody>
+          <a:bodyPr lIns="90000" tIns="91440" rIns="90000" bIns="91440" anchor="t">
+            <a:noAutofit/>
+          </a:bodyPr>
+          <a:lstStyle/>
+          <a:p>
+            <a:pPr>
+              <a:lnSpc>
+                <a:spcPct val="100000"/>
+              </a:lnSpc>
+            </a:pPr>
+            <a:r>
+              <a:rPr lang="pt-BR" sz="5400" b="1" strike="noStrike" spc="-1">
+                <a:solidFill>
+                  <a:srgbClr val="002060"/>
+                </a:solidFill>
+                <a:latin typeface="Overpass"/>
+                <a:ea typeface="Overpass"/>
+              </a:rPr>
+              <a:t>Let’s Work</a:t>
+            </a:r>
+            <a:endParaRPr lang="pt-BR" sz="5400" b="0" strike="noStrike" spc="-1">
+              <a:solidFill>
+                <a:srgbClr val="000000"/>
+              </a:solidFill>
+              <a:latin typeface="Arial"/>
+            </a:endParaRPr>
+          </a:p>
+        </p:txBody>
+      </p:sp>
+      <p:pic>
+        <p:nvPicPr>
+          <p:cNvPr id="238" name="Imagem 37">
+            <a:extLst>
+              <a:ext uri="{FF2B5EF4-FFF2-40B4-BE49-F238E27FC236}">
+                <a16:creationId xmlns:a16="http://schemas.microsoft.com/office/drawing/2014/main" id="{039BC72C-AA57-23C8-4D65-84F6800720BD}"/>
+              </a:ext>
+            </a:extLst>
+          </p:cNvPr>
+          <p:cNvPicPr/>
+          <p:nvPr/>
+        </p:nvPicPr>
+        <p:blipFill>
+          <a:blip r:embed="rId2"/>
+          <a:stretch/>
+        </p:blipFill>
+        <p:spPr>
+          <a:xfrm rot="5400000">
+            <a:off x="7714440" y="-111600"/>
+            <a:ext cx="2973960" cy="3197880"/>
+          </a:xfrm>
+          <a:prstGeom prst="rect">
+            <a:avLst/>
+          </a:prstGeom>
+          <a:ln w="0">
+            <a:noFill/>
+          </a:ln>
+        </p:spPr>
+      </p:pic>
+      <p:sp>
+        <p:nvSpPr>
+          <p:cNvPr id="239" name="CaixaDeTexto 32">
+            <a:extLst>
+              <a:ext uri="{FF2B5EF4-FFF2-40B4-BE49-F238E27FC236}">
+                <a16:creationId xmlns:a16="http://schemas.microsoft.com/office/drawing/2014/main" id="{F302AD5E-15BA-0663-CAB2-40CC7742FECE}"/>
+              </a:ext>
+            </a:extLst>
+          </p:cNvPr>
+          <p:cNvSpPr/>
+          <p:nvPr/>
+        </p:nvSpPr>
+        <p:spPr>
+          <a:xfrm>
+            <a:off x="180000" y="900000"/>
+            <a:ext cx="7419600" cy="1975113"/>
+          </a:xfrm>
+          <a:prstGeom prst="rect">
+            <a:avLst/>
+          </a:prstGeom>
+          <a:noFill/>
+          <a:ln w="0">
+            <a:noFill/>
+          </a:ln>
+        </p:spPr>
+        <p:style>
+          <a:lnRef idx="0">
+            <a:scrgbClr r="0" g="0" b="0"/>
+          </a:lnRef>
+          <a:fillRef idx="0">
+            <a:scrgbClr r="0" g="0" b="0"/>
+          </a:fillRef>
+          <a:effectRef idx="0">
+            <a:scrgbClr r="0" g="0" b="0"/>
+          </a:effectRef>
+          <a:fontRef idx="minor"/>
+        </p:style>
+        <p:txBody>
+          <a:bodyPr lIns="90000" tIns="45000" rIns="90000" bIns="45000" anchor="t">
+            <a:spAutoFit/>
+          </a:bodyPr>
+          <a:lstStyle/>
+          <a:p>
+            <a:pPr marL="216000" indent="-216000" algn="just">
+              <a:lnSpc>
+                <a:spcPct val="115000"/>
+              </a:lnSpc>
+              <a:buClr>
+                <a:srgbClr val="000000"/>
+              </a:buClr>
+              <a:buFont typeface="Arial"/>
+              <a:buChar char="●"/>
+            </a:pPr>
+            <a:r>
+              <a:rPr lang="pt-BR" sz="1800" b="0" strike="noStrike" spc="-1" dirty="0">
+                <a:solidFill>
+                  <a:srgbClr val="01498E"/>
+                </a:solidFill>
+                <a:latin typeface="Arial"/>
+                <a:ea typeface="Calibri"/>
+              </a:rPr>
+              <a:t>Problema 2:</a:t>
+            </a:r>
+          </a:p>
+          <a:p>
+            <a:pPr marL="673200" lvl="1" indent="-216000" algn="just">
+              <a:lnSpc>
+                <a:spcPct val="115000"/>
+              </a:lnSpc>
+              <a:buClr>
+                <a:srgbClr val="000000"/>
+              </a:buClr>
+              <a:buFont typeface="Arial"/>
+              <a:buChar char="●"/>
+            </a:pPr>
+            <a:r>
+              <a:rPr lang="pt-BR" sz="1800" b="0" strike="noStrike" spc="-1" dirty="0">
+                <a:solidFill>
+                  <a:srgbClr val="01498E"/>
+                </a:solidFill>
+                <a:latin typeface="Arial"/>
+                <a:ea typeface="Calibri"/>
+              </a:rPr>
+              <a:t>Dado o formulário HTML abaixo, implemente uma função JS que calcule IMC (índice de massa corporal)  </a:t>
+            </a:r>
+            <a:endParaRPr lang="pt-BR" b="0" strike="noStrike" spc="-1" dirty="0">
+              <a:solidFill>
+                <a:srgbClr val="000000"/>
+              </a:solidFill>
+              <a:latin typeface="Arial"/>
+            </a:endParaRPr>
+          </a:p>
+          <a:p>
+            <a:pPr algn="just">
+              <a:lnSpc>
+                <a:spcPct val="115000"/>
+              </a:lnSpc>
+            </a:pPr>
+            <a:endParaRPr lang="pt-BR" sz="1800" b="0" strike="noStrike" spc="-1" dirty="0">
+              <a:solidFill>
+                <a:srgbClr val="000000"/>
+              </a:solidFill>
+              <a:latin typeface="Arial"/>
+            </a:endParaRPr>
+          </a:p>
+          <a:p>
+            <a:pPr algn="just">
+              <a:lnSpc>
+                <a:spcPct val="115000"/>
+              </a:lnSpc>
+            </a:pPr>
+            <a:endParaRPr lang="pt-BR" sz="1800" b="0" strike="noStrike" spc="-1" dirty="0">
+              <a:solidFill>
+                <a:srgbClr val="000000"/>
+              </a:solidFill>
+              <a:latin typeface="Arial"/>
+            </a:endParaRPr>
+          </a:p>
+          <a:p>
+            <a:pPr algn="just">
+              <a:lnSpc>
+                <a:spcPct val="115000"/>
+              </a:lnSpc>
+            </a:pPr>
+            <a:endParaRPr lang="pt-BR" sz="1800" b="0" u="sng" strike="noStrike" spc="-1" dirty="0">
+              <a:solidFill>
+                <a:srgbClr val="000000"/>
+              </a:solidFill>
+              <a:latin typeface="Arial"/>
+            </a:endParaRPr>
+          </a:p>
+        </p:txBody>
+      </p:sp>
+      <p:pic>
+        <p:nvPicPr>
+          <p:cNvPr id="4" name="Imagem 3">
+            <a:extLst>
+              <a:ext uri="{FF2B5EF4-FFF2-40B4-BE49-F238E27FC236}">
+                <a16:creationId xmlns:a16="http://schemas.microsoft.com/office/drawing/2014/main" id="{DDA39272-20C6-F12B-E793-17FEEAA69FCB}"/>
+              </a:ext>
+            </a:extLst>
+          </p:cNvPr>
+          <p:cNvPicPr>
+            <a:picLocks noChangeAspect="1"/>
+          </p:cNvPicPr>
+          <p:nvPr/>
+        </p:nvPicPr>
+        <p:blipFill>
+          <a:blip r:embed="rId3"/>
+          <a:stretch>
+            <a:fillRect/>
+          </a:stretch>
+        </p:blipFill>
+        <p:spPr>
+          <a:xfrm>
+            <a:off x="0" y="2185697"/>
+            <a:ext cx="5730743" cy="2957803"/>
+          </a:xfrm>
+          <a:prstGeom prst="rect">
+            <a:avLst/>
+          </a:prstGeom>
+        </p:spPr>
+      </p:pic>
     </p:spTree>
+    <p:extLst>
+      <p:ext uri="{BB962C8B-B14F-4D97-AF65-F5344CB8AC3E}">
+        <p14:creationId xmlns:p14="http://schemas.microsoft.com/office/powerpoint/2010/main" val="3120965076"/>
+      </p:ext>
+    </p:extLst>
   </p:cSld>
   <p:clrMapOvr>
     <a:masterClrMapping/>
@@ -17027,7 +18046,62 @@
           <a:chExt cx="0" cy="0"/>
         </a:xfrm>
       </p:grpSpPr>
+      <p:sp>
+        <p:nvSpPr>
+          <p:cNvPr id="2" name="Título 1">
+            <a:extLst>
+              <a:ext uri="{FF2B5EF4-FFF2-40B4-BE49-F238E27FC236}">
+                <a16:creationId xmlns:a16="http://schemas.microsoft.com/office/drawing/2014/main" id="{318D8A3E-7593-0554-936A-F72DD5B11533}"/>
+              </a:ext>
+            </a:extLst>
+          </p:cNvPr>
+          <p:cNvSpPr>
+            <a:spLocks noGrp="1"/>
+          </p:cNvSpPr>
+          <p:nvPr>
+            <p:ph type="title"/>
+          </p:nvPr>
+        </p:nvSpPr>
+        <p:spPr/>
+        <p:txBody>
+          <a:bodyPr/>
+          <a:lstStyle/>
+          <a:p>
+            <a:endParaRPr lang="pt-BR"/>
+          </a:p>
+        </p:txBody>
+      </p:sp>
+      <p:sp>
+        <p:nvSpPr>
+          <p:cNvPr id="3" name="Subtítulo 2">
+            <a:extLst>
+              <a:ext uri="{FF2B5EF4-FFF2-40B4-BE49-F238E27FC236}">
+                <a16:creationId xmlns:a16="http://schemas.microsoft.com/office/drawing/2014/main" id="{6D24940B-0124-B8AB-94A2-EC3EA970E45B}"/>
+              </a:ext>
+            </a:extLst>
+          </p:cNvPr>
+          <p:cNvSpPr>
+            <a:spLocks noGrp="1"/>
+          </p:cNvSpPr>
+          <p:nvPr>
+            <p:ph type="subTitle"/>
+          </p:nvPr>
+        </p:nvSpPr>
+        <p:spPr/>
+        <p:txBody>
+          <a:bodyPr/>
+          <a:lstStyle/>
+          <a:p>
+            <a:endParaRPr lang="pt-BR"/>
+          </a:p>
+        </p:txBody>
+      </p:sp>
     </p:spTree>
+    <p:extLst>
+      <p:ext uri="{BB962C8B-B14F-4D97-AF65-F5344CB8AC3E}">
+        <p14:creationId xmlns:p14="http://schemas.microsoft.com/office/powerpoint/2010/main" val="2800333242"/>
+      </p:ext>
+    </p:extLst>
   </p:cSld>
   <p:clrMapOvr>
     <a:masterClrMapping/>
@@ -17040,7 +18114,13 @@
   <p:cSld>
     <p:spTree>
       <p:nvGrpSpPr>
-        <p:cNvPr id="1" name=""/>
+        <p:cNvPr id="1" name="">
+          <a:extLst>
+            <a:ext uri="{FF2B5EF4-FFF2-40B4-BE49-F238E27FC236}">
+              <a16:creationId xmlns:a16="http://schemas.microsoft.com/office/drawing/2014/main" id="{C1922921-BD2C-75CC-0810-288D777E1F6E}"/>
+            </a:ext>
+          </a:extLst>
+        </p:cNvPr>
         <p:cNvGrpSpPr/>
         <p:nvPr/>
       </p:nvGrpSpPr>
@@ -17052,7 +18132,462 @@
           <a:chExt cx="0" cy="0"/>
         </a:xfrm>
       </p:grpSpPr>
+      <p:sp>
+        <p:nvSpPr>
+          <p:cNvPr id="230" name="Título 31">
+            <a:extLst>
+              <a:ext uri="{FF2B5EF4-FFF2-40B4-BE49-F238E27FC236}">
+                <a16:creationId xmlns:a16="http://schemas.microsoft.com/office/drawing/2014/main" id="{1B464EFC-4C96-EE42-91C2-6B7D8E1783B7}"/>
+              </a:ext>
+            </a:extLst>
+          </p:cNvPr>
+          <p:cNvSpPr/>
+          <p:nvPr/>
+        </p:nvSpPr>
+        <p:spPr>
+          <a:xfrm>
+            <a:off x="291960" y="189000"/>
+            <a:ext cx="7480440" cy="900000"/>
+          </a:xfrm>
+          <a:prstGeom prst="rect">
+            <a:avLst/>
+          </a:prstGeom>
+          <a:noFill/>
+          <a:ln w="0">
+            <a:noFill/>
+          </a:ln>
+        </p:spPr>
+        <p:style>
+          <a:lnRef idx="0">
+            <a:scrgbClr r="0" g="0" b="0"/>
+          </a:lnRef>
+          <a:fillRef idx="0">
+            <a:scrgbClr r="0" g="0" b="0"/>
+          </a:fillRef>
+          <a:effectRef idx="0">
+            <a:scrgbClr r="0" g="0" b="0"/>
+          </a:effectRef>
+          <a:fontRef idx="minor"/>
+        </p:style>
+        <p:txBody>
+          <a:bodyPr lIns="90000" tIns="91440" rIns="90000" bIns="91440" anchor="t">
+            <a:noAutofit/>
+          </a:bodyPr>
+          <a:lstStyle/>
+          <a:p>
+            <a:pPr>
+              <a:lnSpc>
+                <a:spcPct val="100000"/>
+              </a:lnSpc>
+            </a:pPr>
+            <a:r>
+              <a:rPr lang="pt-BR" sz="4000" b="1" strike="noStrike" spc="-1">
+                <a:solidFill>
+                  <a:srgbClr val="002060"/>
+                </a:solidFill>
+                <a:latin typeface="Overpass"/>
+                <a:ea typeface="Overpass"/>
+              </a:rPr>
+              <a:t>PY WEB</a:t>
+            </a:r>
+            <a:r>
+              <a:rPr lang="pt-BR" sz="5400" b="1" strike="noStrike" spc="-1">
+                <a:solidFill>
+                  <a:srgbClr val="002060"/>
+                </a:solidFill>
+                <a:latin typeface="Overpass"/>
+                <a:ea typeface="Overpass"/>
+              </a:rPr>
+              <a:t> </a:t>
+            </a:r>
+            <a:endParaRPr lang="pt-BR" sz="5400" b="0" strike="noStrike" spc="-1">
+              <a:solidFill>
+                <a:srgbClr val="000000"/>
+              </a:solidFill>
+              <a:latin typeface="Arial"/>
+            </a:endParaRPr>
+          </a:p>
+          <a:p>
+            <a:pPr>
+              <a:lnSpc>
+                <a:spcPct val="100000"/>
+              </a:lnSpc>
+            </a:pPr>
+            <a:endParaRPr lang="pt-BR" sz="5400" b="0" strike="noStrike" spc="-1">
+              <a:solidFill>
+                <a:srgbClr val="000000"/>
+              </a:solidFill>
+              <a:latin typeface="Arial"/>
+            </a:endParaRPr>
+          </a:p>
+        </p:txBody>
+      </p:sp>
+      <p:pic>
+        <p:nvPicPr>
+          <p:cNvPr id="231" name="Imagem 38">
+            <a:extLst>
+              <a:ext uri="{FF2B5EF4-FFF2-40B4-BE49-F238E27FC236}">
+                <a16:creationId xmlns:a16="http://schemas.microsoft.com/office/drawing/2014/main" id="{A27EA3D3-7F6D-B420-D497-876209760E20}"/>
+              </a:ext>
+            </a:extLst>
+          </p:cNvPr>
+          <p:cNvPicPr/>
+          <p:nvPr/>
+        </p:nvPicPr>
+        <p:blipFill>
+          <a:blip r:embed="rId2"/>
+          <a:srcRect b="20507"/>
+          <a:stretch/>
+        </p:blipFill>
+        <p:spPr>
+          <a:xfrm>
+            <a:off x="8100720" y="900720"/>
+            <a:ext cx="2142720" cy="3603600"/>
+          </a:xfrm>
+          <a:prstGeom prst="rect">
+            <a:avLst/>
+          </a:prstGeom>
+          <a:ln w="0">
+            <a:noFill/>
+          </a:ln>
+        </p:spPr>
+      </p:pic>
+      <p:sp>
+        <p:nvSpPr>
+          <p:cNvPr id="232" name="CaixaDeTexto 31">
+            <a:extLst>
+              <a:ext uri="{FF2B5EF4-FFF2-40B4-BE49-F238E27FC236}">
+                <a16:creationId xmlns:a16="http://schemas.microsoft.com/office/drawing/2014/main" id="{6F0833D4-7B19-ADAF-3BA2-2315A80822FF}"/>
+              </a:ext>
+            </a:extLst>
+          </p:cNvPr>
+          <p:cNvSpPr/>
+          <p:nvPr/>
+        </p:nvSpPr>
+        <p:spPr>
+          <a:xfrm>
+            <a:off x="291960" y="1113480"/>
+            <a:ext cx="7693920" cy="3249308"/>
+          </a:xfrm>
+          <a:prstGeom prst="rect">
+            <a:avLst/>
+          </a:prstGeom>
+          <a:noFill/>
+          <a:ln w="0">
+            <a:noFill/>
+          </a:ln>
+        </p:spPr>
+        <p:style>
+          <a:lnRef idx="0">
+            <a:scrgbClr r="0" g="0" b="0"/>
+          </a:lnRef>
+          <a:fillRef idx="0">
+            <a:scrgbClr r="0" g="0" b="0"/>
+          </a:fillRef>
+          <a:effectRef idx="0">
+            <a:scrgbClr r="0" g="0" b="0"/>
+          </a:effectRef>
+          <a:fontRef idx="minor"/>
+        </p:style>
+        <p:txBody>
+          <a:bodyPr lIns="90000" tIns="45000" rIns="90000" bIns="45000" anchor="t">
+            <a:spAutoFit/>
+          </a:bodyPr>
+          <a:lstStyle/>
+          <a:p>
+            <a:pPr marL="216000" indent="-216000" algn="just">
+              <a:lnSpc>
+                <a:spcPct val="115000"/>
+              </a:lnSpc>
+              <a:buClr>
+                <a:srgbClr val="000000"/>
+              </a:buClr>
+              <a:buFont typeface="Arial"/>
+              <a:buChar char="●"/>
+            </a:pPr>
+            <a:r>
+              <a:rPr lang="pt-BR" sz="1800" b="0" strike="noStrike" spc="-1" dirty="0">
+                <a:solidFill>
+                  <a:srgbClr val="01498E"/>
+                </a:solidFill>
+                <a:latin typeface="Arial"/>
+                <a:ea typeface="Calibri"/>
+              </a:rPr>
+              <a:t>Componentes do </a:t>
+            </a:r>
+            <a:r>
+              <a:rPr lang="pt-BR" sz="1800" b="1" strike="noStrike" spc="-1" dirty="0">
+                <a:solidFill>
+                  <a:srgbClr val="01498E"/>
+                </a:solidFill>
+                <a:latin typeface="Arial"/>
+                <a:ea typeface="Calibri"/>
+              </a:rPr>
+              <a:t>Back-</a:t>
+            </a:r>
+            <a:r>
+              <a:rPr lang="pt-BR" sz="1800" b="1" strike="noStrike" spc="-1" dirty="0" err="1">
+                <a:solidFill>
+                  <a:srgbClr val="01498E"/>
+                </a:solidFill>
+                <a:latin typeface="Arial"/>
+                <a:ea typeface="Calibri"/>
+              </a:rPr>
+              <a:t>end</a:t>
+            </a:r>
+            <a:endParaRPr lang="pt-BR" sz="1800" b="1" strike="noStrike" spc="-1" dirty="0">
+              <a:solidFill>
+                <a:srgbClr val="01498E"/>
+              </a:solidFill>
+              <a:latin typeface="Arial"/>
+              <a:ea typeface="Calibri"/>
+            </a:endParaRPr>
+          </a:p>
+          <a:p>
+            <a:pPr marL="673200" lvl="1" indent="-216000" algn="just">
+              <a:lnSpc>
+                <a:spcPct val="115000"/>
+              </a:lnSpc>
+              <a:buClr>
+                <a:srgbClr val="000000"/>
+              </a:buClr>
+              <a:buFont typeface="Arial"/>
+              <a:buChar char="●"/>
+            </a:pPr>
+            <a:r>
+              <a:rPr lang="pt-BR" b="0" strike="noStrike" spc="-1" dirty="0">
+                <a:solidFill>
+                  <a:srgbClr val="01498E"/>
+                </a:solidFill>
+                <a:latin typeface="Arial"/>
+                <a:ea typeface="Calibri"/>
+              </a:rPr>
+              <a:t>Servidor Web: </a:t>
+            </a:r>
+          </a:p>
+          <a:p>
+            <a:pPr marL="1130400" lvl="2" indent="-216000" algn="just">
+              <a:lnSpc>
+                <a:spcPct val="115000"/>
+              </a:lnSpc>
+              <a:buClr>
+                <a:srgbClr val="000000"/>
+              </a:buClr>
+              <a:buFont typeface="Arial"/>
+              <a:buChar char="●"/>
+            </a:pPr>
+            <a:r>
+              <a:rPr lang="pt-BR" b="0" strike="noStrike" spc="-1" dirty="0">
+                <a:solidFill>
+                  <a:srgbClr val="01498E"/>
+                </a:solidFill>
+                <a:latin typeface="Arial"/>
+                <a:ea typeface="Calibri"/>
+              </a:rPr>
+              <a:t>Apache, </a:t>
+            </a:r>
+            <a:r>
+              <a:rPr lang="pt-BR" b="0" strike="noStrike" spc="-1" dirty="0" err="1">
+                <a:solidFill>
+                  <a:srgbClr val="01498E"/>
+                </a:solidFill>
+                <a:latin typeface="Arial"/>
+                <a:ea typeface="Calibri"/>
+              </a:rPr>
+              <a:t>Nginx</a:t>
+            </a:r>
+            <a:r>
+              <a:rPr lang="pt-BR" b="0" strike="noStrike" spc="-1" dirty="0">
+                <a:solidFill>
+                  <a:srgbClr val="01498E"/>
+                </a:solidFill>
+                <a:latin typeface="Arial"/>
+                <a:ea typeface="Calibri"/>
+              </a:rPr>
+              <a:t>, </a:t>
+            </a:r>
+            <a:r>
+              <a:rPr lang="pt-BR" b="0" strike="noStrike" spc="-1" dirty="0" err="1">
+                <a:solidFill>
+                  <a:srgbClr val="01498E"/>
+                </a:solidFill>
+                <a:latin typeface="Arial"/>
+                <a:ea typeface="Calibri"/>
+              </a:rPr>
+              <a:t>Gunicorn</a:t>
+            </a:r>
+            <a:r>
+              <a:rPr lang="pt-BR" b="0" strike="noStrike" spc="-1" dirty="0">
+                <a:solidFill>
+                  <a:srgbClr val="01498E"/>
+                </a:solidFill>
+                <a:latin typeface="Arial"/>
+                <a:ea typeface="Calibri"/>
+              </a:rPr>
+              <a:t>.</a:t>
+            </a:r>
+          </a:p>
+          <a:p>
+            <a:pPr marL="673200" lvl="1" indent="-216000" algn="just">
+              <a:lnSpc>
+                <a:spcPct val="115000"/>
+              </a:lnSpc>
+              <a:buClr>
+                <a:srgbClr val="000000"/>
+              </a:buClr>
+              <a:buFont typeface="Arial"/>
+              <a:buChar char="●"/>
+            </a:pPr>
+            <a:r>
+              <a:rPr lang="pt-BR" b="0" strike="noStrike" spc="-1" dirty="0">
+                <a:solidFill>
+                  <a:srgbClr val="01498E"/>
+                </a:solidFill>
+                <a:latin typeface="Arial"/>
+                <a:ea typeface="Calibri"/>
+              </a:rPr>
+              <a:t>Banco de Dados:</a:t>
+            </a:r>
+          </a:p>
+          <a:p>
+            <a:pPr marL="1130400" lvl="2" indent="-216000" algn="just">
+              <a:lnSpc>
+                <a:spcPct val="115000"/>
+              </a:lnSpc>
+              <a:buClr>
+                <a:srgbClr val="000000"/>
+              </a:buClr>
+              <a:buFont typeface="Arial"/>
+              <a:buChar char="●"/>
+            </a:pPr>
+            <a:r>
+              <a:rPr lang="pt-BR" b="0" strike="noStrike" spc="-1" dirty="0">
+                <a:solidFill>
+                  <a:srgbClr val="01498E"/>
+                </a:solidFill>
+                <a:latin typeface="Arial"/>
+                <a:ea typeface="Calibri"/>
+              </a:rPr>
+              <a:t> MySQL, PostgreSQL, </a:t>
+            </a:r>
+            <a:r>
+              <a:rPr lang="pt-BR" b="0" strike="noStrike" spc="-1" dirty="0" err="1">
+                <a:solidFill>
+                  <a:srgbClr val="01498E"/>
+                </a:solidFill>
+                <a:latin typeface="Arial"/>
+                <a:ea typeface="Calibri"/>
+              </a:rPr>
+              <a:t>MongoDB</a:t>
+            </a:r>
+            <a:r>
+              <a:rPr lang="pt-BR" b="0" strike="noStrike" spc="-1" dirty="0">
+                <a:solidFill>
+                  <a:srgbClr val="01498E"/>
+                </a:solidFill>
+                <a:latin typeface="Arial"/>
+                <a:ea typeface="Calibri"/>
+              </a:rPr>
+              <a:t>.</a:t>
+            </a:r>
+          </a:p>
+          <a:p>
+            <a:pPr marL="673200" lvl="1" indent="-216000" algn="just">
+              <a:lnSpc>
+                <a:spcPct val="115000"/>
+              </a:lnSpc>
+              <a:buClr>
+                <a:srgbClr val="000000"/>
+              </a:buClr>
+              <a:buFont typeface="Arial"/>
+              <a:buChar char="●"/>
+            </a:pPr>
+            <a:r>
+              <a:rPr lang="pt-BR" b="0" strike="noStrike" spc="-1" dirty="0">
+                <a:solidFill>
+                  <a:srgbClr val="01498E"/>
+                </a:solidFill>
+                <a:latin typeface="Arial"/>
+                <a:ea typeface="Calibri"/>
+              </a:rPr>
+              <a:t>Linguagem de Programação: </a:t>
+            </a:r>
+          </a:p>
+          <a:p>
+            <a:pPr marL="1130400" lvl="2" indent="-216000" algn="just">
+              <a:lnSpc>
+                <a:spcPct val="115000"/>
+              </a:lnSpc>
+              <a:buClr>
+                <a:srgbClr val="000000"/>
+              </a:buClr>
+              <a:buFont typeface="Arial"/>
+              <a:buChar char="●"/>
+            </a:pPr>
+            <a:r>
+              <a:rPr lang="pt-BR" b="0" strike="noStrike" spc="-1" dirty="0">
+                <a:solidFill>
+                  <a:srgbClr val="01498E"/>
+                </a:solidFill>
+                <a:latin typeface="Arial"/>
+                <a:ea typeface="Calibri"/>
+              </a:rPr>
+              <a:t>Python, Node.js, PHP.</a:t>
+            </a:r>
+            <a:endParaRPr lang="pt-BR" sz="1800" b="0" strike="noStrike" spc="-1" dirty="0">
+              <a:solidFill>
+                <a:srgbClr val="000000"/>
+              </a:solidFill>
+              <a:latin typeface="Arial"/>
+            </a:endParaRPr>
+          </a:p>
+          <a:p>
+            <a:pPr algn="just">
+              <a:lnSpc>
+                <a:spcPct val="115000"/>
+              </a:lnSpc>
+            </a:pPr>
+            <a:endParaRPr lang="pt-BR" sz="1800" b="0" strike="noStrike" spc="-1" dirty="0">
+              <a:solidFill>
+                <a:srgbClr val="000000"/>
+              </a:solidFill>
+              <a:latin typeface="Arial"/>
+            </a:endParaRPr>
+          </a:p>
+          <a:p>
+            <a:pPr algn="just">
+              <a:lnSpc>
+                <a:spcPct val="115000"/>
+              </a:lnSpc>
+            </a:pPr>
+            <a:endParaRPr lang="pt-BR" sz="1800" b="0" strike="noStrike" spc="-1" dirty="0">
+              <a:solidFill>
+                <a:srgbClr val="000000"/>
+              </a:solidFill>
+              <a:latin typeface="Arial"/>
+            </a:endParaRPr>
+          </a:p>
+          <a:p>
+            <a:pPr algn="just">
+              <a:lnSpc>
+                <a:spcPct val="115000"/>
+              </a:lnSpc>
+            </a:pPr>
+            <a:endParaRPr lang="pt-BR" sz="1800" b="0" strike="noStrike" spc="-1" dirty="0">
+              <a:solidFill>
+                <a:srgbClr val="000000"/>
+              </a:solidFill>
+              <a:latin typeface="Arial"/>
+            </a:endParaRPr>
+          </a:p>
+        </p:txBody>
+      </p:sp>
     </p:spTree>
+    <p:extLst>
+      <p:ext uri="{BB962C8B-B14F-4D97-AF65-F5344CB8AC3E}">
+        <p14:creationId xmlns:p14="http://schemas.microsoft.com/office/powerpoint/2010/main" val="2492548132"/>
+      </p:ext>
+    </p:extLst>
   </p:cSld>
   <p:clrMapOvr>
     <a:masterClrMapping/>
@@ -17077,267 +18612,6 @@
           <a:chExt cx="0" cy="0"/>
         </a:xfrm>
       </p:grpSpPr>
-      <p:sp>
-        <p:nvSpPr>
-          <p:cNvPr id="240" name="Título 4"/>
-          <p:cNvSpPr/>
-          <p:nvPr/>
-        </p:nvSpPr>
-        <p:spPr>
-          <a:xfrm>
-            <a:off x="291960" y="189000"/>
-            <a:ext cx="7480440" cy="900000"/>
-          </a:xfrm>
-          <a:prstGeom prst="rect">
-            <a:avLst/>
-          </a:prstGeom>
-          <a:noFill/>
-          <a:ln w="0">
-            <a:noFill/>
-          </a:ln>
-        </p:spPr>
-        <p:style>
-          <a:lnRef idx="0">
-            <a:scrgbClr r="0" g="0" b="0"/>
-          </a:lnRef>
-          <a:fillRef idx="0">
-            <a:scrgbClr r="0" g="0" b="0"/>
-          </a:fillRef>
-          <a:effectRef idx="0">
-            <a:scrgbClr r="0" g="0" b="0"/>
-          </a:effectRef>
-          <a:fontRef idx="minor"/>
-        </p:style>
-        <p:txBody>
-          <a:bodyPr lIns="90000" tIns="91440" rIns="90000" bIns="91440" anchor="t">
-            <a:noAutofit/>
-          </a:bodyPr>
-          <a:lstStyle/>
-          <a:p>
-            <a:pPr>
-              <a:lnSpc>
-                <a:spcPct val="100000"/>
-              </a:lnSpc>
-            </a:pPr>
-            <a:r>
-              <a:rPr lang="pt-BR" sz="5400" b="1" strike="noStrike" spc="-1">
-                <a:solidFill>
-                  <a:srgbClr val="002060"/>
-                </a:solidFill>
-                <a:latin typeface="Overpass"/>
-                <a:ea typeface="Overpass"/>
-              </a:rPr>
-              <a:t>POO Recap </a:t>
-            </a:r>
-            <a:endParaRPr lang="pt-BR" sz="5400" b="0" strike="noStrike" spc="-1">
-              <a:solidFill>
-                <a:srgbClr val="000000"/>
-              </a:solidFill>
-              <a:latin typeface="Arial"/>
-            </a:endParaRPr>
-          </a:p>
-          <a:p>
-            <a:pPr>
-              <a:lnSpc>
-                <a:spcPct val="100000"/>
-              </a:lnSpc>
-            </a:pPr>
-            <a:endParaRPr lang="pt-BR" sz="5400" b="0" strike="noStrike" spc="-1">
-              <a:solidFill>
-                <a:srgbClr val="000000"/>
-              </a:solidFill>
-              <a:latin typeface="Arial"/>
-            </a:endParaRPr>
-          </a:p>
-        </p:txBody>
-      </p:sp>
-      <p:pic>
-        <p:nvPicPr>
-          <p:cNvPr id="241" name="Imagem 7"/>
-          <p:cNvPicPr/>
-          <p:nvPr/>
-        </p:nvPicPr>
-        <p:blipFill>
-          <a:blip r:embed="rId2"/>
-          <a:srcRect b="20507"/>
-          <a:stretch/>
-        </p:blipFill>
-        <p:spPr>
-          <a:xfrm>
-            <a:off x="8100720" y="900720"/>
-            <a:ext cx="2142720" cy="3603600"/>
-          </a:xfrm>
-          <a:prstGeom prst="rect">
-            <a:avLst/>
-          </a:prstGeom>
-          <a:ln w="0">
-            <a:noFill/>
-          </a:ln>
-        </p:spPr>
-      </p:pic>
-      <p:sp>
-        <p:nvSpPr>
-          <p:cNvPr id="242" name="CaixaDeTexto 3"/>
-          <p:cNvSpPr/>
-          <p:nvPr/>
-        </p:nvSpPr>
-        <p:spPr>
-          <a:xfrm>
-            <a:off x="291960" y="1113480"/>
-            <a:ext cx="7693920" cy="720360"/>
-          </a:xfrm>
-          <a:prstGeom prst="rect">
-            <a:avLst/>
-          </a:prstGeom>
-          <a:noFill/>
-          <a:ln w="0">
-            <a:noFill/>
-          </a:ln>
-        </p:spPr>
-        <p:style>
-          <a:lnRef idx="0">
-            <a:scrgbClr r="0" g="0" b="0"/>
-          </a:lnRef>
-          <a:fillRef idx="0">
-            <a:scrgbClr r="0" g="0" b="0"/>
-          </a:fillRef>
-          <a:effectRef idx="0">
-            <a:scrgbClr r="0" g="0" b="0"/>
-          </a:effectRef>
-          <a:fontRef idx="minor"/>
-        </p:style>
-        <p:txBody>
-          <a:bodyPr lIns="90000" tIns="45000" rIns="90000" bIns="45000" anchor="t">
-            <a:spAutoFit/>
-          </a:bodyPr>
-          <a:lstStyle/>
-          <a:p>
-            <a:pPr marL="216000" indent="-216000" algn="just">
-              <a:lnSpc>
-                <a:spcPct val="115000"/>
-              </a:lnSpc>
-              <a:buClr>
-                <a:srgbClr val="000000"/>
-              </a:buClr>
-              <a:buFont typeface="Arial"/>
-              <a:buChar char="●"/>
-            </a:pPr>
-            <a:r>
-              <a:rPr lang="pt-BR" sz="1800" b="0" strike="noStrike" spc="-1">
-                <a:solidFill>
-                  <a:srgbClr val="01498E"/>
-                </a:solidFill>
-                <a:latin typeface="Arial"/>
-                <a:ea typeface="Calibri"/>
-              </a:rPr>
-              <a:t>O que é uma classe (class) ?</a:t>
-            </a:r>
-            <a:endParaRPr lang="pt-BR" sz="1800" b="0" strike="noStrike" spc="-1">
-              <a:solidFill>
-                <a:srgbClr val="000000"/>
-              </a:solidFill>
-              <a:latin typeface="Arial"/>
-            </a:endParaRPr>
-          </a:p>
-          <a:p>
-            <a:pPr marL="216000" indent="-216000" algn="just">
-              <a:lnSpc>
-                <a:spcPct val="115000"/>
-              </a:lnSpc>
-              <a:buClr>
-                <a:srgbClr val="000000"/>
-              </a:buClr>
-              <a:buFont typeface="Arial"/>
-              <a:buChar char="●"/>
-            </a:pPr>
-            <a:r>
-              <a:rPr lang="pt-BR" sz="1800" b="0" strike="noStrike" spc="-1">
-                <a:solidFill>
-                  <a:srgbClr val="01498E"/>
-                </a:solidFill>
-                <a:latin typeface="Arial"/>
-                <a:ea typeface="Calibri"/>
-              </a:rPr>
-              <a:t>O que é Herança?</a:t>
-            </a:r>
-            <a:endParaRPr lang="pt-BR" sz="1800" b="0" strike="noStrike" spc="-1">
-              <a:solidFill>
-                <a:srgbClr val="000000"/>
-              </a:solidFill>
-              <a:latin typeface="Arial"/>
-            </a:endParaRPr>
-          </a:p>
-        </p:txBody>
-      </p:sp>
-      <p:pic>
-        <p:nvPicPr>
-          <p:cNvPr id="243" name="Imagem 134"/>
-          <p:cNvPicPr/>
-          <p:nvPr/>
-        </p:nvPicPr>
-        <p:blipFill>
-          <a:blip r:embed="rId3"/>
-          <a:stretch/>
-        </p:blipFill>
-        <p:spPr>
-          <a:xfrm>
-            <a:off x="5040000" y="1254960"/>
-            <a:ext cx="3035520" cy="3063960"/>
-          </a:xfrm>
-          <a:prstGeom prst="rect">
-            <a:avLst/>
-          </a:prstGeom>
-          <a:ln w="0">
-            <a:noFill/>
-          </a:ln>
-        </p:spPr>
-      </p:pic>
-      <p:pic>
-        <p:nvPicPr>
-          <p:cNvPr id="244" name="Imagem 135"/>
-          <p:cNvPicPr/>
-          <p:nvPr/>
-        </p:nvPicPr>
-        <p:blipFill>
-          <a:blip r:embed="rId4"/>
-          <a:stretch/>
-        </p:blipFill>
-        <p:spPr>
-          <a:xfrm>
-            <a:off x="2719440" y="1833840"/>
-            <a:ext cx="1779480" cy="3026880"/>
-          </a:xfrm>
-          <a:prstGeom prst="rect">
-            <a:avLst/>
-          </a:prstGeom>
-          <a:ln w="0">
-            <a:noFill/>
-          </a:ln>
-        </p:spPr>
-      </p:pic>
-      <p:pic>
-        <p:nvPicPr>
-          <p:cNvPr id="245" name="Imagem 8"/>
-          <p:cNvPicPr/>
-          <p:nvPr/>
-        </p:nvPicPr>
-        <p:blipFill>
-          <a:blip r:embed="rId5"/>
-          <a:stretch/>
-        </p:blipFill>
-        <p:spPr>
-          <a:xfrm>
-            <a:off x="3762000" y="180000"/>
-            <a:ext cx="5380920" cy="1922760"/>
-          </a:xfrm>
-          <a:prstGeom prst="rect">
-            <a:avLst/>
-          </a:prstGeom>
-          <a:ln w="0">
-            <a:noFill/>
-          </a:ln>
-        </p:spPr>
-      </p:pic>
     </p:spTree>
   </p:cSld>
   <p:clrMapOvr>
@@ -17684,234 +18958,6 @@
           <a:chExt cx="0" cy="0"/>
         </a:xfrm>
       </p:grpSpPr>
-      <p:sp>
-        <p:nvSpPr>
-          <p:cNvPr id="246" name="Título 3"/>
-          <p:cNvSpPr/>
-          <p:nvPr/>
-        </p:nvSpPr>
-        <p:spPr>
-          <a:xfrm>
-            <a:off x="291960" y="189000"/>
-            <a:ext cx="7480440" cy="900000"/>
-          </a:xfrm>
-          <a:prstGeom prst="rect">
-            <a:avLst/>
-          </a:prstGeom>
-          <a:noFill/>
-          <a:ln w="0">
-            <a:noFill/>
-          </a:ln>
-        </p:spPr>
-        <p:style>
-          <a:lnRef idx="0">
-            <a:scrgbClr r="0" g="0" b="0"/>
-          </a:lnRef>
-          <a:fillRef idx="0">
-            <a:scrgbClr r="0" g="0" b="0"/>
-          </a:fillRef>
-          <a:effectRef idx="0">
-            <a:scrgbClr r="0" g="0" b="0"/>
-          </a:effectRef>
-          <a:fontRef idx="minor"/>
-        </p:style>
-        <p:txBody>
-          <a:bodyPr lIns="90000" tIns="91440" rIns="90000" bIns="91440" anchor="t">
-            <a:noAutofit/>
-          </a:bodyPr>
-          <a:lstStyle/>
-          <a:p>
-            <a:pPr>
-              <a:lnSpc>
-                <a:spcPct val="100000"/>
-              </a:lnSpc>
-            </a:pPr>
-            <a:r>
-              <a:rPr lang="pt-BR" sz="5400" b="1" strike="noStrike" spc="-1">
-                <a:solidFill>
-                  <a:srgbClr val="002060"/>
-                </a:solidFill>
-                <a:latin typeface="Overpass"/>
-                <a:ea typeface="Overpass"/>
-              </a:rPr>
-              <a:t>POO Recap </a:t>
-            </a:r>
-            <a:endParaRPr lang="pt-BR" sz="5400" b="0" strike="noStrike" spc="-1">
-              <a:solidFill>
-                <a:srgbClr val="000000"/>
-              </a:solidFill>
-              <a:latin typeface="Arial"/>
-            </a:endParaRPr>
-          </a:p>
-          <a:p>
-            <a:pPr>
-              <a:lnSpc>
-                <a:spcPct val="100000"/>
-              </a:lnSpc>
-            </a:pPr>
-            <a:endParaRPr lang="pt-BR" sz="5400" b="0" strike="noStrike" spc="-1">
-              <a:solidFill>
-                <a:srgbClr val="000000"/>
-              </a:solidFill>
-              <a:latin typeface="Arial"/>
-            </a:endParaRPr>
-          </a:p>
-        </p:txBody>
-      </p:sp>
-      <p:pic>
-        <p:nvPicPr>
-          <p:cNvPr id="247" name="Imagem 5"/>
-          <p:cNvPicPr/>
-          <p:nvPr/>
-        </p:nvPicPr>
-        <p:blipFill>
-          <a:blip r:embed="rId2"/>
-          <a:srcRect b="20507"/>
-          <a:stretch/>
-        </p:blipFill>
-        <p:spPr>
-          <a:xfrm>
-            <a:off x="8100720" y="900720"/>
-            <a:ext cx="2142720" cy="3603600"/>
-          </a:xfrm>
-          <a:prstGeom prst="rect">
-            <a:avLst/>
-          </a:prstGeom>
-          <a:ln w="0">
-            <a:noFill/>
-          </a:ln>
-        </p:spPr>
-      </p:pic>
-      <p:sp>
-        <p:nvSpPr>
-          <p:cNvPr id="248" name="CaixaDeTexto 2"/>
-          <p:cNvSpPr/>
-          <p:nvPr/>
-        </p:nvSpPr>
-        <p:spPr>
-          <a:xfrm>
-            <a:off x="291960" y="1113480"/>
-            <a:ext cx="7693920" cy="2297160"/>
-          </a:xfrm>
-          <a:prstGeom prst="rect">
-            <a:avLst/>
-          </a:prstGeom>
-          <a:noFill/>
-          <a:ln w="0">
-            <a:noFill/>
-          </a:ln>
-        </p:spPr>
-        <p:style>
-          <a:lnRef idx="0">
-            <a:scrgbClr r="0" g="0" b="0"/>
-          </a:lnRef>
-          <a:fillRef idx="0">
-            <a:scrgbClr r="0" g="0" b="0"/>
-          </a:fillRef>
-          <a:effectRef idx="0">
-            <a:scrgbClr r="0" g="0" b="0"/>
-          </a:effectRef>
-          <a:fontRef idx="minor"/>
-        </p:style>
-        <p:txBody>
-          <a:bodyPr lIns="90000" tIns="45000" rIns="90000" bIns="45000" anchor="t">
-            <a:spAutoFit/>
-          </a:bodyPr>
-          <a:lstStyle/>
-          <a:p>
-            <a:pPr marL="216000" indent="-216000" algn="just">
-              <a:lnSpc>
-                <a:spcPct val="115000"/>
-              </a:lnSpc>
-              <a:buClr>
-                <a:srgbClr val="000000"/>
-              </a:buClr>
-              <a:buFont typeface="Arial"/>
-              <a:buChar char="●"/>
-            </a:pPr>
-            <a:r>
-              <a:rPr lang="pt-BR" sz="1800" b="0" strike="noStrike" spc="-1">
-                <a:solidFill>
-                  <a:srgbClr val="01498E"/>
-                </a:solidFill>
-                <a:latin typeface="Arial"/>
-                <a:ea typeface="Calibri"/>
-              </a:rPr>
-              <a:t>O que é Herança ?</a:t>
-            </a:r>
-            <a:endParaRPr lang="pt-BR" sz="1800" b="0" strike="noStrike" spc="-1">
-              <a:solidFill>
-                <a:srgbClr val="000000"/>
-              </a:solidFill>
-              <a:latin typeface="Arial"/>
-            </a:endParaRPr>
-          </a:p>
-          <a:p>
-            <a:pPr marL="673200" lvl="1" indent="-216000" algn="just">
-              <a:lnSpc>
-                <a:spcPct val="115000"/>
-              </a:lnSpc>
-              <a:buClr>
-                <a:srgbClr val="000000"/>
-              </a:buClr>
-              <a:buFont typeface="Arial"/>
-              <a:buChar char="●"/>
-            </a:pPr>
-            <a:r>
-              <a:rPr lang="pt-BR" sz="1800" b="0" strike="noStrike" spc="-1">
-                <a:solidFill>
-                  <a:srgbClr val="01498E"/>
-                </a:solidFill>
-                <a:latin typeface="Arial"/>
-                <a:ea typeface="Calibri"/>
-              </a:rPr>
-              <a:t>Em Python, herança é um conceito fundamental da programação orientada a objetos (POO) que permite que uma classe (chamada classe filha ou subclasse) herde atributos e métodos de outra classe (chamada classe pai ou superclasse). Isso promove a reutilização de código e a organização hierárquica.</a:t>
-            </a:r>
-            <a:endParaRPr lang="pt-BR" sz="1800" b="0" strike="noStrike" spc="-1">
-              <a:solidFill>
-                <a:srgbClr val="000000"/>
-              </a:solidFill>
-              <a:latin typeface="Arial"/>
-            </a:endParaRPr>
-          </a:p>
-          <a:p>
-            <a:pPr algn="just">
-              <a:lnSpc>
-                <a:spcPct val="115000"/>
-              </a:lnSpc>
-            </a:pPr>
-            <a:endParaRPr lang="pt-BR" sz="1800" b="0" strike="noStrike" spc="-1">
-              <a:solidFill>
-                <a:srgbClr val="000000"/>
-              </a:solidFill>
-              <a:latin typeface="Arial"/>
-            </a:endParaRPr>
-          </a:p>
-        </p:txBody>
-      </p:sp>
-      <p:pic>
-        <p:nvPicPr>
-          <p:cNvPr id="249" name="Imagem 6"/>
-          <p:cNvPicPr/>
-          <p:nvPr/>
-        </p:nvPicPr>
-        <p:blipFill>
-          <a:blip r:embed="rId3"/>
-          <a:stretch/>
-        </p:blipFill>
-        <p:spPr>
-          <a:xfrm>
-            <a:off x="959400" y="3067920"/>
-            <a:ext cx="5380920" cy="1922760"/>
-          </a:xfrm>
-          <a:prstGeom prst="rect">
-            <a:avLst/>
-          </a:prstGeom>
-          <a:ln w="0">
-            <a:noFill/>
-          </a:ln>
-        </p:spPr>
-      </p:pic>
     </p:spTree>
   </p:cSld>
   <p:clrMapOvr>
@@ -17937,6 +18983,570 @@
           <a:chExt cx="0" cy="0"/>
         </a:xfrm>
       </p:grpSpPr>
+    </p:spTree>
+  </p:cSld>
+  <p:clrMapOvr>
+    <a:masterClrMapping/>
+  </p:clrMapOvr>
+</p:sld>
+</file>
+
+<file path=ppt/slides/slide32.xml><?xml version="1.0" encoding="utf-8"?>
+<p:sld xmlns:a="http://schemas.openxmlformats.org/drawingml/2006/main" xmlns:r="http://schemas.openxmlformats.org/officeDocument/2006/relationships" xmlns:p="http://schemas.openxmlformats.org/presentationml/2006/main">
+  <p:cSld>
+    <p:spTree>
+      <p:nvGrpSpPr>
+        <p:cNvPr id="1" name=""/>
+        <p:cNvGrpSpPr/>
+        <p:nvPr/>
+      </p:nvGrpSpPr>
+      <p:grpSpPr>
+        <a:xfrm>
+          <a:off x="0" y="0"/>
+          <a:ext cx="0" cy="0"/>
+          <a:chOff x="0" y="0"/>
+          <a:chExt cx="0" cy="0"/>
+        </a:xfrm>
+      </p:grpSpPr>
+      <p:sp>
+        <p:nvSpPr>
+          <p:cNvPr id="240" name="Título 4"/>
+          <p:cNvSpPr/>
+          <p:nvPr/>
+        </p:nvSpPr>
+        <p:spPr>
+          <a:xfrm>
+            <a:off x="291960" y="189000"/>
+            <a:ext cx="7480440" cy="900000"/>
+          </a:xfrm>
+          <a:prstGeom prst="rect">
+            <a:avLst/>
+          </a:prstGeom>
+          <a:noFill/>
+          <a:ln w="0">
+            <a:noFill/>
+          </a:ln>
+        </p:spPr>
+        <p:style>
+          <a:lnRef idx="0">
+            <a:scrgbClr r="0" g="0" b="0"/>
+          </a:lnRef>
+          <a:fillRef idx="0">
+            <a:scrgbClr r="0" g="0" b="0"/>
+          </a:fillRef>
+          <a:effectRef idx="0">
+            <a:scrgbClr r="0" g="0" b="0"/>
+          </a:effectRef>
+          <a:fontRef idx="minor"/>
+        </p:style>
+        <p:txBody>
+          <a:bodyPr lIns="90000" tIns="91440" rIns="90000" bIns="91440" anchor="t">
+            <a:noAutofit/>
+          </a:bodyPr>
+          <a:lstStyle/>
+          <a:p>
+            <a:pPr>
+              <a:lnSpc>
+                <a:spcPct val="100000"/>
+              </a:lnSpc>
+            </a:pPr>
+            <a:r>
+              <a:rPr lang="pt-BR" sz="5400" b="1" strike="noStrike" spc="-1">
+                <a:solidFill>
+                  <a:srgbClr val="002060"/>
+                </a:solidFill>
+                <a:latin typeface="Overpass"/>
+                <a:ea typeface="Overpass"/>
+              </a:rPr>
+              <a:t>POO Recap </a:t>
+            </a:r>
+            <a:endParaRPr lang="pt-BR" sz="5400" b="0" strike="noStrike" spc="-1">
+              <a:solidFill>
+                <a:srgbClr val="000000"/>
+              </a:solidFill>
+              <a:latin typeface="Arial"/>
+            </a:endParaRPr>
+          </a:p>
+          <a:p>
+            <a:pPr>
+              <a:lnSpc>
+                <a:spcPct val="100000"/>
+              </a:lnSpc>
+            </a:pPr>
+            <a:endParaRPr lang="pt-BR" sz="5400" b="0" strike="noStrike" spc="-1">
+              <a:solidFill>
+                <a:srgbClr val="000000"/>
+              </a:solidFill>
+              <a:latin typeface="Arial"/>
+            </a:endParaRPr>
+          </a:p>
+        </p:txBody>
+      </p:sp>
+      <p:pic>
+        <p:nvPicPr>
+          <p:cNvPr id="241" name="Imagem 7"/>
+          <p:cNvPicPr/>
+          <p:nvPr/>
+        </p:nvPicPr>
+        <p:blipFill>
+          <a:blip r:embed="rId2"/>
+          <a:srcRect b="20507"/>
+          <a:stretch/>
+        </p:blipFill>
+        <p:spPr>
+          <a:xfrm>
+            <a:off x="8100720" y="900720"/>
+            <a:ext cx="2142720" cy="3603600"/>
+          </a:xfrm>
+          <a:prstGeom prst="rect">
+            <a:avLst/>
+          </a:prstGeom>
+          <a:ln w="0">
+            <a:noFill/>
+          </a:ln>
+        </p:spPr>
+      </p:pic>
+      <p:sp>
+        <p:nvSpPr>
+          <p:cNvPr id="242" name="CaixaDeTexto 3"/>
+          <p:cNvSpPr/>
+          <p:nvPr/>
+        </p:nvSpPr>
+        <p:spPr>
+          <a:xfrm>
+            <a:off x="291960" y="1113480"/>
+            <a:ext cx="7693920" cy="720360"/>
+          </a:xfrm>
+          <a:prstGeom prst="rect">
+            <a:avLst/>
+          </a:prstGeom>
+          <a:noFill/>
+          <a:ln w="0">
+            <a:noFill/>
+          </a:ln>
+        </p:spPr>
+        <p:style>
+          <a:lnRef idx="0">
+            <a:scrgbClr r="0" g="0" b="0"/>
+          </a:lnRef>
+          <a:fillRef idx="0">
+            <a:scrgbClr r="0" g="0" b="0"/>
+          </a:fillRef>
+          <a:effectRef idx="0">
+            <a:scrgbClr r="0" g="0" b="0"/>
+          </a:effectRef>
+          <a:fontRef idx="minor"/>
+        </p:style>
+        <p:txBody>
+          <a:bodyPr lIns="90000" tIns="45000" rIns="90000" bIns="45000" anchor="t">
+            <a:spAutoFit/>
+          </a:bodyPr>
+          <a:lstStyle/>
+          <a:p>
+            <a:pPr marL="216000" indent="-216000" algn="just">
+              <a:lnSpc>
+                <a:spcPct val="115000"/>
+              </a:lnSpc>
+              <a:buClr>
+                <a:srgbClr val="000000"/>
+              </a:buClr>
+              <a:buFont typeface="Arial"/>
+              <a:buChar char="●"/>
+            </a:pPr>
+            <a:r>
+              <a:rPr lang="pt-BR" sz="1800" b="0" strike="noStrike" spc="-1">
+                <a:solidFill>
+                  <a:srgbClr val="01498E"/>
+                </a:solidFill>
+                <a:latin typeface="Arial"/>
+                <a:ea typeface="Calibri"/>
+              </a:rPr>
+              <a:t>O que é uma classe (class) ?</a:t>
+            </a:r>
+            <a:endParaRPr lang="pt-BR" sz="1800" b="0" strike="noStrike" spc="-1">
+              <a:solidFill>
+                <a:srgbClr val="000000"/>
+              </a:solidFill>
+              <a:latin typeface="Arial"/>
+            </a:endParaRPr>
+          </a:p>
+          <a:p>
+            <a:pPr marL="216000" indent="-216000" algn="just">
+              <a:lnSpc>
+                <a:spcPct val="115000"/>
+              </a:lnSpc>
+              <a:buClr>
+                <a:srgbClr val="000000"/>
+              </a:buClr>
+              <a:buFont typeface="Arial"/>
+              <a:buChar char="●"/>
+            </a:pPr>
+            <a:r>
+              <a:rPr lang="pt-BR" sz="1800" b="0" strike="noStrike" spc="-1">
+                <a:solidFill>
+                  <a:srgbClr val="01498E"/>
+                </a:solidFill>
+                <a:latin typeface="Arial"/>
+                <a:ea typeface="Calibri"/>
+              </a:rPr>
+              <a:t>O que é Herança?</a:t>
+            </a:r>
+            <a:endParaRPr lang="pt-BR" sz="1800" b="0" strike="noStrike" spc="-1">
+              <a:solidFill>
+                <a:srgbClr val="000000"/>
+              </a:solidFill>
+              <a:latin typeface="Arial"/>
+            </a:endParaRPr>
+          </a:p>
+        </p:txBody>
+      </p:sp>
+      <p:pic>
+        <p:nvPicPr>
+          <p:cNvPr id="243" name="Imagem 134"/>
+          <p:cNvPicPr/>
+          <p:nvPr/>
+        </p:nvPicPr>
+        <p:blipFill>
+          <a:blip r:embed="rId3"/>
+          <a:stretch/>
+        </p:blipFill>
+        <p:spPr>
+          <a:xfrm>
+            <a:off x="5040000" y="1254960"/>
+            <a:ext cx="3035520" cy="3063960"/>
+          </a:xfrm>
+          <a:prstGeom prst="rect">
+            <a:avLst/>
+          </a:prstGeom>
+          <a:ln w="0">
+            <a:noFill/>
+          </a:ln>
+        </p:spPr>
+      </p:pic>
+      <p:pic>
+        <p:nvPicPr>
+          <p:cNvPr id="244" name="Imagem 135"/>
+          <p:cNvPicPr/>
+          <p:nvPr/>
+        </p:nvPicPr>
+        <p:blipFill>
+          <a:blip r:embed="rId4"/>
+          <a:stretch/>
+        </p:blipFill>
+        <p:spPr>
+          <a:xfrm>
+            <a:off x="2719440" y="1833840"/>
+            <a:ext cx="1779480" cy="3026880"/>
+          </a:xfrm>
+          <a:prstGeom prst="rect">
+            <a:avLst/>
+          </a:prstGeom>
+          <a:ln w="0">
+            <a:noFill/>
+          </a:ln>
+        </p:spPr>
+      </p:pic>
+      <p:pic>
+        <p:nvPicPr>
+          <p:cNvPr id="245" name="Imagem 8"/>
+          <p:cNvPicPr/>
+          <p:nvPr/>
+        </p:nvPicPr>
+        <p:blipFill>
+          <a:blip r:embed="rId5"/>
+          <a:stretch/>
+        </p:blipFill>
+        <p:spPr>
+          <a:xfrm>
+            <a:off x="3762000" y="180000"/>
+            <a:ext cx="5380920" cy="1922760"/>
+          </a:xfrm>
+          <a:prstGeom prst="rect">
+            <a:avLst/>
+          </a:prstGeom>
+          <a:ln w="0">
+            <a:noFill/>
+          </a:ln>
+        </p:spPr>
+      </p:pic>
+    </p:spTree>
+  </p:cSld>
+  <p:clrMapOvr>
+    <a:masterClrMapping/>
+  </p:clrMapOvr>
+</p:sld>
+</file>
+
+<file path=ppt/slides/slide33.xml><?xml version="1.0" encoding="utf-8"?>
+<p:sld xmlns:a="http://schemas.openxmlformats.org/drawingml/2006/main" xmlns:r="http://schemas.openxmlformats.org/officeDocument/2006/relationships" xmlns:p="http://schemas.openxmlformats.org/presentationml/2006/main">
+  <p:cSld>
+    <p:spTree>
+      <p:nvGrpSpPr>
+        <p:cNvPr id="1" name=""/>
+        <p:cNvGrpSpPr/>
+        <p:nvPr/>
+      </p:nvGrpSpPr>
+      <p:grpSpPr>
+        <a:xfrm>
+          <a:off x="0" y="0"/>
+          <a:ext cx="0" cy="0"/>
+          <a:chOff x="0" y="0"/>
+          <a:chExt cx="0" cy="0"/>
+        </a:xfrm>
+      </p:grpSpPr>
+      <p:sp>
+        <p:nvSpPr>
+          <p:cNvPr id="246" name="Título 3"/>
+          <p:cNvSpPr/>
+          <p:nvPr/>
+        </p:nvSpPr>
+        <p:spPr>
+          <a:xfrm>
+            <a:off x="291960" y="189000"/>
+            <a:ext cx="7480440" cy="900000"/>
+          </a:xfrm>
+          <a:prstGeom prst="rect">
+            <a:avLst/>
+          </a:prstGeom>
+          <a:noFill/>
+          <a:ln w="0">
+            <a:noFill/>
+          </a:ln>
+        </p:spPr>
+        <p:style>
+          <a:lnRef idx="0">
+            <a:scrgbClr r="0" g="0" b="0"/>
+          </a:lnRef>
+          <a:fillRef idx="0">
+            <a:scrgbClr r="0" g="0" b="0"/>
+          </a:fillRef>
+          <a:effectRef idx="0">
+            <a:scrgbClr r="0" g="0" b="0"/>
+          </a:effectRef>
+          <a:fontRef idx="minor"/>
+        </p:style>
+        <p:txBody>
+          <a:bodyPr lIns="90000" tIns="91440" rIns="90000" bIns="91440" anchor="t">
+            <a:noAutofit/>
+          </a:bodyPr>
+          <a:lstStyle/>
+          <a:p>
+            <a:pPr>
+              <a:lnSpc>
+                <a:spcPct val="100000"/>
+              </a:lnSpc>
+            </a:pPr>
+            <a:r>
+              <a:rPr lang="pt-BR" sz="5400" b="1" strike="noStrike" spc="-1">
+                <a:solidFill>
+                  <a:srgbClr val="002060"/>
+                </a:solidFill>
+                <a:latin typeface="Overpass"/>
+                <a:ea typeface="Overpass"/>
+              </a:rPr>
+              <a:t>POO Recap </a:t>
+            </a:r>
+            <a:endParaRPr lang="pt-BR" sz="5400" b="0" strike="noStrike" spc="-1">
+              <a:solidFill>
+                <a:srgbClr val="000000"/>
+              </a:solidFill>
+              <a:latin typeface="Arial"/>
+            </a:endParaRPr>
+          </a:p>
+          <a:p>
+            <a:pPr>
+              <a:lnSpc>
+                <a:spcPct val="100000"/>
+              </a:lnSpc>
+            </a:pPr>
+            <a:endParaRPr lang="pt-BR" sz="5400" b="0" strike="noStrike" spc="-1">
+              <a:solidFill>
+                <a:srgbClr val="000000"/>
+              </a:solidFill>
+              <a:latin typeface="Arial"/>
+            </a:endParaRPr>
+          </a:p>
+        </p:txBody>
+      </p:sp>
+      <p:pic>
+        <p:nvPicPr>
+          <p:cNvPr id="247" name="Imagem 5"/>
+          <p:cNvPicPr/>
+          <p:nvPr/>
+        </p:nvPicPr>
+        <p:blipFill>
+          <a:blip r:embed="rId2"/>
+          <a:srcRect b="20507"/>
+          <a:stretch/>
+        </p:blipFill>
+        <p:spPr>
+          <a:xfrm>
+            <a:off x="8100720" y="900720"/>
+            <a:ext cx="2142720" cy="3603600"/>
+          </a:xfrm>
+          <a:prstGeom prst="rect">
+            <a:avLst/>
+          </a:prstGeom>
+          <a:ln w="0">
+            <a:noFill/>
+          </a:ln>
+        </p:spPr>
+      </p:pic>
+      <p:sp>
+        <p:nvSpPr>
+          <p:cNvPr id="248" name="CaixaDeTexto 2"/>
+          <p:cNvSpPr/>
+          <p:nvPr/>
+        </p:nvSpPr>
+        <p:spPr>
+          <a:xfrm>
+            <a:off x="291960" y="1113480"/>
+            <a:ext cx="7693920" cy="2297160"/>
+          </a:xfrm>
+          <a:prstGeom prst="rect">
+            <a:avLst/>
+          </a:prstGeom>
+          <a:noFill/>
+          <a:ln w="0">
+            <a:noFill/>
+          </a:ln>
+        </p:spPr>
+        <p:style>
+          <a:lnRef idx="0">
+            <a:scrgbClr r="0" g="0" b="0"/>
+          </a:lnRef>
+          <a:fillRef idx="0">
+            <a:scrgbClr r="0" g="0" b="0"/>
+          </a:fillRef>
+          <a:effectRef idx="0">
+            <a:scrgbClr r="0" g="0" b="0"/>
+          </a:effectRef>
+          <a:fontRef idx="minor"/>
+        </p:style>
+        <p:txBody>
+          <a:bodyPr lIns="90000" tIns="45000" rIns="90000" bIns="45000" anchor="t">
+            <a:spAutoFit/>
+          </a:bodyPr>
+          <a:lstStyle/>
+          <a:p>
+            <a:pPr marL="216000" indent="-216000" algn="just">
+              <a:lnSpc>
+                <a:spcPct val="115000"/>
+              </a:lnSpc>
+              <a:buClr>
+                <a:srgbClr val="000000"/>
+              </a:buClr>
+              <a:buFont typeface="Arial"/>
+              <a:buChar char="●"/>
+            </a:pPr>
+            <a:r>
+              <a:rPr lang="pt-BR" sz="1800" b="0" strike="noStrike" spc="-1">
+                <a:solidFill>
+                  <a:srgbClr val="01498E"/>
+                </a:solidFill>
+                <a:latin typeface="Arial"/>
+                <a:ea typeface="Calibri"/>
+              </a:rPr>
+              <a:t>O que é Herança ?</a:t>
+            </a:r>
+            <a:endParaRPr lang="pt-BR" sz="1800" b="0" strike="noStrike" spc="-1">
+              <a:solidFill>
+                <a:srgbClr val="000000"/>
+              </a:solidFill>
+              <a:latin typeface="Arial"/>
+            </a:endParaRPr>
+          </a:p>
+          <a:p>
+            <a:pPr marL="673200" lvl="1" indent="-216000" algn="just">
+              <a:lnSpc>
+                <a:spcPct val="115000"/>
+              </a:lnSpc>
+              <a:buClr>
+                <a:srgbClr val="000000"/>
+              </a:buClr>
+              <a:buFont typeface="Arial"/>
+              <a:buChar char="●"/>
+            </a:pPr>
+            <a:r>
+              <a:rPr lang="pt-BR" sz="1800" b="0" strike="noStrike" spc="-1">
+                <a:solidFill>
+                  <a:srgbClr val="01498E"/>
+                </a:solidFill>
+                <a:latin typeface="Arial"/>
+                <a:ea typeface="Calibri"/>
+              </a:rPr>
+              <a:t>Em Python, herança é um conceito fundamental da programação orientada a objetos (POO) que permite que uma classe (chamada classe filha ou subclasse) herde atributos e métodos de outra classe (chamada classe pai ou superclasse). Isso promove a reutilização de código e a organização hierárquica.</a:t>
+            </a:r>
+            <a:endParaRPr lang="pt-BR" sz="1800" b="0" strike="noStrike" spc="-1">
+              <a:solidFill>
+                <a:srgbClr val="000000"/>
+              </a:solidFill>
+              <a:latin typeface="Arial"/>
+            </a:endParaRPr>
+          </a:p>
+          <a:p>
+            <a:pPr algn="just">
+              <a:lnSpc>
+                <a:spcPct val="115000"/>
+              </a:lnSpc>
+            </a:pPr>
+            <a:endParaRPr lang="pt-BR" sz="1800" b="0" strike="noStrike" spc="-1">
+              <a:solidFill>
+                <a:srgbClr val="000000"/>
+              </a:solidFill>
+              <a:latin typeface="Arial"/>
+            </a:endParaRPr>
+          </a:p>
+        </p:txBody>
+      </p:sp>
+      <p:pic>
+        <p:nvPicPr>
+          <p:cNvPr id="249" name="Imagem 6"/>
+          <p:cNvPicPr/>
+          <p:nvPr/>
+        </p:nvPicPr>
+        <p:blipFill>
+          <a:blip r:embed="rId3"/>
+          <a:stretch/>
+        </p:blipFill>
+        <p:spPr>
+          <a:xfrm>
+            <a:off x="959400" y="3067920"/>
+            <a:ext cx="5380920" cy="1922760"/>
+          </a:xfrm>
+          <a:prstGeom prst="rect">
+            <a:avLst/>
+          </a:prstGeom>
+          <a:ln w="0">
+            <a:noFill/>
+          </a:ln>
+        </p:spPr>
+      </p:pic>
+    </p:spTree>
+  </p:cSld>
+  <p:clrMapOvr>
+    <a:masterClrMapping/>
+  </p:clrMapOvr>
+</p:sld>
+</file>
+
+<file path=ppt/slides/slide34.xml><?xml version="1.0" encoding="utf-8"?>
+<p:sld xmlns:a="http://schemas.openxmlformats.org/drawingml/2006/main" xmlns:r="http://schemas.openxmlformats.org/officeDocument/2006/relationships" xmlns:p="http://schemas.openxmlformats.org/presentationml/2006/main">
+  <p:cSld>
+    <p:spTree>
+      <p:nvGrpSpPr>
+        <p:cNvPr id="1" name=""/>
+        <p:cNvGrpSpPr/>
+        <p:nvPr/>
+      </p:nvGrpSpPr>
+      <p:grpSpPr>
+        <a:xfrm>
+          <a:off x="0" y="0"/>
+          <a:ext cx="0" cy="0"/>
+          <a:chOff x="0" y="0"/>
+          <a:chExt cx="0" cy="0"/>
+        </a:xfrm>
+      </p:grpSpPr>
       <p:sp>
         <p:nvSpPr>
           <p:cNvPr id="250" name="Título 1"/>
@@ -18175,7 +19785,7 @@
 </p:sld>
 </file>
 
-<file path=ppt/slides/slide32.xml><?xml version="1.0" encoding="utf-8"?>
+<file path=ppt/slides/slide35.xml><?xml version="1.0" encoding="utf-8"?>
 <p:sld xmlns:a="http://schemas.openxmlformats.org/drawingml/2006/main" xmlns:r="http://schemas.openxmlformats.org/officeDocument/2006/relationships" xmlns:p="http://schemas.openxmlformats.org/presentationml/2006/main">
   <p:cSld>
     <p:spTree>
@@ -18223,633 +19833,6 @@
 </p:sld>
 </file>
 
-<file path=ppt/slides/slide33.xml><?xml version="1.0" encoding="utf-8"?>
-<p:sld xmlns:a="http://schemas.openxmlformats.org/drawingml/2006/main" xmlns:r="http://schemas.openxmlformats.org/officeDocument/2006/relationships" xmlns:p="http://schemas.openxmlformats.org/presentationml/2006/main">
-  <p:cSld>
-    <p:spTree>
-      <p:nvGrpSpPr>
-        <p:cNvPr id="1" name=""/>
-        <p:cNvGrpSpPr/>
-        <p:nvPr/>
-      </p:nvGrpSpPr>
-      <p:grpSpPr>
-        <a:xfrm>
-          <a:off x="0" y="0"/>
-          <a:ext cx="0" cy="0"/>
-          <a:chOff x="0" y="0"/>
-          <a:chExt cx="0" cy="0"/>
-        </a:xfrm>
-      </p:grpSpPr>
-      <p:sp>
-        <p:nvSpPr>
-          <p:cNvPr id="254" name="Título 10"/>
-          <p:cNvSpPr/>
-          <p:nvPr/>
-        </p:nvSpPr>
-        <p:spPr>
-          <a:xfrm>
-            <a:off x="291960" y="32040"/>
-            <a:ext cx="5587560" cy="900000"/>
-          </a:xfrm>
-          <a:prstGeom prst="rect">
-            <a:avLst/>
-          </a:prstGeom>
-          <a:noFill/>
-          <a:ln w="0">
-            <a:noFill/>
-          </a:ln>
-        </p:spPr>
-        <p:style>
-          <a:lnRef idx="0">
-            <a:scrgbClr r="0" g="0" b="0"/>
-          </a:lnRef>
-          <a:fillRef idx="0">
-            <a:scrgbClr r="0" g="0" b="0"/>
-          </a:fillRef>
-          <a:effectRef idx="0">
-            <a:scrgbClr r="0" g="0" b="0"/>
-          </a:effectRef>
-          <a:fontRef idx="minor"/>
-        </p:style>
-        <p:txBody>
-          <a:bodyPr lIns="90000" tIns="91440" rIns="90000" bIns="91440" anchor="t">
-            <a:noAutofit/>
-          </a:bodyPr>
-          <a:lstStyle/>
-          <a:p>
-            <a:pPr>
-              <a:lnSpc>
-                <a:spcPct val="100000"/>
-              </a:lnSpc>
-            </a:pPr>
-            <a:r>
-              <a:rPr lang="pt-BR" sz="5400" b="1" strike="noStrike" spc="-1">
-                <a:solidFill>
-                  <a:srgbClr val="002060"/>
-                </a:solidFill>
-                <a:latin typeface="Overpass"/>
-                <a:ea typeface="Overpass"/>
-              </a:rPr>
-              <a:t>Let’s Work</a:t>
-            </a:r>
-            <a:endParaRPr lang="pt-BR" sz="5400" b="0" strike="noStrike" spc="-1">
-              <a:solidFill>
-                <a:srgbClr val="000000"/>
-              </a:solidFill>
-              <a:latin typeface="Arial"/>
-            </a:endParaRPr>
-          </a:p>
-        </p:txBody>
-      </p:sp>
-      <p:pic>
-        <p:nvPicPr>
-          <p:cNvPr id="255" name="Imagem 16"/>
-          <p:cNvPicPr/>
-          <p:nvPr/>
-        </p:nvPicPr>
-        <p:blipFill>
-          <a:blip r:embed="rId2"/>
-          <a:stretch/>
-        </p:blipFill>
-        <p:spPr>
-          <a:xfrm rot="5400000">
-            <a:off x="7714440" y="-111600"/>
-            <a:ext cx="2973960" cy="3197880"/>
-          </a:xfrm>
-          <a:prstGeom prst="rect">
-            <a:avLst/>
-          </a:prstGeom>
-          <a:ln w="0">
-            <a:noFill/>
-          </a:ln>
-        </p:spPr>
-      </p:pic>
-      <p:sp>
-        <p:nvSpPr>
-          <p:cNvPr id="256" name="CaixaDeTexto 10"/>
-          <p:cNvSpPr/>
-          <p:nvPr/>
-        </p:nvSpPr>
-        <p:spPr>
-          <a:xfrm>
-            <a:off x="180000" y="900000"/>
-            <a:ext cx="7419600" cy="1981800"/>
-          </a:xfrm>
-          <a:prstGeom prst="rect">
-            <a:avLst/>
-          </a:prstGeom>
-          <a:noFill/>
-          <a:ln w="0">
-            <a:noFill/>
-          </a:ln>
-        </p:spPr>
-        <p:style>
-          <a:lnRef idx="0">
-            <a:scrgbClr r="0" g="0" b="0"/>
-          </a:lnRef>
-          <a:fillRef idx="0">
-            <a:scrgbClr r="0" g="0" b="0"/>
-          </a:fillRef>
-          <a:effectRef idx="0">
-            <a:scrgbClr r="0" g="0" b="0"/>
-          </a:effectRef>
-          <a:fontRef idx="minor"/>
-        </p:style>
-        <p:txBody>
-          <a:bodyPr lIns="90000" tIns="45000" rIns="90000" bIns="45000" anchor="t">
-            <a:spAutoFit/>
-          </a:bodyPr>
-          <a:lstStyle/>
-          <a:p>
-            <a:pPr marL="216000" indent="-216000" algn="just">
-              <a:lnSpc>
-                <a:spcPct val="115000"/>
-              </a:lnSpc>
-              <a:buClr>
-                <a:srgbClr val="000000"/>
-              </a:buClr>
-              <a:buFont typeface="Arial"/>
-              <a:buChar char="●"/>
-            </a:pPr>
-            <a:r>
-              <a:rPr lang="pt-BR" sz="1800" b="0" strike="noStrike" spc="-1">
-                <a:solidFill>
-                  <a:srgbClr val="01498E"/>
-                </a:solidFill>
-                <a:latin typeface="Arial"/>
-                <a:ea typeface="Calibri"/>
-              </a:rPr>
-              <a:t>Problema 2:</a:t>
-            </a:r>
-            <a:endParaRPr lang="pt-BR" sz="1800" b="0" strike="noStrike" spc="-1">
-              <a:solidFill>
-                <a:srgbClr val="000000"/>
-              </a:solidFill>
-              <a:latin typeface="Arial"/>
-            </a:endParaRPr>
-          </a:p>
-          <a:p>
-            <a:pPr marL="673200" lvl="1" indent="-216000" algn="just">
-              <a:lnSpc>
-                <a:spcPct val="115000"/>
-              </a:lnSpc>
-              <a:buClr>
-                <a:srgbClr val="000000"/>
-              </a:buClr>
-              <a:buFont typeface="Arial"/>
-              <a:buChar char="●"/>
-            </a:pPr>
-            <a:r>
-              <a:rPr lang="pt-BR" sz="1800" b="0" strike="noStrike" spc="-1">
-                <a:solidFill>
-                  <a:srgbClr val="01498E"/>
-                </a:solidFill>
-                <a:latin typeface="Arial"/>
-                <a:ea typeface="Calibri"/>
-              </a:rPr>
-              <a:t>Dado o código a seguir, defina a classe Livro</a:t>
-            </a:r>
-            <a:endParaRPr lang="pt-BR" sz="1800" b="0" strike="noStrike" spc="-1">
-              <a:solidFill>
-                <a:srgbClr val="000000"/>
-              </a:solidFill>
-              <a:latin typeface="Arial"/>
-            </a:endParaRPr>
-          </a:p>
-          <a:p>
-            <a:pPr algn="just">
-              <a:lnSpc>
-                <a:spcPct val="115000"/>
-              </a:lnSpc>
-            </a:pPr>
-            <a:endParaRPr lang="pt-BR" sz="1800" b="0" strike="noStrike" spc="-1">
-              <a:solidFill>
-                <a:srgbClr val="000000"/>
-              </a:solidFill>
-              <a:latin typeface="Arial"/>
-            </a:endParaRPr>
-          </a:p>
-          <a:p>
-            <a:pPr algn="just">
-              <a:lnSpc>
-                <a:spcPct val="115000"/>
-              </a:lnSpc>
-            </a:pPr>
-            <a:endParaRPr lang="pt-BR" sz="1800" b="0" strike="noStrike" spc="-1">
-              <a:solidFill>
-                <a:srgbClr val="000000"/>
-              </a:solidFill>
-              <a:latin typeface="Arial"/>
-            </a:endParaRPr>
-          </a:p>
-          <a:p>
-            <a:pPr algn="just">
-              <a:lnSpc>
-                <a:spcPct val="115000"/>
-              </a:lnSpc>
-            </a:pPr>
-            <a:endParaRPr lang="pt-BR" sz="1800" b="0" strike="noStrike" spc="-1">
-              <a:solidFill>
-                <a:srgbClr val="000000"/>
-              </a:solidFill>
-              <a:latin typeface="Arial"/>
-            </a:endParaRPr>
-          </a:p>
-          <a:p>
-            <a:pPr algn="just">
-              <a:lnSpc>
-                <a:spcPct val="115000"/>
-              </a:lnSpc>
-            </a:pPr>
-            <a:endParaRPr lang="pt-BR" sz="1800" b="0" strike="noStrike" spc="-1">
-              <a:solidFill>
-                <a:srgbClr val="000000"/>
-              </a:solidFill>
-              <a:latin typeface="Arial"/>
-            </a:endParaRPr>
-          </a:p>
-        </p:txBody>
-      </p:sp>
-    </p:spTree>
-  </p:cSld>
-  <p:clrMapOvr>
-    <a:masterClrMapping/>
-  </p:clrMapOvr>
-</p:sld>
-</file>
-
-<file path=ppt/slides/slide34.xml><?xml version="1.0" encoding="utf-8"?>
-<p:sld xmlns:a="http://schemas.openxmlformats.org/drawingml/2006/main" xmlns:r="http://schemas.openxmlformats.org/officeDocument/2006/relationships" xmlns:p="http://schemas.openxmlformats.org/presentationml/2006/main">
-  <p:cSld>
-    <p:spTree>
-      <p:nvGrpSpPr>
-        <p:cNvPr id="1" name=""/>
-        <p:cNvGrpSpPr/>
-        <p:nvPr/>
-      </p:nvGrpSpPr>
-      <p:grpSpPr>
-        <a:xfrm>
-          <a:off x="0" y="0"/>
-          <a:ext cx="0" cy="0"/>
-          <a:chOff x="0" y="0"/>
-          <a:chExt cx="0" cy="0"/>
-        </a:xfrm>
-      </p:grpSpPr>
-      <p:sp>
-        <p:nvSpPr>
-          <p:cNvPr id="257" name="PlaceHolder 1"/>
-          <p:cNvSpPr>
-            <a:spLocks noGrp="1"/>
-          </p:cNvSpPr>
-          <p:nvPr>
-            <p:ph type="title"/>
-          </p:nvPr>
-        </p:nvSpPr>
-        <p:spPr>
-          <a:xfrm>
-            <a:off x="457200" y="205200"/>
-            <a:ext cx="8227800" cy="857160"/>
-          </a:xfrm>
-          <a:prstGeom prst="rect">
-            <a:avLst/>
-          </a:prstGeom>
-          <a:noFill/>
-          <a:ln w="0">
-            <a:noFill/>
-          </a:ln>
-        </p:spPr>
-        <p:txBody>
-          <a:bodyPr lIns="0" tIns="0" rIns="0" bIns="0" anchor="ctr">
-            <a:noAutofit/>
-          </a:bodyPr>
-          <a:lstStyle/>
-          <a:p>
-            <a:pPr indent="0" algn="ctr">
-              <a:buNone/>
-            </a:pPr>
-            <a:endParaRPr lang="pt-BR" sz="1800" b="0" strike="noStrike" spc="-1">
-              <a:solidFill>
-                <a:srgbClr val="000000"/>
-              </a:solidFill>
-              <a:latin typeface="Arial"/>
-            </a:endParaRPr>
-          </a:p>
-        </p:txBody>
-      </p:sp>
-      <p:sp>
-        <p:nvSpPr>
-          <p:cNvPr id="258" name="PlaceHolder 2"/>
-          <p:cNvSpPr>
-            <a:spLocks noGrp="1"/>
-          </p:cNvSpPr>
-          <p:nvPr>
-            <p:ph type="subTitle"/>
-          </p:nvPr>
-        </p:nvSpPr>
-        <p:spPr>
-          <a:xfrm>
-            <a:off x="457200" y="1203480"/>
-            <a:ext cx="8227800" cy="2981520"/>
-          </a:xfrm>
-          <a:prstGeom prst="rect">
-            <a:avLst/>
-          </a:prstGeom>
-          <a:noFill/>
-          <a:ln w="0">
-            <a:noFill/>
-          </a:ln>
-        </p:spPr>
-        <p:txBody>
-          <a:bodyPr lIns="0" tIns="0" rIns="0" bIns="0" anchor="ctr">
-            <a:noAutofit/>
-          </a:bodyPr>
-          <a:lstStyle/>
-          <a:p>
-            <a:pPr indent="0" algn="ctr">
-              <a:buNone/>
-            </a:pPr>
-            <a:endParaRPr lang="pt-BR" sz="1800" b="0" strike="noStrike" spc="-1">
-              <a:solidFill>
-                <a:srgbClr val="000000"/>
-              </a:solidFill>
-              <a:latin typeface="Arial"/>
-            </a:endParaRPr>
-          </a:p>
-        </p:txBody>
-      </p:sp>
-      <p:pic>
-        <p:nvPicPr>
-          <p:cNvPr id="259" name="Imagem 15"/>
-          <p:cNvPicPr/>
-          <p:nvPr/>
-        </p:nvPicPr>
-        <p:blipFill>
-          <a:blip r:embed="rId2"/>
-          <a:stretch/>
-        </p:blipFill>
-        <p:spPr>
-          <a:xfrm>
-            <a:off x="1355760" y="0"/>
-            <a:ext cx="6431400" cy="5142240"/>
-          </a:xfrm>
-          <a:prstGeom prst="rect">
-            <a:avLst/>
-          </a:prstGeom>
-          <a:ln w="0">
-            <a:noFill/>
-          </a:ln>
-        </p:spPr>
-      </p:pic>
-    </p:spTree>
-  </p:cSld>
-  <p:clrMapOvr>
-    <a:masterClrMapping/>
-  </p:clrMapOvr>
-</p:sld>
-</file>
-
-<file path=ppt/slides/slide35.xml><?xml version="1.0" encoding="utf-8"?>
-<p:sld xmlns:a="http://schemas.openxmlformats.org/drawingml/2006/main" xmlns:r="http://schemas.openxmlformats.org/officeDocument/2006/relationships" xmlns:p="http://schemas.openxmlformats.org/presentationml/2006/main">
-  <p:cSld>
-    <p:spTree>
-      <p:nvGrpSpPr>
-        <p:cNvPr id="1" name=""/>
-        <p:cNvGrpSpPr/>
-        <p:nvPr/>
-      </p:nvGrpSpPr>
-      <p:grpSpPr>
-        <a:xfrm>
-          <a:off x="0" y="0"/>
-          <a:ext cx="0" cy="0"/>
-          <a:chOff x="0" y="0"/>
-          <a:chExt cx="0" cy="0"/>
-        </a:xfrm>
-      </p:grpSpPr>
-      <p:sp>
-        <p:nvSpPr>
-          <p:cNvPr id="260" name="Título 10"/>
-          <p:cNvSpPr/>
-          <p:nvPr/>
-        </p:nvSpPr>
-        <p:spPr>
-          <a:xfrm>
-            <a:off x="291960" y="32040"/>
-            <a:ext cx="5587560" cy="900000"/>
-          </a:xfrm>
-          <a:prstGeom prst="rect">
-            <a:avLst/>
-          </a:prstGeom>
-          <a:noFill/>
-          <a:ln w="0">
-            <a:noFill/>
-          </a:ln>
-        </p:spPr>
-        <p:style>
-          <a:lnRef idx="0">
-            <a:scrgbClr r="0" g="0" b="0"/>
-          </a:lnRef>
-          <a:fillRef idx="0">
-            <a:scrgbClr r="0" g="0" b="0"/>
-          </a:fillRef>
-          <a:effectRef idx="0">
-            <a:scrgbClr r="0" g="0" b="0"/>
-          </a:effectRef>
-          <a:fontRef idx="minor"/>
-        </p:style>
-        <p:txBody>
-          <a:bodyPr lIns="90000" tIns="91440" rIns="90000" bIns="91440" anchor="t">
-            <a:noAutofit/>
-          </a:bodyPr>
-          <a:lstStyle/>
-          <a:p>
-            <a:pPr>
-              <a:lnSpc>
-                <a:spcPct val="100000"/>
-              </a:lnSpc>
-            </a:pPr>
-            <a:r>
-              <a:rPr lang="pt-BR" sz="5400" b="1" strike="noStrike" spc="-1">
-                <a:solidFill>
-                  <a:srgbClr val="002060"/>
-                </a:solidFill>
-                <a:latin typeface="Overpass"/>
-                <a:ea typeface="Overpass"/>
-              </a:rPr>
-              <a:t>Let’s Work</a:t>
-            </a:r>
-            <a:endParaRPr lang="pt-BR" sz="5400" b="0" strike="noStrike" spc="-1">
-              <a:solidFill>
-                <a:srgbClr val="000000"/>
-              </a:solidFill>
-              <a:latin typeface="Arial"/>
-            </a:endParaRPr>
-          </a:p>
-        </p:txBody>
-      </p:sp>
-      <p:pic>
-        <p:nvPicPr>
-          <p:cNvPr id="261" name="Imagem 16"/>
-          <p:cNvPicPr/>
-          <p:nvPr/>
-        </p:nvPicPr>
-        <p:blipFill>
-          <a:blip r:embed="rId2"/>
-          <a:stretch/>
-        </p:blipFill>
-        <p:spPr>
-          <a:xfrm rot="5400000">
-            <a:off x="7714440" y="-111600"/>
-            <a:ext cx="2973960" cy="3197880"/>
-          </a:xfrm>
-          <a:prstGeom prst="rect">
-            <a:avLst/>
-          </a:prstGeom>
-          <a:ln w="0">
-            <a:noFill/>
-          </a:ln>
-        </p:spPr>
-      </p:pic>
-      <p:sp>
-        <p:nvSpPr>
-          <p:cNvPr id="262" name="CaixaDeTexto 10"/>
-          <p:cNvSpPr/>
-          <p:nvPr/>
-        </p:nvSpPr>
-        <p:spPr>
-          <a:xfrm>
-            <a:off x="180000" y="900000"/>
-            <a:ext cx="7419600" cy="1981800"/>
-          </a:xfrm>
-          <a:prstGeom prst="rect">
-            <a:avLst/>
-          </a:prstGeom>
-          <a:noFill/>
-          <a:ln w="0">
-            <a:noFill/>
-          </a:ln>
-        </p:spPr>
-        <p:style>
-          <a:lnRef idx="0">
-            <a:scrgbClr r="0" g="0" b="0"/>
-          </a:lnRef>
-          <a:fillRef idx="0">
-            <a:scrgbClr r="0" g="0" b="0"/>
-          </a:fillRef>
-          <a:effectRef idx="0">
-            <a:scrgbClr r="0" g="0" b="0"/>
-          </a:effectRef>
-          <a:fontRef idx="minor"/>
-        </p:style>
-        <p:txBody>
-          <a:bodyPr lIns="90000" tIns="45000" rIns="90000" bIns="45000" anchor="t">
-            <a:spAutoFit/>
-          </a:bodyPr>
-          <a:lstStyle/>
-          <a:p>
-            <a:pPr marL="216000" indent="-216000" algn="just">
-              <a:lnSpc>
-                <a:spcPct val="115000"/>
-              </a:lnSpc>
-              <a:buClr>
-                <a:srgbClr val="000000"/>
-              </a:buClr>
-              <a:buFont typeface="Arial"/>
-              <a:buChar char="●"/>
-            </a:pPr>
-            <a:r>
-              <a:rPr lang="pt-BR" sz="1800" b="0" strike="noStrike" spc="-1">
-                <a:solidFill>
-                  <a:srgbClr val="01498E"/>
-                </a:solidFill>
-                <a:latin typeface="Arial"/>
-                <a:ea typeface="Calibri"/>
-              </a:rPr>
-              <a:t>Problema 3:</a:t>
-            </a:r>
-            <a:endParaRPr lang="pt-BR" sz="1800" b="0" strike="noStrike" spc="-1">
-              <a:solidFill>
-                <a:srgbClr val="000000"/>
-              </a:solidFill>
-              <a:latin typeface="Arial"/>
-            </a:endParaRPr>
-          </a:p>
-          <a:p>
-            <a:pPr marL="673200" lvl="1" indent="-216000" algn="just">
-              <a:lnSpc>
-                <a:spcPct val="115000"/>
-              </a:lnSpc>
-              <a:buClr>
-                <a:srgbClr val="000000"/>
-              </a:buClr>
-              <a:buFont typeface="Arial"/>
-              <a:buChar char="●"/>
-            </a:pPr>
-            <a:r>
-              <a:rPr lang="pt-BR" sz="1800" b="0" strike="noStrike" spc="-1">
-                <a:solidFill>
-                  <a:srgbClr val="01498E"/>
-                </a:solidFill>
-                <a:latin typeface="Arial"/>
-                <a:ea typeface="Calibri"/>
-              </a:rPr>
-              <a:t>Usando random.randint(incio, fim) Crie uma função loteria que gere um numero aleatório dentro do range 1 a 10</a:t>
-            </a:r>
-            <a:endParaRPr lang="pt-BR" sz="1800" b="0" strike="noStrike" spc="-1">
-              <a:solidFill>
-                <a:srgbClr val="000000"/>
-              </a:solidFill>
-              <a:latin typeface="Arial"/>
-            </a:endParaRPr>
-          </a:p>
-          <a:p>
-            <a:pPr algn="just">
-              <a:lnSpc>
-                <a:spcPct val="115000"/>
-              </a:lnSpc>
-            </a:pPr>
-            <a:endParaRPr lang="pt-BR" sz="1800" b="0" strike="noStrike" spc="-1">
-              <a:solidFill>
-                <a:srgbClr val="000000"/>
-              </a:solidFill>
-              <a:latin typeface="Arial"/>
-            </a:endParaRPr>
-          </a:p>
-          <a:p>
-            <a:pPr algn="just">
-              <a:lnSpc>
-                <a:spcPct val="115000"/>
-              </a:lnSpc>
-            </a:pPr>
-            <a:endParaRPr lang="pt-BR" sz="1800" b="0" strike="noStrike" spc="-1">
-              <a:solidFill>
-                <a:srgbClr val="000000"/>
-              </a:solidFill>
-              <a:latin typeface="Arial"/>
-            </a:endParaRPr>
-          </a:p>
-          <a:p>
-            <a:pPr algn="just">
-              <a:lnSpc>
-                <a:spcPct val="115000"/>
-              </a:lnSpc>
-            </a:pPr>
-            <a:endParaRPr lang="pt-BR" sz="1800" b="0" strike="noStrike" spc="-1">
-              <a:solidFill>
-                <a:srgbClr val="000000"/>
-              </a:solidFill>
-              <a:latin typeface="Arial"/>
-            </a:endParaRPr>
-          </a:p>
-        </p:txBody>
-      </p:sp>
-    </p:spTree>
-  </p:cSld>
-  <p:clrMapOvr>
-    <a:masterClrMapping/>
-  </p:clrMapOvr>
-</p:sld>
-</file>
-
 <file path=ppt/slides/slide36.xml><?xml version="1.0" encoding="utf-8"?>
 <p:sld xmlns:a="http://schemas.openxmlformats.org/drawingml/2006/main" xmlns:r="http://schemas.openxmlformats.org/officeDocument/2006/relationships" xmlns:p="http://schemas.openxmlformats.org/presentationml/2006/main">
   <p:cSld>
@@ -18869,7 +19852,7 @@
       </p:grpSpPr>
       <p:sp>
         <p:nvSpPr>
-          <p:cNvPr id="263" name="Título 10"/>
+          <p:cNvPr id="254" name="Título 10"/>
           <p:cNvSpPr/>
           <p:nvPr/>
         </p:nvSpPr>
@@ -18930,7 +19913,7 @@
       </p:sp>
       <p:pic>
         <p:nvPicPr>
-          <p:cNvPr id="264" name="Imagem 16"/>
+          <p:cNvPr id="255" name="Imagem 16"/>
           <p:cNvPicPr/>
           <p:nvPr/>
         </p:nvPicPr>
@@ -18953,7 +19936,7 @@
       </p:pic>
       <p:sp>
         <p:nvSpPr>
-          <p:cNvPr id="265" name="CaixaDeTexto 10"/>
+          <p:cNvPr id="256" name="CaixaDeTexto 10"/>
           <p:cNvSpPr/>
           <p:nvPr/>
         </p:nvSpPr>
@@ -19006,7 +19989,7 @@
                 <a:latin typeface="Arial"/>
                 <a:ea typeface="Calibri"/>
               </a:rPr>
-              <a:t>Problema 4:</a:t>
+              <a:t>Problema 2:</a:t>
             </a:r>
             <a:endParaRPr lang="pt-BR" sz="1800" b="0" strike="noStrike" spc="-1">
               <a:solidFill>
@@ -19034,8 +20017,21 @@
                 <a:latin typeface="Arial"/>
                 <a:ea typeface="Calibri"/>
               </a:rPr>
-              <a:t>Usando random.randint(incio, fim) Crie uma função loteria que gere um numero aleatório dentro do range 1 a 10</a:t>
-            </a:r>
+              <a:t>Dado o código a seguir, defina a classe Livro</a:t>
+            </a:r>
+            <a:endParaRPr lang="pt-BR" sz="1800" b="0" strike="noStrike" spc="-1">
+              <a:solidFill>
+                <a:srgbClr val="000000"/>
+              </a:solidFill>
+              <a:latin typeface="Arial"/>
+            </a:endParaRPr>
+          </a:p>
+          <a:p>
+            <a:pPr algn="just">
+              <a:lnSpc>
+                <a:spcPct val="115000"/>
+              </a:lnSpc>
+            </a:pPr>
             <a:endParaRPr lang="pt-BR" sz="1800" b="0" strike="noStrike" spc="-1">
               <a:solidFill>
                 <a:srgbClr val="000000"/>
@@ -19111,14 +20107,18 @@
       </p:grpSpPr>
       <p:sp>
         <p:nvSpPr>
-          <p:cNvPr id="266" name="Título 3"/>
-          <p:cNvSpPr/>
-          <p:nvPr/>
-        </p:nvSpPr>
-        <p:spPr>
-          <a:xfrm>
-            <a:off x="291960" y="189000"/>
-            <a:ext cx="7480440" cy="900000"/>
+          <p:cNvPr id="257" name="PlaceHolder 1"/>
+          <p:cNvSpPr>
+            <a:spLocks noGrp="1"/>
+          </p:cNvSpPr>
+          <p:nvPr>
+            <p:ph type="title"/>
+          </p:nvPr>
+        </p:nvSpPr>
+        <p:spPr>
+          <a:xfrm>
+            <a:off x="457200" y="205200"/>
+            <a:ext cx="8227800" cy="857160"/>
           </a:xfrm>
           <a:prstGeom prst="rect">
             <a:avLst/>
@@ -19128,53 +20128,57 @@
             <a:noFill/>
           </a:ln>
         </p:spPr>
-        <p:style>
-          <a:lnRef idx="0">
-            <a:scrgbClr r="0" g="0" b="0"/>
-          </a:lnRef>
-          <a:fillRef idx="0">
-            <a:scrgbClr r="0" g="0" b="0"/>
-          </a:fillRef>
-          <a:effectRef idx="0">
-            <a:scrgbClr r="0" g="0" b="0"/>
-          </a:effectRef>
-          <a:fontRef idx="minor"/>
-        </p:style>
-        <p:txBody>
-          <a:bodyPr lIns="90000" tIns="91440" rIns="90000" bIns="91440" anchor="t">
+        <p:txBody>
+          <a:bodyPr lIns="0" tIns="0" rIns="0" bIns="0" anchor="ctr">
             <a:noAutofit/>
           </a:bodyPr>
           <a:lstStyle/>
           <a:p>
-            <a:pPr>
-              <a:lnSpc>
-                <a:spcPct val="100000"/>
-              </a:lnSpc>
-            </a:pPr>
-            <a:r>
-              <a:rPr lang="pt-BR" sz="5400" b="1" strike="noStrike" spc="-1">
-                <a:solidFill>
-                  <a:srgbClr val="002060"/>
-                </a:solidFill>
-                <a:latin typeface="Overpass"/>
-                <a:ea typeface="Overpass"/>
-              </a:rPr>
-              <a:t>POO</a:t>
-            </a:r>
-            <a:endParaRPr lang="pt-BR" sz="5400" b="0" strike="noStrike" spc="-1">
-              <a:solidFill>
-                <a:srgbClr val="000000"/>
-              </a:solidFill>
-              <a:latin typeface="Arial"/>
-            </a:endParaRPr>
-          </a:p>
-          <a:p>
-            <a:pPr>
-              <a:lnSpc>
-                <a:spcPct val="100000"/>
-              </a:lnSpc>
-            </a:pPr>
-            <a:endParaRPr lang="pt-BR" sz="5400" b="0" strike="noStrike" spc="-1">
+            <a:pPr indent="0" algn="ctr">
+              <a:buNone/>
+            </a:pPr>
+            <a:endParaRPr lang="pt-BR" sz="1800" b="0" strike="noStrike" spc="-1">
+              <a:solidFill>
+                <a:srgbClr val="000000"/>
+              </a:solidFill>
+              <a:latin typeface="Arial"/>
+            </a:endParaRPr>
+          </a:p>
+        </p:txBody>
+      </p:sp>
+      <p:sp>
+        <p:nvSpPr>
+          <p:cNvPr id="258" name="PlaceHolder 2"/>
+          <p:cNvSpPr>
+            <a:spLocks noGrp="1"/>
+          </p:cNvSpPr>
+          <p:nvPr>
+            <p:ph type="subTitle"/>
+          </p:nvPr>
+        </p:nvSpPr>
+        <p:spPr>
+          <a:xfrm>
+            <a:off x="457200" y="1203480"/>
+            <a:ext cx="8227800" cy="2981520"/>
+          </a:xfrm>
+          <a:prstGeom prst="rect">
+            <a:avLst/>
+          </a:prstGeom>
+          <a:noFill/>
+          <a:ln w="0">
+            <a:noFill/>
+          </a:ln>
+        </p:spPr>
+        <p:txBody>
+          <a:bodyPr lIns="0" tIns="0" rIns="0" bIns="0" anchor="ctr">
+            <a:noAutofit/>
+          </a:bodyPr>
+          <a:lstStyle/>
+          <a:p>
+            <a:pPr indent="0" algn="ctr">
+              <a:buNone/>
+            </a:pPr>
+            <a:endParaRPr lang="pt-BR" sz="1800" b="0" strike="noStrike" spc="-1">
               <a:solidFill>
                 <a:srgbClr val="000000"/>
               </a:solidFill>
@@ -19185,19 +20189,18 @@
       </p:sp>
       <p:pic>
         <p:nvPicPr>
-          <p:cNvPr id="267" name="Imagem 5"/>
+          <p:cNvPr id="259" name="Imagem 15"/>
           <p:cNvPicPr/>
           <p:nvPr/>
         </p:nvPicPr>
         <p:blipFill>
           <a:blip r:embed="rId2"/>
-          <a:srcRect b="20507"/>
           <a:stretch/>
         </p:blipFill>
         <p:spPr>
           <a:xfrm>
-            <a:off x="8100720" y="900720"/>
-            <a:ext cx="2142720" cy="3603600"/>
+            <a:off x="1355760" y="0"/>
+            <a:ext cx="6431400" cy="5142240"/>
           </a:xfrm>
           <a:prstGeom prst="rect">
             <a:avLst/>
@@ -19207,113 +20210,6 @@
           </a:ln>
         </p:spPr>
       </p:pic>
-      <p:sp>
-        <p:nvSpPr>
-          <p:cNvPr id="268" name="CaixaDeTexto 2"/>
-          <p:cNvSpPr/>
-          <p:nvPr/>
-        </p:nvSpPr>
-        <p:spPr>
-          <a:xfrm>
-            <a:off x="291960" y="1113480"/>
-            <a:ext cx="7693920" cy="1035720"/>
-          </a:xfrm>
-          <a:prstGeom prst="rect">
-            <a:avLst/>
-          </a:prstGeom>
-          <a:noFill/>
-          <a:ln w="0">
-            <a:noFill/>
-          </a:ln>
-        </p:spPr>
-        <p:style>
-          <a:lnRef idx="0">
-            <a:scrgbClr r="0" g="0" b="0"/>
-          </a:lnRef>
-          <a:fillRef idx="0">
-            <a:scrgbClr r="0" g="0" b="0"/>
-          </a:fillRef>
-          <a:effectRef idx="0">
-            <a:scrgbClr r="0" g="0" b="0"/>
-          </a:effectRef>
-          <a:fontRef idx="minor"/>
-        </p:style>
-        <p:txBody>
-          <a:bodyPr lIns="90000" tIns="45000" rIns="90000" bIns="45000" anchor="t">
-            <a:spAutoFit/>
-          </a:bodyPr>
-          <a:lstStyle/>
-          <a:p>
-            <a:pPr marL="216000" indent="-216000" algn="just">
-              <a:lnSpc>
-                <a:spcPct val="115000"/>
-              </a:lnSpc>
-              <a:buClr>
-                <a:srgbClr val="000000"/>
-              </a:buClr>
-              <a:buFont typeface="Arial"/>
-              <a:buChar char="●"/>
-            </a:pPr>
-            <a:r>
-              <a:rPr lang="pt-BR" sz="1800" b="0" strike="noStrike" spc="-1">
-                <a:solidFill>
-                  <a:srgbClr val="01498E"/>
-                </a:solidFill>
-                <a:latin typeface="Arial"/>
-                <a:ea typeface="Calibri"/>
-              </a:rPr>
-              <a:t>Atividade valendo nota</a:t>
-            </a:r>
-            <a:endParaRPr lang="pt-BR" sz="1800" b="0" strike="noStrike" spc="-1">
-              <a:solidFill>
-                <a:srgbClr val="000000"/>
-              </a:solidFill>
-              <a:latin typeface="Arial"/>
-            </a:endParaRPr>
-          </a:p>
-          <a:p>
-            <a:pPr marL="673200" lvl="1" indent="-216000" algn="just">
-              <a:lnSpc>
-                <a:spcPct val="115000"/>
-              </a:lnSpc>
-              <a:buClr>
-                <a:srgbClr val="000000"/>
-              </a:buClr>
-              <a:buFont typeface="Arial"/>
-              <a:buChar char="●"/>
-            </a:pPr>
-            <a:r>
-              <a:rPr lang="pt-BR" sz="1800" b="0" strike="noStrike" spc="-1">
-                <a:solidFill>
-                  <a:srgbClr val="01498E"/>
-                </a:solidFill>
-                <a:latin typeface="Arial"/>
-                <a:ea typeface="Calibri"/>
-              </a:rPr>
-              <a:t>Cada aluno vai </a:t>
-            </a:r>
-            <a:endParaRPr lang="pt-BR" sz="1800" b="0" strike="noStrike" spc="-1">
-              <a:solidFill>
-                <a:srgbClr val="000000"/>
-              </a:solidFill>
-              <a:latin typeface="Arial"/>
-            </a:endParaRPr>
-          </a:p>
-          <a:p>
-            <a:pPr algn="just">
-              <a:lnSpc>
-                <a:spcPct val="115000"/>
-              </a:lnSpc>
-            </a:pPr>
-            <a:endParaRPr lang="pt-BR" sz="1800" b="0" strike="noStrike" spc="-1">
-              <a:solidFill>
-                <a:srgbClr val="000000"/>
-              </a:solidFill>
-              <a:latin typeface="Arial"/>
-            </a:endParaRPr>
-          </a:p>
-        </p:txBody>
-      </p:sp>
     </p:spTree>
   </p:cSld>
   <p:clrMapOvr>
@@ -19339,6 +20235,223 @@
           <a:chExt cx="0" cy="0"/>
         </a:xfrm>
       </p:grpSpPr>
+      <p:sp>
+        <p:nvSpPr>
+          <p:cNvPr id="260" name="Título 10"/>
+          <p:cNvSpPr/>
+          <p:nvPr/>
+        </p:nvSpPr>
+        <p:spPr>
+          <a:xfrm>
+            <a:off x="291960" y="32040"/>
+            <a:ext cx="5587560" cy="900000"/>
+          </a:xfrm>
+          <a:prstGeom prst="rect">
+            <a:avLst/>
+          </a:prstGeom>
+          <a:noFill/>
+          <a:ln w="0">
+            <a:noFill/>
+          </a:ln>
+        </p:spPr>
+        <p:style>
+          <a:lnRef idx="0">
+            <a:scrgbClr r="0" g="0" b="0"/>
+          </a:lnRef>
+          <a:fillRef idx="0">
+            <a:scrgbClr r="0" g="0" b="0"/>
+          </a:fillRef>
+          <a:effectRef idx="0">
+            <a:scrgbClr r="0" g="0" b="0"/>
+          </a:effectRef>
+          <a:fontRef idx="minor"/>
+        </p:style>
+        <p:txBody>
+          <a:bodyPr lIns="90000" tIns="91440" rIns="90000" bIns="91440" anchor="t">
+            <a:noAutofit/>
+          </a:bodyPr>
+          <a:lstStyle/>
+          <a:p>
+            <a:pPr>
+              <a:lnSpc>
+                <a:spcPct val="100000"/>
+              </a:lnSpc>
+            </a:pPr>
+            <a:r>
+              <a:rPr lang="pt-BR" sz="5400" b="1" strike="noStrike" spc="-1">
+                <a:solidFill>
+                  <a:srgbClr val="002060"/>
+                </a:solidFill>
+                <a:latin typeface="Overpass"/>
+                <a:ea typeface="Overpass"/>
+              </a:rPr>
+              <a:t>Let’s Work</a:t>
+            </a:r>
+            <a:endParaRPr lang="pt-BR" sz="5400" b="0" strike="noStrike" spc="-1">
+              <a:solidFill>
+                <a:srgbClr val="000000"/>
+              </a:solidFill>
+              <a:latin typeface="Arial"/>
+            </a:endParaRPr>
+          </a:p>
+        </p:txBody>
+      </p:sp>
+      <p:pic>
+        <p:nvPicPr>
+          <p:cNvPr id="261" name="Imagem 16"/>
+          <p:cNvPicPr/>
+          <p:nvPr/>
+        </p:nvPicPr>
+        <p:blipFill>
+          <a:blip r:embed="rId2"/>
+          <a:stretch/>
+        </p:blipFill>
+        <p:spPr>
+          <a:xfrm rot="5400000">
+            <a:off x="7714440" y="-111600"/>
+            <a:ext cx="2973960" cy="3197880"/>
+          </a:xfrm>
+          <a:prstGeom prst="rect">
+            <a:avLst/>
+          </a:prstGeom>
+          <a:ln w="0">
+            <a:noFill/>
+          </a:ln>
+        </p:spPr>
+      </p:pic>
+      <p:sp>
+        <p:nvSpPr>
+          <p:cNvPr id="262" name="CaixaDeTexto 10"/>
+          <p:cNvSpPr/>
+          <p:nvPr/>
+        </p:nvSpPr>
+        <p:spPr>
+          <a:xfrm>
+            <a:off x="180000" y="900000"/>
+            <a:ext cx="7419600" cy="1981800"/>
+          </a:xfrm>
+          <a:prstGeom prst="rect">
+            <a:avLst/>
+          </a:prstGeom>
+          <a:noFill/>
+          <a:ln w="0">
+            <a:noFill/>
+          </a:ln>
+        </p:spPr>
+        <p:style>
+          <a:lnRef idx="0">
+            <a:scrgbClr r="0" g="0" b="0"/>
+          </a:lnRef>
+          <a:fillRef idx="0">
+            <a:scrgbClr r="0" g="0" b="0"/>
+          </a:fillRef>
+          <a:effectRef idx="0">
+            <a:scrgbClr r="0" g="0" b="0"/>
+          </a:effectRef>
+          <a:fontRef idx="minor"/>
+        </p:style>
+        <p:txBody>
+          <a:bodyPr lIns="90000" tIns="45000" rIns="90000" bIns="45000" anchor="t">
+            <a:spAutoFit/>
+          </a:bodyPr>
+          <a:lstStyle/>
+          <a:p>
+            <a:pPr marL="216000" indent="-216000" algn="just">
+              <a:lnSpc>
+                <a:spcPct val="115000"/>
+              </a:lnSpc>
+              <a:buClr>
+                <a:srgbClr val="000000"/>
+              </a:buClr>
+              <a:buFont typeface="Arial"/>
+              <a:buChar char="●"/>
+            </a:pPr>
+            <a:r>
+              <a:rPr lang="pt-BR" sz="1800" b="0" strike="noStrike" spc="-1">
+                <a:solidFill>
+                  <a:srgbClr val="01498E"/>
+                </a:solidFill>
+                <a:latin typeface="Arial"/>
+                <a:ea typeface="Calibri"/>
+              </a:rPr>
+              <a:t>Problema 3:</a:t>
+            </a:r>
+            <a:endParaRPr lang="pt-BR" sz="1800" b="0" strike="noStrike" spc="-1">
+              <a:solidFill>
+                <a:srgbClr val="000000"/>
+              </a:solidFill>
+              <a:latin typeface="Arial"/>
+            </a:endParaRPr>
+          </a:p>
+          <a:p>
+            <a:pPr marL="673200" lvl="1" indent="-216000" algn="just">
+              <a:lnSpc>
+                <a:spcPct val="115000"/>
+              </a:lnSpc>
+              <a:buClr>
+                <a:srgbClr val="000000"/>
+              </a:buClr>
+              <a:buFont typeface="Arial"/>
+              <a:buChar char="●"/>
+            </a:pPr>
+            <a:r>
+              <a:rPr lang="pt-BR" sz="1800" b="0" strike="noStrike" spc="-1">
+                <a:solidFill>
+                  <a:srgbClr val="01498E"/>
+                </a:solidFill>
+                <a:latin typeface="Arial"/>
+                <a:ea typeface="Calibri"/>
+              </a:rPr>
+              <a:t>Usando random.randint(incio, fim) Crie uma função loteria que gere um numero aleatório dentro do range 1 a 10</a:t>
+            </a:r>
+            <a:endParaRPr lang="pt-BR" sz="1800" b="0" strike="noStrike" spc="-1">
+              <a:solidFill>
+                <a:srgbClr val="000000"/>
+              </a:solidFill>
+              <a:latin typeface="Arial"/>
+            </a:endParaRPr>
+          </a:p>
+          <a:p>
+            <a:pPr algn="just">
+              <a:lnSpc>
+                <a:spcPct val="115000"/>
+              </a:lnSpc>
+            </a:pPr>
+            <a:endParaRPr lang="pt-BR" sz="1800" b="0" strike="noStrike" spc="-1">
+              <a:solidFill>
+                <a:srgbClr val="000000"/>
+              </a:solidFill>
+              <a:latin typeface="Arial"/>
+            </a:endParaRPr>
+          </a:p>
+          <a:p>
+            <a:pPr algn="just">
+              <a:lnSpc>
+                <a:spcPct val="115000"/>
+              </a:lnSpc>
+            </a:pPr>
+            <a:endParaRPr lang="pt-BR" sz="1800" b="0" strike="noStrike" spc="-1">
+              <a:solidFill>
+                <a:srgbClr val="000000"/>
+              </a:solidFill>
+              <a:latin typeface="Arial"/>
+            </a:endParaRPr>
+          </a:p>
+          <a:p>
+            <a:pPr algn="just">
+              <a:lnSpc>
+                <a:spcPct val="115000"/>
+              </a:lnSpc>
+            </a:pPr>
+            <a:endParaRPr lang="pt-BR" sz="1800" b="0" strike="noStrike" spc="-1">
+              <a:solidFill>
+                <a:srgbClr val="000000"/>
+              </a:solidFill>
+              <a:latin typeface="Arial"/>
+            </a:endParaRPr>
+          </a:p>
+        </p:txBody>
+      </p:sp>
     </p:spTree>
   </p:cSld>
   <p:clrMapOvr>
@@ -19364,6 +20477,223 @@
           <a:chExt cx="0" cy="0"/>
         </a:xfrm>
       </p:grpSpPr>
+      <p:sp>
+        <p:nvSpPr>
+          <p:cNvPr id="263" name="Título 10"/>
+          <p:cNvSpPr/>
+          <p:nvPr/>
+        </p:nvSpPr>
+        <p:spPr>
+          <a:xfrm>
+            <a:off x="291960" y="32040"/>
+            <a:ext cx="5587560" cy="900000"/>
+          </a:xfrm>
+          <a:prstGeom prst="rect">
+            <a:avLst/>
+          </a:prstGeom>
+          <a:noFill/>
+          <a:ln w="0">
+            <a:noFill/>
+          </a:ln>
+        </p:spPr>
+        <p:style>
+          <a:lnRef idx="0">
+            <a:scrgbClr r="0" g="0" b="0"/>
+          </a:lnRef>
+          <a:fillRef idx="0">
+            <a:scrgbClr r="0" g="0" b="0"/>
+          </a:fillRef>
+          <a:effectRef idx="0">
+            <a:scrgbClr r="0" g="0" b="0"/>
+          </a:effectRef>
+          <a:fontRef idx="minor"/>
+        </p:style>
+        <p:txBody>
+          <a:bodyPr lIns="90000" tIns="91440" rIns="90000" bIns="91440" anchor="t">
+            <a:noAutofit/>
+          </a:bodyPr>
+          <a:lstStyle/>
+          <a:p>
+            <a:pPr>
+              <a:lnSpc>
+                <a:spcPct val="100000"/>
+              </a:lnSpc>
+            </a:pPr>
+            <a:r>
+              <a:rPr lang="pt-BR" sz="5400" b="1" strike="noStrike" spc="-1">
+                <a:solidFill>
+                  <a:srgbClr val="002060"/>
+                </a:solidFill>
+                <a:latin typeface="Overpass"/>
+                <a:ea typeface="Overpass"/>
+              </a:rPr>
+              <a:t>Let’s Work</a:t>
+            </a:r>
+            <a:endParaRPr lang="pt-BR" sz="5400" b="0" strike="noStrike" spc="-1">
+              <a:solidFill>
+                <a:srgbClr val="000000"/>
+              </a:solidFill>
+              <a:latin typeface="Arial"/>
+            </a:endParaRPr>
+          </a:p>
+        </p:txBody>
+      </p:sp>
+      <p:pic>
+        <p:nvPicPr>
+          <p:cNvPr id="264" name="Imagem 16"/>
+          <p:cNvPicPr/>
+          <p:nvPr/>
+        </p:nvPicPr>
+        <p:blipFill>
+          <a:blip r:embed="rId2"/>
+          <a:stretch/>
+        </p:blipFill>
+        <p:spPr>
+          <a:xfrm rot="5400000">
+            <a:off x="7714440" y="-111600"/>
+            <a:ext cx="2973960" cy="3197880"/>
+          </a:xfrm>
+          <a:prstGeom prst="rect">
+            <a:avLst/>
+          </a:prstGeom>
+          <a:ln w="0">
+            <a:noFill/>
+          </a:ln>
+        </p:spPr>
+      </p:pic>
+      <p:sp>
+        <p:nvSpPr>
+          <p:cNvPr id="265" name="CaixaDeTexto 10"/>
+          <p:cNvSpPr/>
+          <p:nvPr/>
+        </p:nvSpPr>
+        <p:spPr>
+          <a:xfrm>
+            <a:off x="180000" y="900000"/>
+            <a:ext cx="7419600" cy="1981800"/>
+          </a:xfrm>
+          <a:prstGeom prst="rect">
+            <a:avLst/>
+          </a:prstGeom>
+          <a:noFill/>
+          <a:ln w="0">
+            <a:noFill/>
+          </a:ln>
+        </p:spPr>
+        <p:style>
+          <a:lnRef idx="0">
+            <a:scrgbClr r="0" g="0" b="0"/>
+          </a:lnRef>
+          <a:fillRef idx="0">
+            <a:scrgbClr r="0" g="0" b="0"/>
+          </a:fillRef>
+          <a:effectRef idx="0">
+            <a:scrgbClr r="0" g="0" b="0"/>
+          </a:effectRef>
+          <a:fontRef idx="minor"/>
+        </p:style>
+        <p:txBody>
+          <a:bodyPr lIns="90000" tIns="45000" rIns="90000" bIns="45000" anchor="t">
+            <a:spAutoFit/>
+          </a:bodyPr>
+          <a:lstStyle/>
+          <a:p>
+            <a:pPr marL="216000" indent="-216000" algn="just">
+              <a:lnSpc>
+                <a:spcPct val="115000"/>
+              </a:lnSpc>
+              <a:buClr>
+                <a:srgbClr val="000000"/>
+              </a:buClr>
+              <a:buFont typeface="Arial"/>
+              <a:buChar char="●"/>
+            </a:pPr>
+            <a:r>
+              <a:rPr lang="pt-BR" sz="1800" b="0" strike="noStrike" spc="-1">
+                <a:solidFill>
+                  <a:srgbClr val="01498E"/>
+                </a:solidFill>
+                <a:latin typeface="Arial"/>
+                <a:ea typeface="Calibri"/>
+              </a:rPr>
+              <a:t>Problema 4:</a:t>
+            </a:r>
+            <a:endParaRPr lang="pt-BR" sz="1800" b="0" strike="noStrike" spc="-1">
+              <a:solidFill>
+                <a:srgbClr val="000000"/>
+              </a:solidFill>
+              <a:latin typeface="Arial"/>
+            </a:endParaRPr>
+          </a:p>
+          <a:p>
+            <a:pPr marL="673200" lvl="1" indent="-216000" algn="just">
+              <a:lnSpc>
+                <a:spcPct val="115000"/>
+              </a:lnSpc>
+              <a:buClr>
+                <a:srgbClr val="000000"/>
+              </a:buClr>
+              <a:buFont typeface="Arial"/>
+              <a:buChar char="●"/>
+            </a:pPr>
+            <a:r>
+              <a:rPr lang="pt-BR" sz="1800" b="0" strike="noStrike" spc="-1">
+                <a:solidFill>
+                  <a:srgbClr val="01498E"/>
+                </a:solidFill>
+                <a:latin typeface="Arial"/>
+                <a:ea typeface="Calibri"/>
+              </a:rPr>
+              <a:t>Usando random.randint(incio, fim) Crie uma função loteria que gere um numero aleatório dentro do range 1 a 10</a:t>
+            </a:r>
+            <a:endParaRPr lang="pt-BR" sz="1800" b="0" strike="noStrike" spc="-1">
+              <a:solidFill>
+                <a:srgbClr val="000000"/>
+              </a:solidFill>
+              <a:latin typeface="Arial"/>
+            </a:endParaRPr>
+          </a:p>
+          <a:p>
+            <a:pPr algn="just">
+              <a:lnSpc>
+                <a:spcPct val="115000"/>
+              </a:lnSpc>
+            </a:pPr>
+            <a:endParaRPr lang="pt-BR" sz="1800" b="0" strike="noStrike" spc="-1">
+              <a:solidFill>
+                <a:srgbClr val="000000"/>
+              </a:solidFill>
+              <a:latin typeface="Arial"/>
+            </a:endParaRPr>
+          </a:p>
+          <a:p>
+            <a:pPr algn="just">
+              <a:lnSpc>
+                <a:spcPct val="115000"/>
+              </a:lnSpc>
+            </a:pPr>
+            <a:endParaRPr lang="pt-BR" sz="1800" b="0" strike="noStrike" spc="-1">
+              <a:solidFill>
+                <a:srgbClr val="000000"/>
+              </a:solidFill>
+              <a:latin typeface="Arial"/>
+            </a:endParaRPr>
+          </a:p>
+          <a:p>
+            <a:pPr algn="just">
+              <a:lnSpc>
+                <a:spcPct val="115000"/>
+              </a:lnSpc>
+            </a:pPr>
+            <a:endParaRPr lang="pt-BR" sz="1800" b="0" strike="noStrike" spc="-1">
+              <a:solidFill>
+                <a:srgbClr val="000000"/>
+              </a:solidFill>
+              <a:latin typeface="Arial"/>
+            </a:endParaRPr>
+          </a:p>
+        </p:txBody>
+      </p:sp>
     </p:spTree>
   </p:cSld>
   <p:clrMapOvr>
@@ -19786,7 +21116,7 @@
       </p:grpSpPr>
       <p:sp>
         <p:nvSpPr>
-          <p:cNvPr id="269" name="Título 2"/>
+          <p:cNvPr id="266" name="Título 3"/>
           <p:cNvSpPr/>
           <p:nvPr/>
         </p:nvSpPr>
@@ -19834,7 +21164,7 @@
                 <a:latin typeface="Overpass"/>
                 <a:ea typeface="Overpass"/>
               </a:rPr>
-              <a:t>POO Recap </a:t>
+              <a:t>POO</a:t>
             </a:r>
             <a:endParaRPr lang="pt-BR" sz="5400" b="0" strike="noStrike" spc="-1">
               <a:solidFill>
@@ -19860,7 +21190,7 @@
       </p:sp>
       <p:pic>
         <p:nvPicPr>
-          <p:cNvPr id="270" name="Imagem 1"/>
+          <p:cNvPr id="267" name="Imagem 5"/>
           <p:cNvPicPr/>
           <p:nvPr/>
         </p:nvPicPr>
@@ -19884,14 +21214,14 @@
       </p:pic>
       <p:sp>
         <p:nvSpPr>
-          <p:cNvPr id="271" name="CaixaDeTexto 1"/>
+          <p:cNvPr id="268" name="CaixaDeTexto 2"/>
           <p:cNvSpPr/>
           <p:nvPr/>
         </p:nvSpPr>
         <p:spPr>
           <a:xfrm>
-            <a:off x="291960" y="1286640"/>
-            <a:ext cx="6365160" cy="1666440"/>
+            <a:off x="291960" y="1113480"/>
+            <a:ext cx="7693920" cy="1035720"/>
           </a:xfrm>
           <a:prstGeom prst="rect">
             <a:avLst/>
@@ -19937,7 +21267,7 @@
                 <a:latin typeface="Arial"/>
                 <a:ea typeface="Calibri"/>
               </a:rPr>
-              <a:t>Cada aluno explique uma linha do código abaixo</a:t>
+              <a:t>Atividade valendo nota</a:t>
             </a:r>
             <a:endParaRPr lang="pt-BR" sz="1800" b="0" strike="noStrike" spc="-1">
               <a:solidFill>
@@ -19947,6 +21277,34 @@
             </a:endParaRPr>
           </a:p>
           <a:p>
+            <a:pPr marL="673200" lvl="1" indent="-216000" algn="just">
+              <a:lnSpc>
+                <a:spcPct val="115000"/>
+              </a:lnSpc>
+              <a:buClr>
+                <a:srgbClr val="000000"/>
+              </a:buClr>
+              <a:buFont typeface="Arial"/>
+              <a:buChar char="●"/>
+            </a:pPr>
+            <a:r>
+              <a:rPr lang="pt-BR" sz="1800" b="0" strike="noStrike" spc="-1">
+                <a:solidFill>
+                  <a:srgbClr val="01498E"/>
+                </a:solidFill>
+                <a:latin typeface="Arial"/>
+                <a:ea typeface="Calibri"/>
+              </a:rPr>
+              <a:t>Cada aluno vai </a:t>
+            </a:r>
+            <a:endParaRPr lang="pt-BR" sz="1800" b="0" strike="noStrike" spc="-1">
+              <a:solidFill>
+                <a:srgbClr val="000000"/>
+              </a:solidFill>
+              <a:latin typeface="Arial"/>
+            </a:endParaRPr>
+          </a:p>
+          <a:p>
             <a:pPr algn="just">
               <a:lnSpc>
                 <a:spcPct val="115000"/>
@@ -19959,70 +21317,8 @@
               <a:latin typeface="Arial"/>
             </a:endParaRPr>
           </a:p>
-          <a:p>
-            <a:pPr algn="just">
-              <a:lnSpc>
-                <a:spcPct val="115000"/>
-              </a:lnSpc>
-            </a:pPr>
-            <a:endParaRPr lang="pt-BR" sz="1800" b="0" strike="noStrike" spc="-1">
-              <a:solidFill>
-                <a:srgbClr val="000000"/>
-              </a:solidFill>
-              <a:latin typeface="Arial"/>
-            </a:endParaRPr>
-          </a:p>
-          <a:p>
-            <a:pPr algn="just">
-              <a:lnSpc>
-                <a:spcPct val="115000"/>
-              </a:lnSpc>
-            </a:pPr>
-            <a:endParaRPr lang="pt-BR" sz="1800" b="0" strike="noStrike" spc="-1">
-              <a:solidFill>
-                <a:srgbClr val="000000"/>
-              </a:solidFill>
-              <a:latin typeface="Arial"/>
-            </a:endParaRPr>
-          </a:p>
-          <a:p>
-            <a:pPr algn="just">
-              <a:lnSpc>
-                <a:spcPct val="115000"/>
-              </a:lnSpc>
-            </a:pPr>
-            <a:endParaRPr lang="pt-BR" sz="1800" b="0" strike="noStrike" spc="-1">
-              <a:solidFill>
-                <a:srgbClr val="000000"/>
-              </a:solidFill>
-              <a:latin typeface="Arial"/>
-            </a:endParaRPr>
-          </a:p>
-        </p:txBody>
-      </p:sp>
-      <p:pic>
-        <p:nvPicPr>
-          <p:cNvPr id="272" name="Imagem 154"/>
-          <p:cNvPicPr/>
-          <p:nvPr/>
-        </p:nvPicPr>
-        <p:blipFill>
-          <a:blip r:embed="rId3"/>
-          <a:stretch/>
-        </p:blipFill>
-        <p:spPr>
-          <a:xfrm>
-            <a:off x="0" y="0"/>
-            <a:ext cx="8898120" cy="4678920"/>
-          </a:xfrm>
-          <a:prstGeom prst="rect">
-            <a:avLst/>
-          </a:prstGeom>
-          <a:ln w="0">
-            <a:noFill/>
-          </a:ln>
-        </p:spPr>
-      </p:pic>
+        </p:txBody>
+      </p:sp>
     </p:spTree>
   </p:cSld>
   <p:clrMapOvr>
@@ -20048,212 +21344,6 @@
           <a:chExt cx="0" cy="0"/>
         </a:xfrm>
       </p:grpSpPr>
-      <p:sp>
-        <p:nvSpPr>
-          <p:cNvPr id="273" name="Título 39"/>
-          <p:cNvSpPr/>
-          <p:nvPr/>
-        </p:nvSpPr>
-        <p:spPr>
-          <a:xfrm>
-            <a:off x="291960" y="189000"/>
-            <a:ext cx="7480440" cy="900000"/>
-          </a:xfrm>
-          <a:prstGeom prst="rect">
-            <a:avLst/>
-          </a:prstGeom>
-          <a:noFill/>
-          <a:ln w="0">
-            <a:noFill/>
-          </a:ln>
-        </p:spPr>
-        <p:style>
-          <a:lnRef idx="0">
-            <a:scrgbClr r="0" g="0" b="0"/>
-          </a:lnRef>
-          <a:fillRef idx="0">
-            <a:scrgbClr r="0" g="0" b="0"/>
-          </a:fillRef>
-          <a:effectRef idx="0">
-            <a:scrgbClr r="0" g="0" b="0"/>
-          </a:effectRef>
-          <a:fontRef idx="minor"/>
-        </p:style>
-        <p:txBody>
-          <a:bodyPr lIns="90000" tIns="91440" rIns="90000" bIns="91440" anchor="t">
-            <a:noAutofit/>
-          </a:bodyPr>
-          <a:lstStyle/>
-          <a:p>
-            <a:pPr>
-              <a:lnSpc>
-                <a:spcPct val="100000"/>
-              </a:lnSpc>
-            </a:pPr>
-            <a:r>
-              <a:rPr lang="pt-BR" sz="5400" b="1" strike="noStrike" spc="-1">
-                <a:solidFill>
-                  <a:srgbClr val="002060"/>
-                </a:solidFill>
-                <a:latin typeface="Overpass"/>
-                <a:ea typeface="Overpass"/>
-              </a:rPr>
-              <a:t>POO Recap </a:t>
-            </a:r>
-            <a:endParaRPr lang="pt-BR" sz="5400" b="0" strike="noStrike" spc="-1">
-              <a:solidFill>
-                <a:srgbClr val="000000"/>
-              </a:solidFill>
-              <a:latin typeface="Arial"/>
-            </a:endParaRPr>
-          </a:p>
-          <a:p>
-            <a:pPr>
-              <a:lnSpc>
-                <a:spcPct val="100000"/>
-              </a:lnSpc>
-            </a:pPr>
-            <a:endParaRPr lang="pt-BR" sz="5400" b="0" strike="noStrike" spc="-1">
-              <a:solidFill>
-                <a:srgbClr val="000000"/>
-              </a:solidFill>
-              <a:latin typeface="Arial"/>
-            </a:endParaRPr>
-          </a:p>
-        </p:txBody>
-      </p:sp>
-      <p:pic>
-        <p:nvPicPr>
-          <p:cNvPr id="274" name="Imagem 39"/>
-          <p:cNvPicPr/>
-          <p:nvPr/>
-        </p:nvPicPr>
-        <p:blipFill>
-          <a:blip r:embed="rId2"/>
-          <a:srcRect b="20507"/>
-          <a:stretch/>
-        </p:blipFill>
-        <p:spPr>
-          <a:xfrm>
-            <a:off x="8100720" y="900720"/>
-            <a:ext cx="2142720" cy="3603600"/>
-          </a:xfrm>
-          <a:prstGeom prst="rect">
-            <a:avLst/>
-          </a:prstGeom>
-          <a:ln w="0">
-            <a:noFill/>
-          </a:ln>
-        </p:spPr>
-      </p:pic>
-      <p:sp>
-        <p:nvSpPr>
-          <p:cNvPr id="275" name="CaixaDeTexto 38"/>
-          <p:cNvSpPr/>
-          <p:nvPr/>
-        </p:nvSpPr>
-        <p:spPr>
-          <a:xfrm>
-            <a:off x="291960" y="1286640"/>
-            <a:ext cx="6365160" cy="1035720"/>
-          </a:xfrm>
-          <a:prstGeom prst="rect">
-            <a:avLst/>
-          </a:prstGeom>
-          <a:noFill/>
-          <a:ln w="0">
-            <a:noFill/>
-          </a:ln>
-        </p:spPr>
-        <p:style>
-          <a:lnRef idx="0">
-            <a:scrgbClr r="0" g="0" b="0"/>
-          </a:lnRef>
-          <a:fillRef idx="0">
-            <a:scrgbClr r="0" g="0" b="0"/>
-          </a:fillRef>
-          <a:effectRef idx="0">
-            <a:scrgbClr r="0" g="0" b="0"/>
-          </a:effectRef>
-          <a:fontRef idx="minor"/>
-        </p:style>
-        <p:txBody>
-          <a:bodyPr lIns="90000" tIns="45000" rIns="90000" bIns="45000" anchor="t">
-            <a:spAutoFit/>
-          </a:bodyPr>
-          <a:lstStyle/>
-          <a:p>
-            <a:pPr marL="216000" indent="-216000" algn="just">
-              <a:lnSpc>
-                <a:spcPct val="115000"/>
-              </a:lnSpc>
-              <a:buClr>
-                <a:srgbClr val="000000"/>
-              </a:buClr>
-              <a:buFont typeface="Arial"/>
-              <a:buChar char="●"/>
-            </a:pPr>
-            <a:r>
-              <a:rPr lang="pt-BR" sz="1800" b="0" strike="noStrike" spc="-1">
-                <a:solidFill>
-                  <a:srgbClr val="01498E"/>
-                </a:solidFill>
-                <a:latin typeface="Arial"/>
-                <a:ea typeface="Calibri"/>
-              </a:rPr>
-              <a:t>Por que objetos são importantes?</a:t>
-            </a:r>
-            <a:endParaRPr lang="pt-BR" sz="1800" b="0" strike="noStrike" spc="-1">
-              <a:solidFill>
-                <a:srgbClr val="000000"/>
-              </a:solidFill>
-              <a:latin typeface="Arial"/>
-            </a:endParaRPr>
-          </a:p>
-          <a:p>
-            <a:pPr marL="432000" lvl="1" indent="-216000" algn="just">
-              <a:lnSpc>
-                <a:spcPct val="115000"/>
-              </a:lnSpc>
-              <a:buClr>
-                <a:srgbClr val="000000"/>
-              </a:buClr>
-              <a:buSzPct val="45000"/>
-              <a:buFont typeface="Wingdings" charset="2"/>
-              <a:buChar char=""/>
-            </a:pPr>
-            <a:r>
-              <a:rPr lang="pt-BR" sz="1800" b="0" strike="noStrike" spc="-1">
-                <a:solidFill>
-                  <a:srgbClr val="01498E"/>
-                </a:solidFill>
-                <a:latin typeface="Arial"/>
-                <a:ea typeface="Calibri"/>
-              </a:rPr>
-              <a:t>O...</a:t>
-            </a:r>
-            <a:endParaRPr lang="pt-BR" sz="1800" b="0" strike="noStrike" spc="-1">
-              <a:solidFill>
-                <a:srgbClr val="000000"/>
-              </a:solidFill>
-              <a:latin typeface="Arial"/>
-            </a:endParaRPr>
-          </a:p>
-          <a:p>
-            <a:pPr algn="just">
-              <a:lnSpc>
-                <a:spcPct val="115000"/>
-              </a:lnSpc>
-            </a:pPr>
-            <a:endParaRPr lang="pt-BR" sz="1800" b="0" strike="noStrike" spc="-1">
-              <a:solidFill>
-                <a:srgbClr val="000000"/>
-              </a:solidFill>
-              <a:latin typeface="Arial"/>
-            </a:endParaRPr>
-          </a:p>
-        </p:txBody>
-      </p:sp>
     </p:spTree>
   </p:cSld>
   <p:clrMapOvr>
@@ -20279,241 +21369,6 @@
           <a:chExt cx="0" cy="0"/>
         </a:xfrm>
       </p:grpSpPr>
-      <p:sp>
-        <p:nvSpPr>
-          <p:cNvPr id="276" name="Título 5"/>
-          <p:cNvSpPr/>
-          <p:nvPr/>
-        </p:nvSpPr>
-        <p:spPr>
-          <a:xfrm>
-            <a:off x="291960" y="189000"/>
-            <a:ext cx="7480440" cy="900000"/>
-          </a:xfrm>
-          <a:prstGeom prst="rect">
-            <a:avLst/>
-          </a:prstGeom>
-          <a:noFill/>
-          <a:ln w="0">
-            <a:noFill/>
-          </a:ln>
-        </p:spPr>
-        <p:style>
-          <a:lnRef idx="0">
-            <a:scrgbClr r="0" g="0" b="0"/>
-          </a:lnRef>
-          <a:fillRef idx="0">
-            <a:scrgbClr r="0" g="0" b="0"/>
-          </a:fillRef>
-          <a:effectRef idx="0">
-            <a:scrgbClr r="0" g="0" b="0"/>
-          </a:effectRef>
-          <a:fontRef idx="minor"/>
-        </p:style>
-        <p:txBody>
-          <a:bodyPr lIns="90000" tIns="91440" rIns="90000" bIns="91440" anchor="t">
-            <a:noAutofit/>
-          </a:bodyPr>
-          <a:lstStyle/>
-          <a:p>
-            <a:pPr>
-              <a:lnSpc>
-                <a:spcPct val="100000"/>
-              </a:lnSpc>
-            </a:pPr>
-            <a:r>
-              <a:rPr lang="pt-BR" sz="5400" b="1" strike="noStrike" spc="-1">
-                <a:solidFill>
-                  <a:srgbClr val="002060"/>
-                </a:solidFill>
-                <a:latin typeface="Overpass"/>
-                <a:ea typeface="Overpass"/>
-              </a:rPr>
-              <a:t>POO Recap </a:t>
-            </a:r>
-            <a:endParaRPr lang="pt-BR" sz="5400" b="0" strike="noStrike" spc="-1">
-              <a:solidFill>
-                <a:srgbClr val="000000"/>
-              </a:solidFill>
-              <a:latin typeface="Arial"/>
-            </a:endParaRPr>
-          </a:p>
-          <a:p>
-            <a:pPr>
-              <a:lnSpc>
-                <a:spcPct val="100000"/>
-              </a:lnSpc>
-            </a:pPr>
-            <a:endParaRPr lang="pt-BR" sz="5400" b="0" strike="noStrike" spc="-1">
-              <a:solidFill>
-                <a:srgbClr val="000000"/>
-              </a:solidFill>
-              <a:latin typeface="Arial"/>
-            </a:endParaRPr>
-          </a:p>
-        </p:txBody>
-      </p:sp>
-      <p:pic>
-        <p:nvPicPr>
-          <p:cNvPr id="277" name="Imagem 9"/>
-          <p:cNvPicPr/>
-          <p:nvPr/>
-        </p:nvPicPr>
-        <p:blipFill>
-          <a:blip r:embed="rId2"/>
-          <a:srcRect b="20507"/>
-          <a:stretch/>
-        </p:blipFill>
-        <p:spPr>
-          <a:xfrm>
-            <a:off x="8100720" y="900720"/>
-            <a:ext cx="2142720" cy="3603600"/>
-          </a:xfrm>
-          <a:prstGeom prst="rect">
-            <a:avLst/>
-          </a:prstGeom>
-          <a:ln w="0">
-            <a:noFill/>
-          </a:ln>
-        </p:spPr>
-      </p:pic>
-      <p:sp>
-        <p:nvSpPr>
-          <p:cNvPr id="278" name="CaixaDeTexto 4"/>
-          <p:cNvSpPr/>
-          <p:nvPr/>
-        </p:nvSpPr>
-        <p:spPr>
-          <a:xfrm>
-            <a:off x="291960" y="1286640"/>
-            <a:ext cx="6365160" cy="1666440"/>
-          </a:xfrm>
-          <a:prstGeom prst="rect">
-            <a:avLst/>
-          </a:prstGeom>
-          <a:noFill/>
-          <a:ln w="0">
-            <a:noFill/>
-          </a:ln>
-        </p:spPr>
-        <p:style>
-          <a:lnRef idx="0">
-            <a:scrgbClr r="0" g="0" b="0"/>
-          </a:lnRef>
-          <a:fillRef idx="0">
-            <a:scrgbClr r="0" g="0" b="0"/>
-          </a:fillRef>
-          <a:effectRef idx="0">
-            <a:scrgbClr r="0" g="0" b="0"/>
-          </a:effectRef>
-          <a:fontRef idx="minor"/>
-        </p:style>
-        <p:txBody>
-          <a:bodyPr lIns="90000" tIns="45000" rIns="90000" bIns="45000" anchor="t">
-            <a:spAutoFit/>
-          </a:bodyPr>
-          <a:lstStyle/>
-          <a:p>
-            <a:pPr marL="216000" indent="-216000" algn="just">
-              <a:lnSpc>
-                <a:spcPct val="115000"/>
-              </a:lnSpc>
-              <a:buClr>
-                <a:srgbClr val="000000"/>
-              </a:buClr>
-              <a:buFont typeface="Arial"/>
-              <a:buChar char="●"/>
-            </a:pPr>
-            <a:r>
-              <a:rPr lang="pt-BR" sz="1800" b="0" strike="noStrike" spc="-1">
-                <a:solidFill>
-                  <a:srgbClr val="01498E"/>
-                </a:solidFill>
-                <a:latin typeface="Arial"/>
-                <a:ea typeface="Calibri"/>
-              </a:rPr>
-              <a:t>Por que objetos são importantes?</a:t>
-            </a:r>
-            <a:endParaRPr lang="pt-BR" sz="1800" b="0" strike="noStrike" spc="-1">
-              <a:solidFill>
-                <a:srgbClr val="000000"/>
-              </a:solidFill>
-              <a:latin typeface="Arial"/>
-            </a:endParaRPr>
-          </a:p>
-          <a:p>
-            <a:pPr marL="432000" lvl="1" indent="-216000" algn="just">
-              <a:lnSpc>
-                <a:spcPct val="115000"/>
-              </a:lnSpc>
-              <a:buClr>
-                <a:srgbClr val="000000"/>
-              </a:buClr>
-              <a:buSzPct val="45000"/>
-              <a:buFont typeface="Wingdings" charset="2"/>
-              <a:buChar char=""/>
-            </a:pPr>
-            <a:r>
-              <a:rPr lang="pt-BR" sz="1800" b="0" strike="noStrike" spc="-1">
-                <a:solidFill>
-                  <a:srgbClr val="01498E"/>
-                </a:solidFill>
-                <a:latin typeface="Arial"/>
-                <a:ea typeface="Calibri"/>
-              </a:rPr>
-              <a:t>Organização: Agrupam dados e comportamentos relacionados.</a:t>
-            </a:r>
-            <a:endParaRPr lang="pt-BR" sz="1800" b="0" strike="noStrike" spc="-1">
-              <a:solidFill>
-                <a:srgbClr val="000000"/>
-              </a:solidFill>
-              <a:latin typeface="Arial"/>
-            </a:endParaRPr>
-          </a:p>
-          <a:p>
-            <a:pPr marL="432000" lvl="1" indent="-216000" algn="just">
-              <a:lnSpc>
-                <a:spcPct val="115000"/>
-              </a:lnSpc>
-              <a:buClr>
-                <a:srgbClr val="000000"/>
-              </a:buClr>
-              <a:buSzPct val="45000"/>
-              <a:buFont typeface="Wingdings" charset="2"/>
-              <a:buChar char=""/>
-            </a:pPr>
-            <a:r>
-              <a:rPr lang="pt-BR" sz="1800" b="0" strike="noStrike" spc="-1">
-                <a:solidFill>
-                  <a:srgbClr val="01498E"/>
-                </a:solidFill>
-                <a:latin typeface="Arial"/>
-                <a:ea typeface="Calibri"/>
-              </a:rPr>
-              <a:t>R...</a:t>
-            </a:r>
-            <a:endParaRPr lang="pt-BR" sz="1800" b="0" strike="noStrike" spc="-1">
-              <a:solidFill>
-                <a:srgbClr val="000000"/>
-              </a:solidFill>
-              <a:latin typeface="Arial"/>
-            </a:endParaRPr>
-          </a:p>
-          <a:p>
-            <a:pPr algn="just">
-              <a:lnSpc>
-                <a:spcPct val="115000"/>
-              </a:lnSpc>
-            </a:pPr>
-            <a:endParaRPr lang="pt-BR" sz="1800" b="0" strike="noStrike" spc="-1">
-              <a:solidFill>
-                <a:srgbClr val="000000"/>
-              </a:solidFill>
-              <a:latin typeface="Arial"/>
-            </a:endParaRPr>
-          </a:p>
-        </p:txBody>
-      </p:sp>
     </p:spTree>
   </p:cSld>
   <p:clrMapOvr>
@@ -20541,7 +21396,7 @@
       </p:grpSpPr>
       <p:sp>
         <p:nvSpPr>
-          <p:cNvPr id="279" name="Título 6"/>
+          <p:cNvPr id="269" name="Título 2"/>
           <p:cNvSpPr/>
           <p:nvPr/>
         </p:nvSpPr>
@@ -20615,7 +21470,7 @@
       </p:sp>
       <p:pic>
         <p:nvPicPr>
-          <p:cNvPr id="280" name="Imagem 10"/>
+          <p:cNvPr id="270" name="Imagem 1"/>
           <p:cNvPicPr/>
           <p:nvPr/>
         </p:nvPicPr>
@@ -20639,14 +21494,14 @@
       </p:pic>
       <p:sp>
         <p:nvSpPr>
-          <p:cNvPr id="281" name="CaixaDeTexto 5"/>
+          <p:cNvPr id="271" name="CaixaDeTexto 1"/>
           <p:cNvSpPr/>
           <p:nvPr/>
         </p:nvSpPr>
         <p:spPr>
           <a:xfrm>
             <a:off x="291960" y="1286640"/>
-            <a:ext cx="6365160" cy="1981800"/>
+            <a:ext cx="6365160" cy="1666440"/>
           </a:xfrm>
           <a:prstGeom prst="rect">
             <a:avLst/>
@@ -20692,7 +21547,7 @@
                 <a:latin typeface="Arial"/>
                 <a:ea typeface="Calibri"/>
               </a:rPr>
-              <a:t>Por que objetos são importantes?</a:t>
+              <a:t>Cada aluno explique uma linha do código abaixo</a:t>
             </a:r>
             <a:endParaRPr lang="pt-BR" sz="1800" b="0" strike="noStrike" spc="-1">
               <a:solidFill>
@@ -20702,27 +21557,11 @@
             </a:endParaRPr>
           </a:p>
           <a:p>
-            <a:pPr marL="432000" lvl="1" indent="-216000" algn="just">
-              <a:lnSpc>
-                <a:spcPct val="115000"/>
-              </a:lnSpc>
-              <a:buClr>
-                <a:srgbClr val="000000"/>
-              </a:buClr>
-              <a:buSzPct val="45000"/>
-              <a:buFont typeface="Wingdings" charset="2"/>
-              <a:buChar char=""/>
-            </a:pPr>
-            <a:r>
-              <a:rPr lang="pt-BR" sz="1800" b="0" strike="noStrike" spc="-1">
-                <a:solidFill>
-                  <a:srgbClr val="01498E"/>
-                </a:solidFill>
-                <a:latin typeface="Arial"/>
-                <a:ea typeface="Calibri"/>
-              </a:rPr>
-              <a:t>Organização: Agrupam dados e comportamentos relacionados.</a:t>
-            </a:r>
+            <a:pPr algn="just">
+              <a:lnSpc>
+                <a:spcPct val="115000"/>
+              </a:lnSpc>
+            </a:pPr>
             <a:endParaRPr lang="pt-BR" sz="1800" b="0" strike="noStrike" spc="-1">
               <a:solidFill>
                 <a:srgbClr val="000000"/>
@@ -20731,27 +21570,11 @@
             </a:endParaRPr>
           </a:p>
           <a:p>
-            <a:pPr marL="432000" lvl="1" indent="-216000" algn="just">
-              <a:lnSpc>
-                <a:spcPct val="115000"/>
-              </a:lnSpc>
-              <a:buClr>
-                <a:srgbClr val="000000"/>
-              </a:buClr>
-              <a:buSzPct val="45000"/>
-              <a:buFont typeface="Wingdings" charset="2"/>
-              <a:buChar char=""/>
-            </a:pPr>
-            <a:r>
-              <a:rPr lang="pt-BR" sz="1800" b="0" strike="noStrike" spc="-1">
-                <a:solidFill>
-                  <a:srgbClr val="01498E"/>
-                </a:solidFill>
-                <a:latin typeface="Arial"/>
-                <a:ea typeface="Calibri"/>
-              </a:rPr>
-              <a:t>Reúso: Classes podem ser reaproveitadas para criar múltiplos objetos.</a:t>
-            </a:r>
+            <a:pPr algn="just">
+              <a:lnSpc>
+                <a:spcPct val="115000"/>
+              </a:lnSpc>
+            </a:pPr>
             <a:endParaRPr lang="pt-BR" sz="1800" b="0" strike="noStrike" spc="-1">
               <a:solidFill>
                 <a:srgbClr val="000000"/>
@@ -20760,27 +21583,11 @@
             </a:endParaRPr>
           </a:p>
           <a:p>
-            <a:pPr marL="432000" lvl="1" indent="-216000" algn="just">
-              <a:lnSpc>
-                <a:spcPct val="115000"/>
-              </a:lnSpc>
-              <a:buClr>
-                <a:srgbClr val="000000"/>
-              </a:buClr>
-              <a:buSzPct val="45000"/>
-              <a:buFont typeface="Wingdings" charset="2"/>
-              <a:buChar char=""/>
-            </a:pPr>
-            <a:r>
-              <a:rPr lang="pt-BR" sz="1800" b="0" strike="noStrike" spc="-1">
-                <a:solidFill>
-                  <a:srgbClr val="01498E"/>
-                </a:solidFill>
-                <a:latin typeface="Arial"/>
-                <a:ea typeface="Calibri"/>
-              </a:rPr>
-              <a:t>A...</a:t>
-            </a:r>
+            <a:pPr algn="just">
+              <a:lnSpc>
+                <a:spcPct val="115000"/>
+              </a:lnSpc>
+            </a:pPr>
             <a:endParaRPr lang="pt-BR" sz="1800" b="0" strike="noStrike" spc="-1">
               <a:solidFill>
                 <a:srgbClr val="000000"/>
@@ -20788,8 +21595,44 @@
               <a:latin typeface="Arial"/>
             </a:endParaRPr>
           </a:p>
-        </p:txBody>
-      </p:sp>
+          <a:p>
+            <a:pPr algn="just">
+              <a:lnSpc>
+                <a:spcPct val="115000"/>
+              </a:lnSpc>
+            </a:pPr>
+            <a:endParaRPr lang="pt-BR" sz="1800" b="0" strike="noStrike" spc="-1">
+              <a:solidFill>
+                <a:srgbClr val="000000"/>
+              </a:solidFill>
+              <a:latin typeface="Arial"/>
+            </a:endParaRPr>
+          </a:p>
+        </p:txBody>
+      </p:sp>
+      <p:pic>
+        <p:nvPicPr>
+          <p:cNvPr id="272" name="Imagem 154"/>
+          <p:cNvPicPr/>
+          <p:nvPr/>
+        </p:nvPicPr>
+        <p:blipFill>
+          <a:blip r:embed="rId3"/>
+          <a:stretch/>
+        </p:blipFill>
+        <p:spPr>
+          <a:xfrm>
+            <a:off x="0" y="0"/>
+            <a:ext cx="8898120" cy="4678920"/>
+          </a:xfrm>
+          <a:prstGeom prst="rect">
+            <a:avLst/>
+          </a:prstGeom>
+          <a:ln w="0">
+            <a:noFill/>
+          </a:ln>
+        </p:spPr>
+      </p:pic>
     </p:spTree>
   </p:cSld>
   <p:clrMapOvr>
@@ -20817,7 +21660,7 @@
       </p:grpSpPr>
       <p:sp>
         <p:nvSpPr>
-          <p:cNvPr id="282" name="Título 39"/>
+          <p:cNvPr id="273" name="Título 39"/>
           <p:cNvSpPr/>
           <p:nvPr/>
         </p:nvSpPr>
@@ -20865,7 +21708,7 @@
                 <a:latin typeface="Overpass"/>
                 <a:ea typeface="Overpass"/>
               </a:rPr>
-              <a:t>POO </a:t>
+              <a:t>POO Recap </a:t>
             </a:r>
             <a:endParaRPr lang="pt-BR" sz="5400" b="0" strike="noStrike" spc="-1">
               <a:solidFill>
@@ -20891,7 +21734,7 @@
       </p:sp>
       <p:pic>
         <p:nvPicPr>
-          <p:cNvPr id="283" name="Imagem 39"/>
+          <p:cNvPr id="274" name="Imagem 39"/>
           <p:cNvPicPr/>
           <p:nvPr/>
         </p:nvPicPr>
@@ -20915,14 +21758,14 @@
       </p:pic>
       <p:sp>
         <p:nvSpPr>
-          <p:cNvPr id="284" name="CaixaDeTexto 38"/>
+          <p:cNvPr id="275" name="CaixaDeTexto 38"/>
           <p:cNvSpPr/>
           <p:nvPr/>
         </p:nvSpPr>
         <p:spPr>
           <a:xfrm>
             <a:off x="291960" y="1286640"/>
-            <a:ext cx="6365160" cy="720360"/>
+            <a:ext cx="6365160" cy="1035720"/>
           </a:xfrm>
           <a:prstGeom prst="rect">
             <a:avLst/>
@@ -20968,7 +21811,7 @@
                 <a:latin typeface="Arial"/>
                 <a:ea typeface="Calibri"/>
               </a:rPr>
-              <a:t>Encapsulamento?</a:t>
+              <a:t>Por que objetos são importantes?</a:t>
             </a:r>
             <a:endParaRPr lang="pt-BR" sz="1800" b="0" strike="noStrike" spc="-1">
               <a:solidFill>
@@ -20978,6 +21821,35 @@
             </a:endParaRPr>
           </a:p>
           <a:p>
+            <a:pPr marL="432000" lvl="1" indent="-216000" algn="just">
+              <a:lnSpc>
+                <a:spcPct val="115000"/>
+              </a:lnSpc>
+              <a:buClr>
+                <a:srgbClr val="000000"/>
+              </a:buClr>
+              <a:buSzPct val="45000"/>
+              <a:buFont typeface="Wingdings" charset="2"/>
+              <a:buChar char=""/>
+            </a:pPr>
+            <a:r>
+              <a:rPr lang="pt-BR" sz="1800" b="0" strike="noStrike" spc="-1">
+                <a:solidFill>
+                  <a:srgbClr val="01498E"/>
+                </a:solidFill>
+                <a:latin typeface="Arial"/>
+                <a:ea typeface="Calibri"/>
+              </a:rPr>
+              <a:t>O...</a:t>
+            </a:r>
+            <a:endParaRPr lang="pt-BR" sz="1800" b="0" strike="noStrike" spc="-1">
+              <a:solidFill>
+                <a:srgbClr val="000000"/>
+              </a:solidFill>
+              <a:latin typeface="Arial"/>
+            </a:endParaRPr>
+          </a:p>
+          <a:p>
             <a:pPr algn="just">
               <a:lnSpc>
                 <a:spcPct val="115000"/>
@@ -20992,29 +21864,6 @@
           </a:p>
         </p:txBody>
       </p:sp>
-      <p:pic>
-        <p:nvPicPr>
-          <p:cNvPr id="285" name="Imagem 167"/>
-          <p:cNvPicPr/>
-          <p:nvPr/>
-        </p:nvPicPr>
-        <p:blipFill>
-          <a:blip r:embed="rId3"/>
-          <a:stretch/>
-        </p:blipFill>
-        <p:spPr>
-          <a:xfrm>
-            <a:off x="3420000" y="1641240"/>
-            <a:ext cx="4250160" cy="3378600"/>
-          </a:xfrm>
-          <a:prstGeom prst="rect">
-            <a:avLst/>
-          </a:prstGeom>
-          <a:ln w="0">
-            <a:noFill/>
-          </a:ln>
-        </p:spPr>
-      </p:pic>
     </p:spTree>
   </p:cSld>
   <p:clrMapOvr>
@@ -21042,7 +21891,7 @@
       </p:grpSpPr>
       <p:sp>
         <p:nvSpPr>
-          <p:cNvPr id="286" name="Título 39"/>
+          <p:cNvPr id="276" name="Título 5"/>
           <p:cNvSpPr/>
           <p:nvPr/>
         </p:nvSpPr>
@@ -21090,7 +21939,7 @@
                 <a:latin typeface="Overpass"/>
                 <a:ea typeface="Overpass"/>
               </a:rPr>
-              <a:t>POO </a:t>
+              <a:t>POO Recap </a:t>
             </a:r>
             <a:endParaRPr lang="pt-BR" sz="5400" b="0" strike="noStrike" spc="-1">
               <a:solidFill>
@@ -21116,7 +21965,7 @@
       </p:sp>
       <p:pic>
         <p:nvPicPr>
-          <p:cNvPr id="287" name="Imagem 39"/>
+          <p:cNvPr id="277" name="Imagem 9"/>
           <p:cNvPicPr/>
           <p:nvPr/>
         </p:nvPicPr>
@@ -21140,14 +21989,14 @@
       </p:pic>
       <p:sp>
         <p:nvSpPr>
-          <p:cNvPr id="288" name="CaixaDeTexto 38"/>
+          <p:cNvPr id="278" name="CaixaDeTexto 4"/>
           <p:cNvSpPr/>
           <p:nvPr/>
         </p:nvSpPr>
         <p:spPr>
           <a:xfrm>
             <a:off x="291960" y="1286640"/>
-            <a:ext cx="7666200" cy="2612520"/>
+            <a:ext cx="6365160" cy="1666440"/>
           </a:xfrm>
           <a:prstGeom prst="rect">
             <a:avLst/>
@@ -21193,7 +22042,7 @@
                 <a:latin typeface="Arial"/>
                 <a:ea typeface="Calibri"/>
               </a:rPr>
-              <a:t>Encapsulamento?</a:t>
+              <a:t>Por que objetos são importantes?</a:t>
             </a:r>
             <a:endParaRPr lang="pt-BR" sz="1800" b="0" strike="noStrike" spc="-1">
               <a:solidFill>
@@ -21203,15 +22052,16 @@
             </a:endParaRPr>
           </a:p>
           <a:p>
-            <a:pPr marL="673200" lvl="1" indent="-216000" algn="just">
+            <a:pPr marL="432000" lvl="1" indent="-216000" algn="just">
               <a:lnSpc>
                 <a:spcPct val="115000"/>
               </a:lnSpc>
               <a:buClr>
                 <a:srgbClr val="000000"/>
               </a:buClr>
-              <a:buFont typeface="Arial"/>
-              <a:buChar char="●"/>
+              <a:buSzPct val="45000"/>
+              <a:buFont typeface="Wingdings" charset="2"/>
+              <a:buChar char=""/>
             </a:pPr>
             <a:r>
               <a:rPr lang="pt-BR" sz="1800" b="0" strike="noStrike" spc="-1">
@@ -21221,7 +22071,7 @@
                 <a:latin typeface="Arial"/>
                 <a:ea typeface="Calibri"/>
               </a:rPr>
-              <a:t>Em Python, todos os atributos e métodos são públicos por padrão, o que significa que podem ser acessados e modificados diretamente de fora da classe.</a:t>
+              <a:t>Organização: Agrupam dados e comportamentos relacionados.</a:t>
             </a:r>
             <a:endParaRPr lang="pt-BR" sz="1800" b="0" strike="noStrike" spc="-1">
               <a:solidFill>
@@ -21231,15 +22081,16 @@
             </a:endParaRPr>
           </a:p>
           <a:p>
-            <a:pPr marL="673200" lvl="1" indent="-216000" algn="just">
+            <a:pPr marL="432000" lvl="1" indent="-216000" algn="just">
               <a:lnSpc>
                 <a:spcPct val="115000"/>
               </a:lnSpc>
               <a:buClr>
                 <a:srgbClr val="000000"/>
               </a:buClr>
-              <a:buFont typeface="Arial"/>
-              <a:buChar char="●"/>
+              <a:buSzPct val="45000"/>
+              <a:buFont typeface="Wingdings" charset="2"/>
+              <a:buChar char=""/>
             </a:pPr>
             <a:r>
               <a:rPr lang="pt-BR" sz="1800" b="0" strike="noStrike" spc="-1">
@@ -21249,7 +22100,7 @@
                 <a:latin typeface="Arial"/>
                 <a:ea typeface="Calibri"/>
               </a:rPr>
-              <a:t>Para indicar que um atributo ou método é privado (ou seja, não deve ser acessado diretamente de fora da classe), utiliza-se um sublinhado duplo (__) antes do nome.</a:t>
+              <a:t>R...</a:t>
             </a:r>
             <a:endParaRPr lang="pt-BR" sz="1800" b="0" strike="noStrike" spc="-1">
               <a:solidFill>
@@ -21273,29 +22124,6 @@
           </a:p>
         </p:txBody>
       </p:sp>
-      <p:pic>
-        <p:nvPicPr>
-          <p:cNvPr id="289" name="Imagem 3"/>
-          <p:cNvPicPr/>
-          <p:nvPr/>
-        </p:nvPicPr>
-        <p:blipFill>
-          <a:blip r:embed="rId3"/>
-          <a:stretch/>
-        </p:blipFill>
-        <p:spPr>
-          <a:xfrm>
-            <a:off x="2999160" y="3830400"/>
-            <a:ext cx="5180760" cy="1122840"/>
-          </a:xfrm>
-          <a:prstGeom prst="rect">
-            <a:avLst/>
-          </a:prstGeom>
-          <a:ln w="0">
-            <a:noFill/>
-          </a:ln>
-        </p:spPr>
-      </p:pic>
     </p:spTree>
   </p:cSld>
   <p:clrMapOvr>
@@ -21323,14 +22151,14 @@
       </p:grpSpPr>
       <p:sp>
         <p:nvSpPr>
-          <p:cNvPr id="290" name="Título 43"/>
+          <p:cNvPr id="279" name="Título 6"/>
           <p:cNvSpPr/>
           <p:nvPr/>
         </p:nvSpPr>
         <p:spPr>
           <a:xfrm>
-            <a:off x="291960" y="32040"/>
-            <a:ext cx="5587560" cy="900000"/>
+            <a:off x="291960" y="189000"/>
+            <a:ext cx="7480440" cy="900000"/>
           </a:xfrm>
           <a:prstGeom prst="rect">
             <a:avLst/>
@@ -21371,8 +22199,21 @@
                 <a:latin typeface="Overpass"/>
                 <a:ea typeface="Overpass"/>
               </a:rPr>
-              <a:t>Let’s Work</a:t>
-            </a:r>
+              <a:t>POO Recap </a:t>
+            </a:r>
+            <a:endParaRPr lang="pt-BR" sz="5400" b="0" strike="noStrike" spc="-1">
+              <a:solidFill>
+                <a:srgbClr val="000000"/>
+              </a:solidFill>
+              <a:latin typeface="Arial"/>
+            </a:endParaRPr>
+          </a:p>
+          <a:p>
+            <a:pPr>
+              <a:lnSpc>
+                <a:spcPct val="100000"/>
+              </a:lnSpc>
+            </a:pPr>
             <a:endParaRPr lang="pt-BR" sz="5400" b="0" strike="noStrike" spc="-1">
               <a:solidFill>
                 <a:srgbClr val="000000"/>
@@ -21384,18 +22225,19 @@
       </p:sp>
       <p:pic>
         <p:nvPicPr>
-          <p:cNvPr id="291" name="Imagem 43"/>
+          <p:cNvPr id="280" name="Imagem 10"/>
           <p:cNvPicPr/>
           <p:nvPr/>
         </p:nvPicPr>
         <p:blipFill>
           <a:blip r:embed="rId2"/>
+          <a:srcRect b="20507"/>
           <a:stretch/>
         </p:blipFill>
         <p:spPr>
-          <a:xfrm rot="5400000">
-            <a:off x="7714440" y="-111600"/>
-            <a:ext cx="2973960" cy="3197880"/>
+          <a:xfrm>
+            <a:off x="8100720" y="900720"/>
+            <a:ext cx="2142720" cy="3603600"/>
           </a:xfrm>
           <a:prstGeom prst="rect">
             <a:avLst/>
@@ -21407,14 +22249,14 @@
       </p:pic>
       <p:sp>
         <p:nvSpPr>
-          <p:cNvPr id="292" name="CaixaDeTexto 42"/>
+          <p:cNvPr id="281" name="CaixaDeTexto 5"/>
           <p:cNvSpPr/>
           <p:nvPr/>
         </p:nvSpPr>
         <p:spPr>
           <a:xfrm>
-            <a:off x="180000" y="900000"/>
-            <a:ext cx="7419600" cy="3243240"/>
+            <a:off x="291960" y="1286640"/>
+            <a:ext cx="6365160" cy="1981800"/>
           </a:xfrm>
           <a:prstGeom prst="rect">
             <a:avLst/>
@@ -21460,7 +22302,7 @@
                 <a:latin typeface="Arial"/>
                 <a:ea typeface="Calibri"/>
               </a:rPr>
-              <a:t>Problema 4:</a:t>
+              <a:t>Por que objetos são importantes?</a:t>
             </a:r>
             <a:endParaRPr lang="pt-BR" sz="1800" b="0" strike="noStrike" spc="-1">
               <a:solidFill>
@@ -21470,15 +22312,16 @@
             </a:endParaRPr>
           </a:p>
           <a:p>
-            <a:pPr marL="673200" lvl="1" indent="-216000" algn="just">
+            <a:pPr marL="432000" lvl="1" indent="-216000" algn="just">
               <a:lnSpc>
                 <a:spcPct val="115000"/>
               </a:lnSpc>
               <a:buClr>
                 <a:srgbClr val="000000"/>
               </a:buClr>
-              <a:buFont typeface="Arial"/>
-              <a:buChar char="●"/>
+              <a:buSzPct val="45000"/>
+              <a:buFont typeface="Wingdings" charset="2"/>
+              <a:buChar char=""/>
             </a:pPr>
             <a:r>
               <a:rPr lang="pt-BR" sz="1800" b="0" strike="noStrike" spc="-1">
@@ -21488,7 +22331,7 @@
                 <a:latin typeface="Arial"/>
                 <a:ea typeface="Calibri"/>
               </a:rPr>
-              <a:t>Crie uma classe ContaBancaria com:</a:t>
+              <a:t>Organização: Agrupam dados e comportamentos relacionados.</a:t>
             </a:r>
             <a:endParaRPr lang="pt-BR" sz="1800" b="0" strike="noStrike" spc="-1">
               <a:solidFill>
@@ -21498,15 +22341,16 @@
             </a:endParaRPr>
           </a:p>
           <a:p>
-            <a:pPr marL="1130400" lvl="2" indent="-216000" algn="just">
+            <a:pPr marL="432000" lvl="1" indent="-216000" algn="just">
               <a:lnSpc>
                 <a:spcPct val="115000"/>
               </a:lnSpc>
               <a:buClr>
                 <a:srgbClr val="000000"/>
               </a:buClr>
-              <a:buFont typeface="Arial"/>
-              <a:buChar char="●"/>
+              <a:buSzPct val="45000"/>
+              <a:buFont typeface="Wingdings" charset="2"/>
+              <a:buChar char=""/>
             </a:pPr>
             <a:r>
               <a:rPr lang="pt-BR" sz="1800" b="0" strike="noStrike" spc="-1">
@@ -21516,7 +22360,7 @@
                 <a:latin typeface="Arial"/>
                 <a:ea typeface="Calibri"/>
               </a:rPr>
-              <a:t>Atributo privado saldo (inicial 0).</a:t>
+              <a:t>Reúso: Classes podem ser reaproveitadas para criar múltiplos objetos.</a:t>
             </a:r>
             <a:endParaRPr lang="pt-BR" sz="1800" b="0" strike="noStrike" spc="-1">
               <a:solidFill>
@@ -21526,15 +22370,16 @@
             </a:endParaRPr>
           </a:p>
           <a:p>
-            <a:pPr marL="1130400" lvl="2" indent="-216000" algn="just">
+            <a:pPr marL="432000" lvl="1" indent="-216000" algn="just">
               <a:lnSpc>
                 <a:spcPct val="115000"/>
               </a:lnSpc>
               <a:buClr>
                 <a:srgbClr val="000000"/>
               </a:buClr>
-              <a:buFont typeface="Arial"/>
-              <a:buChar char="●"/>
+              <a:buSzPct val="45000"/>
+              <a:buFont typeface="Wingdings" charset="2"/>
+              <a:buChar char=""/>
             </a:pPr>
             <a:r>
               <a:rPr lang="pt-BR" sz="1800" b="0" strike="noStrike" spc="-1">
@@ -21544,7 +22389,7 @@
                 <a:latin typeface="Arial"/>
                 <a:ea typeface="Calibri"/>
               </a:rPr>
-              <a:t>Método depositar(valor) que adiciona ao saldo.</a:t>
+              <a:t>A...</a:t>
             </a:r>
             <a:endParaRPr lang="pt-BR" sz="1800" b="0" strike="noStrike" spc="-1">
               <a:solidFill>
@@ -21553,139 +22398,8 @@
               <a:latin typeface="Arial"/>
             </a:endParaRPr>
           </a:p>
-          <a:p>
-            <a:pPr marL="1130400" lvl="2" indent="-216000" algn="just">
-              <a:lnSpc>
-                <a:spcPct val="115000"/>
-              </a:lnSpc>
-              <a:buClr>
-                <a:srgbClr val="000000"/>
-              </a:buClr>
-              <a:buFont typeface="Arial"/>
-              <a:buChar char="●"/>
-            </a:pPr>
-            <a:r>
-              <a:rPr lang="pt-BR" sz="1800" b="0" strike="noStrike" spc="-1">
-                <a:solidFill>
-                  <a:srgbClr val="01498E"/>
-                </a:solidFill>
-                <a:latin typeface="Arial"/>
-                <a:ea typeface="Calibri"/>
-              </a:rPr>
-              <a:t>Método sacar(valor) que verifica se há saldo suficiente.</a:t>
-            </a:r>
-            <a:endParaRPr lang="pt-BR" sz="1800" b="0" strike="noStrike" spc="-1">
-              <a:solidFill>
-                <a:srgbClr val="000000"/>
-              </a:solidFill>
-              <a:latin typeface="Arial"/>
-            </a:endParaRPr>
-          </a:p>
-          <a:p>
-            <a:pPr marL="1130400" lvl="2" indent="-216000" algn="just">
-              <a:lnSpc>
-                <a:spcPct val="115000"/>
-              </a:lnSpc>
-              <a:buClr>
-                <a:srgbClr val="000000"/>
-              </a:buClr>
-              <a:buFont typeface="Arial"/>
-              <a:buChar char="●"/>
-            </a:pPr>
-            <a:r>
-              <a:rPr lang="pt-BR" sz="1800" b="0" strike="noStrike" spc="-1">
-                <a:solidFill>
-                  <a:srgbClr val="01498E"/>
-                </a:solidFill>
-                <a:latin typeface="Arial"/>
-                <a:ea typeface="Calibri"/>
-              </a:rPr>
-              <a:t>Método ver_saldo() que retorna o saldo.</a:t>
-            </a:r>
-            <a:endParaRPr lang="pt-BR" sz="1800" b="0" strike="noStrike" spc="-1">
-              <a:solidFill>
-                <a:srgbClr val="000000"/>
-              </a:solidFill>
-              <a:latin typeface="Arial"/>
-            </a:endParaRPr>
-          </a:p>
-          <a:p>
-            <a:pPr algn="just">
-              <a:lnSpc>
-                <a:spcPct val="115000"/>
-              </a:lnSpc>
-            </a:pPr>
-            <a:endParaRPr lang="pt-BR" sz="1800" b="0" strike="noStrike" spc="-1">
-              <a:solidFill>
-                <a:srgbClr val="000000"/>
-              </a:solidFill>
-              <a:latin typeface="Arial"/>
-            </a:endParaRPr>
-          </a:p>
-          <a:p>
-            <a:pPr algn="just">
-              <a:lnSpc>
-                <a:spcPct val="115000"/>
-              </a:lnSpc>
-            </a:pPr>
-            <a:endParaRPr lang="pt-BR" sz="1800" b="0" strike="noStrike" spc="-1">
-              <a:solidFill>
-                <a:srgbClr val="000000"/>
-              </a:solidFill>
-              <a:latin typeface="Arial"/>
-            </a:endParaRPr>
-          </a:p>
-          <a:p>
-            <a:pPr algn="just">
-              <a:lnSpc>
-                <a:spcPct val="115000"/>
-              </a:lnSpc>
-            </a:pPr>
-            <a:endParaRPr lang="pt-BR" sz="1800" b="0" strike="noStrike" spc="-1">
-              <a:solidFill>
-                <a:srgbClr val="000000"/>
-              </a:solidFill>
-              <a:latin typeface="Arial"/>
-            </a:endParaRPr>
-          </a:p>
-          <a:p>
-            <a:pPr algn="just">
-              <a:lnSpc>
-                <a:spcPct val="115000"/>
-              </a:lnSpc>
-            </a:pPr>
-            <a:endParaRPr lang="pt-BR" sz="1800" b="0" strike="noStrike" spc="-1">
-              <a:solidFill>
-                <a:srgbClr val="000000"/>
-              </a:solidFill>
-              <a:latin typeface="Arial"/>
-            </a:endParaRPr>
-          </a:p>
-        </p:txBody>
-      </p:sp>
-      <p:pic>
-        <p:nvPicPr>
-          <p:cNvPr id="293" name="Imagem 175"/>
-          <p:cNvPicPr/>
-          <p:nvPr/>
-        </p:nvPicPr>
-        <p:blipFill>
-          <a:blip r:embed="rId3"/>
-          <a:stretch/>
-        </p:blipFill>
-        <p:spPr>
-          <a:xfrm>
-            <a:off x="180000" y="3365280"/>
-            <a:ext cx="6827040" cy="1493640"/>
-          </a:xfrm>
-          <a:prstGeom prst="rect">
-            <a:avLst/>
-          </a:prstGeom>
-          <a:ln w="0">
-            <a:noFill/>
-          </a:ln>
-        </p:spPr>
-      </p:pic>
+        </p:txBody>
+      </p:sp>
     </p:spTree>
   </p:cSld>
   <p:clrMapOvr>
@@ -21711,20 +22425,197 @@
           <a:chExt cx="0" cy="0"/>
         </a:xfrm>
       </p:grpSpPr>
+      <p:sp>
+        <p:nvSpPr>
+          <p:cNvPr id="282" name="Título 39"/>
+          <p:cNvSpPr/>
+          <p:nvPr/>
+        </p:nvSpPr>
+        <p:spPr>
+          <a:xfrm>
+            <a:off x="291960" y="189000"/>
+            <a:ext cx="7480440" cy="900000"/>
+          </a:xfrm>
+          <a:prstGeom prst="rect">
+            <a:avLst/>
+          </a:prstGeom>
+          <a:noFill/>
+          <a:ln w="0">
+            <a:noFill/>
+          </a:ln>
+        </p:spPr>
+        <p:style>
+          <a:lnRef idx="0">
+            <a:scrgbClr r="0" g="0" b="0"/>
+          </a:lnRef>
+          <a:fillRef idx="0">
+            <a:scrgbClr r="0" g="0" b="0"/>
+          </a:fillRef>
+          <a:effectRef idx="0">
+            <a:scrgbClr r="0" g="0" b="0"/>
+          </a:effectRef>
+          <a:fontRef idx="minor"/>
+        </p:style>
+        <p:txBody>
+          <a:bodyPr lIns="90000" tIns="91440" rIns="90000" bIns="91440" anchor="t">
+            <a:noAutofit/>
+          </a:bodyPr>
+          <a:lstStyle/>
+          <a:p>
+            <a:pPr>
+              <a:lnSpc>
+                <a:spcPct val="100000"/>
+              </a:lnSpc>
+            </a:pPr>
+            <a:r>
+              <a:rPr lang="pt-BR" sz="5400" b="1" strike="noStrike" spc="-1">
+                <a:solidFill>
+                  <a:srgbClr val="002060"/>
+                </a:solidFill>
+                <a:latin typeface="Overpass"/>
+                <a:ea typeface="Overpass"/>
+              </a:rPr>
+              <a:t>POO </a:t>
+            </a:r>
+            <a:endParaRPr lang="pt-BR" sz="5400" b="0" strike="noStrike" spc="-1">
+              <a:solidFill>
+                <a:srgbClr val="000000"/>
+              </a:solidFill>
+              <a:latin typeface="Arial"/>
+            </a:endParaRPr>
+          </a:p>
+          <a:p>
+            <a:pPr>
+              <a:lnSpc>
+                <a:spcPct val="100000"/>
+              </a:lnSpc>
+            </a:pPr>
+            <a:endParaRPr lang="pt-BR" sz="5400" b="0" strike="noStrike" spc="-1">
+              <a:solidFill>
+                <a:srgbClr val="000000"/>
+              </a:solidFill>
+              <a:latin typeface="Arial"/>
+            </a:endParaRPr>
+          </a:p>
+        </p:txBody>
+      </p:sp>
       <p:pic>
         <p:nvPicPr>
-          <p:cNvPr id="294" name="Imagem 2"/>
+          <p:cNvPr id="283" name="Imagem 39"/>
           <p:cNvPicPr/>
           <p:nvPr/>
         </p:nvPicPr>
         <p:blipFill>
           <a:blip r:embed="rId2"/>
+          <a:srcRect b="20507"/>
           <a:stretch/>
         </p:blipFill>
         <p:spPr>
           <a:xfrm>
-            <a:off x="1864080" y="0"/>
-            <a:ext cx="5414760" cy="5142240"/>
+            <a:off x="8100720" y="900720"/>
+            <a:ext cx="2142720" cy="3603600"/>
+          </a:xfrm>
+          <a:prstGeom prst="rect">
+            <a:avLst/>
+          </a:prstGeom>
+          <a:ln w="0">
+            <a:noFill/>
+          </a:ln>
+        </p:spPr>
+      </p:pic>
+      <p:sp>
+        <p:nvSpPr>
+          <p:cNvPr id="284" name="CaixaDeTexto 38"/>
+          <p:cNvSpPr/>
+          <p:nvPr/>
+        </p:nvSpPr>
+        <p:spPr>
+          <a:xfrm>
+            <a:off x="291960" y="1286640"/>
+            <a:ext cx="6365160" cy="720360"/>
+          </a:xfrm>
+          <a:prstGeom prst="rect">
+            <a:avLst/>
+          </a:prstGeom>
+          <a:noFill/>
+          <a:ln w="0">
+            <a:noFill/>
+          </a:ln>
+        </p:spPr>
+        <p:style>
+          <a:lnRef idx="0">
+            <a:scrgbClr r="0" g="0" b="0"/>
+          </a:lnRef>
+          <a:fillRef idx="0">
+            <a:scrgbClr r="0" g="0" b="0"/>
+          </a:fillRef>
+          <a:effectRef idx="0">
+            <a:scrgbClr r="0" g="0" b="0"/>
+          </a:effectRef>
+          <a:fontRef idx="minor"/>
+        </p:style>
+        <p:txBody>
+          <a:bodyPr lIns="90000" tIns="45000" rIns="90000" bIns="45000" anchor="t">
+            <a:spAutoFit/>
+          </a:bodyPr>
+          <a:lstStyle/>
+          <a:p>
+            <a:pPr marL="216000" indent="-216000" algn="just">
+              <a:lnSpc>
+                <a:spcPct val="115000"/>
+              </a:lnSpc>
+              <a:buClr>
+                <a:srgbClr val="000000"/>
+              </a:buClr>
+              <a:buFont typeface="Arial"/>
+              <a:buChar char="●"/>
+            </a:pPr>
+            <a:r>
+              <a:rPr lang="pt-BR" sz="1800" b="0" strike="noStrike" spc="-1">
+                <a:solidFill>
+                  <a:srgbClr val="01498E"/>
+                </a:solidFill>
+                <a:latin typeface="Arial"/>
+                <a:ea typeface="Calibri"/>
+              </a:rPr>
+              <a:t>Encapsulamento?</a:t>
+            </a:r>
+            <a:endParaRPr lang="pt-BR" sz="1800" b="0" strike="noStrike" spc="-1">
+              <a:solidFill>
+                <a:srgbClr val="000000"/>
+              </a:solidFill>
+              <a:latin typeface="Arial"/>
+            </a:endParaRPr>
+          </a:p>
+          <a:p>
+            <a:pPr algn="just">
+              <a:lnSpc>
+                <a:spcPct val="115000"/>
+              </a:lnSpc>
+            </a:pPr>
+            <a:endParaRPr lang="pt-BR" sz="1800" b="0" strike="noStrike" spc="-1">
+              <a:solidFill>
+                <a:srgbClr val="000000"/>
+              </a:solidFill>
+              <a:latin typeface="Arial"/>
+            </a:endParaRPr>
+          </a:p>
+        </p:txBody>
+      </p:sp>
+      <p:pic>
+        <p:nvPicPr>
+          <p:cNvPr id="285" name="Imagem 167"/>
+          <p:cNvPicPr/>
+          <p:nvPr/>
+        </p:nvPicPr>
+        <p:blipFill>
+          <a:blip r:embed="rId3"/>
+          <a:stretch/>
+        </p:blipFill>
+        <p:spPr>
+          <a:xfrm>
+            <a:off x="3420000" y="1641240"/>
+            <a:ext cx="4250160" cy="3378600"/>
           </a:xfrm>
           <a:prstGeom prst="rect">
             <a:avLst/>
@@ -21761,14 +22652,14 @@
       </p:grpSpPr>
       <p:sp>
         <p:nvSpPr>
-          <p:cNvPr id="295" name="Título 8"/>
+          <p:cNvPr id="286" name="Título 39"/>
           <p:cNvSpPr/>
           <p:nvPr/>
         </p:nvSpPr>
         <p:spPr>
           <a:xfrm>
-            <a:off x="291960" y="32040"/>
-            <a:ext cx="5587560" cy="900000"/>
+            <a:off x="291960" y="189000"/>
+            <a:ext cx="7480440" cy="900000"/>
           </a:xfrm>
           <a:prstGeom prst="rect">
             <a:avLst/>
@@ -21809,8 +22700,21 @@
                 <a:latin typeface="Overpass"/>
                 <a:ea typeface="Overpass"/>
               </a:rPr>
-              <a:t>Let’s Work</a:t>
-            </a:r>
+              <a:t>POO </a:t>
+            </a:r>
+            <a:endParaRPr lang="pt-BR" sz="5400" b="0" strike="noStrike" spc="-1">
+              <a:solidFill>
+                <a:srgbClr val="000000"/>
+              </a:solidFill>
+              <a:latin typeface="Arial"/>
+            </a:endParaRPr>
+          </a:p>
+          <a:p>
+            <a:pPr>
+              <a:lnSpc>
+                <a:spcPct val="100000"/>
+              </a:lnSpc>
+            </a:pPr>
             <a:endParaRPr lang="pt-BR" sz="5400" b="0" strike="noStrike" spc="-1">
               <a:solidFill>
                 <a:srgbClr val="000000"/>
@@ -21822,18 +22726,19 @@
       </p:sp>
       <p:pic>
         <p:nvPicPr>
-          <p:cNvPr id="296" name="Imagem 12"/>
+          <p:cNvPr id="287" name="Imagem 39"/>
           <p:cNvPicPr/>
           <p:nvPr/>
         </p:nvPicPr>
         <p:blipFill>
           <a:blip r:embed="rId2"/>
+          <a:srcRect b="20507"/>
           <a:stretch/>
         </p:blipFill>
         <p:spPr>
-          <a:xfrm rot="5400000">
-            <a:off x="7714440" y="-111600"/>
-            <a:ext cx="2973960" cy="3197880"/>
+          <a:xfrm>
+            <a:off x="8100720" y="900720"/>
+            <a:ext cx="2142720" cy="3603600"/>
           </a:xfrm>
           <a:prstGeom prst="rect">
             <a:avLst/>
@@ -21845,14 +22750,14 @@
       </p:pic>
       <p:sp>
         <p:nvSpPr>
-          <p:cNvPr id="297" name="CaixaDeTexto 7"/>
+          <p:cNvPr id="288" name="CaixaDeTexto 38"/>
           <p:cNvSpPr/>
           <p:nvPr/>
         </p:nvSpPr>
         <p:spPr>
           <a:xfrm>
-            <a:off x="180000" y="900000"/>
-            <a:ext cx="7419600" cy="2612520"/>
+            <a:off x="291960" y="1286640"/>
+            <a:ext cx="7666200" cy="2612520"/>
           </a:xfrm>
           <a:prstGeom prst="rect">
             <a:avLst/>
@@ -21898,7 +22803,7 @@
                 <a:latin typeface="Arial"/>
                 <a:ea typeface="Calibri"/>
               </a:rPr>
-              <a:t>Problema 5:</a:t>
+              <a:t>Encapsulamento?</a:t>
             </a:r>
             <a:endParaRPr lang="pt-BR" sz="1800" b="0" strike="noStrike" spc="-1">
               <a:solidFill>
@@ -21926,70 +22831,36 @@
                 <a:latin typeface="Arial"/>
                 <a:ea typeface="Calibri"/>
               </a:rPr>
-              <a:t>Atualize a classe conta bancaria para levantar erros usando </a:t>
-            </a:r>
+              <a:t>Em Python, todos os atributos e métodos são públicos por padrão, o que significa que podem ser acessados e modificados diretamente de fora da classe.</a:t>
+            </a:r>
+            <a:endParaRPr lang="pt-BR" sz="1800" b="0" strike="noStrike" spc="-1">
+              <a:solidFill>
+                <a:srgbClr val="000000"/>
+              </a:solidFill>
+              <a:latin typeface="Arial"/>
+            </a:endParaRPr>
+          </a:p>
+          <a:p>
+            <a:pPr marL="673200" lvl="1" indent="-216000" algn="just">
+              <a:lnSpc>
+                <a:spcPct val="115000"/>
+              </a:lnSpc>
+              <a:buClr>
+                <a:srgbClr val="000000"/>
+              </a:buClr>
+              <a:buFont typeface="Arial"/>
+              <a:buChar char="●"/>
+            </a:pPr>
             <a:r>
               <a:rPr lang="pt-BR" sz="1800" b="0" strike="noStrike" spc="-1">
                 <a:solidFill>
                   <a:srgbClr val="01498E"/>
                 </a:solidFill>
-                <a:highlight>
-                  <a:srgbClr val="FFFF00"/>
-                </a:highlight>
                 <a:latin typeface="Arial"/>
                 <a:ea typeface="Calibri"/>
               </a:rPr>
-              <a:t>raise ValueError(“msg”)</a:t>
-            </a:r>
-            <a:r>
-              <a:rPr lang="pt-BR" sz="1800" b="0" strike="noStrike" spc="-1">
-                <a:solidFill>
-                  <a:srgbClr val="01498E"/>
-                </a:solidFill>
-                <a:latin typeface="Arial"/>
-                <a:ea typeface="Calibri"/>
-              </a:rPr>
-              <a:t> em caso de erros (valor negativo ou s/ saldo)</a:t>
-            </a:r>
-            <a:endParaRPr lang="pt-BR" sz="1800" b="0" strike="noStrike" spc="-1">
-              <a:solidFill>
-                <a:srgbClr val="000000"/>
-              </a:solidFill>
-              <a:latin typeface="Arial"/>
-            </a:endParaRPr>
-          </a:p>
-          <a:p>
-            <a:pPr algn="just">
-              <a:lnSpc>
-                <a:spcPct val="115000"/>
-              </a:lnSpc>
-            </a:pPr>
-            <a:endParaRPr lang="pt-BR" sz="1800" b="0" strike="noStrike" spc="-1">
-              <a:solidFill>
-                <a:srgbClr val="000000"/>
-              </a:solidFill>
-              <a:latin typeface="Arial"/>
-            </a:endParaRPr>
-          </a:p>
-          <a:p>
-            <a:pPr algn="just">
-              <a:lnSpc>
-                <a:spcPct val="115000"/>
-              </a:lnSpc>
-            </a:pPr>
-            <a:endParaRPr lang="pt-BR" sz="1800" b="0" strike="noStrike" spc="-1">
-              <a:solidFill>
-                <a:srgbClr val="000000"/>
-              </a:solidFill>
-              <a:latin typeface="Arial"/>
-            </a:endParaRPr>
-          </a:p>
-          <a:p>
-            <a:pPr algn="just">
-              <a:lnSpc>
-                <a:spcPct val="115000"/>
-              </a:lnSpc>
-            </a:pPr>
+              <a:t>Para indicar que um atributo ou método é privado (ou seja, não deve ser acessado diretamente de fora da classe), utiliza-se um sublinhado duplo (__) antes do nome.</a:t>
+            </a:r>
             <a:endParaRPr lang="pt-BR" sz="1800" b="0" strike="noStrike" spc="-1">
               <a:solidFill>
                 <a:srgbClr val="000000"/>
@@ -22014,7 +22885,7 @@
       </p:sp>
       <p:pic>
         <p:nvPicPr>
-          <p:cNvPr id="298" name="Imagem 180"/>
+          <p:cNvPr id="289" name="Imagem 3"/>
           <p:cNvPicPr/>
           <p:nvPr/>
         </p:nvPicPr>
@@ -22024,8 +22895,8 @@
         </p:blipFill>
         <p:spPr>
           <a:xfrm>
-            <a:off x="360000" y="2520000"/>
-            <a:ext cx="6788880" cy="2084040"/>
+            <a:off x="2999160" y="3830400"/>
+            <a:ext cx="5180760" cy="1122840"/>
           </a:xfrm>
           <a:prstGeom prst="rect">
             <a:avLst/>
@@ -22062,7 +22933,7 @@
       </p:grpSpPr>
       <p:sp>
         <p:nvSpPr>
-          <p:cNvPr id="299" name="Título 9"/>
+          <p:cNvPr id="290" name="Título 43"/>
           <p:cNvSpPr/>
           <p:nvPr/>
         </p:nvSpPr>
@@ -22123,7 +22994,7 @@
       </p:sp>
       <p:pic>
         <p:nvPicPr>
-          <p:cNvPr id="300" name="Imagem 13"/>
+          <p:cNvPr id="291" name="Imagem 43"/>
           <p:cNvPicPr/>
           <p:nvPr/>
         </p:nvPicPr>
@@ -22146,14 +23017,14 @@
       </p:pic>
       <p:sp>
         <p:nvSpPr>
-          <p:cNvPr id="301" name="CaixaDeTexto 8"/>
+          <p:cNvPr id="292" name="CaixaDeTexto 42"/>
           <p:cNvSpPr/>
           <p:nvPr/>
         </p:nvSpPr>
         <p:spPr>
           <a:xfrm>
-            <a:off x="180000" y="720000"/>
-            <a:ext cx="7419600" cy="1981800"/>
+            <a:off x="180000" y="900000"/>
+            <a:ext cx="7419600" cy="3243240"/>
           </a:xfrm>
           <a:prstGeom prst="rect">
             <a:avLst/>
@@ -22199,7 +23070,7 @@
                 <a:latin typeface="Arial"/>
                 <a:ea typeface="Calibri"/>
               </a:rPr>
-              <a:t>Problema 6:</a:t>
+              <a:t>Problema 4:</a:t>
             </a:r>
             <a:endParaRPr lang="pt-BR" sz="1800" b="0" strike="noStrike" spc="-1">
               <a:solidFill>
@@ -22227,7 +23098,7 @@
                 <a:latin typeface="Arial"/>
                 <a:ea typeface="Calibri"/>
               </a:rPr>
-              <a:t>Atualize a classe ContaBancaria, agora com </a:t>
+              <a:t>Crie uma classe ContaBancaria com:</a:t>
             </a:r>
             <a:endParaRPr lang="pt-BR" sz="1800" b="0" strike="noStrike" spc="-1">
               <a:solidFill>
@@ -22237,16 +23108,15 @@
             </a:endParaRPr>
           </a:p>
           <a:p>
-            <a:pPr marL="864000" lvl="3" indent="-216000" algn="just">
+            <a:pPr marL="1130400" lvl="2" indent="-216000" algn="just">
               <a:lnSpc>
                 <a:spcPct val="115000"/>
               </a:lnSpc>
               <a:buClr>
                 <a:srgbClr val="000000"/>
               </a:buClr>
-              <a:buSzPct val="45000"/>
-              <a:buFont typeface="Wingdings" charset="2"/>
-              <a:buChar char=""/>
+              <a:buFont typeface="Arial"/>
+              <a:buChar char="●"/>
             </a:pPr>
             <a:r>
               <a:rPr lang="pt-BR" sz="1800" b="0" strike="noStrike" spc="-1">
@@ -22256,7 +23126,7 @@
                 <a:latin typeface="Arial"/>
                 <a:ea typeface="Calibri"/>
               </a:rPr>
-              <a:t>histórico de movim. (valor, data e hora, observação, tipo)</a:t>
+              <a:t>Atributo privado saldo (inicial 0).</a:t>
             </a:r>
             <a:endParaRPr lang="pt-BR" sz="1800" b="0" strike="noStrike" spc="-1">
               <a:solidFill>
@@ -22266,16 +23136,15 @@
             </a:endParaRPr>
           </a:p>
           <a:p>
-            <a:pPr marL="864000" lvl="3" indent="-216000" algn="just">
+            <a:pPr marL="1130400" lvl="2" indent="-216000" algn="just">
               <a:lnSpc>
                 <a:spcPct val="115000"/>
               </a:lnSpc>
               <a:buClr>
                 <a:srgbClr val="000000"/>
               </a:buClr>
-              <a:buSzPct val="45000"/>
-              <a:buFont typeface="Wingdings" charset="2"/>
-              <a:buChar char=""/>
+              <a:buFont typeface="Arial"/>
+              <a:buChar char="●"/>
             </a:pPr>
             <a:r>
               <a:rPr lang="pt-BR" sz="1800" b="0" strike="noStrike" spc="-1">
@@ -22285,7 +23154,7 @@
                 <a:latin typeface="Arial"/>
                 <a:ea typeface="Calibri"/>
               </a:rPr>
-              <a:t>método extrato()</a:t>
+              <a:t>Método depositar(valor) que adiciona ao saldo.</a:t>
             </a:r>
             <a:endParaRPr lang="pt-BR" sz="1800" b="0" strike="noStrike" spc="-1">
               <a:solidFill>
@@ -22295,6 +23164,62 @@
             </a:endParaRPr>
           </a:p>
           <a:p>
+            <a:pPr marL="1130400" lvl="2" indent="-216000" algn="just">
+              <a:lnSpc>
+                <a:spcPct val="115000"/>
+              </a:lnSpc>
+              <a:buClr>
+                <a:srgbClr val="000000"/>
+              </a:buClr>
+              <a:buFont typeface="Arial"/>
+              <a:buChar char="●"/>
+            </a:pPr>
+            <a:r>
+              <a:rPr lang="pt-BR" sz="1800" b="0" strike="noStrike" spc="-1">
+                <a:solidFill>
+                  <a:srgbClr val="01498E"/>
+                </a:solidFill>
+                <a:latin typeface="Arial"/>
+                <a:ea typeface="Calibri"/>
+              </a:rPr>
+              <a:t>Método sacar(valor) que verifica se há saldo suficiente.</a:t>
+            </a:r>
+            <a:endParaRPr lang="pt-BR" sz="1800" b="0" strike="noStrike" spc="-1">
+              <a:solidFill>
+                <a:srgbClr val="000000"/>
+              </a:solidFill>
+              <a:latin typeface="Arial"/>
+            </a:endParaRPr>
+          </a:p>
+          <a:p>
+            <a:pPr marL="1130400" lvl="2" indent="-216000" algn="just">
+              <a:lnSpc>
+                <a:spcPct val="115000"/>
+              </a:lnSpc>
+              <a:buClr>
+                <a:srgbClr val="000000"/>
+              </a:buClr>
+              <a:buFont typeface="Arial"/>
+              <a:buChar char="●"/>
+            </a:pPr>
+            <a:r>
+              <a:rPr lang="pt-BR" sz="1800" b="0" strike="noStrike" spc="-1">
+                <a:solidFill>
+                  <a:srgbClr val="01498E"/>
+                </a:solidFill>
+                <a:latin typeface="Arial"/>
+                <a:ea typeface="Calibri"/>
+              </a:rPr>
+              <a:t>Método ver_saldo() que retorna o saldo.</a:t>
+            </a:r>
+            <a:endParaRPr lang="pt-BR" sz="1800" b="0" strike="noStrike" spc="-1">
+              <a:solidFill>
+                <a:srgbClr val="000000"/>
+              </a:solidFill>
+              <a:latin typeface="Arial"/>
+            </a:endParaRPr>
+          </a:p>
+          <a:p>
             <a:pPr algn="just">
               <a:lnSpc>
                 <a:spcPct val="115000"/>
@@ -22320,8 +23245,57 @@
               <a:latin typeface="Arial"/>
             </a:endParaRPr>
           </a:p>
-        </p:txBody>
-      </p:sp>
+          <a:p>
+            <a:pPr algn="just">
+              <a:lnSpc>
+                <a:spcPct val="115000"/>
+              </a:lnSpc>
+            </a:pPr>
+            <a:endParaRPr lang="pt-BR" sz="1800" b="0" strike="noStrike" spc="-1">
+              <a:solidFill>
+                <a:srgbClr val="000000"/>
+              </a:solidFill>
+              <a:latin typeface="Arial"/>
+            </a:endParaRPr>
+          </a:p>
+          <a:p>
+            <a:pPr algn="just">
+              <a:lnSpc>
+                <a:spcPct val="115000"/>
+              </a:lnSpc>
+            </a:pPr>
+            <a:endParaRPr lang="pt-BR" sz="1800" b="0" strike="noStrike" spc="-1">
+              <a:solidFill>
+                <a:srgbClr val="000000"/>
+              </a:solidFill>
+              <a:latin typeface="Arial"/>
+            </a:endParaRPr>
+          </a:p>
+        </p:txBody>
+      </p:sp>
+      <p:pic>
+        <p:nvPicPr>
+          <p:cNvPr id="293" name="Imagem 175"/>
+          <p:cNvPicPr/>
+          <p:nvPr/>
+        </p:nvPicPr>
+        <p:blipFill>
+          <a:blip r:embed="rId3"/>
+          <a:stretch/>
+        </p:blipFill>
+        <p:spPr>
+          <a:xfrm>
+            <a:off x="180000" y="3365280"/>
+            <a:ext cx="6827040" cy="1493640"/>
+          </a:xfrm>
+          <a:prstGeom prst="rect">
+            <a:avLst/>
+          </a:prstGeom>
+          <a:ln w="0">
+            <a:noFill/>
+          </a:ln>
+        </p:spPr>
+      </p:pic>
     </p:spTree>
   </p:cSld>
   <p:clrMapOvr>
@@ -22698,7 +23672,7 @@
       </p:grpSpPr>
       <p:pic>
         <p:nvPicPr>
-          <p:cNvPr id="302" name="Imagem 184"/>
+          <p:cNvPr id="294" name="Imagem 2"/>
           <p:cNvPicPr/>
           <p:nvPr/>
         </p:nvPicPr>
@@ -22708,8 +23682,8 @@
         </p:blipFill>
         <p:spPr>
           <a:xfrm>
-            <a:off x="900000" y="670680"/>
-            <a:ext cx="7521480" cy="4188240"/>
+            <a:off x="1864080" y="0"/>
+            <a:ext cx="5414760" cy="5142240"/>
           </a:xfrm>
           <a:prstGeom prst="rect">
             <a:avLst/>
@@ -22746,7 +23720,7 @@
       </p:grpSpPr>
       <p:sp>
         <p:nvSpPr>
-          <p:cNvPr id="303" name="Título 7"/>
+          <p:cNvPr id="295" name="Título 8"/>
           <p:cNvSpPr/>
           <p:nvPr/>
         </p:nvSpPr>
@@ -22807,7 +23781,7 @@
       </p:sp>
       <p:pic>
         <p:nvPicPr>
-          <p:cNvPr id="304" name="Imagem 11"/>
+          <p:cNvPr id="296" name="Imagem 12"/>
           <p:cNvPicPr/>
           <p:nvPr/>
         </p:nvPicPr>
@@ -22830,14 +23804,14 @@
       </p:pic>
       <p:sp>
         <p:nvSpPr>
-          <p:cNvPr id="305" name="CaixaDeTexto 6"/>
+          <p:cNvPr id="297" name="CaixaDeTexto 7"/>
           <p:cNvSpPr/>
           <p:nvPr/>
         </p:nvSpPr>
         <p:spPr>
           <a:xfrm>
-            <a:off x="180000" y="720000"/>
-            <a:ext cx="7419600" cy="1981800"/>
+            <a:off x="180000" y="900000"/>
+            <a:ext cx="7419600" cy="2612520"/>
           </a:xfrm>
           <a:prstGeom prst="rect">
             <a:avLst/>
@@ -22883,7 +23857,7 @@
                 <a:latin typeface="Arial"/>
                 <a:ea typeface="Calibri"/>
               </a:rPr>
-              <a:t>Problema 6:</a:t>
+              <a:t>Problema 5:</a:t>
             </a:r>
             <a:endParaRPr lang="pt-BR" sz="1800" b="0" strike="noStrike" spc="-1">
               <a:solidFill>
@@ -22911,7 +23885,30 @@
                 <a:latin typeface="Arial"/>
                 <a:ea typeface="Calibri"/>
               </a:rPr>
-              <a:t>Atualize a classe ContaBancaria, agora com </a:t>
+              <a:t>Atualize a classe conta bancaria para levantar erros usando </a:t>
+            </a:r>
+            <a:r>
+              <a:rPr lang="pt-BR" sz="1800" b="0" strike="noStrike" spc="-1">
+                <a:solidFill>
+                  <a:srgbClr val="01498E"/>
+                </a:solidFill>
+                <a:highlight>
+                  <a:srgbClr val="FFFF00"/>
+                </a:highlight>
+                <a:latin typeface="Arial"/>
+                <a:ea typeface="Calibri"/>
+              </a:rPr>
+              <a:t>raise ValueError(“msg”)</a:t>
+            </a:r>
+            <a:r>
+              <a:rPr lang="pt-BR" sz="1800" b="0" strike="noStrike" spc="-1">
+                <a:solidFill>
+                  <a:srgbClr val="01498E"/>
+                </a:solidFill>
+                <a:latin typeface="Arial"/>
+                <a:ea typeface="Calibri"/>
+              </a:rPr>
+              <a:t> em caso de erros (valor negativo ou s/ saldo)</a:t>
             </a:r>
             <a:endParaRPr lang="pt-BR" sz="1800" b="0" strike="noStrike" spc="-1">
               <a:solidFill>
@@ -22921,27 +23918,11 @@
             </a:endParaRPr>
           </a:p>
           <a:p>
-            <a:pPr marL="864000" lvl="3" indent="-216000" algn="just">
-              <a:lnSpc>
-                <a:spcPct val="115000"/>
-              </a:lnSpc>
-              <a:buClr>
-                <a:srgbClr val="000000"/>
-              </a:buClr>
-              <a:buSzPct val="45000"/>
-              <a:buFont typeface="Wingdings" charset="2"/>
-              <a:buChar char=""/>
-            </a:pPr>
-            <a:r>
-              <a:rPr lang="pt-BR" sz="1800" b="0" strike="noStrike" spc="-1">
-                <a:solidFill>
-                  <a:srgbClr val="01498E"/>
-                </a:solidFill>
-                <a:latin typeface="Arial"/>
-                <a:ea typeface="Calibri"/>
-              </a:rPr>
-              <a:t>histórico de movim. (valor, data e hora, observação, tipo)</a:t>
-            </a:r>
+            <a:pPr algn="just">
+              <a:lnSpc>
+                <a:spcPct val="115000"/>
+              </a:lnSpc>
+            </a:pPr>
             <a:endParaRPr lang="pt-BR" sz="1800" b="0" strike="noStrike" spc="-1">
               <a:solidFill>
                 <a:srgbClr val="000000"/>
@@ -22950,27 +23931,11 @@
             </a:endParaRPr>
           </a:p>
           <a:p>
-            <a:pPr marL="864000" lvl="3" indent="-216000" algn="just">
-              <a:lnSpc>
-                <a:spcPct val="115000"/>
-              </a:lnSpc>
-              <a:buClr>
-                <a:srgbClr val="000000"/>
-              </a:buClr>
-              <a:buSzPct val="45000"/>
-              <a:buFont typeface="Wingdings" charset="2"/>
-              <a:buChar char=""/>
-            </a:pPr>
-            <a:r>
-              <a:rPr lang="pt-BR" sz="1800" b="0" strike="noStrike" spc="-1">
-                <a:solidFill>
-                  <a:srgbClr val="01498E"/>
-                </a:solidFill>
-                <a:latin typeface="Arial"/>
-                <a:ea typeface="Calibri"/>
-              </a:rPr>
-              <a:t>método extrato()</a:t>
-            </a:r>
+            <a:pPr algn="just">
+              <a:lnSpc>
+                <a:spcPct val="115000"/>
+              </a:lnSpc>
+            </a:pPr>
             <a:endParaRPr lang="pt-BR" sz="1800" b="0" strike="noStrike" spc="-1">
               <a:solidFill>
                 <a:srgbClr val="000000"/>
@@ -23008,7 +23973,7 @@
       </p:sp>
       <p:pic>
         <p:nvPicPr>
-          <p:cNvPr id="306" name="Imagem 188"/>
+          <p:cNvPr id="298" name="Imagem 180"/>
           <p:cNvPicPr/>
           <p:nvPr/>
         </p:nvPicPr>
@@ -23018,31 +23983,8 @@
         </p:blipFill>
         <p:spPr>
           <a:xfrm>
-            <a:off x="-3240" y="2024280"/>
-            <a:ext cx="6158160" cy="1790640"/>
-          </a:xfrm>
-          <a:prstGeom prst="rect">
-            <a:avLst/>
-          </a:prstGeom>
-          <a:ln w="0">
-            <a:noFill/>
-          </a:ln>
-        </p:spPr>
-      </p:pic>
-      <p:pic>
-        <p:nvPicPr>
-          <p:cNvPr id="307" name="Imagem 189"/>
-          <p:cNvPicPr/>
-          <p:nvPr/>
-        </p:nvPicPr>
-        <p:blipFill>
-          <a:blip r:embed="rId4"/>
-          <a:stretch/>
-        </p:blipFill>
-        <p:spPr>
-          <a:xfrm>
-            <a:off x="1296000" y="3830040"/>
-            <a:ext cx="7836480" cy="1312560"/>
+            <a:off x="360000" y="2520000"/>
+            <a:ext cx="6788880" cy="2084040"/>
           </a:xfrm>
           <a:prstGeom prst="rect">
             <a:avLst/>
@@ -23077,6 +24019,268 @@
           <a:chExt cx="0" cy="0"/>
         </a:xfrm>
       </p:grpSpPr>
+      <p:sp>
+        <p:nvSpPr>
+          <p:cNvPr id="299" name="Título 9"/>
+          <p:cNvSpPr/>
+          <p:nvPr/>
+        </p:nvSpPr>
+        <p:spPr>
+          <a:xfrm>
+            <a:off x="291960" y="32040"/>
+            <a:ext cx="5587560" cy="900000"/>
+          </a:xfrm>
+          <a:prstGeom prst="rect">
+            <a:avLst/>
+          </a:prstGeom>
+          <a:noFill/>
+          <a:ln w="0">
+            <a:noFill/>
+          </a:ln>
+        </p:spPr>
+        <p:style>
+          <a:lnRef idx="0">
+            <a:scrgbClr r="0" g="0" b="0"/>
+          </a:lnRef>
+          <a:fillRef idx="0">
+            <a:scrgbClr r="0" g="0" b="0"/>
+          </a:fillRef>
+          <a:effectRef idx="0">
+            <a:scrgbClr r="0" g="0" b="0"/>
+          </a:effectRef>
+          <a:fontRef idx="minor"/>
+        </p:style>
+        <p:txBody>
+          <a:bodyPr lIns="90000" tIns="91440" rIns="90000" bIns="91440" anchor="t">
+            <a:noAutofit/>
+          </a:bodyPr>
+          <a:lstStyle/>
+          <a:p>
+            <a:pPr>
+              <a:lnSpc>
+                <a:spcPct val="100000"/>
+              </a:lnSpc>
+            </a:pPr>
+            <a:r>
+              <a:rPr lang="pt-BR" sz="5400" b="1" strike="noStrike" spc="-1">
+                <a:solidFill>
+                  <a:srgbClr val="002060"/>
+                </a:solidFill>
+                <a:latin typeface="Overpass"/>
+                <a:ea typeface="Overpass"/>
+              </a:rPr>
+              <a:t>Let’s Work</a:t>
+            </a:r>
+            <a:endParaRPr lang="pt-BR" sz="5400" b="0" strike="noStrike" spc="-1">
+              <a:solidFill>
+                <a:srgbClr val="000000"/>
+              </a:solidFill>
+              <a:latin typeface="Arial"/>
+            </a:endParaRPr>
+          </a:p>
+        </p:txBody>
+      </p:sp>
+      <p:pic>
+        <p:nvPicPr>
+          <p:cNvPr id="300" name="Imagem 13"/>
+          <p:cNvPicPr/>
+          <p:nvPr/>
+        </p:nvPicPr>
+        <p:blipFill>
+          <a:blip r:embed="rId2"/>
+          <a:stretch/>
+        </p:blipFill>
+        <p:spPr>
+          <a:xfrm rot="5400000">
+            <a:off x="7714440" y="-111600"/>
+            <a:ext cx="2973960" cy="3197880"/>
+          </a:xfrm>
+          <a:prstGeom prst="rect">
+            <a:avLst/>
+          </a:prstGeom>
+          <a:ln w="0">
+            <a:noFill/>
+          </a:ln>
+        </p:spPr>
+      </p:pic>
+      <p:sp>
+        <p:nvSpPr>
+          <p:cNvPr id="301" name="CaixaDeTexto 8"/>
+          <p:cNvSpPr/>
+          <p:nvPr/>
+        </p:nvSpPr>
+        <p:spPr>
+          <a:xfrm>
+            <a:off x="180000" y="720000"/>
+            <a:ext cx="7419600" cy="1981800"/>
+          </a:xfrm>
+          <a:prstGeom prst="rect">
+            <a:avLst/>
+          </a:prstGeom>
+          <a:noFill/>
+          <a:ln w="0">
+            <a:noFill/>
+          </a:ln>
+        </p:spPr>
+        <p:style>
+          <a:lnRef idx="0">
+            <a:scrgbClr r="0" g="0" b="0"/>
+          </a:lnRef>
+          <a:fillRef idx="0">
+            <a:scrgbClr r="0" g="0" b="0"/>
+          </a:fillRef>
+          <a:effectRef idx="0">
+            <a:scrgbClr r="0" g="0" b="0"/>
+          </a:effectRef>
+          <a:fontRef idx="minor"/>
+        </p:style>
+        <p:txBody>
+          <a:bodyPr lIns="90000" tIns="45000" rIns="90000" bIns="45000" anchor="t">
+            <a:spAutoFit/>
+          </a:bodyPr>
+          <a:lstStyle/>
+          <a:p>
+            <a:pPr marL="216000" indent="-216000" algn="just">
+              <a:lnSpc>
+                <a:spcPct val="115000"/>
+              </a:lnSpc>
+              <a:buClr>
+                <a:srgbClr val="000000"/>
+              </a:buClr>
+              <a:buFont typeface="Arial"/>
+              <a:buChar char="●"/>
+            </a:pPr>
+            <a:r>
+              <a:rPr lang="pt-BR" sz="1800" b="0" strike="noStrike" spc="-1">
+                <a:solidFill>
+                  <a:srgbClr val="01498E"/>
+                </a:solidFill>
+                <a:latin typeface="Arial"/>
+                <a:ea typeface="Calibri"/>
+              </a:rPr>
+              <a:t>Problema 6:</a:t>
+            </a:r>
+            <a:endParaRPr lang="pt-BR" sz="1800" b="0" strike="noStrike" spc="-1">
+              <a:solidFill>
+                <a:srgbClr val="000000"/>
+              </a:solidFill>
+              <a:latin typeface="Arial"/>
+            </a:endParaRPr>
+          </a:p>
+          <a:p>
+            <a:pPr marL="673200" lvl="1" indent="-216000" algn="just">
+              <a:lnSpc>
+                <a:spcPct val="115000"/>
+              </a:lnSpc>
+              <a:buClr>
+                <a:srgbClr val="000000"/>
+              </a:buClr>
+              <a:buFont typeface="Arial"/>
+              <a:buChar char="●"/>
+            </a:pPr>
+            <a:r>
+              <a:rPr lang="pt-BR" sz="1800" b="0" strike="noStrike" spc="-1">
+                <a:solidFill>
+                  <a:srgbClr val="01498E"/>
+                </a:solidFill>
+                <a:latin typeface="Arial"/>
+                <a:ea typeface="Calibri"/>
+              </a:rPr>
+              <a:t>Atualize a classe ContaBancaria, agora com </a:t>
+            </a:r>
+            <a:endParaRPr lang="pt-BR" sz="1800" b="0" strike="noStrike" spc="-1">
+              <a:solidFill>
+                <a:srgbClr val="000000"/>
+              </a:solidFill>
+              <a:latin typeface="Arial"/>
+            </a:endParaRPr>
+          </a:p>
+          <a:p>
+            <a:pPr marL="864000" lvl="3" indent="-216000" algn="just">
+              <a:lnSpc>
+                <a:spcPct val="115000"/>
+              </a:lnSpc>
+              <a:buClr>
+                <a:srgbClr val="000000"/>
+              </a:buClr>
+              <a:buSzPct val="45000"/>
+              <a:buFont typeface="Wingdings" charset="2"/>
+              <a:buChar char=""/>
+            </a:pPr>
+            <a:r>
+              <a:rPr lang="pt-BR" sz="1800" b="0" strike="noStrike" spc="-1">
+                <a:solidFill>
+                  <a:srgbClr val="01498E"/>
+                </a:solidFill>
+                <a:latin typeface="Arial"/>
+                <a:ea typeface="Calibri"/>
+              </a:rPr>
+              <a:t>histórico de movim. (valor, data e hora, observação, tipo)</a:t>
+            </a:r>
+            <a:endParaRPr lang="pt-BR" sz="1800" b="0" strike="noStrike" spc="-1">
+              <a:solidFill>
+                <a:srgbClr val="000000"/>
+              </a:solidFill>
+              <a:latin typeface="Arial"/>
+            </a:endParaRPr>
+          </a:p>
+          <a:p>
+            <a:pPr marL="864000" lvl="3" indent="-216000" algn="just">
+              <a:lnSpc>
+                <a:spcPct val="115000"/>
+              </a:lnSpc>
+              <a:buClr>
+                <a:srgbClr val="000000"/>
+              </a:buClr>
+              <a:buSzPct val="45000"/>
+              <a:buFont typeface="Wingdings" charset="2"/>
+              <a:buChar char=""/>
+            </a:pPr>
+            <a:r>
+              <a:rPr lang="pt-BR" sz="1800" b="0" strike="noStrike" spc="-1">
+                <a:solidFill>
+                  <a:srgbClr val="01498E"/>
+                </a:solidFill>
+                <a:latin typeface="Arial"/>
+                <a:ea typeface="Calibri"/>
+              </a:rPr>
+              <a:t>método extrato()</a:t>
+            </a:r>
+            <a:endParaRPr lang="pt-BR" sz="1800" b="0" strike="noStrike" spc="-1">
+              <a:solidFill>
+                <a:srgbClr val="000000"/>
+              </a:solidFill>
+              <a:latin typeface="Arial"/>
+            </a:endParaRPr>
+          </a:p>
+          <a:p>
+            <a:pPr algn="just">
+              <a:lnSpc>
+                <a:spcPct val="115000"/>
+              </a:lnSpc>
+            </a:pPr>
+            <a:endParaRPr lang="pt-BR" sz="1800" b="0" strike="noStrike" spc="-1">
+              <a:solidFill>
+                <a:srgbClr val="000000"/>
+              </a:solidFill>
+              <a:latin typeface="Arial"/>
+            </a:endParaRPr>
+          </a:p>
+          <a:p>
+            <a:pPr algn="just">
+              <a:lnSpc>
+                <a:spcPct val="115000"/>
+              </a:lnSpc>
+            </a:pPr>
+            <a:endParaRPr lang="pt-BR" sz="1800" b="0" strike="noStrike" spc="-1">
+              <a:solidFill>
+                <a:srgbClr val="000000"/>
+              </a:solidFill>
+              <a:latin typeface="Arial"/>
+            </a:endParaRPr>
+          </a:p>
+        </p:txBody>
+      </p:sp>
     </p:spTree>
   </p:cSld>
   <p:clrMapOvr>
@@ -23102,70 +24306,9 @@
           <a:chExt cx="0" cy="0"/>
         </a:xfrm>
       </p:grpSpPr>
-      <p:sp>
-        <p:nvSpPr>
-          <p:cNvPr id="308" name="Título 43"/>
-          <p:cNvSpPr/>
-          <p:nvPr/>
-        </p:nvSpPr>
-        <p:spPr>
-          <a:xfrm>
-            <a:off x="291960" y="32040"/>
-            <a:ext cx="5587560" cy="900000"/>
-          </a:xfrm>
-          <a:prstGeom prst="rect">
-            <a:avLst/>
-          </a:prstGeom>
-          <a:noFill/>
-          <a:ln w="0">
-            <a:noFill/>
-          </a:ln>
-        </p:spPr>
-        <p:style>
-          <a:lnRef idx="0">
-            <a:scrgbClr r="0" g="0" b="0"/>
-          </a:lnRef>
-          <a:fillRef idx="0">
-            <a:scrgbClr r="0" g="0" b="0"/>
-          </a:fillRef>
-          <a:effectRef idx="0">
-            <a:scrgbClr r="0" g="0" b="0"/>
-          </a:effectRef>
-          <a:fontRef idx="minor"/>
-        </p:style>
-        <p:txBody>
-          <a:bodyPr lIns="90000" tIns="91440" rIns="90000" bIns="91440" anchor="t">
-            <a:noAutofit/>
-          </a:bodyPr>
-          <a:lstStyle/>
-          <a:p>
-            <a:pPr>
-              <a:lnSpc>
-                <a:spcPct val="100000"/>
-              </a:lnSpc>
-            </a:pPr>
-            <a:r>
-              <a:rPr lang="pt-BR" sz="5400" b="1" strike="noStrike" spc="-1">
-                <a:solidFill>
-                  <a:srgbClr val="002060"/>
-                </a:solidFill>
-                <a:latin typeface="Overpass"/>
-                <a:ea typeface="Overpass"/>
-              </a:rPr>
-              <a:t>Let’s Work</a:t>
-            </a:r>
-            <a:endParaRPr lang="pt-BR" sz="5400" b="0" strike="noStrike" spc="-1">
-              <a:solidFill>
-                <a:srgbClr val="000000"/>
-              </a:solidFill>
-              <a:latin typeface="Arial"/>
-            </a:endParaRPr>
-          </a:p>
-        </p:txBody>
-      </p:sp>
       <p:pic>
         <p:nvPicPr>
-          <p:cNvPr id="309" name="Imagem 43"/>
+          <p:cNvPr id="302" name="Imagem 184"/>
           <p:cNvPicPr/>
           <p:nvPr/>
         </p:nvPicPr>
@@ -23174,195 +24317,9 @@
           <a:stretch/>
         </p:blipFill>
         <p:spPr>
-          <a:xfrm rot="5400000">
-            <a:off x="7714440" y="-111600"/>
-            <a:ext cx="2973960" cy="3197880"/>
-          </a:xfrm>
-          <a:prstGeom prst="rect">
-            <a:avLst/>
-          </a:prstGeom>
-          <a:ln w="0">
-            <a:noFill/>
-          </a:ln>
-        </p:spPr>
-      </p:pic>
-      <p:sp>
-        <p:nvSpPr>
-          <p:cNvPr id="310" name="CaixaDeTexto 42"/>
-          <p:cNvSpPr/>
-          <p:nvPr/>
-        </p:nvSpPr>
-        <p:spPr>
-          <a:xfrm>
-            <a:off x="180000" y="900000"/>
-            <a:ext cx="7419600" cy="2297160"/>
-          </a:xfrm>
-          <a:prstGeom prst="rect">
-            <a:avLst/>
-          </a:prstGeom>
-          <a:noFill/>
-          <a:ln w="0">
-            <a:noFill/>
-          </a:ln>
-        </p:spPr>
-        <p:style>
-          <a:lnRef idx="0">
-            <a:scrgbClr r="0" g="0" b="0"/>
-          </a:lnRef>
-          <a:fillRef idx="0">
-            <a:scrgbClr r="0" g="0" b="0"/>
-          </a:fillRef>
-          <a:effectRef idx="0">
-            <a:scrgbClr r="0" g="0" b="0"/>
-          </a:effectRef>
-          <a:fontRef idx="minor"/>
-        </p:style>
-        <p:txBody>
-          <a:bodyPr lIns="90000" tIns="45000" rIns="90000" bIns="45000" anchor="t">
-            <a:spAutoFit/>
-          </a:bodyPr>
-          <a:lstStyle/>
-          <a:p>
-            <a:pPr marL="216000" indent="-216000" algn="just">
-              <a:lnSpc>
-                <a:spcPct val="115000"/>
-              </a:lnSpc>
-              <a:buClr>
-                <a:srgbClr val="000000"/>
-              </a:buClr>
-              <a:buFont typeface="Arial"/>
-              <a:buChar char="●"/>
-            </a:pPr>
-            <a:r>
-              <a:rPr lang="pt-BR" sz="1800" b="0" strike="noStrike" spc="-1">
-                <a:solidFill>
-                  <a:srgbClr val="01498E"/>
-                </a:solidFill>
-                <a:latin typeface="Arial"/>
-                <a:ea typeface="Calibri"/>
-              </a:rPr>
-              <a:t>Problema 7:</a:t>
-            </a:r>
-            <a:endParaRPr lang="pt-BR" sz="1800" b="0" strike="noStrike" spc="-1">
-              <a:solidFill>
-                <a:srgbClr val="000000"/>
-              </a:solidFill>
-              <a:latin typeface="Arial"/>
-            </a:endParaRPr>
-          </a:p>
-          <a:p>
-            <a:pPr marL="673200" lvl="1" indent="-216000" algn="just">
-              <a:lnSpc>
-                <a:spcPct val="115000"/>
-              </a:lnSpc>
-              <a:buClr>
-                <a:srgbClr val="000000"/>
-              </a:buClr>
-              <a:buFont typeface="Arial"/>
-              <a:buChar char="●"/>
-            </a:pPr>
-            <a:r>
-              <a:rPr lang="pt-BR" sz="1800" b="0" strike="noStrike" spc="-1">
-                <a:solidFill>
-                  <a:srgbClr val="01498E"/>
-                </a:solidFill>
-                <a:latin typeface="Arial"/>
-                <a:ea typeface="Calibri"/>
-              </a:rPr>
-              <a:t>Crie uma classe Biblioteca que contém uma lista de objetos Livro.</a:t>
-            </a:r>
-            <a:endParaRPr lang="pt-BR" sz="1800" b="0" strike="noStrike" spc="-1">
-              <a:solidFill>
-                <a:srgbClr val="000000"/>
-              </a:solidFill>
-              <a:latin typeface="Arial"/>
-            </a:endParaRPr>
-          </a:p>
-          <a:p>
-            <a:pPr marL="673200" lvl="1" indent="-216000" algn="just">
-              <a:lnSpc>
-                <a:spcPct val="115000"/>
-              </a:lnSpc>
-              <a:buClr>
-                <a:srgbClr val="000000"/>
-              </a:buClr>
-              <a:buFont typeface="Arial"/>
-              <a:buChar char="●"/>
-            </a:pPr>
-            <a:r>
-              <a:rPr lang="pt-BR" sz="1800" b="0" strike="noStrike" spc="-1">
-                <a:solidFill>
-                  <a:srgbClr val="01498E"/>
-                </a:solidFill>
-                <a:latin typeface="Arial"/>
-                <a:ea typeface="Calibri"/>
-              </a:rPr>
-              <a:t>A classe Livro tem titulo e autor.</a:t>
-            </a:r>
-            <a:endParaRPr lang="pt-BR" sz="1800" b="0" strike="noStrike" spc="-1">
-              <a:solidFill>
-                <a:srgbClr val="000000"/>
-              </a:solidFill>
-              <a:latin typeface="Arial"/>
-            </a:endParaRPr>
-          </a:p>
-          <a:p>
-            <a:pPr marL="673200" lvl="1" indent="-216000" algn="just">
-              <a:lnSpc>
-                <a:spcPct val="115000"/>
-              </a:lnSpc>
-              <a:buClr>
-                <a:srgbClr val="000000"/>
-              </a:buClr>
-              <a:buFont typeface="Arial"/>
-              <a:buChar char="●"/>
-            </a:pPr>
-            <a:r>
-              <a:rPr lang="pt-BR" sz="1800" b="0" strike="noStrike" spc="-1">
-                <a:solidFill>
-                  <a:srgbClr val="01498E"/>
-                </a:solidFill>
-                <a:latin typeface="Arial"/>
-                <a:ea typeface="Calibri"/>
-              </a:rPr>
-              <a:t>A classe Biblioteca deve ter métodos para adicionar, remover e listar livros.</a:t>
-            </a:r>
-            <a:endParaRPr lang="pt-BR" sz="1800" b="0" strike="noStrike" spc="-1">
-              <a:solidFill>
-                <a:srgbClr val="000000"/>
-              </a:solidFill>
-              <a:latin typeface="Arial"/>
-            </a:endParaRPr>
-          </a:p>
-          <a:p>
-            <a:pPr algn="just">
-              <a:lnSpc>
-                <a:spcPct val="115000"/>
-              </a:lnSpc>
-            </a:pPr>
-            <a:endParaRPr lang="pt-BR" sz="1800" b="0" strike="noStrike" spc="-1">
-              <a:solidFill>
-                <a:srgbClr val="000000"/>
-              </a:solidFill>
-              <a:latin typeface="Arial"/>
-            </a:endParaRPr>
-          </a:p>
-        </p:txBody>
-      </p:sp>
-      <p:pic>
-        <p:nvPicPr>
-          <p:cNvPr id="311" name="Imagem 193"/>
-          <p:cNvPicPr/>
-          <p:nvPr/>
-        </p:nvPicPr>
-        <p:blipFill>
-          <a:blip r:embed="rId3"/>
-          <a:stretch/>
-        </p:blipFill>
-        <p:spPr>
-          <a:xfrm>
-            <a:off x="160560" y="3060000"/>
-            <a:ext cx="7398360" cy="1388880"/>
+          <a:xfrm>
+            <a:off x="900000" y="670680"/>
+            <a:ext cx="7521480" cy="4188240"/>
           </a:xfrm>
           <a:prstGeom prst="rect">
             <a:avLst/>
@@ -23399,18 +24356,14 @@
       </p:grpSpPr>
       <p:sp>
         <p:nvSpPr>
-          <p:cNvPr id="312" name="PlaceHolder 1"/>
-          <p:cNvSpPr>
-            <a:spLocks noGrp="1"/>
-          </p:cNvSpPr>
-          <p:nvPr>
-            <p:ph type="title"/>
-          </p:nvPr>
-        </p:nvSpPr>
-        <p:spPr>
-          <a:xfrm>
-            <a:off x="457200" y="205200"/>
-            <a:ext cx="8227800" cy="857160"/>
+          <p:cNvPr id="303" name="Título 7"/>
+          <p:cNvSpPr/>
+          <p:nvPr/>
+        </p:nvSpPr>
+        <p:spPr>
+          <a:xfrm>
+            <a:off x="291960" y="32040"/>
+            <a:ext cx="5587560" cy="900000"/>
           </a:xfrm>
           <a:prstGeom prst="rect">
             <a:avLst/>
@@ -23420,57 +24373,40 @@
             <a:noFill/>
           </a:ln>
         </p:spPr>
-        <p:txBody>
-          <a:bodyPr lIns="0" tIns="0" rIns="0" bIns="0" anchor="ctr">
+        <p:style>
+          <a:lnRef idx="0">
+            <a:scrgbClr r="0" g="0" b="0"/>
+          </a:lnRef>
+          <a:fillRef idx="0">
+            <a:scrgbClr r="0" g="0" b="0"/>
+          </a:fillRef>
+          <a:effectRef idx="0">
+            <a:scrgbClr r="0" g="0" b="0"/>
+          </a:effectRef>
+          <a:fontRef idx="minor"/>
+        </p:style>
+        <p:txBody>
+          <a:bodyPr lIns="90000" tIns="91440" rIns="90000" bIns="91440" anchor="t">
             <a:noAutofit/>
           </a:bodyPr>
           <a:lstStyle/>
           <a:p>
-            <a:pPr indent="0" algn="ctr">
-              <a:buNone/>
-            </a:pPr>
-            <a:endParaRPr lang="pt-BR" sz="1800" b="0" strike="noStrike" spc="-1">
-              <a:solidFill>
-                <a:srgbClr val="000000"/>
-              </a:solidFill>
-              <a:latin typeface="Arial"/>
-            </a:endParaRPr>
-          </a:p>
-        </p:txBody>
-      </p:sp>
-      <p:sp>
-        <p:nvSpPr>
-          <p:cNvPr id="313" name="PlaceHolder 2"/>
-          <p:cNvSpPr>
-            <a:spLocks noGrp="1"/>
-          </p:cNvSpPr>
-          <p:nvPr>
-            <p:ph type="subTitle"/>
-          </p:nvPr>
-        </p:nvSpPr>
-        <p:spPr>
-          <a:xfrm>
-            <a:off x="457200" y="1203480"/>
-            <a:ext cx="8227800" cy="2981520"/>
-          </a:xfrm>
-          <a:prstGeom prst="rect">
-            <a:avLst/>
-          </a:prstGeom>
-          <a:noFill/>
-          <a:ln w="0">
-            <a:noFill/>
-          </a:ln>
-        </p:spPr>
-        <p:txBody>
-          <a:bodyPr lIns="0" tIns="0" rIns="0" bIns="0" anchor="ctr">
-            <a:noAutofit/>
-          </a:bodyPr>
-          <a:lstStyle/>
-          <a:p>
-            <a:pPr indent="0" algn="ctr">
-              <a:buNone/>
-            </a:pPr>
-            <a:endParaRPr lang="pt-BR" sz="1800" b="0" strike="noStrike" spc="-1">
+            <a:pPr>
+              <a:lnSpc>
+                <a:spcPct val="100000"/>
+              </a:lnSpc>
+            </a:pPr>
+            <a:r>
+              <a:rPr lang="pt-BR" sz="5400" b="1" strike="noStrike" spc="-1">
+                <a:solidFill>
+                  <a:srgbClr val="002060"/>
+                </a:solidFill>
+                <a:latin typeface="Overpass"/>
+                <a:ea typeface="Overpass"/>
+              </a:rPr>
+              <a:t>Let’s Work</a:t>
+            </a:r>
+            <a:endParaRPr lang="pt-BR" sz="5400" b="0" strike="noStrike" spc="-1">
               <a:solidFill>
                 <a:srgbClr val="000000"/>
               </a:solidFill>
@@ -23481,7 +24417,7 @@
       </p:sp>
       <p:pic>
         <p:nvPicPr>
-          <p:cNvPr id="314" name="Imagem 4"/>
+          <p:cNvPr id="304" name="Imagem 11"/>
           <p:cNvPicPr/>
           <p:nvPr/>
         </p:nvPicPr>
@@ -23490,9 +24426,233 @@
           <a:stretch/>
         </p:blipFill>
         <p:spPr>
-          <a:xfrm>
-            <a:off x="1355760" y="0"/>
-            <a:ext cx="6431400" cy="5142240"/>
+          <a:xfrm rot="5400000">
+            <a:off x="7714440" y="-111600"/>
+            <a:ext cx="2973960" cy="3197880"/>
+          </a:xfrm>
+          <a:prstGeom prst="rect">
+            <a:avLst/>
+          </a:prstGeom>
+          <a:ln w="0">
+            <a:noFill/>
+          </a:ln>
+        </p:spPr>
+      </p:pic>
+      <p:sp>
+        <p:nvSpPr>
+          <p:cNvPr id="305" name="CaixaDeTexto 6"/>
+          <p:cNvSpPr/>
+          <p:nvPr/>
+        </p:nvSpPr>
+        <p:spPr>
+          <a:xfrm>
+            <a:off x="180000" y="720000"/>
+            <a:ext cx="7419600" cy="1981800"/>
+          </a:xfrm>
+          <a:prstGeom prst="rect">
+            <a:avLst/>
+          </a:prstGeom>
+          <a:noFill/>
+          <a:ln w="0">
+            <a:noFill/>
+          </a:ln>
+        </p:spPr>
+        <p:style>
+          <a:lnRef idx="0">
+            <a:scrgbClr r="0" g="0" b="0"/>
+          </a:lnRef>
+          <a:fillRef idx="0">
+            <a:scrgbClr r="0" g="0" b="0"/>
+          </a:fillRef>
+          <a:effectRef idx="0">
+            <a:scrgbClr r="0" g="0" b="0"/>
+          </a:effectRef>
+          <a:fontRef idx="minor"/>
+        </p:style>
+        <p:txBody>
+          <a:bodyPr lIns="90000" tIns="45000" rIns="90000" bIns="45000" anchor="t">
+            <a:spAutoFit/>
+          </a:bodyPr>
+          <a:lstStyle/>
+          <a:p>
+            <a:pPr marL="216000" indent="-216000" algn="just">
+              <a:lnSpc>
+                <a:spcPct val="115000"/>
+              </a:lnSpc>
+              <a:buClr>
+                <a:srgbClr val="000000"/>
+              </a:buClr>
+              <a:buFont typeface="Arial"/>
+              <a:buChar char="●"/>
+            </a:pPr>
+            <a:r>
+              <a:rPr lang="pt-BR" sz="1800" b="0" strike="noStrike" spc="-1">
+                <a:solidFill>
+                  <a:srgbClr val="01498E"/>
+                </a:solidFill>
+                <a:latin typeface="Arial"/>
+                <a:ea typeface="Calibri"/>
+              </a:rPr>
+              <a:t>Problema 6:</a:t>
+            </a:r>
+            <a:endParaRPr lang="pt-BR" sz="1800" b="0" strike="noStrike" spc="-1">
+              <a:solidFill>
+                <a:srgbClr val="000000"/>
+              </a:solidFill>
+              <a:latin typeface="Arial"/>
+            </a:endParaRPr>
+          </a:p>
+          <a:p>
+            <a:pPr marL="673200" lvl="1" indent="-216000" algn="just">
+              <a:lnSpc>
+                <a:spcPct val="115000"/>
+              </a:lnSpc>
+              <a:buClr>
+                <a:srgbClr val="000000"/>
+              </a:buClr>
+              <a:buFont typeface="Arial"/>
+              <a:buChar char="●"/>
+            </a:pPr>
+            <a:r>
+              <a:rPr lang="pt-BR" sz="1800" b="0" strike="noStrike" spc="-1">
+                <a:solidFill>
+                  <a:srgbClr val="01498E"/>
+                </a:solidFill>
+                <a:latin typeface="Arial"/>
+                <a:ea typeface="Calibri"/>
+              </a:rPr>
+              <a:t>Atualize a classe ContaBancaria, agora com </a:t>
+            </a:r>
+            <a:endParaRPr lang="pt-BR" sz="1800" b="0" strike="noStrike" spc="-1">
+              <a:solidFill>
+                <a:srgbClr val="000000"/>
+              </a:solidFill>
+              <a:latin typeface="Arial"/>
+            </a:endParaRPr>
+          </a:p>
+          <a:p>
+            <a:pPr marL="864000" lvl="3" indent="-216000" algn="just">
+              <a:lnSpc>
+                <a:spcPct val="115000"/>
+              </a:lnSpc>
+              <a:buClr>
+                <a:srgbClr val="000000"/>
+              </a:buClr>
+              <a:buSzPct val="45000"/>
+              <a:buFont typeface="Wingdings" charset="2"/>
+              <a:buChar char=""/>
+            </a:pPr>
+            <a:r>
+              <a:rPr lang="pt-BR" sz="1800" b="0" strike="noStrike" spc="-1">
+                <a:solidFill>
+                  <a:srgbClr val="01498E"/>
+                </a:solidFill>
+                <a:latin typeface="Arial"/>
+                <a:ea typeface="Calibri"/>
+              </a:rPr>
+              <a:t>histórico de movim. (valor, data e hora, observação, tipo)</a:t>
+            </a:r>
+            <a:endParaRPr lang="pt-BR" sz="1800" b="0" strike="noStrike" spc="-1">
+              <a:solidFill>
+                <a:srgbClr val="000000"/>
+              </a:solidFill>
+              <a:latin typeface="Arial"/>
+            </a:endParaRPr>
+          </a:p>
+          <a:p>
+            <a:pPr marL="864000" lvl="3" indent="-216000" algn="just">
+              <a:lnSpc>
+                <a:spcPct val="115000"/>
+              </a:lnSpc>
+              <a:buClr>
+                <a:srgbClr val="000000"/>
+              </a:buClr>
+              <a:buSzPct val="45000"/>
+              <a:buFont typeface="Wingdings" charset="2"/>
+              <a:buChar char=""/>
+            </a:pPr>
+            <a:r>
+              <a:rPr lang="pt-BR" sz="1800" b="0" strike="noStrike" spc="-1">
+                <a:solidFill>
+                  <a:srgbClr val="01498E"/>
+                </a:solidFill>
+                <a:latin typeface="Arial"/>
+                <a:ea typeface="Calibri"/>
+              </a:rPr>
+              <a:t>método extrato()</a:t>
+            </a:r>
+            <a:endParaRPr lang="pt-BR" sz="1800" b="0" strike="noStrike" spc="-1">
+              <a:solidFill>
+                <a:srgbClr val="000000"/>
+              </a:solidFill>
+              <a:latin typeface="Arial"/>
+            </a:endParaRPr>
+          </a:p>
+          <a:p>
+            <a:pPr algn="just">
+              <a:lnSpc>
+                <a:spcPct val="115000"/>
+              </a:lnSpc>
+            </a:pPr>
+            <a:endParaRPr lang="pt-BR" sz="1800" b="0" strike="noStrike" spc="-1">
+              <a:solidFill>
+                <a:srgbClr val="000000"/>
+              </a:solidFill>
+              <a:latin typeface="Arial"/>
+            </a:endParaRPr>
+          </a:p>
+          <a:p>
+            <a:pPr algn="just">
+              <a:lnSpc>
+                <a:spcPct val="115000"/>
+              </a:lnSpc>
+            </a:pPr>
+            <a:endParaRPr lang="pt-BR" sz="1800" b="0" strike="noStrike" spc="-1">
+              <a:solidFill>
+                <a:srgbClr val="000000"/>
+              </a:solidFill>
+              <a:latin typeface="Arial"/>
+            </a:endParaRPr>
+          </a:p>
+        </p:txBody>
+      </p:sp>
+      <p:pic>
+        <p:nvPicPr>
+          <p:cNvPr id="306" name="Imagem 188"/>
+          <p:cNvPicPr/>
+          <p:nvPr/>
+        </p:nvPicPr>
+        <p:blipFill>
+          <a:blip r:embed="rId3"/>
+          <a:stretch/>
+        </p:blipFill>
+        <p:spPr>
+          <a:xfrm>
+            <a:off x="-3240" y="2024280"/>
+            <a:ext cx="6158160" cy="1790640"/>
+          </a:xfrm>
+          <a:prstGeom prst="rect">
+            <a:avLst/>
+          </a:prstGeom>
+          <a:ln w="0">
+            <a:noFill/>
+          </a:ln>
+        </p:spPr>
+      </p:pic>
+      <p:pic>
+        <p:nvPicPr>
+          <p:cNvPr id="307" name="Imagem 189"/>
+          <p:cNvPicPr/>
+          <p:nvPr/>
+        </p:nvPicPr>
+        <p:blipFill>
+          <a:blip r:embed="rId4"/>
+          <a:stretch/>
+        </p:blipFill>
+        <p:spPr>
+          <a:xfrm>
+            <a:off x="1296000" y="3830040"/>
+            <a:ext cx="7836480" cy="1312560"/>
           </a:xfrm>
           <a:prstGeom prst="rect">
             <a:avLst/>
@@ -23536,6 +24696,456 @@
 </file>
 
 <file path=ppt/slides/slide56.xml><?xml version="1.0" encoding="utf-8"?>
+<p:sld xmlns:a="http://schemas.openxmlformats.org/drawingml/2006/main" xmlns:r="http://schemas.openxmlformats.org/officeDocument/2006/relationships" xmlns:p="http://schemas.openxmlformats.org/presentationml/2006/main">
+  <p:cSld>
+    <p:spTree>
+      <p:nvGrpSpPr>
+        <p:cNvPr id="1" name=""/>
+        <p:cNvGrpSpPr/>
+        <p:nvPr/>
+      </p:nvGrpSpPr>
+      <p:grpSpPr>
+        <a:xfrm>
+          <a:off x="0" y="0"/>
+          <a:ext cx="0" cy="0"/>
+          <a:chOff x="0" y="0"/>
+          <a:chExt cx="0" cy="0"/>
+        </a:xfrm>
+      </p:grpSpPr>
+      <p:sp>
+        <p:nvSpPr>
+          <p:cNvPr id="308" name="Título 43"/>
+          <p:cNvSpPr/>
+          <p:nvPr/>
+        </p:nvSpPr>
+        <p:spPr>
+          <a:xfrm>
+            <a:off x="291960" y="32040"/>
+            <a:ext cx="5587560" cy="900000"/>
+          </a:xfrm>
+          <a:prstGeom prst="rect">
+            <a:avLst/>
+          </a:prstGeom>
+          <a:noFill/>
+          <a:ln w="0">
+            <a:noFill/>
+          </a:ln>
+        </p:spPr>
+        <p:style>
+          <a:lnRef idx="0">
+            <a:scrgbClr r="0" g="0" b="0"/>
+          </a:lnRef>
+          <a:fillRef idx="0">
+            <a:scrgbClr r="0" g="0" b="0"/>
+          </a:fillRef>
+          <a:effectRef idx="0">
+            <a:scrgbClr r="0" g="0" b="0"/>
+          </a:effectRef>
+          <a:fontRef idx="minor"/>
+        </p:style>
+        <p:txBody>
+          <a:bodyPr lIns="90000" tIns="91440" rIns="90000" bIns="91440" anchor="t">
+            <a:noAutofit/>
+          </a:bodyPr>
+          <a:lstStyle/>
+          <a:p>
+            <a:pPr>
+              <a:lnSpc>
+                <a:spcPct val="100000"/>
+              </a:lnSpc>
+            </a:pPr>
+            <a:r>
+              <a:rPr lang="pt-BR" sz="5400" b="1" strike="noStrike" spc="-1">
+                <a:solidFill>
+                  <a:srgbClr val="002060"/>
+                </a:solidFill>
+                <a:latin typeface="Overpass"/>
+                <a:ea typeface="Overpass"/>
+              </a:rPr>
+              <a:t>Let’s Work</a:t>
+            </a:r>
+            <a:endParaRPr lang="pt-BR" sz="5400" b="0" strike="noStrike" spc="-1">
+              <a:solidFill>
+                <a:srgbClr val="000000"/>
+              </a:solidFill>
+              <a:latin typeface="Arial"/>
+            </a:endParaRPr>
+          </a:p>
+        </p:txBody>
+      </p:sp>
+      <p:pic>
+        <p:nvPicPr>
+          <p:cNvPr id="309" name="Imagem 43"/>
+          <p:cNvPicPr/>
+          <p:nvPr/>
+        </p:nvPicPr>
+        <p:blipFill>
+          <a:blip r:embed="rId2"/>
+          <a:stretch/>
+        </p:blipFill>
+        <p:spPr>
+          <a:xfrm rot="5400000">
+            <a:off x="7714440" y="-111600"/>
+            <a:ext cx="2973960" cy="3197880"/>
+          </a:xfrm>
+          <a:prstGeom prst="rect">
+            <a:avLst/>
+          </a:prstGeom>
+          <a:ln w="0">
+            <a:noFill/>
+          </a:ln>
+        </p:spPr>
+      </p:pic>
+      <p:sp>
+        <p:nvSpPr>
+          <p:cNvPr id="310" name="CaixaDeTexto 42"/>
+          <p:cNvSpPr/>
+          <p:nvPr/>
+        </p:nvSpPr>
+        <p:spPr>
+          <a:xfrm>
+            <a:off x="180000" y="900000"/>
+            <a:ext cx="7419600" cy="2297160"/>
+          </a:xfrm>
+          <a:prstGeom prst="rect">
+            <a:avLst/>
+          </a:prstGeom>
+          <a:noFill/>
+          <a:ln w="0">
+            <a:noFill/>
+          </a:ln>
+        </p:spPr>
+        <p:style>
+          <a:lnRef idx="0">
+            <a:scrgbClr r="0" g="0" b="0"/>
+          </a:lnRef>
+          <a:fillRef idx="0">
+            <a:scrgbClr r="0" g="0" b="0"/>
+          </a:fillRef>
+          <a:effectRef idx="0">
+            <a:scrgbClr r="0" g="0" b="0"/>
+          </a:effectRef>
+          <a:fontRef idx="minor"/>
+        </p:style>
+        <p:txBody>
+          <a:bodyPr lIns="90000" tIns="45000" rIns="90000" bIns="45000" anchor="t">
+            <a:spAutoFit/>
+          </a:bodyPr>
+          <a:lstStyle/>
+          <a:p>
+            <a:pPr marL="216000" indent="-216000" algn="just">
+              <a:lnSpc>
+                <a:spcPct val="115000"/>
+              </a:lnSpc>
+              <a:buClr>
+                <a:srgbClr val="000000"/>
+              </a:buClr>
+              <a:buFont typeface="Arial"/>
+              <a:buChar char="●"/>
+            </a:pPr>
+            <a:r>
+              <a:rPr lang="pt-BR" sz="1800" b="0" strike="noStrike" spc="-1">
+                <a:solidFill>
+                  <a:srgbClr val="01498E"/>
+                </a:solidFill>
+                <a:latin typeface="Arial"/>
+                <a:ea typeface="Calibri"/>
+              </a:rPr>
+              <a:t>Problema 7:</a:t>
+            </a:r>
+            <a:endParaRPr lang="pt-BR" sz="1800" b="0" strike="noStrike" spc="-1">
+              <a:solidFill>
+                <a:srgbClr val="000000"/>
+              </a:solidFill>
+              <a:latin typeface="Arial"/>
+            </a:endParaRPr>
+          </a:p>
+          <a:p>
+            <a:pPr marL="673200" lvl="1" indent="-216000" algn="just">
+              <a:lnSpc>
+                <a:spcPct val="115000"/>
+              </a:lnSpc>
+              <a:buClr>
+                <a:srgbClr val="000000"/>
+              </a:buClr>
+              <a:buFont typeface="Arial"/>
+              <a:buChar char="●"/>
+            </a:pPr>
+            <a:r>
+              <a:rPr lang="pt-BR" sz="1800" b="0" strike="noStrike" spc="-1">
+                <a:solidFill>
+                  <a:srgbClr val="01498E"/>
+                </a:solidFill>
+                <a:latin typeface="Arial"/>
+                <a:ea typeface="Calibri"/>
+              </a:rPr>
+              <a:t>Crie uma classe Biblioteca que contém uma lista de objetos Livro.</a:t>
+            </a:r>
+            <a:endParaRPr lang="pt-BR" sz="1800" b="0" strike="noStrike" spc="-1">
+              <a:solidFill>
+                <a:srgbClr val="000000"/>
+              </a:solidFill>
+              <a:latin typeface="Arial"/>
+            </a:endParaRPr>
+          </a:p>
+          <a:p>
+            <a:pPr marL="673200" lvl="1" indent="-216000" algn="just">
+              <a:lnSpc>
+                <a:spcPct val="115000"/>
+              </a:lnSpc>
+              <a:buClr>
+                <a:srgbClr val="000000"/>
+              </a:buClr>
+              <a:buFont typeface="Arial"/>
+              <a:buChar char="●"/>
+            </a:pPr>
+            <a:r>
+              <a:rPr lang="pt-BR" sz="1800" b="0" strike="noStrike" spc="-1">
+                <a:solidFill>
+                  <a:srgbClr val="01498E"/>
+                </a:solidFill>
+                <a:latin typeface="Arial"/>
+                <a:ea typeface="Calibri"/>
+              </a:rPr>
+              <a:t>A classe Livro tem titulo e autor.</a:t>
+            </a:r>
+            <a:endParaRPr lang="pt-BR" sz="1800" b="0" strike="noStrike" spc="-1">
+              <a:solidFill>
+                <a:srgbClr val="000000"/>
+              </a:solidFill>
+              <a:latin typeface="Arial"/>
+            </a:endParaRPr>
+          </a:p>
+          <a:p>
+            <a:pPr marL="673200" lvl="1" indent="-216000" algn="just">
+              <a:lnSpc>
+                <a:spcPct val="115000"/>
+              </a:lnSpc>
+              <a:buClr>
+                <a:srgbClr val="000000"/>
+              </a:buClr>
+              <a:buFont typeface="Arial"/>
+              <a:buChar char="●"/>
+            </a:pPr>
+            <a:r>
+              <a:rPr lang="pt-BR" sz="1800" b="0" strike="noStrike" spc="-1">
+                <a:solidFill>
+                  <a:srgbClr val="01498E"/>
+                </a:solidFill>
+                <a:latin typeface="Arial"/>
+                <a:ea typeface="Calibri"/>
+              </a:rPr>
+              <a:t>A classe Biblioteca deve ter métodos para adicionar, remover e listar livros.</a:t>
+            </a:r>
+            <a:endParaRPr lang="pt-BR" sz="1800" b="0" strike="noStrike" spc="-1">
+              <a:solidFill>
+                <a:srgbClr val="000000"/>
+              </a:solidFill>
+              <a:latin typeface="Arial"/>
+            </a:endParaRPr>
+          </a:p>
+          <a:p>
+            <a:pPr algn="just">
+              <a:lnSpc>
+                <a:spcPct val="115000"/>
+              </a:lnSpc>
+            </a:pPr>
+            <a:endParaRPr lang="pt-BR" sz="1800" b="0" strike="noStrike" spc="-1">
+              <a:solidFill>
+                <a:srgbClr val="000000"/>
+              </a:solidFill>
+              <a:latin typeface="Arial"/>
+            </a:endParaRPr>
+          </a:p>
+        </p:txBody>
+      </p:sp>
+      <p:pic>
+        <p:nvPicPr>
+          <p:cNvPr id="311" name="Imagem 193"/>
+          <p:cNvPicPr/>
+          <p:nvPr/>
+        </p:nvPicPr>
+        <p:blipFill>
+          <a:blip r:embed="rId3"/>
+          <a:stretch/>
+        </p:blipFill>
+        <p:spPr>
+          <a:xfrm>
+            <a:off x="160560" y="3060000"/>
+            <a:ext cx="7398360" cy="1388880"/>
+          </a:xfrm>
+          <a:prstGeom prst="rect">
+            <a:avLst/>
+          </a:prstGeom>
+          <a:ln w="0">
+            <a:noFill/>
+          </a:ln>
+        </p:spPr>
+      </p:pic>
+    </p:spTree>
+  </p:cSld>
+  <p:clrMapOvr>
+    <a:masterClrMapping/>
+  </p:clrMapOvr>
+</p:sld>
+</file>
+
+<file path=ppt/slides/slide57.xml><?xml version="1.0" encoding="utf-8"?>
+<p:sld xmlns:a="http://schemas.openxmlformats.org/drawingml/2006/main" xmlns:r="http://schemas.openxmlformats.org/officeDocument/2006/relationships" xmlns:p="http://schemas.openxmlformats.org/presentationml/2006/main">
+  <p:cSld>
+    <p:spTree>
+      <p:nvGrpSpPr>
+        <p:cNvPr id="1" name=""/>
+        <p:cNvGrpSpPr/>
+        <p:nvPr/>
+      </p:nvGrpSpPr>
+      <p:grpSpPr>
+        <a:xfrm>
+          <a:off x="0" y="0"/>
+          <a:ext cx="0" cy="0"/>
+          <a:chOff x="0" y="0"/>
+          <a:chExt cx="0" cy="0"/>
+        </a:xfrm>
+      </p:grpSpPr>
+      <p:sp>
+        <p:nvSpPr>
+          <p:cNvPr id="312" name="PlaceHolder 1"/>
+          <p:cNvSpPr>
+            <a:spLocks noGrp="1"/>
+          </p:cNvSpPr>
+          <p:nvPr>
+            <p:ph type="title"/>
+          </p:nvPr>
+        </p:nvSpPr>
+        <p:spPr>
+          <a:xfrm>
+            <a:off x="457200" y="205200"/>
+            <a:ext cx="8227800" cy="857160"/>
+          </a:xfrm>
+          <a:prstGeom prst="rect">
+            <a:avLst/>
+          </a:prstGeom>
+          <a:noFill/>
+          <a:ln w="0">
+            <a:noFill/>
+          </a:ln>
+        </p:spPr>
+        <p:txBody>
+          <a:bodyPr lIns="0" tIns="0" rIns="0" bIns="0" anchor="ctr">
+            <a:noAutofit/>
+          </a:bodyPr>
+          <a:lstStyle/>
+          <a:p>
+            <a:pPr indent="0" algn="ctr">
+              <a:buNone/>
+            </a:pPr>
+            <a:endParaRPr lang="pt-BR" sz="1800" b="0" strike="noStrike" spc="-1">
+              <a:solidFill>
+                <a:srgbClr val="000000"/>
+              </a:solidFill>
+              <a:latin typeface="Arial"/>
+            </a:endParaRPr>
+          </a:p>
+        </p:txBody>
+      </p:sp>
+      <p:sp>
+        <p:nvSpPr>
+          <p:cNvPr id="313" name="PlaceHolder 2"/>
+          <p:cNvSpPr>
+            <a:spLocks noGrp="1"/>
+          </p:cNvSpPr>
+          <p:nvPr>
+            <p:ph type="subTitle"/>
+          </p:nvPr>
+        </p:nvSpPr>
+        <p:spPr>
+          <a:xfrm>
+            <a:off x="457200" y="1203480"/>
+            <a:ext cx="8227800" cy="2981520"/>
+          </a:xfrm>
+          <a:prstGeom prst="rect">
+            <a:avLst/>
+          </a:prstGeom>
+          <a:noFill/>
+          <a:ln w="0">
+            <a:noFill/>
+          </a:ln>
+        </p:spPr>
+        <p:txBody>
+          <a:bodyPr lIns="0" tIns="0" rIns="0" bIns="0" anchor="ctr">
+            <a:noAutofit/>
+          </a:bodyPr>
+          <a:lstStyle/>
+          <a:p>
+            <a:pPr indent="0" algn="ctr">
+              <a:buNone/>
+            </a:pPr>
+            <a:endParaRPr lang="pt-BR" sz="1800" b="0" strike="noStrike" spc="-1">
+              <a:solidFill>
+                <a:srgbClr val="000000"/>
+              </a:solidFill>
+              <a:latin typeface="Arial"/>
+            </a:endParaRPr>
+          </a:p>
+        </p:txBody>
+      </p:sp>
+      <p:pic>
+        <p:nvPicPr>
+          <p:cNvPr id="314" name="Imagem 4"/>
+          <p:cNvPicPr/>
+          <p:nvPr/>
+        </p:nvPicPr>
+        <p:blipFill>
+          <a:blip r:embed="rId2"/>
+          <a:stretch/>
+        </p:blipFill>
+        <p:spPr>
+          <a:xfrm>
+            <a:off x="1355760" y="0"/>
+            <a:ext cx="6431400" cy="5142240"/>
+          </a:xfrm>
+          <a:prstGeom prst="rect">
+            <a:avLst/>
+          </a:prstGeom>
+          <a:ln w="0">
+            <a:noFill/>
+          </a:ln>
+        </p:spPr>
+      </p:pic>
+    </p:spTree>
+  </p:cSld>
+  <p:clrMapOvr>
+    <a:masterClrMapping/>
+  </p:clrMapOvr>
+</p:sld>
+</file>
+
+<file path=ppt/slides/slide58.xml><?xml version="1.0" encoding="utf-8"?>
+<p:sld xmlns:a="http://schemas.openxmlformats.org/drawingml/2006/main" xmlns:r="http://schemas.openxmlformats.org/officeDocument/2006/relationships" xmlns:p="http://schemas.openxmlformats.org/presentationml/2006/main">
+  <p:cSld>
+    <p:spTree>
+      <p:nvGrpSpPr>
+        <p:cNvPr id="1" name=""/>
+        <p:cNvGrpSpPr/>
+        <p:nvPr/>
+      </p:nvGrpSpPr>
+      <p:grpSpPr>
+        <a:xfrm>
+          <a:off x="0" y="0"/>
+          <a:ext cx="0" cy="0"/>
+          <a:chOff x="0" y="0"/>
+          <a:chExt cx="0" cy="0"/>
+        </a:xfrm>
+      </p:grpSpPr>
+    </p:spTree>
+  </p:cSld>
+  <p:clrMapOvr>
+    <a:masterClrMapping/>
+  </p:clrMapOvr>
+</p:sld>
+</file>
+
+<file path=ppt/slides/slide59.xml><?xml version="1.0" encoding="utf-8"?>
 <p:sld xmlns:a="http://schemas.openxmlformats.org/drawingml/2006/main" xmlns:r="http://schemas.openxmlformats.org/officeDocument/2006/relationships" xmlns:p="http://schemas.openxmlformats.org/presentationml/2006/main">
   <p:cSld>
     <p:spTree>

--- a/aula08/Aula08.pptx
+++ b/aula08/Aula08.pptx
@@ -33,39 +33,40 @@
     <p:sldId id="279" r:id="rId27"/>
     <p:sldId id="280" r:id="rId28"/>
     <p:sldId id="314" r:id="rId29"/>
-    <p:sldId id="313" r:id="rId30"/>
-    <p:sldId id="312" r:id="rId31"/>
-    <p:sldId id="281" r:id="rId32"/>
-    <p:sldId id="282" r:id="rId33"/>
-    <p:sldId id="283" r:id="rId34"/>
-    <p:sldId id="284" r:id="rId35"/>
-    <p:sldId id="285" r:id="rId36"/>
-    <p:sldId id="286" r:id="rId37"/>
-    <p:sldId id="287" r:id="rId38"/>
-    <p:sldId id="288" r:id="rId39"/>
-    <p:sldId id="289" r:id="rId40"/>
-    <p:sldId id="290" r:id="rId41"/>
-    <p:sldId id="291" r:id="rId42"/>
-    <p:sldId id="292" r:id="rId43"/>
-    <p:sldId id="293" r:id="rId44"/>
-    <p:sldId id="294" r:id="rId45"/>
-    <p:sldId id="295" r:id="rId46"/>
-    <p:sldId id="296" r:id="rId47"/>
-    <p:sldId id="297" r:id="rId48"/>
-    <p:sldId id="298" r:id="rId49"/>
-    <p:sldId id="299" r:id="rId50"/>
-    <p:sldId id="300" r:id="rId51"/>
-    <p:sldId id="301" r:id="rId52"/>
-    <p:sldId id="302" r:id="rId53"/>
-    <p:sldId id="303" r:id="rId54"/>
-    <p:sldId id="304" r:id="rId55"/>
-    <p:sldId id="305" r:id="rId56"/>
-    <p:sldId id="306" r:id="rId57"/>
-    <p:sldId id="307" r:id="rId58"/>
-    <p:sldId id="308" r:id="rId59"/>
-    <p:sldId id="309" r:id="rId60"/>
-    <p:sldId id="310" r:id="rId61"/>
-    <p:sldId id="311" r:id="rId62"/>
+    <p:sldId id="315" r:id="rId30"/>
+    <p:sldId id="313" r:id="rId31"/>
+    <p:sldId id="312" r:id="rId32"/>
+    <p:sldId id="281" r:id="rId33"/>
+    <p:sldId id="282" r:id="rId34"/>
+    <p:sldId id="283" r:id="rId35"/>
+    <p:sldId id="284" r:id="rId36"/>
+    <p:sldId id="285" r:id="rId37"/>
+    <p:sldId id="286" r:id="rId38"/>
+    <p:sldId id="287" r:id="rId39"/>
+    <p:sldId id="288" r:id="rId40"/>
+    <p:sldId id="289" r:id="rId41"/>
+    <p:sldId id="290" r:id="rId42"/>
+    <p:sldId id="291" r:id="rId43"/>
+    <p:sldId id="292" r:id="rId44"/>
+    <p:sldId id="293" r:id="rId45"/>
+    <p:sldId id="294" r:id="rId46"/>
+    <p:sldId id="295" r:id="rId47"/>
+    <p:sldId id="296" r:id="rId48"/>
+    <p:sldId id="297" r:id="rId49"/>
+    <p:sldId id="298" r:id="rId50"/>
+    <p:sldId id="299" r:id="rId51"/>
+    <p:sldId id="300" r:id="rId52"/>
+    <p:sldId id="301" r:id="rId53"/>
+    <p:sldId id="302" r:id="rId54"/>
+    <p:sldId id="303" r:id="rId55"/>
+    <p:sldId id="304" r:id="rId56"/>
+    <p:sldId id="305" r:id="rId57"/>
+    <p:sldId id="306" r:id="rId58"/>
+    <p:sldId id="307" r:id="rId59"/>
+    <p:sldId id="308" r:id="rId60"/>
+    <p:sldId id="309" r:id="rId61"/>
+    <p:sldId id="310" r:id="rId62"/>
+    <p:sldId id="311" r:id="rId63"/>
   </p:sldIdLst>
   <p:sldSz cx="9144000" cy="5143500" type="screen16x9"/>
   <p:notesSz cx="7559675" cy="10691813"/>
@@ -17868,7 +17869,7 @@
         <p:spPr>
           <a:xfrm>
             <a:off x="180000" y="900000"/>
-            <a:ext cx="7419600" cy="1975113"/>
+            <a:ext cx="7419600" cy="2293661"/>
           </a:xfrm>
           <a:prstGeom prst="rect">
             <a:avLst/>
@@ -17936,7 +17937,39 @@
                 <a:latin typeface="Arial"/>
                 <a:ea typeface="Calibri"/>
               </a:rPr>
-              <a:t>Dado o formulário HTML abaixo, implemente uma função JS que calcule IMC (índice de massa corporal)  </a:t>
+              <a:t>Dado o formulário HTML abaixo, implemente uma função JS que calcule IMC (índice de massa corporal)</a:t>
+            </a:r>
+          </a:p>
+          <a:p>
+            <a:pPr marL="673200" lvl="1" indent="-216000" algn="just">
+              <a:lnSpc>
+                <a:spcPct val="115000"/>
+              </a:lnSpc>
+              <a:buClr>
+                <a:srgbClr val="000000"/>
+              </a:buClr>
+              <a:buFont typeface="Arial"/>
+              <a:buChar char="●"/>
+            </a:pPr>
+            <a:r>
+              <a:rPr lang="pt-BR" spc="-1" dirty="0">
+                <a:solidFill>
+                  <a:srgbClr val="01498E"/>
+                </a:solidFill>
+                <a:latin typeface="Arial"/>
+                <a:ea typeface="Calibri"/>
+              </a:rPr>
+              <a:t>Ponto extra para quem criar um novo layout</a:t>
+            </a:r>
+            <a:r>
+              <a:rPr lang="pt-BR" sz="1800" b="0" strike="noStrike" spc="-1" dirty="0">
+                <a:solidFill>
+                  <a:srgbClr val="01498E"/>
+                </a:solidFill>
+                <a:latin typeface="Arial"/>
+                <a:ea typeface="Calibri"/>
+              </a:rPr>
+              <a:t> (CSS)</a:t>
             </a:r>
             <a:endParaRPr lang="pt-BR" b="0" strike="noStrike" spc="-1" dirty="0">
               <a:solidFill>
@@ -18008,8 +18041,8 @@
         </p:blipFill>
         <p:spPr>
           <a:xfrm>
-            <a:off x="0" y="2185697"/>
-            <a:ext cx="5730743" cy="2957803"/>
+            <a:off x="48491" y="2431473"/>
+            <a:ext cx="5730743" cy="2712028"/>
           </a:xfrm>
           <a:prstGeom prst="rect">
             <a:avLst/>
@@ -18034,6 +18067,366 @@
   <p:cSld>
     <p:spTree>
       <p:nvGrpSpPr>
+        <p:cNvPr id="1" name="">
+          <a:extLst>
+            <a:ext uri="{FF2B5EF4-FFF2-40B4-BE49-F238E27FC236}">
+              <a16:creationId xmlns:a16="http://schemas.microsoft.com/office/drawing/2014/main" id="{9861767C-C959-6086-1FD3-1FF7DA8C9176}"/>
+            </a:ext>
+          </a:extLst>
+        </p:cNvPr>
+        <p:cNvGrpSpPr/>
+        <p:nvPr/>
+      </p:nvGrpSpPr>
+      <p:grpSpPr>
+        <a:xfrm>
+          <a:off x="0" y="0"/>
+          <a:ext cx="0" cy="0"/>
+          <a:chOff x="0" y="0"/>
+          <a:chExt cx="0" cy="0"/>
+        </a:xfrm>
+      </p:grpSpPr>
+      <p:sp>
+        <p:nvSpPr>
+          <p:cNvPr id="237" name="Título 32">
+            <a:extLst>
+              <a:ext uri="{FF2B5EF4-FFF2-40B4-BE49-F238E27FC236}">
+                <a16:creationId xmlns:a16="http://schemas.microsoft.com/office/drawing/2014/main" id="{915C428E-617A-EACF-A02B-486ABD06E336}"/>
+              </a:ext>
+            </a:extLst>
+          </p:cNvPr>
+          <p:cNvSpPr/>
+          <p:nvPr/>
+        </p:nvSpPr>
+        <p:spPr>
+          <a:xfrm>
+            <a:off x="291960" y="32040"/>
+            <a:ext cx="5587560" cy="900000"/>
+          </a:xfrm>
+          <a:prstGeom prst="rect">
+            <a:avLst/>
+          </a:prstGeom>
+          <a:noFill/>
+          <a:ln w="0">
+            <a:noFill/>
+          </a:ln>
+        </p:spPr>
+        <p:style>
+          <a:lnRef idx="0">
+            <a:scrgbClr r="0" g="0" b="0"/>
+          </a:lnRef>
+          <a:fillRef idx="0">
+            <a:scrgbClr r="0" g="0" b="0"/>
+          </a:fillRef>
+          <a:effectRef idx="0">
+            <a:scrgbClr r="0" g="0" b="0"/>
+          </a:effectRef>
+          <a:fontRef idx="minor"/>
+        </p:style>
+        <p:txBody>
+          <a:bodyPr lIns="90000" tIns="91440" rIns="90000" bIns="91440" anchor="t">
+            <a:noAutofit/>
+          </a:bodyPr>
+          <a:lstStyle/>
+          <a:p>
+            <a:pPr>
+              <a:lnSpc>
+                <a:spcPct val="100000"/>
+              </a:lnSpc>
+            </a:pPr>
+            <a:r>
+              <a:rPr lang="pt-BR" sz="5400" b="1" strike="noStrike" spc="-1">
+                <a:solidFill>
+                  <a:srgbClr val="002060"/>
+                </a:solidFill>
+                <a:latin typeface="Overpass"/>
+                <a:ea typeface="Overpass"/>
+              </a:rPr>
+              <a:t>Let’s Work</a:t>
+            </a:r>
+            <a:endParaRPr lang="pt-BR" sz="5400" b="0" strike="noStrike" spc="-1">
+              <a:solidFill>
+                <a:srgbClr val="000000"/>
+              </a:solidFill>
+              <a:latin typeface="Arial"/>
+            </a:endParaRPr>
+          </a:p>
+        </p:txBody>
+      </p:sp>
+      <p:pic>
+        <p:nvPicPr>
+          <p:cNvPr id="238" name="Imagem 37">
+            <a:extLst>
+              <a:ext uri="{FF2B5EF4-FFF2-40B4-BE49-F238E27FC236}">
+                <a16:creationId xmlns:a16="http://schemas.microsoft.com/office/drawing/2014/main" id="{B2DA8728-9FC7-1C56-3794-3551C5E8EDB5}"/>
+              </a:ext>
+            </a:extLst>
+          </p:cNvPr>
+          <p:cNvPicPr/>
+          <p:nvPr/>
+        </p:nvPicPr>
+        <p:blipFill>
+          <a:blip r:embed="rId2"/>
+          <a:stretch/>
+        </p:blipFill>
+        <p:spPr>
+          <a:xfrm rot="5400000">
+            <a:off x="7714440" y="-111600"/>
+            <a:ext cx="2973960" cy="3197880"/>
+          </a:xfrm>
+          <a:prstGeom prst="rect">
+            <a:avLst/>
+          </a:prstGeom>
+          <a:ln w="0">
+            <a:noFill/>
+          </a:ln>
+        </p:spPr>
+      </p:pic>
+      <p:sp>
+        <p:nvSpPr>
+          <p:cNvPr id="239" name="CaixaDeTexto 32">
+            <a:extLst>
+              <a:ext uri="{FF2B5EF4-FFF2-40B4-BE49-F238E27FC236}">
+                <a16:creationId xmlns:a16="http://schemas.microsoft.com/office/drawing/2014/main" id="{6E638845-7A02-3D9B-3F56-ED40E05D50BA}"/>
+              </a:ext>
+            </a:extLst>
+          </p:cNvPr>
+          <p:cNvSpPr/>
+          <p:nvPr/>
+        </p:nvSpPr>
+        <p:spPr>
+          <a:xfrm>
+            <a:off x="180000" y="900000"/>
+            <a:ext cx="7419600" cy="2612210"/>
+          </a:xfrm>
+          <a:prstGeom prst="rect">
+            <a:avLst/>
+          </a:prstGeom>
+          <a:noFill/>
+          <a:ln w="0">
+            <a:noFill/>
+          </a:ln>
+        </p:spPr>
+        <p:style>
+          <a:lnRef idx="0">
+            <a:scrgbClr r="0" g="0" b="0"/>
+          </a:lnRef>
+          <a:fillRef idx="0">
+            <a:scrgbClr r="0" g="0" b="0"/>
+          </a:fillRef>
+          <a:effectRef idx="0">
+            <a:scrgbClr r="0" g="0" b="0"/>
+          </a:effectRef>
+          <a:fontRef idx="minor"/>
+        </p:style>
+        <p:txBody>
+          <a:bodyPr lIns="90000" tIns="45000" rIns="90000" bIns="45000" anchor="t">
+            <a:spAutoFit/>
+          </a:bodyPr>
+          <a:lstStyle/>
+          <a:p>
+            <a:pPr marL="216000" indent="-216000" algn="just">
+              <a:lnSpc>
+                <a:spcPct val="115000"/>
+              </a:lnSpc>
+              <a:buClr>
+                <a:srgbClr val="000000"/>
+              </a:buClr>
+              <a:buFont typeface="Arial"/>
+              <a:buChar char="●"/>
+            </a:pPr>
+            <a:r>
+              <a:rPr lang="pt-BR" sz="1800" b="0" strike="noStrike" spc="-1" dirty="0">
+                <a:solidFill>
+                  <a:srgbClr val="01498E"/>
+                </a:solidFill>
+                <a:latin typeface="Arial"/>
+                <a:ea typeface="Calibri"/>
+              </a:rPr>
+              <a:t>Problema 3:</a:t>
+            </a:r>
+          </a:p>
+          <a:p>
+            <a:pPr marL="673200" lvl="1" indent="-216000" algn="just">
+              <a:lnSpc>
+                <a:spcPct val="115000"/>
+              </a:lnSpc>
+              <a:buClr>
+                <a:srgbClr val="000000"/>
+              </a:buClr>
+              <a:buFont typeface="Arial"/>
+              <a:buChar char="●"/>
+            </a:pPr>
+            <a:r>
+              <a:rPr lang="pt-BR" sz="1800" b="0" strike="noStrike" spc="-1" dirty="0">
+                <a:solidFill>
+                  <a:srgbClr val="01498E"/>
+                </a:solidFill>
+                <a:latin typeface="Arial"/>
+                <a:ea typeface="Calibri"/>
+              </a:rPr>
+              <a:t>Crie uma </a:t>
+            </a:r>
+            <a:r>
+              <a:rPr lang="pt-BR" sz="1800" b="0" strike="noStrike" spc="-1" dirty="0" err="1">
+                <a:solidFill>
+                  <a:srgbClr val="01498E"/>
+                </a:solidFill>
+                <a:latin typeface="Arial"/>
+                <a:ea typeface="Calibri"/>
+              </a:rPr>
+              <a:t>div</a:t>
+            </a:r>
+            <a:r>
+              <a:rPr lang="pt-BR" sz="1800" b="0" strike="noStrike" spc="-1" dirty="0">
+                <a:solidFill>
+                  <a:srgbClr val="01498E"/>
+                </a:solidFill>
+                <a:latin typeface="Arial"/>
+                <a:ea typeface="Calibri"/>
+              </a:rPr>
+              <a:t> com classe "container" que deve:</a:t>
+            </a:r>
+          </a:p>
+          <a:p>
+            <a:pPr marL="1130400" lvl="2" indent="-216000" algn="just">
+              <a:lnSpc>
+                <a:spcPct val="115000"/>
+              </a:lnSpc>
+              <a:buClr>
+                <a:srgbClr val="000000"/>
+              </a:buClr>
+              <a:buFont typeface="Arial"/>
+              <a:buChar char="●"/>
+            </a:pPr>
+            <a:r>
+              <a:rPr lang="pt-BR" b="0" strike="noStrike" spc="-1" dirty="0">
+                <a:solidFill>
+                  <a:srgbClr val="01498E"/>
+                </a:solidFill>
+                <a:latin typeface="Arial"/>
+                <a:ea typeface="Calibri"/>
+              </a:rPr>
+              <a:t>Ter 80% da largura da tela</a:t>
+            </a:r>
+          </a:p>
+          <a:p>
+            <a:pPr marL="1130400" lvl="2" indent="-216000" algn="just">
+              <a:lnSpc>
+                <a:spcPct val="115000"/>
+              </a:lnSpc>
+              <a:buClr>
+                <a:srgbClr val="000000"/>
+              </a:buClr>
+              <a:buFont typeface="Arial"/>
+              <a:buChar char="●"/>
+            </a:pPr>
+            <a:r>
+              <a:rPr lang="pt-BR" b="0" strike="noStrike" spc="-1" dirty="0">
+                <a:solidFill>
+                  <a:srgbClr val="01498E"/>
+                </a:solidFill>
+                <a:latin typeface="Arial"/>
+                <a:ea typeface="Calibri"/>
+              </a:rPr>
+              <a:t>Centralizar horizontalmente</a:t>
+            </a:r>
+          </a:p>
+          <a:p>
+            <a:pPr marL="1130400" lvl="2" indent="-216000" algn="just">
+              <a:lnSpc>
+                <a:spcPct val="115000"/>
+              </a:lnSpc>
+              <a:buClr>
+                <a:srgbClr val="000000"/>
+              </a:buClr>
+              <a:buFont typeface="Arial"/>
+              <a:buChar char="●"/>
+            </a:pPr>
+            <a:r>
+              <a:rPr lang="pt-BR" b="0" strike="noStrike" spc="-1" dirty="0">
+                <a:solidFill>
+                  <a:srgbClr val="01498E"/>
+                </a:solidFill>
+                <a:latin typeface="Arial"/>
+                <a:ea typeface="Calibri"/>
+              </a:rPr>
+              <a:t>Ter fundo cinza claro (#f0f0f0)</a:t>
+            </a:r>
+          </a:p>
+          <a:p>
+            <a:pPr marL="1130400" lvl="2" indent="-216000" algn="just">
+              <a:lnSpc>
+                <a:spcPct val="115000"/>
+              </a:lnSpc>
+              <a:buClr>
+                <a:srgbClr val="000000"/>
+              </a:buClr>
+              <a:buFont typeface="Arial"/>
+              <a:buChar char="●"/>
+            </a:pPr>
+            <a:r>
+              <a:rPr lang="pt-BR" b="0" strike="noStrike" spc="-1" dirty="0">
+                <a:solidFill>
+                  <a:srgbClr val="01498E"/>
+                </a:solidFill>
+                <a:latin typeface="Arial"/>
+                <a:ea typeface="Calibri"/>
+              </a:rPr>
+              <a:t>Conter parágrafos com texto escuro (#333) e fonte 1.2em</a:t>
+            </a:r>
+            <a:endParaRPr lang="pt-BR" b="0" strike="noStrike" spc="-1" dirty="0">
+              <a:solidFill>
+                <a:srgbClr val="000000"/>
+              </a:solidFill>
+              <a:latin typeface="Arial"/>
+            </a:endParaRPr>
+          </a:p>
+          <a:p>
+            <a:pPr algn="just">
+              <a:lnSpc>
+                <a:spcPct val="115000"/>
+              </a:lnSpc>
+            </a:pPr>
+            <a:endParaRPr lang="pt-BR" sz="1800" b="0" strike="noStrike" spc="-1" dirty="0">
+              <a:solidFill>
+                <a:srgbClr val="000000"/>
+              </a:solidFill>
+              <a:latin typeface="Arial"/>
+            </a:endParaRPr>
+          </a:p>
+          <a:p>
+            <a:pPr algn="just">
+              <a:lnSpc>
+                <a:spcPct val="115000"/>
+              </a:lnSpc>
+            </a:pPr>
+            <a:endParaRPr lang="pt-BR" sz="1800" b="0" u="sng" strike="noStrike" spc="-1" dirty="0">
+              <a:solidFill>
+                <a:srgbClr val="000000"/>
+              </a:solidFill>
+              <a:latin typeface="Arial"/>
+            </a:endParaRPr>
+          </a:p>
+        </p:txBody>
+      </p:sp>
+    </p:spTree>
+    <p:extLst>
+      <p:ext uri="{BB962C8B-B14F-4D97-AF65-F5344CB8AC3E}">
+        <p14:creationId xmlns:p14="http://schemas.microsoft.com/office/powerpoint/2010/main" val="3842217197"/>
+      </p:ext>
+    </p:extLst>
+  </p:cSld>
+  <p:clrMapOvr>
+    <a:masterClrMapping/>
+  </p:clrMapOvr>
+</p:sld>
+</file>
+
+<file path=ppt/slides/slide28.xml><?xml version="1.0" encoding="utf-8"?>
+<p:sld xmlns:a="http://schemas.openxmlformats.org/drawingml/2006/main" xmlns:r="http://schemas.openxmlformats.org/officeDocument/2006/relationships" xmlns:p="http://schemas.openxmlformats.org/presentationml/2006/main">
+  <p:cSld>
+    <p:spTree>
+      <p:nvGrpSpPr>
         <p:cNvPr id="1" name=""/>
         <p:cNvGrpSpPr/>
         <p:nvPr/>
@@ -18109,7 +18502,7 @@
 </p:sld>
 </file>
 
-<file path=ppt/slides/slide28.xml><?xml version="1.0" encoding="utf-8"?>
+<file path=ppt/slides/slide29.xml><?xml version="1.0" encoding="utf-8"?>
 <p:sld xmlns:a="http://schemas.openxmlformats.org/drawingml/2006/main" xmlns:r="http://schemas.openxmlformats.org/officeDocument/2006/relationships" xmlns:p="http://schemas.openxmlformats.org/presentationml/2006/main">
   <p:cSld>
     <p:spTree>
@@ -18588,31 +18981,6 @@
         <p14:creationId xmlns:p14="http://schemas.microsoft.com/office/powerpoint/2010/main" val="2492548132"/>
       </p:ext>
     </p:extLst>
-  </p:cSld>
-  <p:clrMapOvr>
-    <a:masterClrMapping/>
-  </p:clrMapOvr>
-</p:sld>
-</file>
-
-<file path=ppt/slides/slide29.xml><?xml version="1.0" encoding="utf-8"?>
-<p:sld xmlns:a="http://schemas.openxmlformats.org/drawingml/2006/main" xmlns:r="http://schemas.openxmlformats.org/officeDocument/2006/relationships" xmlns:p="http://schemas.openxmlformats.org/presentationml/2006/main">
-  <p:cSld>
-    <p:spTree>
-      <p:nvGrpSpPr>
-        <p:cNvPr id="1" name=""/>
-        <p:cNvGrpSpPr/>
-        <p:nvPr/>
-      </p:nvGrpSpPr>
-      <p:grpSpPr>
-        <a:xfrm>
-          <a:off x="0" y="0"/>
-          <a:ext cx="0" cy="0"/>
-          <a:chOff x="0" y="0"/>
-          <a:chExt cx="0" cy="0"/>
-        </a:xfrm>
-      </p:grpSpPr>
-    </p:spTree>
   </p:cSld>
   <p:clrMapOvr>
     <a:masterClrMapping/>
@@ -19008,267 +19376,6 @@
           <a:chExt cx="0" cy="0"/>
         </a:xfrm>
       </p:grpSpPr>
-      <p:sp>
-        <p:nvSpPr>
-          <p:cNvPr id="240" name="Título 4"/>
-          <p:cNvSpPr/>
-          <p:nvPr/>
-        </p:nvSpPr>
-        <p:spPr>
-          <a:xfrm>
-            <a:off x="291960" y="189000"/>
-            <a:ext cx="7480440" cy="900000"/>
-          </a:xfrm>
-          <a:prstGeom prst="rect">
-            <a:avLst/>
-          </a:prstGeom>
-          <a:noFill/>
-          <a:ln w="0">
-            <a:noFill/>
-          </a:ln>
-        </p:spPr>
-        <p:style>
-          <a:lnRef idx="0">
-            <a:scrgbClr r="0" g="0" b="0"/>
-          </a:lnRef>
-          <a:fillRef idx="0">
-            <a:scrgbClr r="0" g="0" b="0"/>
-          </a:fillRef>
-          <a:effectRef idx="0">
-            <a:scrgbClr r="0" g="0" b="0"/>
-          </a:effectRef>
-          <a:fontRef idx="minor"/>
-        </p:style>
-        <p:txBody>
-          <a:bodyPr lIns="90000" tIns="91440" rIns="90000" bIns="91440" anchor="t">
-            <a:noAutofit/>
-          </a:bodyPr>
-          <a:lstStyle/>
-          <a:p>
-            <a:pPr>
-              <a:lnSpc>
-                <a:spcPct val="100000"/>
-              </a:lnSpc>
-            </a:pPr>
-            <a:r>
-              <a:rPr lang="pt-BR" sz="5400" b="1" strike="noStrike" spc="-1">
-                <a:solidFill>
-                  <a:srgbClr val="002060"/>
-                </a:solidFill>
-                <a:latin typeface="Overpass"/>
-                <a:ea typeface="Overpass"/>
-              </a:rPr>
-              <a:t>POO Recap </a:t>
-            </a:r>
-            <a:endParaRPr lang="pt-BR" sz="5400" b="0" strike="noStrike" spc="-1">
-              <a:solidFill>
-                <a:srgbClr val="000000"/>
-              </a:solidFill>
-              <a:latin typeface="Arial"/>
-            </a:endParaRPr>
-          </a:p>
-          <a:p>
-            <a:pPr>
-              <a:lnSpc>
-                <a:spcPct val="100000"/>
-              </a:lnSpc>
-            </a:pPr>
-            <a:endParaRPr lang="pt-BR" sz="5400" b="0" strike="noStrike" spc="-1">
-              <a:solidFill>
-                <a:srgbClr val="000000"/>
-              </a:solidFill>
-              <a:latin typeface="Arial"/>
-            </a:endParaRPr>
-          </a:p>
-        </p:txBody>
-      </p:sp>
-      <p:pic>
-        <p:nvPicPr>
-          <p:cNvPr id="241" name="Imagem 7"/>
-          <p:cNvPicPr/>
-          <p:nvPr/>
-        </p:nvPicPr>
-        <p:blipFill>
-          <a:blip r:embed="rId2"/>
-          <a:srcRect b="20507"/>
-          <a:stretch/>
-        </p:blipFill>
-        <p:spPr>
-          <a:xfrm>
-            <a:off x="8100720" y="900720"/>
-            <a:ext cx="2142720" cy="3603600"/>
-          </a:xfrm>
-          <a:prstGeom prst="rect">
-            <a:avLst/>
-          </a:prstGeom>
-          <a:ln w="0">
-            <a:noFill/>
-          </a:ln>
-        </p:spPr>
-      </p:pic>
-      <p:sp>
-        <p:nvSpPr>
-          <p:cNvPr id="242" name="CaixaDeTexto 3"/>
-          <p:cNvSpPr/>
-          <p:nvPr/>
-        </p:nvSpPr>
-        <p:spPr>
-          <a:xfrm>
-            <a:off x="291960" y="1113480"/>
-            <a:ext cx="7693920" cy="720360"/>
-          </a:xfrm>
-          <a:prstGeom prst="rect">
-            <a:avLst/>
-          </a:prstGeom>
-          <a:noFill/>
-          <a:ln w="0">
-            <a:noFill/>
-          </a:ln>
-        </p:spPr>
-        <p:style>
-          <a:lnRef idx="0">
-            <a:scrgbClr r="0" g="0" b="0"/>
-          </a:lnRef>
-          <a:fillRef idx="0">
-            <a:scrgbClr r="0" g="0" b="0"/>
-          </a:fillRef>
-          <a:effectRef idx="0">
-            <a:scrgbClr r="0" g="0" b="0"/>
-          </a:effectRef>
-          <a:fontRef idx="minor"/>
-        </p:style>
-        <p:txBody>
-          <a:bodyPr lIns="90000" tIns="45000" rIns="90000" bIns="45000" anchor="t">
-            <a:spAutoFit/>
-          </a:bodyPr>
-          <a:lstStyle/>
-          <a:p>
-            <a:pPr marL="216000" indent="-216000" algn="just">
-              <a:lnSpc>
-                <a:spcPct val="115000"/>
-              </a:lnSpc>
-              <a:buClr>
-                <a:srgbClr val="000000"/>
-              </a:buClr>
-              <a:buFont typeface="Arial"/>
-              <a:buChar char="●"/>
-            </a:pPr>
-            <a:r>
-              <a:rPr lang="pt-BR" sz="1800" b="0" strike="noStrike" spc="-1">
-                <a:solidFill>
-                  <a:srgbClr val="01498E"/>
-                </a:solidFill>
-                <a:latin typeface="Arial"/>
-                <a:ea typeface="Calibri"/>
-              </a:rPr>
-              <a:t>O que é uma classe (class) ?</a:t>
-            </a:r>
-            <a:endParaRPr lang="pt-BR" sz="1800" b="0" strike="noStrike" spc="-1">
-              <a:solidFill>
-                <a:srgbClr val="000000"/>
-              </a:solidFill>
-              <a:latin typeface="Arial"/>
-            </a:endParaRPr>
-          </a:p>
-          <a:p>
-            <a:pPr marL="216000" indent="-216000" algn="just">
-              <a:lnSpc>
-                <a:spcPct val="115000"/>
-              </a:lnSpc>
-              <a:buClr>
-                <a:srgbClr val="000000"/>
-              </a:buClr>
-              <a:buFont typeface="Arial"/>
-              <a:buChar char="●"/>
-            </a:pPr>
-            <a:r>
-              <a:rPr lang="pt-BR" sz="1800" b="0" strike="noStrike" spc="-1">
-                <a:solidFill>
-                  <a:srgbClr val="01498E"/>
-                </a:solidFill>
-                <a:latin typeface="Arial"/>
-                <a:ea typeface="Calibri"/>
-              </a:rPr>
-              <a:t>O que é Herança?</a:t>
-            </a:r>
-            <a:endParaRPr lang="pt-BR" sz="1800" b="0" strike="noStrike" spc="-1">
-              <a:solidFill>
-                <a:srgbClr val="000000"/>
-              </a:solidFill>
-              <a:latin typeface="Arial"/>
-            </a:endParaRPr>
-          </a:p>
-        </p:txBody>
-      </p:sp>
-      <p:pic>
-        <p:nvPicPr>
-          <p:cNvPr id="243" name="Imagem 134"/>
-          <p:cNvPicPr/>
-          <p:nvPr/>
-        </p:nvPicPr>
-        <p:blipFill>
-          <a:blip r:embed="rId3"/>
-          <a:stretch/>
-        </p:blipFill>
-        <p:spPr>
-          <a:xfrm>
-            <a:off x="5040000" y="1254960"/>
-            <a:ext cx="3035520" cy="3063960"/>
-          </a:xfrm>
-          <a:prstGeom prst="rect">
-            <a:avLst/>
-          </a:prstGeom>
-          <a:ln w="0">
-            <a:noFill/>
-          </a:ln>
-        </p:spPr>
-      </p:pic>
-      <p:pic>
-        <p:nvPicPr>
-          <p:cNvPr id="244" name="Imagem 135"/>
-          <p:cNvPicPr/>
-          <p:nvPr/>
-        </p:nvPicPr>
-        <p:blipFill>
-          <a:blip r:embed="rId4"/>
-          <a:stretch/>
-        </p:blipFill>
-        <p:spPr>
-          <a:xfrm>
-            <a:off x="2719440" y="1833840"/>
-            <a:ext cx="1779480" cy="3026880"/>
-          </a:xfrm>
-          <a:prstGeom prst="rect">
-            <a:avLst/>
-          </a:prstGeom>
-          <a:ln w="0">
-            <a:noFill/>
-          </a:ln>
-        </p:spPr>
-      </p:pic>
-      <p:pic>
-        <p:nvPicPr>
-          <p:cNvPr id="245" name="Imagem 8"/>
-          <p:cNvPicPr/>
-          <p:nvPr/>
-        </p:nvPicPr>
-        <p:blipFill>
-          <a:blip r:embed="rId5"/>
-          <a:stretch/>
-        </p:blipFill>
-        <p:spPr>
-          <a:xfrm>
-            <a:off x="3762000" y="180000"/>
-            <a:ext cx="5380920" cy="1922760"/>
-          </a:xfrm>
-          <a:prstGeom prst="rect">
-            <a:avLst/>
-          </a:prstGeom>
-          <a:ln w="0">
-            <a:noFill/>
-          </a:ln>
-        </p:spPr>
-      </p:pic>
     </p:spTree>
   </p:cSld>
   <p:clrMapOvr>
@@ -19296,7 +19403,7 @@
       </p:grpSpPr>
       <p:sp>
         <p:nvSpPr>
-          <p:cNvPr id="246" name="Título 3"/>
+          <p:cNvPr id="240" name="Título 4"/>
           <p:cNvSpPr/>
           <p:nvPr/>
         </p:nvSpPr>
@@ -19370,7 +19477,7 @@
       </p:sp>
       <p:pic>
         <p:nvPicPr>
-          <p:cNvPr id="247" name="Imagem 5"/>
+          <p:cNvPr id="241" name="Imagem 7"/>
           <p:cNvPicPr/>
           <p:nvPr/>
         </p:nvPicPr>
@@ -19394,14 +19501,14 @@
       </p:pic>
       <p:sp>
         <p:nvSpPr>
-          <p:cNvPr id="248" name="CaixaDeTexto 2"/>
+          <p:cNvPr id="242" name="CaixaDeTexto 3"/>
           <p:cNvSpPr/>
           <p:nvPr/>
         </p:nvSpPr>
         <p:spPr>
           <a:xfrm>
             <a:off x="291960" y="1113480"/>
-            <a:ext cx="7693920" cy="2297160"/>
+            <a:ext cx="7693920" cy="720360"/>
           </a:xfrm>
           <a:prstGeom prst="rect">
             <a:avLst/>
@@ -19447,7 +19554,7 @@
                 <a:latin typeface="Arial"/>
                 <a:ea typeface="Calibri"/>
               </a:rPr>
-              <a:t>O que é Herança ?</a:t>
+              <a:t>O que é uma classe (class) ?</a:t>
             </a:r>
             <a:endParaRPr lang="pt-BR" sz="1800" b="0" strike="noStrike" spc="-1">
               <a:solidFill>
@@ -19457,7 +19564,7 @@
             </a:endParaRPr>
           </a:p>
           <a:p>
-            <a:pPr marL="673200" lvl="1" indent="-216000" algn="just">
+            <a:pPr marL="216000" indent="-216000" algn="just">
               <a:lnSpc>
                 <a:spcPct val="115000"/>
               </a:lnSpc>
@@ -19475,21 +19582,8 @@
                 <a:latin typeface="Arial"/>
                 <a:ea typeface="Calibri"/>
               </a:rPr>
-              <a:t>Em Python, herança é um conceito fundamental da programação orientada a objetos (POO) que permite que uma classe (chamada classe filha ou subclasse) herde atributos e métodos de outra classe (chamada classe pai ou superclasse). Isso promove a reutilização de código e a organização hierárquica.</a:t>
-            </a:r>
-            <a:endParaRPr lang="pt-BR" sz="1800" b="0" strike="noStrike" spc="-1">
-              <a:solidFill>
-                <a:srgbClr val="000000"/>
-              </a:solidFill>
-              <a:latin typeface="Arial"/>
-            </a:endParaRPr>
-          </a:p>
-          <a:p>
-            <a:pPr algn="just">
-              <a:lnSpc>
-                <a:spcPct val="115000"/>
-              </a:lnSpc>
-            </a:pPr>
+              <a:t>O que é Herança?</a:t>
+            </a:r>
             <a:endParaRPr lang="pt-BR" sz="1800" b="0" strike="noStrike" spc="-1">
               <a:solidFill>
                 <a:srgbClr val="000000"/>
@@ -19501,7 +19595,7 @@
       </p:sp>
       <p:pic>
         <p:nvPicPr>
-          <p:cNvPr id="249" name="Imagem 6"/>
+          <p:cNvPr id="243" name="Imagem 134"/>
           <p:cNvPicPr/>
           <p:nvPr/>
         </p:nvPicPr>
@@ -19511,7 +19605,53 @@
         </p:blipFill>
         <p:spPr>
           <a:xfrm>
-            <a:off x="959400" y="3067920"/>
+            <a:off x="5040000" y="1254960"/>
+            <a:ext cx="3035520" cy="3063960"/>
+          </a:xfrm>
+          <a:prstGeom prst="rect">
+            <a:avLst/>
+          </a:prstGeom>
+          <a:ln w="0">
+            <a:noFill/>
+          </a:ln>
+        </p:spPr>
+      </p:pic>
+      <p:pic>
+        <p:nvPicPr>
+          <p:cNvPr id="244" name="Imagem 135"/>
+          <p:cNvPicPr/>
+          <p:nvPr/>
+        </p:nvPicPr>
+        <p:blipFill>
+          <a:blip r:embed="rId4"/>
+          <a:stretch/>
+        </p:blipFill>
+        <p:spPr>
+          <a:xfrm>
+            <a:off x="2719440" y="1833840"/>
+            <a:ext cx="1779480" cy="3026880"/>
+          </a:xfrm>
+          <a:prstGeom prst="rect">
+            <a:avLst/>
+          </a:prstGeom>
+          <a:ln w="0">
+            <a:noFill/>
+          </a:ln>
+        </p:spPr>
+      </p:pic>
+      <p:pic>
+        <p:nvPicPr>
+          <p:cNvPr id="245" name="Imagem 8"/>
+          <p:cNvPicPr/>
+          <p:nvPr/>
+        </p:nvPicPr>
+        <p:blipFill>
+          <a:blip r:embed="rId5"/>
+          <a:stretch/>
+        </p:blipFill>
+        <p:spPr>
+          <a:xfrm>
+            <a:off x="3762000" y="180000"/>
             <a:ext cx="5380920" cy="1922760"/>
           </a:xfrm>
           <a:prstGeom prst="rect">
@@ -19549,6 +19689,259 @@
       </p:grpSpPr>
       <p:sp>
         <p:nvSpPr>
+          <p:cNvPr id="246" name="Título 3"/>
+          <p:cNvSpPr/>
+          <p:nvPr/>
+        </p:nvSpPr>
+        <p:spPr>
+          <a:xfrm>
+            <a:off x="291960" y="189000"/>
+            <a:ext cx="7480440" cy="900000"/>
+          </a:xfrm>
+          <a:prstGeom prst="rect">
+            <a:avLst/>
+          </a:prstGeom>
+          <a:noFill/>
+          <a:ln w="0">
+            <a:noFill/>
+          </a:ln>
+        </p:spPr>
+        <p:style>
+          <a:lnRef idx="0">
+            <a:scrgbClr r="0" g="0" b="0"/>
+          </a:lnRef>
+          <a:fillRef idx="0">
+            <a:scrgbClr r="0" g="0" b="0"/>
+          </a:fillRef>
+          <a:effectRef idx="0">
+            <a:scrgbClr r="0" g="0" b="0"/>
+          </a:effectRef>
+          <a:fontRef idx="minor"/>
+        </p:style>
+        <p:txBody>
+          <a:bodyPr lIns="90000" tIns="91440" rIns="90000" bIns="91440" anchor="t">
+            <a:noAutofit/>
+          </a:bodyPr>
+          <a:lstStyle/>
+          <a:p>
+            <a:pPr>
+              <a:lnSpc>
+                <a:spcPct val="100000"/>
+              </a:lnSpc>
+            </a:pPr>
+            <a:r>
+              <a:rPr lang="pt-BR" sz="5400" b="1" strike="noStrike" spc="-1">
+                <a:solidFill>
+                  <a:srgbClr val="002060"/>
+                </a:solidFill>
+                <a:latin typeface="Overpass"/>
+                <a:ea typeface="Overpass"/>
+              </a:rPr>
+              <a:t>POO Recap </a:t>
+            </a:r>
+            <a:endParaRPr lang="pt-BR" sz="5400" b="0" strike="noStrike" spc="-1">
+              <a:solidFill>
+                <a:srgbClr val="000000"/>
+              </a:solidFill>
+              <a:latin typeface="Arial"/>
+            </a:endParaRPr>
+          </a:p>
+          <a:p>
+            <a:pPr>
+              <a:lnSpc>
+                <a:spcPct val="100000"/>
+              </a:lnSpc>
+            </a:pPr>
+            <a:endParaRPr lang="pt-BR" sz="5400" b="0" strike="noStrike" spc="-1">
+              <a:solidFill>
+                <a:srgbClr val="000000"/>
+              </a:solidFill>
+              <a:latin typeface="Arial"/>
+            </a:endParaRPr>
+          </a:p>
+        </p:txBody>
+      </p:sp>
+      <p:pic>
+        <p:nvPicPr>
+          <p:cNvPr id="247" name="Imagem 5"/>
+          <p:cNvPicPr/>
+          <p:nvPr/>
+        </p:nvPicPr>
+        <p:blipFill>
+          <a:blip r:embed="rId2"/>
+          <a:srcRect b="20507"/>
+          <a:stretch/>
+        </p:blipFill>
+        <p:spPr>
+          <a:xfrm>
+            <a:off x="8100720" y="900720"/>
+            <a:ext cx="2142720" cy="3603600"/>
+          </a:xfrm>
+          <a:prstGeom prst="rect">
+            <a:avLst/>
+          </a:prstGeom>
+          <a:ln w="0">
+            <a:noFill/>
+          </a:ln>
+        </p:spPr>
+      </p:pic>
+      <p:sp>
+        <p:nvSpPr>
+          <p:cNvPr id="248" name="CaixaDeTexto 2"/>
+          <p:cNvSpPr/>
+          <p:nvPr/>
+        </p:nvSpPr>
+        <p:spPr>
+          <a:xfrm>
+            <a:off x="291960" y="1113480"/>
+            <a:ext cx="7693920" cy="2297160"/>
+          </a:xfrm>
+          <a:prstGeom prst="rect">
+            <a:avLst/>
+          </a:prstGeom>
+          <a:noFill/>
+          <a:ln w="0">
+            <a:noFill/>
+          </a:ln>
+        </p:spPr>
+        <p:style>
+          <a:lnRef idx="0">
+            <a:scrgbClr r="0" g="0" b="0"/>
+          </a:lnRef>
+          <a:fillRef idx="0">
+            <a:scrgbClr r="0" g="0" b="0"/>
+          </a:fillRef>
+          <a:effectRef idx="0">
+            <a:scrgbClr r="0" g="0" b="0"/>
+          </a:effectRef>
+          <a:fontRef idx="minor"/>
+        </p:style>
+        <p:txBody>
+          <a:bodyPr lIns="90000" tIns="45000" rIns="90000" bIns="45000" anchor="t">
+            <a:spAutoFit/>
+          </a:bodyPr>
+          <a:lstStyle/>
+          <a:p>
+            <a:pPr marL="216000" indent="-216000" algn="just">
+              <a:lnSpc>
+                <a:spcPct val="115000"/>
+              </a:lnSpc>
+              <a:buClr>
+                <a:srgbClr val="000000"/>
+              </a:buClr>
+              <a:buFont typeface="Arial"/>
+              <a:buChar char="●"/>
+            </a:pPr>
+            <a:r>
+              <a:rPr lang="pt-BR" sz="1800" b="0" strike="noStrike" spc="-1">
+                <a:solidFill>
+                  <a:srgbClr val="01498E"/>
+                </a:solidFill>
+                <a:latin typeface="Arial"/>
+                <a:ea typeface="Calibri"/>
+              </a:rPr>
+              <a:t>O que é Herança ?</a:t>
+            </a:r>
+            <a:endParaRPr lang="pt-BR" sz="1800" b="0" strike="noStrike" spc="-1">
+              <a:solidFill>
+                <a:srgbClr val="000000"/>
+              </a:solidFill>
+              <a:latin typeface="Arial"/>
+            </a:endParaRPr>
+          </a:p>
+          <a:p>
+            <a:pPr marL="673200" lvl="1" indent="-216000" algn="just">
+              <a:lnSpc>
+                <a:spcPct val="115000"/>
+              </a:lnSpc>
+              <a:buClr>
+                <a:srgbClr val="000000"/>
+              </a:buClr>
+              <a:buFont typeface="Arial"/>
+              <a:buChar char="●"/>
+            </a:pPr>
+            <a:r>
+              <a:rPr lang="pt-BR" sz="1800" b="0" strike="noStrike" spc="-1">
+                <a:solidFill>
+                  <a:srgbClr val="01498E"/>
+                </a:solidFill>
+                <a:latin typeface="Arial"/>
+                <a:ea typeface="Calibri"/>
+              </a:rPr>
+              <a:t>Em Python, herança é um conceito fundamental da programação orientada a objetos (POO) que permite que uma classe (chamada classe filha ou subclasse) herde atributos e métodos de outra classe (chamada classe pai ou superclasse). Isso promove a reutilização de código e a organização hierárquica.</a:t>
+            </a:r>
+            <a:endParaRPr lang="pt-BR" sz="1800" b="0" strike="noStrike" spc="-1">
+              <a:solidFill>
+                <a:srgbClr val="000000"/>
+              </a:solidFill>
+              <a:latin typeface="Arial"/>
+            </a:endParaRPr>
+          </a:p>
+          <a:p>
+            <a:pPr algn="just">
+              <a:lnSpc>
+                <a:spcPct val="115000"/>
+              </a:lnSpc>
+            </a:pPr>
+            <a:endParaRPr lang="pt-BR" sz="1800" b="0" strike="noStrike" spc="-1">
+              <a:solidFill>
+                <a:srgbClr val="000000"/>
+              </a:solidFill>
+              <a:latin typeface="Arial"/>
+            </a:endParaRPr>
+          </a:p>
+        </p:txBody>
+      </p:sp>
+      <p:pic>
+        <p:nvPicPr>
+          <p:cNvPr id="249" name="Imagem 6"/>
+          <p:cNvPicPr/>
+          <p:nvPr/>
+        </p:nvPicPr>
+        <p:blipFill>
+          <a:blip r:embed="rId3"/>
+          <a:stretch/>
+        </p:blipFill>
+        <p:spPr>
+          <a:xfrm>
+            <a:off x="959400" y="3067920"/>
+            <a:ext cx="5380920" cy="1922760"/>
+          </a:xfrm>
+          <a:prstGeom prst="rect">
+            <a:avLst/>
+          </a:prstGeom>
+          <a:ln w="0">
+            <a:noFill/>
+          </a:ln>
+        </p:spPr>
+      </p:pic>
+    </p:spTree>
+  </p:cSld>
+  <p:clrMapOvr>
+    <a:masterClrMapping/>
+  </p:clrMapOvr>
+</p:sld>
+</file>
+
+<file path=ppt/slides/slide35.xml><?xml version="1.0" encoding="utf-8"?>
+<p:sld xmlns:a="http://schemas.openxmlformats.org/drawingml/2006/main" xmlns:r="http://schemas.openxmlformats.org/officeDocument/2006/relationships" xmlns:p="http://schemas.openxmlformats.org/presentationml/2006/main">
+  <p:cSld>
+    <p:spTree>
+      <p:nvGrpSpPr>
+        <p:cNvPr id="1" name=""/>
+        <p:cNvGrpSpPr/>
+        <p:nvPr/>
+      </p:nvGrpSpPr>
+      <p:grpSpPr>
+        <a:xfrm>
+          <a:off x="0" y="0"/>
+          <a:ext cx="0" cy="0"/>
+          <a:chOff x="0" y="0"/>
+          <a:chExt cx="0" cy="0"/>
+        </a:xfrm>
+      </p:grpSpPr>
+      <p:sp>
+        <p:nvSpPr>
           <p:cNvPr id="250" name="Título 1"/>
           <p:cNvSpPr/>
           <p:nvPr/>
@@ -19785,7 +20178,7 @@
 </p:sld>
 </file>
 
-<file path=ppt/slides/slide35.xml><?xml version="1.0" encoding="utf-8"?>
+<file path=ppt/slides/slide36.xml><?xml version="1.0" encoding="utf-8"?>
 <p:sld xmlns:a="http://schemas.openxmlformats.org/drawingml/2006/main" xmlns:r="http://schemas.openxmlformats.org/officeDocument/2006/relationships" xmlns:p="http://schemas.openxmlformats.org/presentationml/2006/main">
   <p:cSld>
     <p:spTree>
@@ -19833,261 +20226,6 @@
 </p:sld>
 </file>
 
-<file path=ppt/slides/slide36.xml><?xml version="1.0" encoding="utf-8"?>
-<p:sld xmlns:a="http://schemas.openxmlformats.org/drawingml/2006/main" xmlns:r="http://schemas.openxmlformats.org/officeDocument/2006/relationships" xmlns:p="http://schemas.openxmlformats.org/presentationml/2006/main">
-  <p:cSld>
-    <p:spTree>
-      <p:nvGrpSpPr>
-        <p:cNvPr id="1" name=""/>
-        <p:cNvGrpSpPr/>
-        <p:nvPr/>
-      </p:nvGrpSpPr>
-      <p:grpSpPr>
-        <a:xfrm>
-          <a:off x="0" y="0"/>
-          <a:ext cx="0" cy="0"/>
-          <a:chOff x="0" y="0"/>
-          <a:chExt cx="0" cy="0"/>
-        </a:xfrm>
-      </p:grpSpPr>
-      <p:sp>
-        <p:nvSpPr>
-          <p:cNvPr id="254" name="Título 10"/>
-          <p:cNvSpPr/>
-          <p:nvPr/>
-        </p:nvSpPr>
-        <p:spPr>
-          <a:xfrm>
-            <a:off x="291960" y="32040"/>
-            <a:ext cx="5587560" cy="900000"/>
-          </a:xfrm>
-          <a:prstGeom prst="rect">
-            <a:avLst/>
-          </a:prstGeom>
-          <a:noFill/>
-          <a:ln w="0">
-            <a:noFill/>
-          </a:ln>
-        </p:spPr>
-        <p:style>
-          <a:lnRef idx="0">
-            <a:scrgbClr r="0" g="0" b="0"/>
-          </a:lnRef>
-          <a:fillRef idx="0">
-            <a:scrgbClr r="0" g="0" b="0"/>
-          </a:fillRef>
-          <a:effectRef idx="0">
-            <a:scrgbClr r="0" g="0" b="0"/>
-          </a:effectRef>
-          <a:fontRef idx="minor"/>
-        </p:style>
-        <p:txBody>
-          <a:bodyPr lIns="90000" tIns="91440" rIns="90000" bIns="91440" anchor="t">
-            <a:noAutofit/>
-          </a:bodyPr>
-          <a:lstStyle/>
-          <a:p>
-            <a:pPr>
-              <a:lnSpc>
-                <a:spcPct val="100000"/>
-              </a:lnSpc>
-            </a:pPr>
-            <a:r>
-              <a:rPr lang="pt-BR" sz="5400" b="1" strike="noStrike" spc="-1">
-                <a:solidFill>
-                  <a:srgbClr val="002060"/>
-                </a:solidFill>
-                <a:latin typeface="Overpass"/>
-                <a:ea typeface="Overpass"/>
-              </a:rPr>
-              <a:t>Let’s Work</a:t>
-            </a:r>
-            <a:endParaRPr lang="pt-BR" sz="5400" b="0" strike="noStrike" spc="-1">
-              <a:solidFill>
-                <a:srgbClr val="000000"/>
-              </a:solidFill>
-              <a:latin typeface="Arial"/>
-            </a:endParaRPr>
-          </a:p>
-        </p:txBody>
-      </p:sp>
-      <p:pic>
-        <p:nvPicPr>
-          <p:cNvPr id="255" name="Imagem 16"/>
-          <p:cNvPicPr/>
-          <p:nvPr/>
-        </p:nvPicPr>
-        <p:blipFill>
-          <a:blip r:embed="rId2"/>
-          <a:stretch/>
-        </p:blipFill>
-        <p:spPr>
-          <a:xfrm rot="5400000">
-            <a:off x="7714440" y="-111600"/>
-            <a:ext cx="2973960" cy="3197880"/>
-          </a:xfrm>
-          <a:prstGeom prst="rect">
-            <a:avLst/>
-          </a:prstGeom>
-          <a:ln w="0">
-            <a:noFill/>
-          </a:ln>
-        </p:spPr>
-      </p:pic>
-      <p:sp>
-        <p:nvSpPr>
-          <p:cNvPr id="256" name="CaixaDeTexto 10"/>
-          <p:cNvSpPr/>
-          <p:nvPr/>
-        </p:nvSpPr>
-        <p:spPr>
-          <a:xfrm>
-            <a:off x="180000" y="900000"/>
-            <a:ext cx="7419600" cy="1981800"/>
-          </a:xfrm>
-          <a:prstGeom prst="rect">
-            <a:avLst/>
-          </a:prstGeom>
-          <a:noFill/>
-          <a:ln w="0">
-            <a:noFill/>
-          </a:ln>
-        </p:spPr>
-        <p:style>
-          <a:lnRef idx="0">
-            <a:scrgbClr r="0" g="0" b="0"/>
-          </a:lnRef>
-          <a:fillRef idx="0">
-            <a:scrgbClr r="0" g="0" b="0"/>
-          </a:fillRef>
-          <a:effectRef idx="0">
-            <a:scrgbClr r="0" g="0" b="0"/>
-          </a:effectRef>
-          <a:fontRef idx="minor"/>
-        </p:style>
-        <p:txBody>
-          <a:bodyPr lIns="90000" tIns="45000" rIns="90000" bIns="45000" anchor="t">
-            <a:spAutoFit/>
-          </a:bodyPr>
-          <a:lstStyle/>
-          <a:p>
-            <a:pPr marL="216000" indent="-216000" algn="just">
-              <a:lnSpc>
-                <a:spcPct val="115000"/>
-              </a:lnSpc>
-              <a:buClr>
-                <a:srgbClr val="000000"/>
-              </a:buClr>
-              <a:buFont typeface="Arial"/>
-              <a:buChar char="●"/>
-            </a:pPr>
-            <a:r>
-              <a:rPr lang="pt-BR" sz="1800" b="0" strike="noStrike" spc="-1">
-                <a:solidFill>
-                  <a:srgbClr val="01498E"/>
-                </a:solidFill>
-                <a:latin typeface="Arial"/>
-                <a:ea typeface="Calibri"/>
-              </a:rPr>
-              <a:t>Problema 2:</a:t>
-            </a:r>
-            <a:endParaRPr lang="pt-BR" sz="1800" b="0" strike="noStrike" spc="-1">
-              <a:solidFill>
-                <a:srgbClr val="000000"/>
-              </a:solidFill>
-              <a:latin typeface="Arial"/>
-            </a:endParaRPr>
-          </a:p>
-          <a:p>
-            <a:pPr marL="673200" lvl="1" indent="-216000" algn="just">
-              <a:lnSpc>
-                <a:spcPct val="115000"/>
-              </a:lnSpc>
-              <a:buClr>
-                <a:srgbClr val="000000"/>
-              </a:buClr>
-              <a:buFont typeface="Arial"/>
-              <a:buChar char="●"/>
-            </a:pPr>
-            <a:r>
-              <a:rPr lang="pt-BR" sz="1800" b="0" strike="noStrike" spc="-1">
-                <a:solidFill>
-                  <a:srgbClr val="01498E"/>
-                </a:solidFill>
-                <a:latin typeface="Arial"/>
-                <a:ea typeface="Calibri"/>
-              </a:rPr>
-              <a:t>Dado o código a seguir, defina a classe Livro</a:t>
-            </a:r>
-            <a:endParaRPr lang="pt-BR" sz="1800" b="0" strike="noStrike" spc="-1">
-              <a:solidFill>
-                <a:srgbClr val="000000"/>
-              </a:solidFill>
-              <a:latin typeface="Arial"/>
-            </a:endParaRPr>
-          </a:p>
-          <a:p>
-            <a:pPr algn="just">
-              <a:lnSpc>
-                <a:spcPct val="115000"/>
-              </a:lnSpc>
-            </a:pPr>
-            <a:endParaRPr lang="pt-BR" sz="1800" b="0" strike="noStrike" spc="-1">
-              <a:solidFill>
-                <a:srgbClr val="000000"/>
-              </a:solidFill>
-              <a:latin typeface="Arial"/>
-            </a:endParaRPr>
-          </a:p>
-          <a:p>
-            <a:pPr algn="just">
-              <a:lnSpc>
-                <a:spcPct val="115000"/>
-              </a:lnSpc>
-            </a:pPr>
-            <a:endParaRPr lang="pt-BR" sz="1800" b="0" strike="noStrike" spc="-1">
-              <a:solidFill>
-                <a:srgbClr val="000000"/>
-              </a:solidFill>
-              <a:latin typeface="Arial"/>
-            </a:endParaRPr>
-          </a:p>
-          <a:p>
-            <a:pPr algn="just">
-              <a:lnSpc>
-                <a:spcPct val="115000"/>
-              </a:lnSpc>
-            </a:pPr>
-            <a:endParaRPr lang="pt-BR" sz="1800" b="0" strike="noStrike" spc="-1">
-              <a:solidFill>
-                <a:srgbClr val="000000"/>
-              </a:solidFill>
-              <a:latin typeface="Arial"/>
-            </a:endParaRPr>
-          </a:p>
-          <a:p>
-            <a:pPr algn="just">
-              <a:lnSpc>
-                <a:spcPct val="115000"/>
-              </a:lnSpc>
-            </a:pPr>
-            <a:endParaRPr lang="pt-BR" sz="1800" b="0" strike="noStrike" spc="-1">
-              <a:solidFill>
-                <a:srgbClr val="000000"/>
-              </a:solidFill>
-              <a:latin typeface="Arial"/>
-            </a:endParaRPr>
-          </a:p>
-        </p:txBody>
-      </p:sp>
-    </p:spTree>
-  </p:cSld>
-  <p:clrMapOvr>
-    <a:masterClrMapping/>
-  </p:clrMapOvr>
-</p:sld>
-</file>
-
 <file path=ppt/slides/slide37.xml><?xml version="1.0" encoding="utf-8"?>
 <p:sld xmlns:a="http://schemas.openxmlformats.org/drawingml/2006/main" xmlns:r="http://schemas.openxmlformats.org/officeDocument/2006/relationships" xmlns:p="http://schemas.openxmlformats.org/presentationml/2006/main">
   <p:cSld>
@@ -20107,18 +20245,14 @@
       </p:grpSpPr>
       <p:sp>
         <p:nvSpPr>
-          <p:cNvPr id="257" name="PlaceHolder 1"/>
-          <p:cNvSpPr>
-            <a:spLocks noGrp="1"/>
-          </p:cNvSpPr>
-          <p:nvPr>
-            <p:ph type="title"/>
-          </p:nvPr>
-        </p:nvSpPr>
-        <p:spPr>
-          <a:xfrm>
-            <a:off x="457200" y="205200"/>
-            <a:ext cx="8227800" cy="857160"/>
+          <p:cNvPr id="254" name="Título 10"/>
+          <p:cNvSpPr/>
+          <p:nvPr/>
+        </p:nvSpPr>
+        <p:spPr>
+          <a:xfrm>
+            <a:off x="291960" y="32040"/>
+            <a:ext cx="5587560" cy="900000"/>
           </a:xfrm>
           <a:prstGeom prst="rect">
             <a:avLst/>
@@ -20128,57 +20262,40 @@
             <a:noFill/>
           </a:ln>
         </p:spPr>
-        <p:txBody>
-          <a:bodyPr lIns="0" tIns="0" rIns="0" bIns="0" anchor="ctr">
+        <p:style>
+          <a:lnRef idx="0">
+            <a:scrgbClr r="0" g="0" b="0"/>
+          </a:lnRef>
+          <a:fillRef idx="0">
+            <a:scrgbClr r="0" g="0" b="0"/>
+          </a:fillRef>
+          <a:effectRef idx="0">
+            <a:scrgbClr r="0" g="0" b="0"/>
+          </a:effectRef>
+          <a:fontRef idx="minor"/>
+        </p:style>
+        <p:txBody>
+          <a:bodyPr lIns="90000" tIns="91440" rIns="90000" bIns="91440" anchor="t">
             <a:noAutofit/>
           </a:bodyPr>
           <a:lstStyle/>
           <a:p>
-            <a:pPr indent="0" algn="ctr">
-              <a:buNone/>
-            </a:pPr>
-            <a:endParaRPr lang="pt-BR" sz="1800" b="0" strike="noStrike" spc="-1">
-              <a:solidFill>
-                <a:srgbClr val="000000"/>
-              </a:solidFill>
-              <a:latin typeface="Arial"/>
-            </a:endParaRPr>
-          </a:p>
-        </p:txBody>
-      </p:sp>
-      <p:sp>
-        <p:nvSpPr>
-          <p:cNvPr id="258" name="PlaceHolder 2"/>
-          <p:cNvSpPr>
-            <a:spLocks noGrp="1"/>
-          </p:cNvSpPr>
-          <p:nvPr>
-            <p:ph type="subTitle"/>
-          </p:nvPr>
-        </p:nvSpPr>
-        <p:spPr>
-          <a:xfrm>
-            <a:off x="457200" y="1203480"/>
-            <a:ext cx="8227800" cy="2981520"/>
-          </a:xfrm>
-          <a:prstGeom prst="rect">
-            <a:avLst/>
-          </a:prstGeom>
-          <a:noFill/>
-          <a:ln w="0">
-            <a:noFill/>
-          </a:ln>
-        </p:spPr>
-        <p:txBody>
-          <a:bodyPr lIns="0" tIns="0" rIns="0" bIns="0" anchor="ctr">
-            <a:noAutofit/>
-          </a:bodyPr>
-          <a:lstStyle/>
-          <a:p>
-            <a:pPr indent="0" algn="ctr">
-              <a:buNone/>
-            </a:pPr>
-            <a:endParaRPr lang="pt-BR" sz="1800" b="0" strike="noStrike" spc="-1">
+            <a:pPr>
+              <a:lnSpc>
+                <a:spcPct val="100000"/>
+              </a:lnSpc>
+            </a:pPr>
+            <a:r>
+              <a:rPr lang="pt-BR" sz="5400" b="1" strike="noStrike" spc="-1">
+                <a:solidFill>
+                  <a:srgbClr val="002060"/>
+                </a:solidFill>
+                <a:latin typeface="Overpass"/>
+                <a:ea typeface="Overpass"/>
+              </a:rPr>
+              <a:t>Let’s Work</a:t>
+            </a:r>
+            <a:endParaRPr lang="pt-BR" sz="5400" b="0" strike="noStrike" spc="-1">
               <a:solidFill>
                 <a:srgbClr val="000000"/>
               </a:solidFill>
@@ -20189,7 +20306,7 @@
       </p:sp>
       <p:pic>
         <p:nvPicPr>
-          <p:cNvPr id="259" name="Imagem 15"/>
+          <p:cNvPr id="255" name="Imagem 16"/>
           <p:cNvPicPr/>
           <p:nvPr/>
         </p:nvPicPr>
@@ -20198,9 +20315,9 @@
           <a:stretch/>
         </p:blipFill>
         <p:spPr>
-          <a:xfrm>
-            <a:off x="1355760" y="0"/>
-            <a:ext cx="6431400" cy="5142240"/>
+          <a:xfrm rot="5400000">
+            <a:off x="7714440" y="-111600"/>
+            <a:ext cx="2973960" cy="3197880"/>
           </a:xfrm>
           <a:prstGeom prst="rect">
             <a:avLst/>
@@ -20210,6 +20327,152 @@
           </a:ln>
         </p:spPr>
       </p:pic>
+      <p:sp>
+        <p:nvSpPr>
+          <p:cNvPr id="256" name="CaixaDeTexto 10"/>
+          <p:cNvSpPr/>
+          <p:nvPr/>
+        </p:nvSpPr>
+        <p:spPr>
+          <a:xfrm>
+            <a:off x="180000" y="900000"/>
+            <a:ext cx="7419600" cy="1981800"/>
+          </a:xfrm>
+          <a:prstGeom prst="rect">
+            <a:avLst/>
+          </a:prstGeom>
+          <a:noFill/>
+          <a:ln w="0">
+            <a:noFill/>
+          </a:ln>
+        </p:spPr>
+        <p:style>
+          <a:lnRef idx="0">
+            <a:scrgbClr r="0" g="0" b="0"/>
+          </a:lnRef>
+          <a:fillRef idx="0">
+            <a:scrgbClr r="0" g="0" b="0"/>
+          </a:fillRef>
+          <a:effectRef idx="0">
+            <a:scrgbClr r="0" g="0" b="0"/>
+          </a:effectRef>
+          <a:fontRef idx="minor"/>
+        </p:style>
+        <p:txBody>
+          <a:bodyPr lIns="90000" tIns="45000" rIns="90000" bIns="45000" anchor="t">
+            <a:spAutoFit/>
+          </a:bodyPr>
+          <a:lstStyle/>
+          <a:p>
+            <a:pPr marL="216000" indent="-216000" algn="just">
+              <a:lnSpc>
+                <a:spcPct val="115000"/>
+              </a:lnSpc>
+              <a:buClr>
+                <a:srgbClr val="000000"/>
+              </a:buClr>
+              <a:buFont typeface="Arial"/>
+              <a:buChar char="●"/>
+            </a:pPr>
+            <a:r>
+              <a:rPr lang="pt-BR" sz="1800" b="0" strike="noStrike" spc="-1">
+                <a:solidFill>
+                  <a:srgbClr val="01498E"/>
+                </a:solidFill>
+                <a:latin typeface="Arial"/>
+                <a:ea typeface="Calibri"/>
+              </a:rPr>
+              <a:t>Problema 2:</a:t>
+            </a:r>
+            <a:endParaRPr lang="pt-BR" sz="1800" b="0" strike="noStrike" spc="-1">
+              <a:solidFill>
+                <a:srgbClr val="000000"/>
+              </a:solidFill>
+              <a:latin typeface="Arial"/>
+            </a:endParaRPr>
+          </a:p>
+          <a:p>
+            <a:pPr marL="673200" lvl="1" indent="-216000" algn="just">
+              <a:lnSpc>
+                <a:spcPct val="115000"/>
+              </a:lnSpc>
+              <a:buClr>
+                <a:srgbClr val="000000"/>
+              </a:buClr>
+              <a:buFont typeface="Arial"/>
+              <a:buChar char="●"/>
+            </a:pPr>
+            <a:r>
+              <a:rPr lang="pt-BR" sz="1800" b="0" strike="noStrike" spc="-1">
+                <a:solidFill>
+                  <a:srgbClr val="01498E"/>
+                </a:solidFill>
+                <a:latin typeface="Arial"/>
+                <a:ea typeface="Calibri"/>
+              </a:rPr>
+              <a:t>Dado o código a seguir, defina a classe Livro</a:t>
+            </a:r>
+            <a:endParaRPr lang="pt-BR" sz="1800" b="0" strike="noStrike" spc="-1">
+              <a:solidFill>
+                <a:srgbClr val="000000"/>
+              </a:solidFill>
+              <a:latin typeface="Arial"/>
+            </a:endParaRPr>
+          </a:p>
+          <a:p>
+            <a:pPr algn="just">
+              <a:lnSpc>
+                <a:spcPct val="115000"/>
+              </a:lnSpc>
+            </a:pPr>
+            <a:endParaRPr lang="pt-BR" sz="1800" b="0" strike="noStrike" spc="-1">
+              <a:solidFill>
+                <a:srgbClr val="000000"/>
+              </a:solidFill>
+              <a:latin typeface="Arial"/>
+            </a:endParaRPr>
+          </a:p>
+          <a:p>
+            <a:pPr algn="just">
+              <a:lnSpc>
+                <a:spcPct val="115000"/>
+              </a:lnSpc>
+            </a:pPr>
+            <a:endParaRPr lang="pt-BR" sz="1800" b="0" strike="noStrike" spc="-1">
+              <a:solidFill>
+                <a:srgbClr val="000000"/>
+              </a:solidFill>
+              <a:latin typeface="Arial"/>
+            </a:endParaRPr>
+          </a:p>
+          <a:p>
+            <a:pPr algn="just">
+              <a:lnSpc>
+                <a:spcPct val="115000"/>
+              </a:lnSpc>
+            </a:pPr>
+            <a:endParaRPr lang="pt-BR" sz="1800" b="0" strike="noStrike" spc="-1">
+              <a:solidFill>
+                <a:srgbClr val="000000"/>
+              </a:solidFill>
+              <a:latin typeface="Arial"/>
+            </a:endParaRPr>
+          </a:p>
+          <a:p>
+            <a:pPr algn="just">
+              <a:lnSpc>
+                <a:spcPct val="115000"/>
+              </a:lnSpc>
+            </a:pPr>
+            <a:endParaRPr lang="pt-BR" sz="1800" b="0" strike="noStrike" spc="-1">
+              <a:solidFill>
+                <a:srgbClr val="000000"/>
+              </a:solidFill>
+              <a:latin typeface="Arial"/>
+            </a:endParaRPr>
+          </a:p>
+        </p:txBody>
+      </p:sp>
     </p:spTree>
   </p:cSld>
   <p:clrMapOvr>
@@ -20237,14 +20500,18 @@
       </p:grpSpPr>
       <p:sp>
         <p:nvSpPr>
-          <p:cNvPr id="260" name="Título 10"/>
-          <p:cNvSpPr/>
-          <p:nvPr/>
-        </p:nvSpPr>
-        <p:spPr>
-          <a:xfrm>
-            <a:off x="291960" y="32040"/>
-            <a:ext cx="5587560" cy="900000"/>
+          <p:cNvPr id="257" name="PlaceHolder 1"/>
+          <p:cNvSpPr>
+            <a:spLocks noGrp="1"/>
+          </p:cNvSpPr>
+          <p:nvPr>
+            <p:ph type="title"/>
+          </p:nvPr>
+        </p:nvSpPr>
+        <p:spPr>
+          <a:xfrm>
+            <a:off x="457200" y="205200"/>
+            <a:ext cx="8227800" cy="857160"/>
           </a:xfrm>
           <a:prstGeom prst="rect">
             <a:avLst/>
@@ -20254,40 +20521,57 @@
             <a:noFill/>
           </a:ln>
         </p:spPr>
-        <p:style>
-          <a:lnRef idx="0">
-            <a:scrgbClr r="0" g="0" b="0"/>
-          </a:lnRef>
-          <a:fillRef idx="0">
-            <a:scrgbClr r="0" g="0" b="0"/>
-          </a:fillRef>
-          <a:effectRef idx="0">
-            <a:scrgbClr r="0" g="0" b="0"/>
-          </a:effectRef>
-          <a:fontRef idx="minor"/>
-        </p:style>
-        <p:txBody>
-          <a:bodyPr lIns="90000" tIns="91440" rIns="90000" bIns="91440" anchor="t">
+        <p:txBody>
+          <a:bodyPr lIns="0" tIns="0" rIns="0" bIns="0" anchor="ctr">
             <a:noAutofit/>
           </a:bodyPr>
           <a:lstStyle/>
           <a:p>
-            <a:pPr>
-              <a:lnSpc>
-                <a:spcPct val="100000"/>
-              </a:lnSpc>
-            </a:pPr>
-            <a:r>
-              <a:rPr lang="pt-BR" sz="5400" b="1" strike="noStrike" spc="-1">
-                <a:solidFill>
-                  <a:srgbClr val="002060"/>
-                </a:solidFill>
-                <a:latin typeface="Overpass"/>
-                <a:ea typeface="Overpass"/>
-              </a:rPr>
-              <a:t>Let’s Work</a:t>
-            </a:r>
-            <a:endParaRPr lang="pt-BR" sz="5400" b="0" strike="noStrike" spc="-1">
+            <a:pPr indent="0" algn="ctr">
+              <a:buNone/>
+            </a:pPr>
+            <a:endParaRPr lang="pt-BR" sz="1800" b="0" strike="noStrike" spc="-1">
+              <a:solidFill>
+                <a:srgbClr val="000000"/>
+              </a:solidFill>
+              <a:latin typeface="Arial"/>
+            </a:endParaRPr>
+          </a:p>
+        </p:txBody>
+      </p:sp>
+      <p:sp>
+        <p:nvSpPr>
+          <p:cNvPr id="258" name="PlaceHolder 2"/>
+          <p:cNvSpPr>
+            <a:spLocks noGrp="1"/>
+          </p:cNvSpPr>
+          <p:nvPr>
+            <p:ph type="subTitle"/>
+          </p:nvPr>
+        </p:nvSpPr>
+        <p:spPr>
+          <a:xfrm>
+            <a:off x="457200" y="1203480"/>
+            <a:ext cx="8227800" cy="2981520"/>
+          </a:xfrm>
+          <a:prstGeom prst="rect">
+            <a:avLst/>
+          </a:prstGeom>
+          <a:noFill/>
+          <a:ln w="0">
+            <a:noFill/>
+          </a:ln>
+        </p:spPr>
+        <p:txBody>
+          <a:bodyPr lIns="0" tIns="0" rIns="0" bIns="0" anchor="ctr">
+            <a:noAutofit/>
+          </a:bodyPr>
+          <a:lstStyle/>
+          <a:p>
+            <a:pPr indent="0" algn="ctr">
+              <a:buNone/>
+            </a:pPr>
+            <a:endParaRPr lang="pt-BR" sz="1800" b="0" strike="noStrike" spc="-1">
               <a:solidFill>
                 <a:srgbClr val="000000"/>
               </a:solidFill>
@@ -20298,7 +20582,7 @@
       </p:sp>
       <p:pic>
         <p:nvPicPr>
-          <p:cNvPr id="261" name="Imagem 16"/>
+          <p:cNvPr id="259" name="Imagem 15"/>
           <p:cNvPicPr/>
           <p:nvPr/>
         </p:nvPicPr>
@@ -20307,9 +20591,9 @@
           <a:stretch/>
         </p:blipFill>
         <p:spPr>
-          <a:xfrm rot="5400000">
-            <a:off x="7714440" y="-111600"/>
-            <a:ext cx="2973960" cy="3197880"/>
+          <a:xfrm>
+            <a:off x="1355760" y="0"/>
+            <a:ext cx="6431400" cy="5142240"/>
           </a:xfrm>
           <a:prstGeom prst="rect">
             <a:avLst/>
@@ -20319,139 +20603,6 @@
           </a:ln>
         </p:spPr>
       </p:pic>
-      <p:sp>
-        <p:nvSpPr>
-          <p:cNvPr id="262" name="CaixaDeTexto 10"/>
-          <p:cNvSpPr/>
-          <p:nvPr/>
-        </p:nvSpPr>
-        <p:spPr>
-          <a:xfrm>
-            <a:off x="180000" y="900000"/>
-            <a:ext cx="7419600" cy="1981800"/>
-          </a:xfrm>
-          <a:prstGeom prst="rect">
-            <a:avLst/>
-          </a:prstGeom>
-          <a:noFill/>
-          <a:ln w="0">
-            <a:noFill/>
-          </a:ln>
-        </p:spPr>
-        <p:style>
-          <a:lnRef idx="0">
-            <a:scrgbClr r="0" g="0" b="0"/>
-          </a:lnRef>
-          <a:fillRef idx="0">
-            <a:scrgbClr r="0" g="0" b="0"/>
-          </a:fillRef>
-          <a:effectRef idx="0">
-            <a:scrgbClr r="0" g="0" b="0"/>
-          </a:effectRef>
-          <a:fontRef idx="minor"/>
-        </p:style>
-        <p:txBody>
-          <a:bodyPr lIns="90000" tIns="45000" rIns="90000" bIns="45000" anchor="t">
-            <a:spAutoFit/>
-          </a:bodyPr>
-          <a:lstStyle/>
-          <a:p>
-            <a:pPr marL="216000" indent="-216000" algn="just">
-              <a:lnSpc>
-                <a:spcPct val="115000"/>
-              </a:lnSpc>
-              <a:buClr>
-                <a:srgbClr val="000000"/>
-              </a:buClr>
-              <a:buFont typeface="Arial"/>
-              <a:buChar char="●"/>
-            </a:pPr>
-            <a:r>
-              <a:rPr lang="pt-BR" sz="1800" b="0" strike="noStrike" spc="-1">
-                <a:solidFill>
-                  <a:srgbClr val="01498E"/>
-                </a:solidFill>
-                <a:latin typeface="Arial"/>
-                <a:ea typeface="Calibri"/>
-              </a:rPr>
-              <a:t>Problema 3:</a:t>
-            </a:r>
-            <a:endParaRPr lang="pt-BR" sz="1800" b="0" strike="noStrike" spc="-1">
-              <a:solidFill>
-                <a:srgbClr val="000000"/>
-              </a:solidFill>
-              <a:latin typeface="Arial"/>
-            </a:endParaRPr>
-          </a:p>
-          <a:p>
-            <a:pPr marL="673200" lvl="1" indent="-216000" algn="just">
-              <a:lnSpc>
-                <a:spcPct val="115000"/>
-              </a:lnSpc>
-              <a:buClr>
-                <a:srgbClr val="000000"/>
-              </a:buClr>
-              <a:buFont typeface="Arial"/>
-              <a:buChar char="●"/>
-            </a:pPr>
-            <a:r>
-              <a:rPr lang="pt-BR" sz="1800" b="0" strike="noStrike" spc="-1">
-                <a:solidFill>
-                  <a:srgbClr val="01498E"/>
-                </a:solidFill>
-                <a:latin typeface="Arial"/>
-                <a:ea typeface="Calibri"/>
-              </a:rPr>
-              <a:t>Usando random.randint(incio, fim) Crie uma função loteria que gere um numero aleatório dentro do range 1 a 10</a:t>
-            </a:r>
-            <a:endParaRPr lang="pt-BR" sz="1800" b="0" strike="noStrike" spc="-1">
-              <a:solidFill>
-                <a:srgbClr val="000000"/>
-              </a:solidFill>
-              <a:latin typeface="Arial"/>
-            </a:endParaRPr>
-          </a:p>
-          <a:p>
-            <a:pPr algn="just">
-              <a:lnSpc>
-                <a:spcPct val="115000"/>
-              </a:lnSpc>
-            </a:pPr>
-            <a:endParaRPr lang="pt-BR" sz="1800" b="0" strike="noStrike" spc="-1">
-              <a:solidFill>
-                <a:srgbClr val="000000"/>
-              </a:solidFill>
-              <a:latin typeface="Arial"/>
-            </a:endParaRPr>
-          </a:p>
-          <a:p>
-            <a:pPr algn="just">
-              <a:lnSpc>
-                <a:spcPct val="115000"/>
-              </a:lnSpc>
-            </a:pPr>
-            <a:endParaRPr lang="pt-BR" sz="1800" b="0" strike="noStrike" spc="-1">
-              <a:solidFill>
-                <a:srgbClr val="000000"/>
-              </a:solidFill>
-              <a:latin typeface="Arial"/>
-            </a:endParaRPr>
-          </a:p>
-          <a:p>
-            <a:pPr algn="just">
-              <a:lnSpc>
-                <a:spcPct val="115000"/>
-              </a:lnSpc>
-            </a:pPr>
-            <a:endParaRPr lang="pt-BR" sz="1800" b="0" strike="noStrike" spc="-1">
-              <a:solidFill>
-                <a:srgbClr val="000000"/>
-              </a:solidFill>
-              <a:latin typeface="Arial"/>
-            </a:endParaRPr>
-          </a:p>
-        </p:txBody>
-      </p:sp>
     </p:spTree>
   </p:cSld>
   <p:clrMapOvr>
@@ -20479,7 +20630,7 @@
       </p:grpSpPr>
       <p:sp>
         <p:nvSpPr>
-          <p:cNvPr id="263" name="Título 10"/>
+          <p:cNvPr id="260" name="Título 10"/>
           <p:cNvSpPr/>
           <p:nvPr/>
         </p:nvSpPr>
@@ -20540,7 +20691,7 @@
       </p:sp>
       <p:pic>
         <p:nvPicPr>
-          <p:cNvPr id="264" name="Imagem 16"/>
+          <p:cNvPr id="261" name="Imagem 16"/>
           <p:cNvPicPr/>
           <p:nvPr/>
         </p:nvPicPr>
@@ -20563,7 +20714,7 @@
       </p:pic>
       <p:sp>
         <p:nvSpPr>
-          <p:cNvPr id="265" name="CaixaDeTexto 10"/>
+          <p:cNvPr id="262" name="CaixaDeTexto 10"/>
           <p:cNvSpPr/>
           <p:nvPr/>
         </p:nvSpPr>
@@ -20616,7 +20767,7 @@
                 <a:latin typeface="Arial"/>
                 <a:ea typeface="Calibri"/>
               </a:rPr>
-              <a:t>Problema 4:</a:t>
+              <a:t>Problema 3:</a:t>
             </a:r>
             <a:endParaRPr lang="pt-BR" sz="1800" b="0" strike="noStrike" spc="-1">
               <a:solidFill>
@@ -21116,14 +21267,14 @@
       </p:grpSpPr>
       <p:sp>
         <p:nvSpPr>
-          <p:cNvPr id="266" name="Título 3"/>
+          <p:cNvPr id="263" name="Título 10"/>
           <p:cNvSpPr/>
           <p:nvPr/>
         </p:nvSpPr>
         <p:spPr>
           <a:xfrm>
-            <a:off x="291960" y="189000"/>
-            <a:ext cx="7480440" cy="900000"/>
+            <a:off x="291960" y="32040"/>
+            <a:ext cx="5587560" cy="900000"/>
           </a:xfrm>
           <a:prstGeom prst="rect">
             <a:avLst/>
@@ -21164,21 +21315,8 @@
                 <a:latin typeface="Overpass"/>
                 <a:ea typeface="Overpass"/>
               </a:rPr>
-              <a:t>POO</a:t>
-            </a:r>
-            <a:endParaRPr lang="pt-BR" sz="5400" b="0" strike="noStrike" spc="-1">
-              <a:solidFill>
-                <a:srgbClr val="000000"/>
-              </a:solidFill>
-              <a:latin typeface="Arial"/>
-            </a:endParaRPr>
-          </a:p>
-          <a:p>
-            <a:pPr>
-              <a:lnSpc>
-                <a:spcPct val="100000"/>
-              </a:lnSpc>
-            </a:pPr>
+              <a:t>Let’s Work</a:t>
+            </a:r>
             <a:endParaRPr lang="pt-BR" sz="5400" b="0" strike="noStrike" spc="-1">
               <a:solidFill>
                 <a:srgbClr val="000000"/>
@@ -21190,19 +21328,18 @@
       </p:sp>
       <p:pic>
         <p:nvPicPr>
-          <p:cNvPr id="267" name="Imagem 5"/>
+          <p:cNvPr id="264" name="Imagem 16"/>
           <p:cNvPicPr/>
           <p:nvPr/>
         </p:nvPicPr>
         <p:blipFill>
           <a:blip r:embed="rId2"/>
-          <a:srcRect b="20507"/>
           <a:stretch/>
         </p:blipFill>
         <p:spPr>
-          <a:xfrm>
-            <a:off x="8100720" y="900720"/>
-            <a:ext cx="2142720" cy="3603600"/>
+          <a:xfrm rot="5400000">
+            <a:off x="7714440" y="-111600"/>
+            <a:ext cx="2973960" cy="3197880"/>
           </a:xfrm>
           <a:prstGeom prst="rect">
             <a:avLst/>
@@ -21214,14 +21351,14 @@
       </p:pic>
       <p:sp>
         <p:nvSpPr>
-          <p:cNvPr id="268" name="CaixaDeTexto 2"/>
+          <p:cNvPr id="265" name="CaixaDeTexto 10"/>
           <p:cNvSpPr/>
           <p:nvPr/>
         </p:nvSpPr>
         <p:spPr>
           <a:xfrm>
-            <a:off x="291960" y="1113480"/>
-            <a:ext cx="7693920" cy="1035720"/>
+            <a:off x="180000" y="900000"/>
+            <a:ext cx="7419600" cy="1981800"/>
           </a:xfrm>
           <a:prstGeom prst="rect">
             <a:avLst/>
@@ -21267,7 +21404,7 @@
                 <a:latin typeface="Arial"/>
                 <a:ea typeface="Calibri"/>
               </a:rPr>
-              <a:t>Atividade valendo nota</a:t>
+              <a:t>Problema 4:</a:t>
             </a:r>
             <a:endParaRPr lang="pt-BR" sz="1800" b="0" strike="noStrike" spc="-1">
               <a:solidFill>
@@ -21295,8 +21432,34 @@
                 <a:latin typeface="Arial"/>
                 <a:ea typeface="Calibri"/>
               </a:rPr>
-              <a:t>Cada aluno vai </a:t>
-            </a:r>
+              <a:t>Usando random.randint(incio, fim) Crie uma função loteria que gere um numero aleatório dentro do range 1 a 10</a:t>
+            </a:r>
+            <a:endParaRPr lang="pt-BR" sz="1800" b="0" strike="noStrike" spc="-1">
+              <a:solidFill>
+                <a:srgbClr val="000000"/>
+              </a:solidFill>
+              <a:latin typeface="Arial"/>
+            </a:endParaRPr>
+          </a:p>
+          <a:p>
+            <a:pPr algn="just">
+              <a:lnSpc>
+                <a:spcPct val="115000"/>
+              </a:lnSpc>
+            </a:pPr>
+            <a:endParaRPr lang="pt-BR" sz="1800" b="0" strike="noStrike" spc="-1">
+              <a:solidFill>
+                <a:srgbClr val="000000"/>
+              </a:solidFill>
+              <a:latin typeface="Arial"/>
+            </a:endParaRPr>
+          </a:p>
+          <a:p>
+            <a:pPr algn="just">
+              <a:lnSpc>
+                <a:spcPct val="115000"/>
+              </a:lnSpc>
+            </a:pPr>
             <a:endParaRPr lang="pt-BR" sz="1800" b="0" strike="noStrike" spc="-1">
               <a:solidFill>
                 <a:srgbClr val="000000"/>
@@ -21344,6 +21507,211 @@
           <a:chExt cx="0" cy="0"/>
         </a:xfrm>
       </p:grpSpPr>
+      <p:sp>
+        <p:nvSpPr>
+          <p:cNvPr id="266" name="Título 3"/>
+          <p:cNvSpPr/>
+          <p:nvPr/>
+        </p:nvSpPr>
+        <p:spPr>
+          <a:xfrm>
+            <a:off x="291960" y="189000"/>
+            <a:ext cx="7480440" cy="900000"/>
+          </a:xfrm>
+          <a:prstGeom prst="rect">
+            <a:avLst/>
+          </a:prstGeom>
+          <a:noFill/>
+          <a:ln w="0">
+            <a:noFill/>
+          </a:ln>
+        </p:spPr>
+        <p:style>
+          <a:lnRef idx="0">
+            <a:scrgbClr r="0" g="0" b="0"/>
+          </a:lnRef>
+          <a:fillRef idx="0">
+            <a:scrgbClr r="0" g="0" b="0"/>
+          </a:fillRef>
+          <a:effectRef idx="0">
+            <a:scrgbClr r="0" g="0" b="0"/>
+          </a:effectRef>
+          <a:fontRef idx="minor"/>
+        </p:style>
+        <p:txBody>
+          <a:bodyPr lIns="90000" tIns="91440" rIns="90000" bIns="91440" anchor="t">
+            <a:noAutofit/>
+          </a:bodyPr>
+          <a:lstStyle/>
+          <a:p>
+            <a:pPr>
+              <a:lnSpc>
+                <a:spcPct val="100000"/>
+              </a:lnSpc>
+            </a:pPr>
+            <a:r>
+              <a:rPr lang="pt-BR" sz="5400" b="1" strike="noStrike" spc="-1">
+                <a:solidFill>
+                  <a:srgbClr val="002060"/>
+                </a:solidFill>
+                <a:latin typeface="Overpass"/>
+                <a:ea typeface="Overpass"/>
+              </a:rPr>
+              <a:t>POO</a:t>
+            </a:r>
+            <a:endParaRPr lang="pt-BR" sz="5400" b="0" strike="noStrike" spc="-1">
+              <a:solidFill>
+                <a:srgbClr val="000000"/>
+              </a:solidFill>
+              <a:latin typeface="Arial"/>
+            </a:endParaRPr>
+          </a:p>
+          <a:p>
+            <a:pPr>
+              <a:lnSpc>
+                <a:spcPct val="100000"/>
+              </a:lnSpc>
+            </a:pPr>
+            <a:endParaRPr lang="pt-BR" sz="5400" b="0" strike="noStrike" spc="-1">
+              <a:solidFill>
+                <a:srgbClr val="000000"/>
+              </a:solidFill>
+              <a:latin typeface="Arial"/>
+            </a:endParaRPr>
+          </a:p>
+        </p:txBody>
+      </p:sp>
+      <p:pic>
+        <p:nvPicPr>
+          <p:cNvPr id="267" name="Imagem 5"/>
+          <p:cNvPicPr/>
+          <p:nvPr/>
+        </p:nvPicPr>
+        <p:blipFill>
+          <a:blip r:embed="rId2"/>
+          <a:srcRect b="20507"/>
+          <a:stretch/>
+        </p:blipFill>
+        <p:spPr>
+          <a:xfrm>
+            <a:off x="8100720" y="900720"/>
+            <a:ext cx="2142720" cy="3603600"/>
+          </a:xfrm>
+          <a:prstGeom prst="rect">
+            <a:avLst/>
+          </a:prstGeom>
+          <a:ln w="0">
+            <a:noFill/>
+          </a:ln>
+        </p:spPr>
+      </p:pic>
+      <p:sp>
+        <p:nvSpPr>
+          <p:cNvPr id="268" name="CaixaDeTexto 2"/>
+          <p:cNvSpPr/>
+          <p:nvPr/>
+        </p:nvSpPr>
+        <p:spPr>
+          <a:xfrm>
+            <a:off x="291960" y="1113480"/>
+            <a:ext cx="7693920" cy="1035720"/>
+          </a:xfrm>
+          <a:prstGeom prst="rect">
+            <a:avLst/>
+          </a:prstGeom>
+          <a:noFill/>
+          <a:ln w="0">
+            <a:noFill/>
+          </a:ln>
+        </p:spPr>
+        <p:style>
+          <a:lnRef idx="0">
+            <a:scrgbClr r="0" g="0" b="0"/>
+          </a:lnRef>
+          <a:fillRef idx="0">
+            <a:scrgbClr r="0" g="0" b="0"/>
+          </a:fillRef>
+          <a:effectRef idx="0">
+            <a:scrgbClr r="0" g="0" b="0"/>
+          </a:effectRef>
+          <a:fontRef idx="minor"/>
+        </p:style>
+        <p:txBody>
+          <a:bodyPr lIns="90000" tIns="45000" rIns="90000" bIns="45000" anchor="t">
+            <a:spAutoFit/>
+          </a:bodyPr>
+          <a:lstStyle/>
+          <a:p>
+            <a:pPr marL="216000" indent="-216000" algn="just">
+              <a:lnSpc>
+                <a:spcPct val="115000"/>
+              </a:lnSpc>
+              <a:buClr>
+                <a:srgbClr val="000000"/>
+              </a:buClr>
+              <a:buFont typeface="Arial"/>
+              <a:buChar char="●"/>
+            </a:pPr>
+            <a:r>
+              <a:rPr lang="pt-BR" sz="1800" b="0" strike="noStrike" spc="-1">
+                <a:solidFill>
+                  <a:srgbClr val="01498E"/>
+                </a:solidFill>
+                <a:latin typeface="Arial"/>
+                <a:ea typeface="Calibri"/>
+              </a:rPr>
+              <a:t>Atividade valendo nota</a:t>
+            </a:r>
+            <a:endParaRPr lang="pt-BR" sz="1800" b="0" strike="noStrike" spc="-1">
+              <a:solidFill>
+                <a:srgbClr val="000000"/>
+              </a:solidFill>
+              <a:latin typeface="Arial"/>
+            </a:endParaRPr>
+          </a:p>
+          <a:p>
+            <a:pPr marL="673200" lvl="1" indent="-216000" algn="just">
+              <a:lnSpc>
+                <a:spcPct val="115000"/>
+              </a:lnSpc>
+              <a:buClr>
+                <a:srgbClr val="000000"/>
+              </a:buClr>
+              <a:buFont typeface="Arial"/>
+              <a:buChar char="●"/>
+            </a:pPr>
+            <a:r>
+              <a:rPr lang="pt-BR" sz="1800" b="0" strike="noStrike" spc="-1">
+                <a:solidFill>
+                  <a:srgbClr val="01498E"/>
+                </a:solidFill>
+                <a:latin typeface="Arial"/>
+                <a:ea typeface="Calibri"/>
+              </a:rPr>
+              <a:t>Cada aluno vai </a:t>
+            </a:r>
+            <a:endParaRPr lang="pt-BR" sz="1800" b="0" strike="noStrike" spc="-1">
+              <a:solidFill>
+                <a:srgbClr val="000000"/>
+              </a:solidFill>
+              <a:latin typeface="Arial"/>
+            </a:endParaRPr>
+          </a:p>
+          <a:p>
+            <a:pPr algn="just">
+              <a:lnSpc>
+                <a:spcPct val="115000"/>
+              </a:lnSpc>
+            </a:pPr>
+            <a:endParaRPr lang="pt-BR" sz="1800" b="0" strike="noStrike" spc="-1">
+              <a:solidFill>
+                <a:srgbClr val="000000"/>
+              </a:solidFill>
+              <a:latin typeface="Arial"/>
+            </a:endParaRPr>
+          </a:p>
+        </p:txBody>
+      </p:sp>
     </p:spTree>
   </p:cSld>
   <p:clrMapOvr>
@@ -21394,245 +21762,6 @@
           <a:chExt cx="0" cy="0"/>
         </a:xfrm>
       </p:grpSpPr>
-      <p:sp>
-        <p:nvSpPr>
-          <p:cNvPr id="269" name="Título 2"/>
-          <p:cNvSpPr/>
-          <p:nvPr/>
-        </p:nvSpPr>
-        <p:spPr>
-          <a:xfrm>
-            <a:off x="291960" y="189000"/>
-            <a:ext cx="7480440" cy="900000"/>
-          </a:xfrm>
-          <a:prstGeom prst="rect">
-            <a:avLst/>
-          </a:prstGeom>
-          <a:noFill/>
-          <a:ln w="0">
-            <a:noFill/>
-          </a:ln>
-        </p:spPr>
-        <p:style>
-          <a:lnRef idx="0">
-            <a:scrgbClr r="0" g="0" b="0"/>
-          </a:lnRef>
-          <a:fillRef idx="0">
-            <a:scrgbClr r="0" g="0" b="0"/>
-          </a:fillRef>
-          <a:effectRef idx="0">
-            <a:scrgbClr r="0" g="0" b="0"/>
-          </a:effectRef>
-          <a:fontRef idx="minor"/>
-        </p:style>
-        <p:txBody>
-          <a:bodyPr lIns="90000" tIns="91440" rIns="90000" bIns="91440" anchor="t">
-            <a:noAutofit/>
-          </a:bodyPr>
-          <a:lstStyle/>
-          <a:p>
-            <a:pPr>
-              <a:lnSpc>
-                <a:spcPct val="100000"/>
-              </a:lnSpc>
-            </a:pPr>
-            <a:r>
-              <a:rPr lang="pt-BR" sz="5400" b="1" strike="noStrike" spc="-1">
-                <a:solidFill>
-                  <a:srgbClr val="002060"/>
-                </a:solidFill>
-                <a:latin typeface="Overpass"/>
-                <a:ea typeface="Overpass"/>
-              </a:rPr>
-              <a:t>POO Recap </a:t>
-            </a:r>
-            <a:endParaRPr lang="pt-BR" sz="5400" b="0" strike="noStrike" spc="-1">
-              <a:solidFill>
-                <a:srgbClr val="000000"/>
-              </a:solidFill>
-              <a:latin typeface="Arial"/>
-            </a:endParaRPr>
-          </a:p>
-          <a:p>
-            <a:pPr>
-              <a:lnSpc>
-                <a:spcPct val="100000"/>
-              </a:lnSpc>
-            </a:pPr>
-            <a:endParaRPr lang="pt-BR" sz="5400" b="0" strike="noStrike" spc="-1">
-              <a:solidFill>
-                <a:srgbClr val="000000"/>
-              </a:solidFill>
-              <a:latin typeface="Arial"/>
-            </a:endParaRPr>
-          </a:p>
-        </p:txBody>
-      </p:sp>
-      <p:pic>
-        <p:nvPicPr>
-          <p:cNvPr id="270" name="Imagem 1"/>
-          <p:cNvPicPr/>
-          <p:nvPr/>
-        </p:nvPicPr>
-        <p:blipFill>
-          <a:blip r:embed="rId2"/>
-          <a:srcRect b="20507"/>
-          <a:stretch/>
-        </p:blipFill>
-        <p:spPr>
-          <a:xfrm>
-            <a:off x="8100720" y="900720"/>
-            <a:ext cx="2142720" cy="3603600"/>
-          </a:xfrm>
-          <a:prstGeom prst="rect">
-            <a:avLst/>
-          </a:prstGeom>
-          <a:ln w="0">
-            <a:noFill/>
-          </a:ln>
-        </p:spPr>
-      </p:pic>
-      <p:sp>
-        <p:nvSpPr>
-          <p:cNvPr id="271" name="CaixaDeTexto 1"/>
-          <p:cNvSpPr/>
-          <p:nvPr/>
-        </p:nvSpPr>
-        <p:spPr>
-          <a:xfrm>
-            <a:off x="291960" y="1286640"/>
-            <a:ext cx="6365160" cy="1666440"/>
-          </a:xfrm>
-          <a:prstGeom prst="rect">
-            <a:avLst/>
-          </a:prstGeom>
-          <a:noFill/>
-          <a:ln w="0">
-            <a:noFill/>
-          </a:ln>
-        </p:spPr>
-        <p:style>
-          <a:lnRef idx="0">
-            <a:scrgbClr r="0" g="0" b="0"/>
-          </a:lnRef>
-          <a:fillRef idx="0">
-            <a:scrgbClr r="0" g="0" b="0"/>
-          </a:fillRef>
-          <a:effectRef idx="0">
-            <a:scrgbClr r="0" g="0" b="0"/>
-          </a:effectRef>
-          <a:fontRef idx="minor"/>
-        </p:style>
-        <p:txBody>
-          <a:bodyPr lIns="90000" tIns="45000" rIns="90000" bIns="45000" anchor="t">
-            <a:spAutoFit/>
-          </a:bodyPr>
-          <a:lstStyle/>
-          <a:p>
-            <a:pPr marL="216000" indent="-216000" algn="just">
-              <a:lnSpc>
-                <a:spcPct val="115000"/>
-              </a:lnSpc>
-              <a:buClr>
-                <a:srgbClr val="000000"/>
-              </a:buClr>
-              <a:buFont typeface="Arial"/>
-              <a:buChar char="●"/>
-            </a:pPr>
-            <a:r>
-              <a:rPr lang="pt-BR" sz="1800" b="0" strike="noStrike" spc="-1">
-                <a:solidFill>
-                  <a:srgbClr val="01498E"/>
-                </a:solidFill>
-                <a:latin typeface="Arial"/>
-                <a:ea typeface="Calibri"/>
-              </a:rPr>
-              <a:t>Cada aluno explique uma linha do código abaixo</a:t>
-            </a:r>
-            <a:endParaRPr lang="pt-BR" sz="1800" b="0" strike="noStrike" spc="-1">
-              <a:solidFill>
-                <a:srgbClr val="000000"/>
-              </a:solidFill>
-              <a:latin typeface="Arial"/>
-            </a:endParaRPr>
-          </a:p>
-          <a:p>
-            <a:pPr algn="just">
-              <a:lnSpc>
-                <a:spcPct val="115000"/>
-              </a:lnSpc>
-            </a:pPr>
-            <a:endParaRPr lang="pt-BR" sz="1800" b="0" strike="noStrike" spc="-1">
-              <a:solidFill>
-                <a:srgbClr val="000000"/>
-              </a:solidFill>
-              <a:latin typeface="Arial"/>
-            </a:endParaRPr>
-          </a:p>
-          <a:p>
-            <a:pPr algn="just">
-              <a:lnSpc>
-                <a:spcPct val="115000"/>
-              </a:lnSpc>
-            </a:pPr>
-            <a:endParaRPr lang="pt-BR" sz="1800" b="0" strike="noStrike" spc="-1">
-              <a:solidFill>
-                <a:srgbClr val="000000"/>
-              </a:solidFill>
-              <a:latin typeface="Arial"/>
-            </a:endParaRPr>
-          </a:p>
-          <a:p>
-            <a:pPr algn="just">
-              <a:lnSpc>
-                <a:spcPct val="115000"/>
-              </a:lnSpc>
-            </a:pPr>
-            <a:endParaRPr lang="pt-BR" sz="1800" b="0" strike="noStrike" spc="-1">
-              <a:solidFill>
-                <a:srgbClr val="000000"/>
-              </a:solidFill>
-              <a:latin typeface="Arial"/>
-            </a:endParaRPr>
-          </a:p>
-          <a:p>
-            <a:pPr algn="just">
-              <a:lnSpc>
-                <a:spcPct val="115000"/>
-              </a:lnSpc>
-            </a:pPr>
-            <a:endParaRPr lang="pt-BR" sz="1800" b="0" strike="noStrike" spc="-1">
-              <a:solidFill>
-                <a:srgbClr val="000000"/>
-              </a:solidFill>
-              <a:latin typeface="Arial"/>
-            </a:endParaRPr>
-          </a:p>
-        </p:txBody>
-      </p:sp>
-      <p:pic>
-        <p:nvPicPr>
-          <p:cNvPr id="272" name="Imagem 154"/>
-          <p:cNvPicPr/>
-          <p:nvPr/>
-        </p:nvPicPr>
-        <p:blipFill>
-          <a:blip r:embed="rId3"/>
-          <a:stretch/>
-        </p:blipFill>
-        <p:spPr>
-          <a:xfrm>
-            <a:off x="0" y="0"/>
-            <a:ext cx="8898120" cy="4678920"/>
-          </a:xfrm>
-          <a:prstGeom prst="rect">
-            <a:avLst/>
-          </a:prstGeom>
-          <a:ln w="0">
-            <a:noFill/>
-          </a:ln>
-        </p:spPr>
-      </p:pic>
     </p:spTree>
   </p:cSld>
   <p:clrMapOvr>
@@ -21660,7 +21789,7 @@
       </p:grpSpPr>
       <p:sp>
         <p:nvSpPr>
-          <p:cNvPr id="273" name="Título 39"/>
+          <p:cNvPr id="269" name="Título 2"/>
           <p:cNvSpPr/>
           <p:nvPr/>
         </p:nvSpPr>
@@ -21734,7 +21863,7 @@
       </p:sp>
       <p:pic>
         <p:nvPicPr>
-          <p:cNvPr id="274" name="Imagem 39"/>
+          <p:cNvPr id="270" name="Imagem 1"/>
           <p:cNvPicPr/>
           <p:nvPr/>
         </p:nvPicPr>
@@ -21758,14 +21887,14 @@
       </p:pic>
       <p:sp>
         <p:nvSpPr>
-          <p:cNvPr id="275" name="CaixaDeTexto 38"/>
+          <p:cNvPr id="271" name="CaixaDeTexto 1"/>
           <p:cNvSpPr/>
           <p:nvPr/>
         </p:nvSpPr>
         <p:spPr>
           <a:xfrm>
             <a:off x="291960" y="1286640"/>
-            <a:ext cx="6365160" cy="1035720"/>
+            <a:ext cx="6365160" cy="1666440"/>
           </a:xfrm>
           <a:prstGeom prst="rect">
             <a:avLst/>
@@ -21811,7 +21940,7 @@
                 <a:latin typeface="Arial"/>
                 <a:ea typeface="Calibri"/>
               </a:rPr>
-              <a:t>Por que objetos são importantes?</a:t>
+              <a:t>Cada aluno explique uma linha do código abaixo</a:t>
             </a:r>
             <a:endParaRPr lang="pt-BR" sz="1800" b="0" strike="noStrike" spc="-1">
               <a:solidFill>
@@ -21821,27 +21950,11 @@
             </a:endParaRPr>
           </a:p>
           <a:p>
-            <a:pPr marL="432000" lvl="1" indent="-216000" algn="just">
-              <a:lnSpc>
-                <a:spcPct val="115000"/>
-              </a:lnSpc>
-              <a:buClr>
-                <a:srgbClr val="000000"/>
-              </a:buClr>
-              <a:buSzPct val="45000"/>
-              <a:buFont typeface="Wingdings" charset="2"/>
-              <a:buChar char=""/>
-            </a:pPr>
-            <a:r>
-              <a:rPr lang="pt-BR" sz="1800" b="0" strike="noStrike" spc="-1">
-                <a:solidFill>
-                  <a:srgbClr val="01498E"/>
-                </a:solidFill>
-                <a:latin typeface="Arial"/>
-                <a:ea typeface="Calibri"/>
-              </a:rPr>
-              <a:t>O...</a:t>
-            </a:r>
+            <a:pPr algn="just">
+              <a:lnSpc>
+                <a:spcPct val="115000"/>
+              </a:lnSpc>
+            </a:pPr>
             <a:endParaRPr lang="pt-BR" sz="1800" b="0" strike="noStrike" spc="-1">
               <a:solidFill>
                 <a:srgbClr val="000000"/>
@@ -21862,8 +21975,57 @@
               <a:latin typeface="Arial"/>
             </a:endParaRPr>
           </a:p>
-        </p:txBody>
-      </p:sp>
+          <a:p>
+            <a:pPr algn="just">
+              <a:lnSpc>
+                <a:spcPct val="115000"/>
+              </a:lnSpc>
+            </a:pPr>
+            <a:endParaRPr lang="pt-BR" sz="1800" b="0" strike="noStrike" spc="-1">
+              <a:solidFill>
+                <a:srgbClr val="000000"/>
+              </a:solidFill>
+              <a:latin typeface="Arial"/>
+            </a:endParaRPr>
+          </a:p>
+          <a:p>
+            <a:pPr algn="just">
+              <a:lnSpc>
+                <a:spcPct val="115000"/>
+              </a:lnSpc>
+            </a:pPr>
+            <a:endParaRPr lang="pt-BR" sz="1800" b="0" strike="noStrike" spc="-1">
+              <a:solidFill>
+                <a:srgbClr val="000000"/>
+              </a:solidFill>
+              <a:latin typeface="Arial"/>
+            </a:endParaRPr>
+          </a:p>
+        </p:txBody>
+      </p:sp>
+      <p:pic>
+        <p:nvPicPr>
+          <p:cNvPr id="272" name="Imagem 154"/>
+          <p:cNvPicPr/>
+          <p:nvPr/>
+        </p:nvPicPr>
+        <p:blipFill>
+          <a:blip r:embed="rId3"/>
+          <a:stretch/>
+        </p:blipFill>
+        <p:spPr>
+          <a:xfrm>
+            <a:off x="0" y="0"/>
+            <a:ext cx="8898120" cy="4678920"/>
+          </a:xfrm>
+          <a:prstGeom prst="rect">
+            <a:avLst/>
+          </a:prstGeom>
+          <a:ln w="0">
+            <a:noFill/>
+          </a:ln>
+        </p:spPr>
+      </p:pic>
     </p:spTree>
   </p:cSld>
   <p:clrMapOvr>
@@ -21891,7 +22053,7 @@
       </p:grpSpPr>
       <p:sp>
         <p:nvSpPr>
-          <p:cNvPr id="276" name="Título 5"/>
+          <p:cNvPr id="273" name="Título 39"/>
           <p:cNvSpPr/>
           <p:nvPr/>
         </p:nvSpPr>
@@ -21965,7 +22127,7 @@
       </p:sp>
       <p:pic>
         <p:nvPicPr>
-          <p:cNvPr id="277" name="Imagem 9"/>
+          <p:cNvPr id="274" name="Imagem 39"/>
           <p:cNvPicPr/>
           <p:nvPr/>
         </p:nvPicPr>
@@ -21989,14 +22151,14 @@
       </p:pic>
       <p:sp>
         <p:nvSpPr>
-          <p:cNvPr id="278" name="CaixaDeTexto 4"/>
+          <p:cNvPr id="275" name="CaixaDeTexto 38"/>
           <p:cNvSpPr/>
           <p:nvPr/>
         </p:nvSpPr>
         <p:spPr>
           <a:xfrm>
             <a:off x="291960" y="1286640"/>
-            <a:ext cx="6365160" cy="1666440"/>
+            <a:ext cx="6365160" cy="1035720"/>
           </a:xfrm>
           <a:prstGeom prst="rect">
             <a:avLst/>
@@ -22071,36 +22233,7 @@
                 <a:latin typeface="Arial"/>
                 <a:ea typeface="Calibri"/>
               </a:rPr>
-              <a:t>Organização: Agrupam dados e comportamentos relacionados.</a:t>
-            </a:r>
-            <a:endParaRPr lang="pt-BR" sz="1800" b="0" strike="noStrike" spc="-1">
-              <a:solidFill>
-                <a:srgbClr val="000000"/>
-              </a:solidFill>
-              <a:latin typeface="Arial"/>
-            </a:endParaRPr>
-          </a:p>
-          <a:p>
-            <a:pPr marL="432000" lvl="1" indent="-216000" algn="just">
-              <a:lnSpc>
-                <a:spcPct val="115000"/>
-              </a:lnSpc>
-              <a:buClr>
-                <a:srgbClr val="000000"/>
-              </a:buClr>
-              <a:buSzPct val="45000"/>
-              <a:buFont typeface="Wingdings" charset="2"/>
-              <a:buChar char=""/>
-            </a:pPr>
-            <a:r>
-              <a:rPr lang="pt-BR" sz="1800" b="0" strike="noStrike" spc="-1">
-                <a:solidFill>
-                  <a:srgbClr val="01498E"/>
-                </a:solidFill>
-                <a:latin typeface="Arial"/>
-                <a:ea typeface="Calibri"/>
-              </a:rPr>
-              <a:t>R...</a:t>
+              <a:t>O...</a:t>
             </a:r>
             <a:endParaRPr lang="pt-BR" sz="1800" b="0" strike="noStrike" spc="-1">
               <a:solidFill>
@@ -22151,7 +22284,7 @@
       </p:grpSpPr>
       <p:sp>
         <p:nvSpPr>
-          <p:cNvPr id="279" name="Título 6"/>
+          <p:cNvPr id="276" name="Título 5"/>
           <p:cNvSpPr/>
           <p:nvPr/>
         </p:nvSpPr>
@@ -22225,7 +22358,7 @@
       </p:sp>
       <p:pic>
         <p:nvPicPr>
-          <p:cNvPr id="280" name="Imagem 10"/>
+          <p:cNvPr id="277" name="Imagem 9"/>
           <p:cNvPicPr/>
           <p:nvPr/>
         </p:nvPicPr>
@@ -22249,14 +22382,14 @@
       </p:pic>
       <p:sp>
         <p:nvSpPr>
-          <p:cNvPr id="281" name="CaixaDeTexto 5"/>
+          <p:cNvPr id="278" name="CaixaDeTexto 4"/>
           <p:cNvSpPr/>
           <p:nvPr/>
         </p:nvSpPr>
         <p:spPr>
           <a:xfrm>
             <a:off x="291960" y="1286640"/>
-            <a:ext cx="6365160" cy="1981800"/>
+            <a:ext cx="6365160" cy="1666440"/>
           </a:xfrm>
           <a:prstGeom prst="rect">
             <a:avLst/>
@@ -22360,7 +22493,7 @@
                 <a:latin typeface="Arial"/>
                 <a:ea typeface="Calibri"/>
               </a:rPr>
-              <a:t>Reúso: Classes podem ser reaproveitadas para criar múltiplos objetos.</a:t>
+              <a:t>R...</a:t>
             </a:r>
             <a:endParaRPr lang="pt-BR" sz="1800" b="0" strike="noStrike" spc="-1">
               <a:solidFill>
@@ -22370,27 +22503,11 @@
             </a:endParaRPr>
           </a:p>
           <a:p>
-            <a:pPr marL="432000" lvl="1" indent="-216000" algn="just">
-              <a:lnSpc>
-                <a:spcPct val="115000"/>
-              </a:lnSpc>
-              <a:buClr>
-                <a:srgbClr val="000000"/>
-              </a:buClr>
-              <a:buSzPct val="45000"/>
-              <a:buFont typeface="Wingdings" charset="2"/>
-              <a:buChar char=""/>
-            </a:pPr>
-            <a:r>
-              <a:rPr lang="pt-BR" sz="1800" b="0" strike="noStrike" spc="-1">
-                <a:solidFill>
-                  <a:srgbClr val="01498E"/>
-                </a:solidFill>
-                <a:latin typeface="Arial"/>
-                <a:ea typeface="Calibri"/>
-              </a:rPr>
-              <a:t>A...</a:t>
-            </a:r>
+            <a:pPr algn="just">
+              <a:lnSpc>
+                <a:spcPct val="115000"/>
+              </a:lnSpc>
+            </a:pPr>
             <a:endParaRPr lang="pt-BR" sz="1800" b="0" strike="noStrike" spc="-1">
               <a:solidFill>
                 <a:srgbClr val="000000"/>
@@ -22427,7 +22544,7 @@
       </p:grpSpPr>
       <p:sp>
         <p:nvSpPr>
-          <p:cNvPr id="282" name="Título 39"/>
+          <p:cNvPr id="279" name="Título 6"/>
           <p:cNvSpPr/>
           <p:nvPr/>
         </p:nvSpPr>
@@ -22475,7 +22592,7 @@
                 <a:latin typeface="Overpass"/>
                 <a:ea typeface="Overpass"/>
               </a:rPr>
-              <a:t>POO </a:t>
+              <a:t>POO Recap </a:t>
             </a:r>
             <a:endParaRPr lang="pt-BR" sz="5400" b="0" strike="noStrike" spc="-1">
               <a:solidFill>
@@ -22501,7 +22618,7 @@
       </p:sp>
       <p:pic>
         <p:nvPicPr>
-          <p:cNvPr id="283" name="Imagem 39"/>
+          <p:cNvPr id="280" name="Imagem 10"/>
           <p:cNvPicPr/>
           <p:nvPr/>
         </p:nvPicPr>
@@ -22525,14 +22642,14 @@
       </p:pic>
       <p:sp>
         <p:nvSpPr>
-          <p:cNvPr id="284" name="CaixaDeTexto 38"/>
+          <p:cNvPr id="281" name="CaixaDeTexto 5"/>
           <p:cNvSpPr/>
           <p:nvPr/>
         </p:nvSpPr>
         <p:spPr>
           <a:xfrm>
             <a:off x="291960" y="1286640"/>
-            <a:ext cx="6365160" cy="720360"/>
+            <a:ext cx="6365160" cy="1981800"/>
           </a:xfrm>
           <a:prstGeom prst="rect">
             <a:avLst/>
@@ -22578,7 +22695,7 @@
                 <a:latin typeface="Arial"/>
                 <a:ea typeface="Calibri"/>
               </a:rPr>
-              <a:t>Encapsulamento?</a:t>
+              <a:t>Por que objetos são importantes?</a:t>
             </a:r>
             <a:endParaRPr lang="pt-BR" sz="1800" b="0" strike="noStrike" spc="-1">
               <a:solidFill>
@@ -22588,11 +22705,27 @@
             </a:endParaRPr>
           </a:p>
           <a:p>
-            <a:pPr algn="just">
-              <a:lnSpc>
-                <a:spcPct val="115000"/>
-              </a:lnSpc>
-            </a:pPr>
+            <a:pPr marL="432000" lvl="1" indent="-216000" algn="just">
+              <a:lnSpc>
+                <a:spcPct val="115000"/>
+              </a:lnSpc>
+              <a:buClr>
+                <a:srgbClr val="000000"/>
+              </a:buClr>
+              <a:buSzPct val="45000"/>
+              <a:buFont typeface="Wingdings" charset="2"/>
+              <a:buChar char=""/>
+            </a:pPr>
+            <a:r>
+              <a:rPr lang="pt-BR" sz="1800" b="0" strike="noStrike" spc="-1">
+                <a:solidFill>
+                  <a:srgbClr val="01498E"/>
+                </a:solidFill>
+                <a:latin typeface="Arial"/>
+                <a:ea typeface="Calibri"/>
+              </a:rPr>
+              <a:t>Organização: Agrupam dados e comportamentos relacionados.</a:t>
+            </a:r>
             <a:endParaRPr lang="pt-BR" sz="1800" b="0" strike="noStrike" spc="-1">
               <a:solidFill>
                 <a:srgbClr val="000000"/>
@@ -22600,31 +22733,66 @@
               <a:latin typeface="Arial"/>
             </a:endParaRPr>
           </a:p>
-        </p:txBody>
-      </p:sp>
-      <p:pic>
-        <p:nvPicPr>
-          <p:cNvPr id="285" name="Imagem 167"/>
-          <p:cNvPicPr/>
-          <p:nvPr/>
-        </p:nvPicPr>
-        <p:blipFill>
-          <a:blip r:embed="rId3"/>
-          <a:stretch/>
-        </p:blipFill>
-        <p:spPr>
-          <a:xfrm>
-            <a:off x="3420000" y="1641240"/>
-            <a:ext cx="4250160" cy="3378600"/>
-          </a:xfrm>
-          <a:prstGeom prst="rect">
-            <a:avLst/>
-          </a:prstGeom>
-          <a:ln w="0">
-            <a:noFill/>
-          </a:ln>
-        </p:spPr>
-      </p:pic>
+          <a:p>
+            <a:pPr marL="432000" lvl="1" indent="-216000" algn="just">
+              <a:lnSpc>
+                <a:spcPct val="115000"/>
+              </a:lnSpc>
+              <a:buClr>
+                <a:srgbClr val="000000"/>
+              </a:buClr>
+              <a:buSzPct val="45000"/>
+              <a:buFont typeface="Wingdings" charset="2"/>
+              <a:buChar char=""/>
+            </a:pPr>
+            <a:r>
+              <a:rPr lang="pt-BR" sz="1800" b="0" strike="noStrike" spc="-1">
+                <a:solidFill>
+                  <a:srgbClr val="01498E"/>
+                </a:solidFill>
+                <a:latin typeface="Arial"/>
+                <a:ea typeface="Calibri"/>
+              </a:rPr>
+              <a:t>Reúso: Classes podem ser reaproveitadas para criar múltiplos objetos.</a:t>
+            </a:r>
+            <a:endParaRPr lang="pt-BR" sz="1800" b="0" strike="noStrike" spc="-1">
+              <a:solidFill>
+                <a:srgbClr val="000000"/>
+              </a:solidFill>
+              <a:latin typeface="Arial"/>
+            </a:endParaRPr>
+          </a:p>
+          <a:p>
+            <a:pPr marL="432000" lvl="1" indent="-216000" algn="just">
+              <a:lnSpc>
+                <a:spcPct val="115000"/>
+              </a:lnSpc>
+              <a:buClr>
+                <a:srgbClr val="000000"/>
+              </a:buClr>
+              <a:buSzPct val="45000"/>
+              <a:buFont typeface="Wingdings" charset="2"/>
+              <a:buChar char=""/>
+            </a:pPr>
+            <a:r>
+              <a:rPr lang="pt-BR" sz="1800" b="0" strike="noStrike" spc="-1">
+                <a:solidFill>
+                  <a:srgbClr val="01498E"/>
+                </a:solidFill>
+                <a:latin typeface="Arial"/>
+                <a:ea typeface="Calibri"/>
+              </a:rPr>
+              <a:t>A...</a:t>
+            </a:r>
+            <a:endParaRPr lang="pt-BR" sz="1800" b="0" strike="noStrike" spc="-1">
+              <a:solidFill>
+                <a:srgbClr val="000000"/>
+              </a:solidFill>
+              <a:latin typeface="Arial"/>
+            </a:endParaRPr>
+          </a:p>
+        </p:txBody>
+      </p:sp>
     </p:spTree>
   </p:cSld>
   <p:clrMapOvr>
@@ -22652,7 +22820,7 @@
       </p:grpSpPr>
       <p:sp>
         <p:nvSpPr>
-          <p:cNvPr id="286" name="Título 39"/>
+          <p:cNvPr id="282" name="Título 39"/>
           <p:cNvSpPr/>
           <p:nvPr/>
         </p:nvSpPr>
@@ -22726,7 +22894,7 @@
       </p:sp>
       <p:pic>
         <p:nvPicPr>
-          <p:cNvPr id="287" name="Imagem 39"/>
+          <p:cNvPr id="283" name="Imagem 39"/>
           <p:cNvPicPr/>
           <p:nvPr/>
         </p:nvPicPr>
@@ -22750,14 +22918,14 @@
       </p:pic>
       <p:sp>
         <p:nvSpPr>
-          <p:cNvPr id="288" name="CaixaDeTexto 38"/>
+          <p:cNvPr id="284" name="CaixaDeTexto 38"/>
           <p:cNvSpPr/>
           <p:nvPr/>
         </p:nvSpPr>
         <p:spPr>
           <a:xfrm>
             <a:off x="291960" y="1286640"/>
-            <a:ext cx="7666200" cy="2612520"/>
+            <a:ext cx="6365160" cy="720360"/>
           </a:xfrm>
           <a:prstGeom prst="rect">
             <a:avLst/>
@@ -22813,62 +22981,6 @@
             </a:endParaRPr>
           </a:p>
           <a:p>
-            <a:pPr marL="673200" lvl="1" indent="-216000" algn="just">
-              <a:lnSpc>
-                <a:spcPct val="115000"/>
-              </a:lnSpc>
-              <a:buClr>
-                <a:srgbClr val="000000"/>
-              </a:buClr>
-              <a:buFont typeface="Arial"/>
-              <a:buChar char="●"/>
-            </a:pPr>
-            <a:r>
-              <a:rPr lang="pt-BR" sz="1800" b="0" strike="noStrike" spc="-1">
-                <a:solidFill>
-                  <a:srgbClr val="01498E"/>
-                </a:solidFill>
-                <a:latin typeface="Arial"/>
-                <a:ea typeface="Calibri"/>
-              </a:rPr>
-              <a:t>Em Python, todos os atributos e métodos são públicos por padrão, o que significa que podem ser acessados e modificados diretamente de fora da classe.</a:t>
-            </a:r>
-            <a:endParaRPr lang="pt-BR" sz="1800" b="0" strike="noStrike" spc="-1">
-              <a:solidFill>
-                <a:srgbClr val="000000"/>
-              </a:solidFill>
-              <a:latin typeface="Arial"/>
-            </a:endParaRPr>
-          </a:p>
-          <a:p>
-            <a:pPr marL="673200" lvl="1" indent="-216000" algn="just">
-              <a:lnSpc>
-                <a:spcPct val="115000"/>
-              </a:lnSpc>
-              <a:buClr>
-                <a:srgbClr val="000000"/>
-              </a:buClr>
-              <a:buFont typeface="Arial"/>
-              <a:buChar char="●"/>
-            </a:pPr>
-            <a:r>
-              <a:rPr lang="pt-BR" sz="1800" b="0" strike="noStrike" spc="-1">
-                <a:solidFill>
-                  <a:srgbClr val="01498E"/>
-                </a:solidFill>
-                <a:latin typeface="Arial"/>
-                <a:ea typeface="Calibri"/>
-              </a:rPr>
-              <a:t>Para indicar que um atributo ou método é privado (ou seja, não deve ser acessado diretamente de fora da classe), utiliza-se um sublinhado duplo (__) antes do nome.</a:t>
-            </a:r>
-            <a:endParaRPr lang="pt-BR" sz="1800" b="0" strike="noStrike" spc="-1">
-              <a:solidFill>
-                <a:srgbClr val="000000"/>
-              </a:solidFill>
-              <a:latin typeface="Arial"/>
-            </a:endParaRPr>
-          </a:p>
-          <a:p>
             <a:pPr algn="just">
               <a:lnSpc>
                 <a:spcPct val="115000"/>
@@ -22885,7 +22997,7 @@
       </p:sp>
       <p:pic>
         <p:nvPicPr>
-          <p:cNvPr id="289" name="Imagem 3"/>
+          <p:cNvPr id="285" name="Imagem 167"/>
           <p:cNvPicPr/>
           <p:nvPr/>
         </p:nvPicPr>
@@ -22895,8 +23007,8 @@
         </p:blipFill>
         <p:spPr>
           <a:xfrm>
-            <a:off x="2999160" y="3830400"/>
-            <a:ext cx="5180760" cy="1122840"/>
+            <a:off x="3420000" y="1641240"/>
+            <a:ext cx="4250160" cy="3378600"/>
           </a:xfrm>
           <a:prstGeom prst="rect">
             <a:avLst/>
@@ -22933,14 +23045,14 @@
       </p:grpSpPr>
       <p:sp>
         <p:nvSpPr>
-          <p:cNvPr id="290" name="Título 43"/>
+          <p:cNvPr id="286" name="Título 39"/>
           <p:cNvSpPr/>
           <p:nvPr/>
         </p:nvSpPr>
         <p:spPr>
           <a:xfrm>
-            <a:off x="291960" y="32040"/>
-            <a:ext cx="5587560" cy="900000"/>
+            <a:off x="291960" y="189000"/>
+            <a:ext cx="7480440" cy="900000"/>
           </a:xfrm>
           <a:prstGeom prst="rect">
             <a:avLst/>
@@ -22981,8 +23093,21 @@
                 <a:latin typeface="Overpass"/>
                 <a:ea typeface="Overpass"/>
               </a:rPr>
-              <a:t>Let’s Work</a:t>
-            </a:r>
+              <a:t>POO </a:t>
+            </a:r>
+            <a:endParaRPr lang="pt-BR" sz="5400" b="0" strike="noStrike" spc="-1">
+              <a:solidFill>
+                <a:srgbClr val="000000"/>
+              </a:solidFill>
+              <a:latin typeface="Arial"/>
+            </a:endParaRPr>
+          </a:p>
+          <a:p>
+            <a:pPr>
+              <a:lnSpc>
+                <a:spcPct val="100000"/>
+              </a:lnSpc>
+            </a:pPr>
             <a:endParaRPr lang="pt-BR" sz="5400" b="0" strike="noStrike" spc="-1">
               <a:solidFill>
                 <a:srgbClr val="000000"/>
@@ -22994,18 +23119,19 @@
       </p:sp>
       <p:pic>
         <p:nvPicPr>
-          <p:cNvPr id="291" name="Imagem 43"/>
+          <p:cNvPr id="287" name="Imagem 39"/>
           <p:cNvPicPr/>
           <p:nvPr/>
         </p:nvPicPr>
         <p:blipFill>
           <a:blip r:embed="rId2"/>
+          <a:srcRect b="20507"/>
           <a:stretch/>
         </p:blipFill>
         <p:spPr>
-          <a:xfrm rot="5400000">
-            <a:off x="7714440" y="-111600"/>
-            <a:ext cx="2973960" cy="3197880"/>
+          <a:xfrm>
+            <a:off x="8100720" y="900720"/>
+            <a:ext cx="2142720" cy="3603600"/>
           </a:xfrm>
           <a:prstGeom prst="rect">
             <a:avLst/>
@@ -23017,14 +23143,14 @@
       </p:pic>
       <p:sp>
         <p:nvSpPr>
-          <p:cNvPr id="292" name="CaixaDeTexto 42"/>
+          <p:cNvPr id="288" name="CaixaDeTexto 38"/>
           <p:cNvSpPr/>
           <p:nvPr/>
         </p:nvSpPr>
         <p:spPr>
           <a:xfrm>
-            <a:off x="180000" y="900000"/>
-            <a:ext cx="7419600" cy="3243240"/>
+            <a:off x="291960" y="1286640"/>
+            <a:ext cx="7666200" cy="2612520"/>
           </a:xfrm>
           <a:prstGeom prst="rect">
             <a:avLst/>
@@ -23070,7 +23196,7 @@
                 <a:latin typeface="Arial"/>
                 <a:ea typeface="Calibri"/>
               </a:rPr>
-              <a:t>Problema 4:</a:t>
+              <a:t>Encapsulamento?</a:t>
             </a:r>
             <a:endParaRPr lang="pt-BR" sz="1800" b="0" strike="noStrike" spc="-1">
               <a:solidFill>
@@ -23098,7 +23224,7 @@
                 <a:latin typeface="Arial"/>
                 <a:ea typeface="Calibri"/>
               </a:rPr>
-              <a:t>Crie uma classe ContaBancaria com:</a:t>
+              <a:t>Em Python, todos os atributos e métodos são públicos por padrão, o que significa que podem ser acessados e modificados diretamente de fora da classe.</a:t>
             </a:r>
             <a:endParaRPr lang="pt-BR" sz="1800" b="0" strike="noStrike" spc="-1">
               <a:solidFill>
@@ -23108,7 +23234,7 @@
             </a:endParaRPr>
           </a:p>
           <a:p>
-            <a:pPr marL="1130400" lvl="2" indent="-216000" algn="just">
+            <a:pPr marL="673200" lvl="1" indent="-216000" algn="just">
               <a:lnSpc>
                 <a:spcPct val="115000"/>
               </a:lnSpc>
@@ -23126,131 +23252,8 @@
                 <a:latin typeface="Arial"/>
                 <a:ea typeface="Calibri"/>
               </a:rPr>
-              <a:t>Atributo privado saldo (inicial 0).</a:t>
-            </a:r>
-            <a:endParaRPr lang="pt-BR" sz="1800" b="0" strike="noStrike" spc="-1">
-              <a:solidFill>
-                <a:srgbClr val="000000"/>
-              </a:solidFill>
-              <a:latin typeface="Arial"/>
-            </a:endParaRPr>
-          </a:p>
-          <a:p>
-            <a:pPr marL="1130400" lvl="2" indent="-216000" algn="just">
-              <a:lnSpc>
-                <a:spcPct val="115000"/>
-              </a:lnSpc>
-              <a:buClr>
-                <a:srgbClr val="000000"/>
-              </a:buClr>
-              <a:buFont typeface="Arial"/>
-              <a:buChar char="●"/>
-            </a:pPr>
-            <a:r>
-              <a:rPr lang="pt-BR" sz="1800" b="0" strike="noStrike" spc="-1">
-                <a:solidFill>
-                  <a:srgbClr val="01498E"/>
-                </a:solidFill>
-                <a:latin typeface="Arial"/>
-                <a:ea typeface="Calibri"/>
-              </a:rPr>
-              <a:t>Método depositar(valor) que adiciona ao saldo.</a:t>
-            </a:r>
-            <a:endParaRPr lang="pt-BR" sz="1800" b="0" strike="noStrike" spc="-1">
-              <a:solidFill>
-                <a:srgbClr val="000000"/>
-              </a:solidFill>
-              <a:latin typeface="Arial"/>
-            </a:endParaRPr>
-          </a:p>
-          <a:p>
-            <a:pPr marL="1130400" lvl="2" indent="-216000" algn="just">
-              <a:lnSpc>
-                <a:spcPct val="115000"/>
-              </a:lnSpc>
-              <a:buClr>
-                <a:srgbClr val="000000"/>
-              </a:buClr>
-              <a:buFont typeface="Arial"/>
-              <a:buChar char="●"/>
-            </a:pPr>
-            <a:r>
-              <a:rPr lang="pt-BR" sz="1800" b="0" strike="noStrike" spc="-1">
-                <a:solidFill>
-                  <a:srgbClr val="01498E"/>
-                </a:solidFill>
-                <a:latin typeface="Arial"/>
-                <a:ea typeface="Calibri"/>
-              </a:rPr>
-              <a:t>Método sacar(valor) que verifica se há saldo suficiente.</a:t>
-            </a:r>
-            <a:endParaRPr lang="pt-BR" sz="1800" b="0" strike="noStrike" spc="-1">
-              <a:solidFill>
-                <a:srgbClr val="000000"/>
-              </a:solidFill>
-              <a:latin typeface="Arial"/>
-            </a:endParaRPr>
-          </a:p>
-          <a:p>
-            <a:pPr marL="1130400" lvl="2" indent="-216000" algn="just">
-              <a:lnSpc>
-                <a:spcPct val="115000"/>
-              </a:lnSpc>
-              <a:buClr>
-                <a:srgbClr val="000000"/>
-              </a:buClr>
-              <a:buFont typeface="Arial"/>
-              <a:buChar char="●"/>
-            </a:pPr>
-            <a:r>
-              <a:rPr lang="pt-BR" sz="1800" b="0" strike="noStrike" spc="-1">
-                <a:solidFill>
-                  <a:srgbClr val="01498E"/>
-                </a:solidFill>
-                <a:latin typeface="Arial"/>
-                <a:ea typeface="Calibri"/>
-              </a:rPr>
-              <a:t>Método ver_saldo() que retorna o saldo.</a:t>
-            </a:r>
-            <a:endParaRPr lang="pt-BR" sz="1800" b="0" strike="noStrike" spc="-1">
-              <a:solidFill>
-                <a:srgbClr val="000000"/>
-              </a:solidFill>
-              <a:latin typeface="Arial"/>
-            </a:endParaRPr>
-          </a:p>
-          <a:p>
-            <a:pPr algn="just">
-              <a:lnSpc>
-                <a:spcPct val="115000"/>
-              </a:lnSpc>
-            </a:pPr>
-            <a:endParaRPr lang="pt-BR" sz="1800" b="0" strike="noStrike" spc="-1">
-              <a:solidFill>
-                <a:srgbClr val="000000"/>
-              </a:solidFill>
-              <a:latin typeface="Arial"/>
-            </a:endParaRPr>
-          </a:p>
-          <a:p>
-            <a:pPr algn="just">
-              <a:lnSpc>
-                <a:spcPct val="115000"/>
-              </a:lnSpc>
-            </a:pPr>
-            <a:endParaRPr lang="pt-BR" sz="1800" b="0" strike="noStrike" spc="-1">
-              <a:solidFill>
-                <a:srgbClr val="000000"/>
-              </a:solidFill>
-              <a:latin typeface="Arial"/>
-            </a:endParaRPr>
-          </a:p>
-          <a:p>
-            <a:pPr algn="just">
-              <a:lnSpc>
-                <a:spcPct val="115000"/>
-              </a:lnSpc>
-            </a:pPr>
+              <a:t>Para indicar que um atributo ou método é privado (ou seja, não deve ser acessado diretamente de fora da classe), utiliza-se um sublinhado duplo (__) antes do nome.</a:t>
+            </a:r>
             <a:endParaRPr lang="pt-BR" sz="1800" b="0" strike="noStrike" spc="-1">
               <a:solidFill>
                 <a:srgbClr val="000000"/>
@@ -23275,7 +23278,7 @@
       </p:sp>
       <p:pic>
         <p:nvPicPr>
-          <p:cNvPr id="293" name="Imagem 175"/>
+          <p:cNvPr id="289" name="Imagem 3"/>
           <p:cNvPicPr/>
           <p:nvPr/>
         </p:nvPicPr>
@@ -23285,8 +23288,8 @@
         </p:blipFill>
         <p:spPr>
           <a:xfrm>
-            <a:off x="180000" y="3365280"/>
-            <a:ext cx="6827040" cy="1493640"/>
+            <a:off x="2999160" y="3830400"/>
+            <a:ext cx="5180760" cy="1122840"/>
           </a:xfrm>
           <a:prstGeom prst="rect">
             <a:avLst/>
@@ -23670,9 +23673,70 @@
           <a:chExt cx="0" cy="0"/>
         </a:xfrm>
       </p:grpSpPr>
+      <p:sp>
+        <p:nvSpPr>
+          <p:cNvPr id="290" name="Título 43"/>
+          <p:cNvSpPr/>
+          <p:nvPr/>
+        </p:nvSpPr>
+        <p:spPr>
+          <a:xfrm>
+            <a:off x="291960" y="32040"/>
+            <a:ext cx="5587560" cy="900000"/>
+          </a:xfrm>
+          <a:prstGeom prst="rect">
+            <a:avLst/>
+          </a:prstGeom>
+          <a:noFill/>
+          <a:ln w="0">
+            <a:noFill/>
+          </a:ln>
+        </p:spPr>
+        <p:style>
+          <a:lnRef idx="0">
+            <a:scrgbClr r="0" g="0" b="0"/>
+          </a:lnRef>
+          <a:fillRef idx="0">
+            <a:scrgbClr r="0" g="0" b="0"/>
+          </a:fillRef>
+          <a:effectRef idx="0">
+            <a:scrgbClr r="0" g="0" b="0"/>
+          </a:effectRef>
+          <a:fontRef idx="minor"/>
+        </p:style>
+        <p:txBody>
+          <a:bodyPr lIns="90000" tIns="91440" rIns="90000" bIns="91440" anchor="t">
+            <a:noAutofit/>
+          </a:bodyPr>
+          <a:lstStyle/>
+          <a:p>
+            <a:pPr>
+              <a:lnSpc>
+                <a:spcPct val="100000"/>
+              </a:lnSpc>
+            </a:pPr>
+            <a:r>
+              <a:rPr lang="pt-BR" sz="5400" b="1" strike="noStrike" spc="-1">
+                <a:solidFill>
+                  <a:srgbClr val="002060"/>
+                </a:solidFill>
+                <a:latin typeface="Overpass"/>
+                <a:ea typeface="Overpass"/>
+              </a:rPr>
+              <a:t>Let’s Work</a:t>
+            </a:r>
+            <a:endParaRPr lang="pt-BR" sz="5400" b="0" strike="noStrike" spc="-1">
+              <a:solidFill>
+                <a:srgbClr val="000000"/>
+              </a:solidFill>
+              <a:latin typeface="Arial"/>
+            </a:endParaRPr>
+          </a:p>
+        </p:txBody>
+      </p:sp>
       <p:pic>
         <p:nvPicPr>
-          <p:cNvPr id="294" name="Imagem 2"/>
+          <p:cNvPr id="291" name="Imagem 43"/>
           <p:cNvPicPr/>
           <p:nvPr/>
         </p:nvPicPr>
@@ -23681,9 +23745,290 @@
           <a:stretch/>
         </p:blipFill>
         <p:spPr>
-          <a:xfrm>
-            <a:off x="1864080" y="0"/>
-            <a:ext cx="5414760" cy="5142240"/>
+          <a:xfrm rot="5400000">
+            <a:off x="7714440" y="-111600"/>
+            <a:ext cx="2973960" cy="3197880"/>
+          </a:xfrm>
+          <a:prstGeom prst="rect">
+            <a:avLst/>
+          </a:prstGeom>
+          <a:ln w="0">
+            <a:noFill/>
+          </a:ln>
+        </p:spPr>
+      </p:pic>
+      <p:sp>
+        <p:nvSpPr>
+          <p:cNvPr id="292" name="CaixaDeTexto 42"/>
+          <p:cNvSpPr/>
+          <p:nvPr/>
+        </p:nvSpPr>
+        <p:spPr>
+          <a:xfrm>
+            <a:off x="180000" y="900000"/>
+            <a:ext cx="7419600" cy="3243240"/>
+          </a:xfrm>
+          <a:prstGeom prst="rect">
+            <a:avLst/>
+          </a:prstGeom>
+          <a:noFill/>
+          <a:ln w="0">
+            <a:noFill/>
+          </a:ln>
+        </p:spPr>
+        <p:style>
+          <a:lnRef idx="0">
+            <a:scrgbClr r="0" g="0" b="0"/>
+          </a:lnRef>
+          <a:fillRef idx="0">
+            <a:scrgbClr r="0" g="0" b="0"/>
+          </a:fillRef>
+          <a:effectRef idx="0">
+            <a:scrgbClr r="0" g="0" b="0"/>
+          </a:effectRef>
+          <a:fontRef idx="minor"/>
+        </p:style>
+        <p:txBody>
+          <a:bodyPr lIns="90000" tIns="45000" rIns="90000" bIns="45000" anchor="t">
+            <a:spAutoFit/>
+          </a:bodyPr>
+          <a:lstStyle/>
+          <a:p>
+            <a:pPr marL="216000" indent="-216000" algn="just">
+              <a:lnSpc>
+                <a:spcPct val="115000"/>
+              </a:lnSpc>
+              <a:buClr>
+                <a:srgbClr val="000000"/>
+              </a:buClr>
+              <a:buFont typeface="Arial"/>
+              <a:buChar char="●"/>
+            </a:pPr>
+            <a:r>
+              <a:rPr lang="pt-BR" sz="1800" b="0" strike="noStrike" spc="-1">
+                <a:solidFill>
+                  <a:srgbClr val="01498E"/>
+                </a:solidFill>
+                <a:latin typeface="Arial"/>
+                <a:ea typeface="Calibri"/>
+              </a:rPr>
+              <a:t>Problema 4:</a:t>
+            </a:r>
+            <a:endParaRPr lang="pt-BR" sz="1800" b="0" strike="noStrike" spc="-1">
+              <a:solidFill>
+                <a:srgbClr val="000000"/>
+              </a:solidFill>
+              <a:latin typeface="Arial"/>
+            </a:endParaRPr>
+          </a:p>
+          <a:p>
+            <a:pPr marL="673200" lvl="1" indent="-216000" algn="just">
+              <a:lnSpc>
+                <a:spcPct val="115000"/>
+              </a:lnSpc>
+              <a:buClr>
+                <a:srgbClr val="000000"/>
+              </a:buClr>
+              <a:buFont typeface="Arial"/>
+              <a:buChar char="●"/>
+            </a:pPr>
+            <a:r>
+              <a:rPr lang="pt-BR" sz="1800" b="0" strike="noStrike" spc="-1">
+                <a:solidFill>
+                  <a:srgbClr val="01498E"/>
+                </a:solidFill>
+                <a:latin typeface="Arial"/>
+                <a:ea typeface="Calibri"/>
+              </a:rPr>
+              <a:t>Crie uma classe ContaBancaria com:</a:t>
+            </a:r>
+            <a:endParaRPr lang="pt-BR" sz="1800" b="0" strike="noStrike" spc="-1">
+              <a:solidFill>
+                <a:srgbClr val="000000"/>
+              </a:solidFill>
+              <a:latin typeface="Arial"/>
+            </a:endParaRPr>
+          </a:p>
+          <a:p>
+            <a:pPr marL="1130400" lvl="2" indent="-216000" algn="just">
+              <a:lnSpc>
+                <a:spcPct val="115000"/>
+              </a:lnSpc>
+              <a:buClr>
+                <a:srgbClr val="000000"/>
+              </a:buClr>
+              <a:buFont typeface="Arial"/>
+              <a:buChar char="●"/>
+            </a:pPr>
+            <a:r>
+              <a:rPr lang="pt-BR" sz="1800" b="0" strike="noStrike" spc="-1">
+                <a:solidFill>
+                  <a:srgbClr val="01498E"/>
+                </a:solidFill>
+                <a:latin typeface="Arial"/>
+                <a:ea typeface="Calibri"/>
+              </a:rPr>
+              <a:t>Atributo privado saldo (inicial 0).</a:t>
+            </a:r>
+            <a:endParaRPr lang="pt-BR" sz="1800" b="0" strike="noStrike" spc="-1">
+              <a:solidFill>
+                <a:srgbClr val="000000"/>
+              </a:solidFill>
+              <a:latin typeface="Arial"/>
+            </a:endParaRPr>
+          </a:p>
+          <a:p>
+            <a:pPr marL="1130400" lvl="2" indent="-216000" algn="just">
+              <a:lnSpc>
+                <a:spcPct val="115000"/>
+              </a:lnSpc>
+              <a:buClr>
+                <a:srgbClr val="000000"/>
+              </a:buClr>
+              <a:buFont typeface="Arial"/>
+              <a:buChar char="●"/>
+            </a:pPr>
+            <a:r>
+              <a:rPr lang="pt-BR" sz="1800" b="0" strike="noStrike" spc="-1">
+                <a:solidFill>
+                  <a:srgbClr val="01498E"/>
+                </a:solidFill>
+                <a:latin typeface="Arial"/>
+                <a:ea typeface="Calibri"/>
+              </a:rPr>
+              <a:t>Método depositar(valor) que adiciona ao saldo.</a:t>
+            </a:r>
+            <a:endParaRPr lang="pt-BR" sz="1800" b="0" strike="noStrike" spc="-1">
+              <a:solidFill>
+                <a:srgbClr val="000000"/>
+              </a:solidFill>
+              <a:latin typeface="Arial"/>
+            </a:endParaRPr>
+          </a:p>
+          <a:p>
+            <a:pPr marL="1130400" lvl="2" indent="-216000" algn="just">
+              <a:lnSpc>
+                <a:spcPct val="115000"/>
+              </a:lnSpc>
+              <a:buClr>
+                <a:srgbClr val="000000"/>
+              </a:buClr>
+              <a:buFont typeface="Arial"/>
+              <a:buChar char="●"/>
+            </a:pPr>
+            <a:r>
+              <a:rPr lang="pt-BR" sz="1800" b="0" strike="noStrike" spc="-1">
+                <a:solidFill>
+                  <a:srgbClr val="01498E"/>
+                </a:solidFill>
+                <a:latin typeface="Arial"/>
+                <a:ea typeface="Calibri"/>
+              </a:rPr>
+              <a:t>Método sacar(valor) que verifica se há saldo suficiente.</a:t>
+            </a:r>
+            <a:endParaRPr lang="pt-BR" sz="1800" b="0" strike="noStrike" spc="-1">
+              <a:solidFill>
+                <a:srgbClr val="000000"/>
+              </a:solidFill>
+              <a:latin typeface="Arial"/>
+            </a:endParaRPr>
+          </a:p>
+          <a:p>
+            <a:pPr marL="1130400" lvl="2" indent="-216000" algn="just">
+              <a:lnSpc>
+                <a:spcPct val="115000"/>
+              </a:lnSpc>
+              <a:buClr>
+                <a:srgbClr val="000000"/>
+              </a:buClr>
+              <a:buFont typeface="Arial"/>
+              <a:buChar char="●"/>
+            </a:pPr>
+            <a:r>
+              <a:rPr lang="pt-BR" sz="1800" b="0" strike="noStrike" spc="-1">
+                <a:solidFill>
+                  <a:srgbClr val="01498E"/>
+                </a:solidFill>
+                <a:latin typeface="Arial"/>
+                <a:ea typeface="Calibri"/>
+              </a:rPr>
+              <a:t>Método ver_saldo() que retorna o saldo.</a:t>
+            </a:r>
+            <a:endParaRPr lang="pt-BR" sz="1800" b="0" strike="noStrike" spc="-1">
+              <a:solidFill>
+                <a:srgbClr val="000000"/>
+              </a:solidFill>
+              <a:latin typeface="Arial"/>
+            </a:endParaRPr>
+          </a:p>
+          <a:p>
+            <a:pPr algn="just">
+              <a:lnSpc>
+                <a:spcPct val="115000"/>
+              </a:lnSpc>
+            </a:pPr>
+            <a:endParaRPr lang="pt-BR" sz="1800" b="0" strike="noStrike" spc="-1">
+              <a:solidFill>
+                <a:srgbClr val="000000"/>
+              </a:solidFill>
+              <a:latin typeface="Arial"/>
+            </a:endParaRPr>
+          </a:p>
+          <a:p>
+            <a:pPr algn="just">
+              <a:lnSpc>
+                <a:spcPct val="115000"/>
+              </a:lnSpc>
+            </a:pPr>
+            <a:endParaRPr lang="pt-BR" sz="1800" b="0" strike="noStrike" spc="-1">
+              <a:solidFill>
+                <a:srgbClr val="000000"/>
+              </a:solidFill>
+              <a:latin typeface="Arial"/>
+            </a:endParaRPr>
+          </a:p>
+          <a:p>
+            <a:pPr algn="just">
+              <a:lnSpc>
+                <a:spcPct val="115000"/>
+              </a:lnSpc>
+            </a:pPr>
+            <a:endParaRPr lang="pt-BR" sz="1800" b="0" strike="noStrike" spc="-1">
+              <a:solidFill>
+                <a:srgbClr val="000000"/>
+              </a:solidFill>
+              <a:latin typeface="Arial"/>
+            </a:endParaRPr>
+          </a:p>
+          <a:p>
+            <a:pPr algn="just">
+              <a:lnSpc>
+                <a:spcPct val="115000"/>
+              </a:lnSpc>
+            </a:pPr>
+            <a:endParaRPr lang="pt-BR" sz="1800" b="0" strike="noStrike" spc="-1">
+              <a:solidFill>
+                <a:srgbClr val="000000"/>
+              </a:solidFill>
+              <a:latin typeface="Arial"/>
+            </a:endParaRPr>
+          </a:p>
+        </p:txBody>
+      </p:sp>
+      <p:pic>
+        <p:nvPicPr>
+          <p:cNvPr id="293" name="Imagem 175"/>
+          <p:cNvPicPr/>
+          <p:nvPr/>
+        </p:nvPicPr>
+        <p:blipFill>
+          <a:blip r:embed="rId3"/>
+          <a:stretch/>
+        </p:blipFill>
+        <p:spPr>
+          <a:xfrm>
+            <a:off x="180000" y="3365280"/>
+            <a:ext cx="6827040" cy="1493640"/>
           </a:xfrm>
           <a:prstGeom prst="rect">
             <a:avLst/>
@@ -23718,70 +24063,9 @@
           <a:chExt cx="0" cy="0"/>
         </a:xfrm>
       </p:grpSpPr>
-      <p:sp>
-        <p:nvSpPr>
-          <p:cNvPr id="295" name="Título 8"/>
-          <p:cNvSpPr/>
-          <p:nvPr/>
-        </p:nvSpPr>
-        <p:spPr>
-          <a:xfrm>
-            <a:off x="291960" y="32040"/>
-            <a:ext cx="5587560" cy="900000"/>
-          </a:xfrm>
-          <a:prstGeom prst="rect">
-            <a:avLst/>
-          </a:prstGeom>
-          <a:noFill/>
-          <a:ln w="0">
-            <a:noFill/>
-          </a:ln>
-        </p:spPr>
-        <p:style>
-          <a:lnRef idx="0">
-            <a:scrgbClr r="0" g="0" b="0"/>
-          </a:lnRef>
-          <a:fillRef idx="0">
-            <a:scrgbClr r="0" g="0" b="0"/>
-          </a:fillRef>
-          <a:effectRef idx="0">
-            <a:scrgbClr r="0" g="0" b="0"/>
-          </a:effectRef>
-          <a:fontRef idx="minor"/>
-        </p:style>
-        <p:txBody>
-          <a:bodyPr lIns="90000" tIns="91440" rIns="90000" bIns="91440" anchor="t">
-            <a:noAutofit/>
-          </a:bodyPr>
-          <a:lstStyle/>
-          <a:p>
-            <a:pPr>
-              <a:lnSpc>
-                <a:spcPct val="100000"/>
-              </a:lnSpc>
-            </a:pPr>
-            <a:r>
-              <a:rPr lang="pt-BR" sz="5400" b="1" strike="noStrike" spc="-1">
-                <a:solidFill>
-                  <a:srgbClr val="002060"/>
-                </a:solidFill>
-                <a:latin typeface="Overpass"/>
-                <a:ea typeface="Overpass"/>
-              </a:rPr>
-              <a:t>Let’s Work</a:t>
-            </a:r>
-            <a:endParaRPr lang="pt-BR" sz="5400" b="0" strike="noStrike" spc="-1">
-              <a:solidFill>
-                <a:srgbClr val="000000"/>
-              </a:solidFill>
-              <a:latin typeface="Arial"/>
-            </a:endParaRPr>
-          </a:p>
-        </p:txBody>
-      </p:sp>
       <p:pic>
         <p:nvPicPr>
-          <p:cNvPr id="296" name="Imagem 12"/>
+          <p:cNvPr id="294" name="Imagem 2"/>
           <p:cNvPicPr/>
           <p:nvPr/>
         </p:nvPicPr>
@@ -23790,201 +24074,9 @@
           <a:stretch/>
         </p:blipFill>
         <p:spPr>
-          <a:xfrm rot="5400000">
-            <a:off x="7714440" y="-111600"/>
-            <a:ext cx="2973960" cy="3197880"/>
-          </a:xfrm>
-          <a:prstGeom prst="rect">
-            <a:avLst/>
-          </a:prstGeom>
-          <a:ln w="0">
-            <a:noFill/>
-          </a:ln>
-        </p:spPr>
-      </p:pic>
-      <p:sp>
-        <p:nvSpPr>
-          <p:cNvPr id="297" name="CaixaDeTexto 7"/>
-          <p:cNvSpPr/>
-          <p:nvPr/>
-        </p:nvSpPr>
-        <p:spPr>
-          <a:xfrm>
-            <a:off x="180000" y="900000"/>
-            <a:ext cx="7419600" cy="2612520"/>
-          </a:xfrm>
-          <a:prstGeom prst="rect">
-            <a:avLst/>
-          </a:prstGeom>
-          <a:noFill/>
-          <a:ln w="0">
-            <a:noFill/>
-          </a:ln>
-        </p:spPr>
-        <p:style>
-          <a:lnRef idx="0">
-            <a:scrgbClr r="0" g="0" b="0"/>
-          </a:lnRef>
-          <a:fillRef idx="0">
-            <a:scrgbClr r="0" g="0" b="0"/>
-          </a:fillRef>
-          <a:effectRef idx="0">
-            <a:scrgbClr r="0" g="0" b="0"/>
-          </a:effectRef>
-          <a:fontRef idx="minor"/>
-        </p:style>
-        <p:txBody>
-          <a:bodyPr lIns="90000" tIns="45000" rIns="90000" bIns="45000" anchor="t">
-            <a:spAutoFit/>
-          </a:bodyPr>
-          <a:lstStyle/>
-          <a:p>
-            <a:pPr marL="216000" indent="-216000" algn="just">
-              <a:lnSpc>
-                <a:spcPct val="115000"/>
-              </a:lnSpc>
-              <a:buClr>
-                <a:srgbClr val="000000"/>
-              </a:buClr>
-              <a:buFont typeface="Arial"/>
-              <a:buChar char="●"/>
-            </a:pPr>
-            <a:r>
-              <a:rPr lang="pt-BR" sz="1800" b="0" strike="noStrike" spc="-1">
-                <a:solidFill>
-                  <a:srgbClr val="01498E"/>
-                </a:solidFill>
-                <a:latin typeface="Arial"/>
-                <a:ea typeface="Calibri"/>
-              </a:rPr>
-              <a:t>Problema 5:</a:t>
-            </a:r>
-            <a:endParaRPr lang="pt-BR" sz="1800" b="0" strike="noStrike" spc="-1">
-              <a:solidFill>
-                <a:srgbClr val="000000"/>
-              </a:solidFill>
-              <a:latin typeface="Arial"/>
-            </a:endParaRPr>
-          </a:p>
-          <a:p>
-            <a:pPr marL="673200" lvl="1" indent="-216000" algn="just">
-              <a:lnSpc>
-                <a:spcPct val="115000"/>
-              </a:lnSpc>
-              <a:buClr>
-                <a:srgbClr val="000000"/>
-              </a:buClr>
-              <a:buFont typeface="Arial"/>
-              <a:buChar char="●"/>
-            </a:pPr>
-            <a:r>
-              <a:rPr lang="pt-BR" sz="1800" b="0" strike="noStrike" spc="-1">
-                <a:solidFill>
-                  <a:srgbClr val="01498E"/>
-                </a:solidFill>
-                <a:latin typeface="Arial"/>
-                <a:ea typeface="Calibri"/>
-              </a:rPr>
-              <a:t>Atualize a classe conta bancaria para levantar erros usando </a:t>
-            </a:r>
-            <a:r>
-              <a:rPr lang="pt-BR" sz="1800" b="0" strike="noStrike" spc="-1">
-                <a:solidFill>
-                  <a:srgbClr val="01498E"/>
-                </a:solidFill>
-                <a:highlight>
-                  <a:srgbClr val="FFFF00"/>
-                </a:highlight>
-                <a:latin typeface="Arial"/>
-                <a:ea typeface="Calibri"/>
-              </a:rPr>
-              <a:t>raise ValueError(“msg”)</a:t>
-            </a:r>
-            <a:r>
-              <a:rPr lang="pt-BR" sz="1800" b="0" strike="noStrike" spc="-1">
-                <a:solidFill>
-                  <a:srgbClr val="01498E"/>
-                </a:solidFill>
-                <a:latin typeface="Arial"/>
-                <a:ea typeface="Calibri"/>
-              </a:rPr>
-              <a:t> em caso de erros (valor negativo ou s/ saldo)</a:t>
-            </a:r>
-            <a:endParaRPr lang="pt-BR" sz="1800" b="0" strike="noStrike" spc="-1">
-              <a:solidFill>
-                <a:srgbClr val="000000"/>
-              </a:solidFill>
-              <a:latin typeface="Arial"/>
-            </a:endParaRPr>
-          </a:p>
-          <a:p>
-            <a:pPr algn="just">
-              <a:lnSpc>
-                <a:spcPct val="115000"/>
-              </a:lnSpc>
-            </a:pPr>
-            <a:endParaRPr lang="pt-BR" sz="1800" b="0" strike="noStrike" spc="-1">
-              <a:solidFill>
-                <a:srgbClr val="000000"/>
-              </a:solidFill>
-              <a:latin typeface="Arial"/>
-            </a:endParaRPr>
-          </a:p>
-          <a:p>
-            <a:pPr algn="just">
-              <a:lnSpc>
-                <a:spcPct val="115000"/>
-              </a:lnSpc>
-            </a:pPr>
-            <a:endParaRPr lang="pt-BR" sz="1800" b="0" strike="noStrike" spc="-1">
-              <a:solidFill>
-                <a:srgbClr val="000000"/>
-              </a:solidFill>
-              <a:latin typeface="Arial"/>
-            </a:endParaRPr>
-          </a:p>
-          <a:p>
-            <a:pPr algn="just">
-              <a:lnSpc>
-                <a:spcPct val="115000"/>
-              </a:lnSpc>
-            </a:pPr>
-            <a:endParaRPr lang="pt-BR" sz="1800" b="0" strike="noStrike" spc="-1">
-              <a:solidFill>
-                <a:srgbClr val="000000"/>
-              </a:solidFill>
-              <a:latin typeface="Arial"/>
-            </a:endParaRPr>
-          </a:p>
-          <a:p>
-            <a:pPr algn="just">
-              <a:lnSpc>
-                <a:spcPct val="115000"/>
-              </a:lnSpc>
-            </a:pPr>
-            <a:endParaRPr lang="pt-BR" sz="1800" b="0" strike="noStrike" spc="-1">
-              <a:solidFill>
-                <a:srgbClr val="000000"/>
-              </a:solidFill>
-              <a:latin typeface="Arial"/>
-            </a:endParaRPr>
-          </a:p>
-        </p:txBody>
-      </p:sp>
-      <p:pic>
-        <p:nvPicPr>
-          <p:cNvPr id="298" name="Imagem 180"/>
-          <p:cNvPicPr/>
-          <p:nvPr/>
-        </p:nvPicPr>
-        <p:blipFill>
-          <a:blip r:embed="rId3"/>
-          <a:stretch/>
-        </p:blipFill>
-        <p:spPr>
-          <a:xfrm>
-            <a:off x="360000" y="2520000"/>
-            <a:ext cx="6788880" cy="2084040"/>
+          <a:xfrm>
+            <a:off x="1864080" y="0"/>
+            <a:ext cx="5414760" cy="5142240"/>
           </a:xfrm>
           <a:prstGeom prst="rect">
             <a:avLst/>
@@ -24021,6 +24113,307 @@
       </p:grpSpPr>
       <p:sp>
         <p:nvSpPr>
+          <p:cNvPr id="295" name="Título 8"/>
+          <p:cNvSpPr/>
+          <p:nvPr/>
+        </p:nvSpPr>
+        <p:spPr>
+          <a:xfrm>
+            <a:off x="291960" y="32040"/>
+            <a:ext cx="5587560" cy="900000"/>
+          </a:xfrm>
+          <a:prstGeom prst="rect">
+            <a:avLst/>
+          </a:prstGeom>
+          <a:noFill/>
+          <a:ln w="0">
+            <a:noFill/>
+          </a:ln>
+        </p:spPr>
+        <p:style>
+          <a:lnRef idx="0">
+            <a:scrgbClr r="0" g="0" b="0"/>
+          </a:lnRef>
+          <a:fillRef idx="0">
+            <a:scrgbClr r="0" g="0" b="0"/>
+          </a:fillRef>
+          <a:effectRef idx="0">
+            <a:scrgbClr r="0" g="0" b="0"/>
+          </a:effectRef>
+          <a:fontRef idx="minor"/>
+        </p:style>
+        <p:txBody>
+          <a:bodyPr lIns="90000" tIns="91440" rIns="90000" bIns="91440" anchor="t">
+            <a:noAutofit/>
+          </a:bodyPr>
+          <a:lstStyle/>
+          <a:p>
+            <a:pPr>
+              <a:lnSpc>
+                <a:spcPct val="100000"/>
+              </a:lnSpc>
+            </a:pPr>
+            <a:r>
+              <a:rPr lang="pt-BR" sz="5400" b="1" strike="noStrike" spc="-1">
+                <a:solidFill>
+                  <a:srgbClr val="002060"/>
+                </a:solidFill>
+                <a:latin typeface="Overpass"/>
+                <a:ea typeface="Overpass"/>
+              </a:rPr>
+              <a:t>Let’s Work</a:t>
+            </a:r>
+            <a:endParaRPr lang="pt-BR" sz="5400" b="0" strike="noStrike" spc="-1">
+              <a:solidFill>
+                <a:srgbClr val="000000"/>
+              </a:solidFill>
+              <a:latin typeface="Arial"/>
+            </a:endParaRPr>
+          </a:p>
+        </p:txBody>
+      </p:sp>
+      <p:pic>
+        <p:nvPicPr>
+          <p:cNvPr id="296" name="Imagem 12"/>
+          <p:cNvPicPr/>
+          <p:nvPr/>
+        </p:nvPicPr>
+        <p:blipFill>
+          <a:blip r:embed="rId2"/>
+          <a:stretch/>
+        </p:blipFill>
+        <p:spPr>
+          <a:xfrm rot="5400000">
+            <a:off x="7714440" y="-111600"/>
+            <a:ext cx="2973960" cy="3197880"/>
+          </a:xfrm>
+          <a:prstGeom prst="rect">
+            <a:avLst/>
+          </a:prstGeom>
+          <a:ln w="0">
+            <a:noFill/>
+          </a:ln>
+        </p:spPr>
+      </p:pic>
+      <p:sp>
+        <p:nvSpPr>
+          <p:cNvPr id="297" name="CaixaDeTexto 7"/>
+          <p:cNvSpPr/>
+          <p:nvPr/>
+        </p:nvSpPr>
+        <p:spPr>
+          <a:xfrm>
+            <a:off x="180000" y="900000"/>
+            <a:ext cx="7419600" cy="2612520"/>
+          </a:xfrm>
+          <a:prstGeom prst="rect">
+            <a:avLst/>
+          </a:prstGeom>
+          <a:noFill/>
+          <a:ln w="0">
+            <a:noFill/>
+          </a:ln>
+        </p:spPr>
+        <p:style>
+          <a:lnRef idx="0">
+            <a:scrgbClr r="0" g="0" b="0"/>
+          </a:lnRef>
+          <a:fillRef idx="0">
+            <a:scrgbClr r="0" g="0" b="0"/>
+          </a:fillRef>
+          <a:effectRef idx="0">
+            <a:scrgbClr r="0" g="0" b="0"/>
+          </a:effectRef>
+          <a:fontRef idx="minor"/>
+        </p:style>
+        <p:txBody>
+          <a:bodyPr lIns="90000" tIns="45000" rIns="90000" bIns="45000" anchor="t">
+            <a:spAutoFit/>
+          </a:bodyPr>
+          <a:lstStyle/>
+          <a:p>
+            <a:pPr marL="216000" indent="-216000" algn="just">
+              <a:lnSpc>
+                <a:spcPct val="115000"/>
+              </a:lnSpc>
+              <a:buClr>
+                <a:srgbClr val="000000"/>
+              </a:buClr>
+              <a:buFont typeface="Arial"/>
+              <a:buChar char="●"/>
+            </a:pPr>
+            <a:r>
+              <a:rPr lang="pt-BR" sz="1800" b="0" strike="noStrike" spc="-1">
+                <a:solidFill>
+                  <a:srgbClr val="01498E"/>
+                </a:solidFill>
+                <a:latin typeface="Arial"/>
+                <a:ea typeface="Calibri"/>
+              </a:rPr>
+              <a:t>Problema 5:</a:t>
+            </a:r>
+            <a:endParaRPr lang="pt-BR" sz="1800" b="0" strike="noStrike" spc="-1">
+              <a:solidFill>
+                <a:srgbClr val="000000"/>
+              </a:solidFill>
+              <a:latin typeface="Arial"/>
+            </a:endParaRPr>
+          </a:p>
+          <a:p>
+            <a:pPr marL="673200" lvl="1" indent="-216000" algn="just">
+              <a:lnSpc>
+                <a:spcPct val="115000"/>
+              </a:lnSpc>
+              <a:buClr>
+                <a:srgbClr val="000000"/>
+              </a:buClr>
+              <a:buFont typeface="Arial"/>
+              <a:buChar char="●"/>
+            </a:pPr>
+            <a:r>
+              <a:rPr lang="pt-BR" sz="1800" b="0" strike="noStrike" spc="-1">
+                <a:solidFill>
+                  <a:srgbClr val="01498E"/>
+                </a:solidFill>
+                <a:latin typeface="Arial"/>
+                <a:ea typeface="Calibri"/>
+              </a:rPr>
+              <a:t>Atualize a classe conta bancaria para levantar erros usando </a:t>
+            </a:r>
+            <a:r>
+              <a:rPr lang="pt-BR" sz="1800" b="0" strike="noStrike" spc="-1">
+                <a:solidFill>
+                  <a:srgbClr val="01498E"/>
+                </a:solidFill>
+                <a:highlight>
+                  <a:srgbClr val="FFFF00"/>
+                </a:highlight>
+                <a:latin typeface="Arial"/>
+                <a:ea typeface="Calibri"/>
+              </a:rPr>
+              <a:t>raise ValueError(“msg”)</a:t>
+            </a:r>
+            <a:r>
+              <a:rPr lang="pt-BR" sz="1800" b="0" strike="noStrike" spc="-1">
+                <a:solidFill>
+                  <a:srgbClr val="01498E"/>
+                </a:solidFill>
+                <a:latin typeface="Arial"/>
+                <a:ea typeface="Calibri"/>
+              </a:rPr>
+              <a:t> em caso de erros (valor negativo ou s/ saldo)</a:t>
+            </a:r>
+            <a:endParaRPr lang="pt-BR" sz="1800" b="0" strike="noStrike" spc="-1">
+              <a:solidFill>
+                <a:srgbClr val="000000"/>
+              </a:solidFill>
+              <a:latin typeface="Arial"/>
+            </a:endParaRPr>
+          </a:p>
+          <a:p>
+            <a:pPr algn="just">
+              <a:lnSpc>
+                <a:spcPct val="115000"/>
+              </a:lnSpc>
+            </a:pPr>
+            <a:endParaRPr lang="pt-BR" sz="1800" b="0" strike="noStrike" spc="-1">
+              <a:solidFill>
+                <a:srgbClr val="000000"/>
+              </a:solidFill>
+              <a:latin typeface="Arial"/>
+            </a:endParaRPr>
+          </a:p>
+          <a:p>
+            <a:pPr algn="just">
+              <a:lnSpc>
+                <a:spcPct val="115000"/>
+              </a:lnSpc>
+            </a:pPr>
+            <a:endParaRPr lang="pt-BR" sz="1800" b="0" strike="noStrike" spc="-1">
+              <a:solidFill>
+                <a:srgbClr val="000000"/>
+              </a:solidFill>
+              <a:latin typeface="Arial"/>
+            </a:endParaRPr>
+          </a:p>
+          <a:p>
+            <a:pPr algn="just">
+              <a:lnSpc>
+                <a:spcPct val="115000"/>
+              </a:lnSpc>
+            </a:pPr>
+            <a:endParaRPr lang="pt-BR" sz="1800" b="0" strike="noStrike" spc="-1">
+              <a:solidFill>
+                <a:srgbClr val="000000"/>
+              </a:solidFill>
+              <a:latin typeface="Arial"/>
+            </a:endParaRPr>
+          </a:p>
+          <a:p>
+            <a:pPr algn="just">
+              <a:lnSpc>
+                <a:spcPct val="115000"/>
+              </a:lnSpc>
+            </a:pPr>
+            <a:endParaRPr lang="pt-BR" sz="1800" b="0" strike="noStrike" spc="-1">
+              <a:solidFill>
+                <a:srgbClr val="000000"/>
+              </a:solidFill>
+              <a:latin typeface="Arial"/>
+            </a:endParaRPr>
+          </a:p>
+        </p:txBody>
+      </p:sp>
+      <p:pic>
+        <p:nvPicPr>
+          <p:cNvPr id="298" name="Imagem 180"/>
+          <p:cNvPicPr/>
+          <p:nvPr/>
+        </p:nvPicPr>
+        <p:blipFill>
+          <a:blip r:embed="rId3"/>
+          <a:stretch/>
+        </p:blipFill>
+        <p:spPr>
+          <a:xfrm>
+            <a:off x="360000" y="2520000"/>
+            <a:ext cx="6788880" cy="2084040"/>
+          </a:xfrm>
+          <a:prstGeom prst="rect">
+            <a:avLst/>
+          </a:prstGeom>
+          <a:ln w="0">
+            <a:noFill/>
+          </a:ln>
+        </p:spPr>
+      </p:pic>
+    </p:spTree>
+  </p:cSld>
+  <p:clrMapOvr>
+    <a:masterClrMapping/>
+  </p:clrMapOvr>
+</p:sld>
+</file>
+
+<file path=ppt/slides/slide53.xml><?xml version="1.0" encoding="utf-8"?>
+<p:sld xmlns:a="http://schemas.openxmlformats.org/drawingml/2006/main" xmlns:r="http://schemas.openxmlformats.org/officeDocument/2006/relationships" xmlns:p="http://schemas.openxmlformats.org/presentationml/2006/main">
+  <p:cSld>
+    <p:spTree>
+      <p:nvGrpSpPr>
+        <p:cNvPr id="1" name=""/>
+        <p:cNvGrpSpPr/>
+        <p:nvPr/>
+      </p:nvGrpSpPr>
+      <p:grpSpPr>
+        <a:xfrm>
+          <a:off x="0" y="0"/>
+          <a:ext cx="0" cy="0"/>
+          <a:chOff x="0" y="0"/>
+          <a:chExt cx="0" cy="0"/>
+        </a:xfrm>
+      </p:grpSpPr>
+      <p:sp>
+        <p:nvSpPr>
           <p:cNvPr id="299" name="Título 9"/>
           <p:cNvSpPr/>
           <p:nvPr/>
@@ -24289,7 +24682,7 @@
 </p:sld>
 </file>
 
-<file path=ppt/slides/slide53.xml><?xml version="1.0" encoding="utf-8"?>
+<file path=ppt/slides/slide54.xml><?xml version="1.0" encoding="utf-8"?>
 <p:sld xmlns:a="http://schemas.openxmlformats.org/drawingml/2006/main" xmlns:r="http://schemas.openxmlformats.org/officeDocument/2006/relationships" xmlns:p="http://schemas.openxmlformats.org/presentationml/2006/main">
   <p:cSld>
     <p:spTree>
@@ -24337,339 +24730,6 @@
 </p:sld>
 </file>
 
-<file path=ppt/slides/slide54.xml><?xml version="1.0" encoding="utf-8"?>
-<p:sld xmlns:a="http://schemas.openxmlformats.org/drawingml/2006/main" xmlns:r="http://schemas.openxmlformats.org/officeDocument/2006/relationships" xmlns:p="http://schemas.openxmlformats.org/presentationml/2006/main">
-  <p:cSld>
-    <p:spTree>
-      <p:nvGrpSpPr>
-        <p:cNvPr id="1" name=""/>
-        <p:cNvGrpSpPr/>
-        <p:nvPr/>
-      </p:nvGrpSpPr>
-      <p:grpSpPr>
-        <a:xfrm>
-          <a:off x="0" y="0"/>
-          <a:ext cx="0" cy="0"/>
-          <a:chOff x="0" y="0"/>
-          <a:chExt cx="0" cy="0"/>
-        </a:xfrm>
-      </p:grpSpPr>
-      <p:sp>
-        <p:nvSpPr>
-          <p:cNvPr id="303" name="Título 7"/>
-          <p:cNvSpPr/>
-          <p:nvPr/>
-        </p:nvSpPr>
-        <p:spPr>
-          <a:xfrm>
-            <a:off x="291960" y="32040"/>
-            <a:ext cx="5587560" cy="900000"/>
-          </a:xfrm>
-          <a:prstGeom prst="rect">
-            <a:avLst/>
-          </a:prstGeom>
-          <a:noFill/>
-          <a:ln w="0">
-            <a:noFill/>
-          </a:ln>
-        </p:spPr>
-        <p:style>
-          <a:lnRef idx="0">
-            <a:scrgbClr r="0" g="0" b="0"/>
-          </a:lnRef>
-          <a:fillRef idx="0">
-            <a:scrgbClr r="0" g="0" b="0"/>
-          </a:fillRef>
-          <a:effectRef idx="0">
-            <a:scrgbClr r="0" g="0" b="0"/>
-          </a:effectRef>
-          <a:fontRef idx="minor"/>
-        </p:style>
-        <p:txBody>
-          <a:bodyPr lIns="90000" tIns="91440" rIns="90000" bIns="91440" anchor="t">
-            <a:noAutofit/>
-          </a:bodyPr>
-          <a:lstStyle/>
-          <a:p>
-            <a:pPr>
-              <a:lnSpc>
-                <a:spcPct val="100000"/>
-              </a:lnSpc>
-            </a:pPr>
-            <a:r>
-              <a:rPr lang="pt-BR" sz="5400" b="1" strike="noStrike" spc="-1">
-                <a:solidFill>
-                  <a:srgbClr val="002060"/>
-                </a:solidFill>
-                <a:latin typeface="Overpass"/>
-                <a:ea typeface="Overpass"/>
-              </a:rPr>
-              <a:t>Let’s Work</a:t>
-            </a:r>
-            <a:endParaRPr lang="pt-BR" sz="5400" b="0" strike="noStrike" spc="-1">
-              <a:solidFill>
-                <a:srgbClr val="000000"/>
-              </a:solidFill>
-              <a:latin typeface="Arial"/>
-            </a:endParaRPr>
-          </a:p>
-        </p:txBody>
-      </p:sp>
-      <p:pic>
-        <p:nvPicPr>
-          <p:cNvPr id="304" name="Imagem 11"/>
-          <p:cNvPicPr/>
-          <p:nvPr/>
-        </p:nvPicPr>
-        <p:blipFill>
-          <a:blip r:embed="rId2"/>
-          <a:stretch/>
-        </p:blipFill>
-        <p:spPr>
-          <a:xfrm rot="5400000">
-            <a:off x="7714440" y="-111600"/>
-            <a:ext cx="2973960" cy="3197880"/>
-          </a:xfrm>
-          <a:prstGeom prst="rect">
-            <a:avLst/>
-          </a:prstGeom>
-          <a:ln w="0">
-            <a:noFill/>
-          </a:ln>
-        </p:spPr>
-      </p:pic>
-      <p:sp>
-        <p:nvSpPr>
-          <p:cNvPr id="305" name="CaixaDeTexto 6"/>
-          <p:cNvSpPr/>
-          <p:nvPr/>
-        </p:nvSpPr>
-        <p:spPr>
-          <a:xfrm>
-            <a:off x="180000" y="720000"/>
-            <a:ext cx="7419600" cy="1981800"/>
-          </a:xfrm>
-          <a:prstGeom prst="rect">
-            <a:avLst/>
-          </a:prstGeom>
-          <a:noFill/>
-          <a:ln w="0">
-            <a:noFill/>
-          </a:ln>
-        </p:spPr>
-        <p:style>
-          <a:lnRef idx="0">
-            <a:scrgbClr r="0" g="0" b="0"/>
-          </a:lnRef>
-          <a:fillRef idx="0">
-            <a:scrgbClr r="0" g="0" b="0"/>
-          </a:fillRef>
-          <a:effectRef idx="0">
-            <a:scrgbClr r="0" g="0" b="0"/>
-          </a:effectRef>
-          <a:fontRef idx="minor"/>
-        </p:style>
-        <p:txBody>
-          <a:bodyPr lIns="90000" tIns="45000" rIns="90000" bIns="45000" anchor="t">
-            <a:spAutoFit/>
-          </a:bodyPr>
-          <a:lstStyle/>
-          <a:p>
-            <a:pPr marL="216000" indent="-216000" algn="just">
-              <a:lnSpc>
-                <a:spcPct val="115000"/>
-              </a:lnSpc>
-              <a:buClr>
-                <a:srgbClr val="000000"/>
-              </a:buClr>
-              <a:buFont typeface="Arial"/>
-              <a:buChar char="●"/>
-            </a:pPr>
-            <a:r>
-              <a:rPr lang="pt-BR" sz="1800" b="0" strike="noStrike" spc="-1">
-                <a:solidFill>
-                  <a:srgbClr val="01498E"/>
-                </a:solidFill>
-                <a:latin typeface="Arial"/>
-                <a:ea typeface="Calibri"/>
-              </a:rPr>
-              <a:t>Problema 6:</a:t>
-            </a:r>
-            <a:endParaRPr lang="pt-BR" sz="1800" b="0" strike="noStrike" spc="-1">
-              <a:solidFill>
-                <a:srgbClr val="000000"/>
-              </a:solidFill>
-              <a:latin typeface="Arial"/>
-            </a:endParaRPr>
-          </a:p>
-          <a:p>
-            <a:pPr marL="673200" lvl="1" indent="-216000" algn="just">
-              <a:lnSpc>
-                <a:spcPct val="115000"/>
-              </a:lnSpc>
-              <a:buClr>
-                <a:srgbClr val="000000"/>
-              </a:buClr>
-              <a:buFont typeface="Arial"/>
-              <a:buChar char="●"/>
-            </a:pPr>
-            <a:r>
-              <a:rPr lang="pt-BR" sz="1800" b="0" strike="noStrike" spc="-1">
-                <a:solidFill>
-                  <a:srgbClr val="01498E"/>
-                </a:solidFill>
-                <a:latin typeface="Arial"/>
-                <a:ea typeface="Calibri"/>
-              </a:rPr>
-              <a:t>Atualize a classe ContaBancaria, agora com </a:t>
-            </a:r>
-            <a:endParaRPr lang="pt-BR" sz="1800" b="0" strike="noStrike" spc="-1">
-              <a:solidFill>
-                <a:srgbClr val="000000"/>
-              </a:solidFill>
-              <a:latin typeface="Arial"/>
-            </a:endParaRPr>
-          </a:p>
-          <a:p>
-            <a:pPr marL="864000" lvl="3" indent="-216000" algn="just">
-              <a:lnSpc>
-                <a:spcPct val="115000"/>
-              </a:lnSpc>
-              <a:buClr>
-                <a:srgbClr val="000000"/>
-              </a:buClr>
-              <a:buSzPct val="45000"/>
-              <a:buFont typeface="Wingdings" charset="2"/>
-              <a:buChar char=""/>
-            </a:pPr>
-            <a:r>
-              <a:rPr lang="pt-BR" sz="1800" b="0" strike="noStrike" spc="-1">
-                <a:solidFill>
-                  <a:srgbClr val="01498E"/>
-                </a:solidFill>
-                <a:latin typeface="Arial"/>
-                <a:ea typeface="Calibri"/>
-              </a:rPr>
-              <a:t>histórico de movim. (valor, data e hora, observação, tipo)</a:t>
-            </a:r>
-            <a:endParaRPr lang="pt-BR" sz="1800" b="0" strike="noStrike" spc="-1">
-              <a:solidFill>
-                <a:srgbClr val="000000"/>
-              </a:solidFill>
-              <a:latin typeface="Arial"/>
-            </a:endParaRPr>
-          </a:p>
-          <a:p>
-            <a:pPr marL="864000" lvl="3" indent="-216000" algn="just">
-              <a:lnSpc>
-                <a:spcPct val="115000"/>
-              </a:lnSpc>
-              <a:buClr>
-                <a:srgbClr val="000000"/>
-              </a:buClr>
-              <a:buSzPct val="45000"/>
-              <a:buFont typeface="Wingdings" charset="2"/>
-              <a:buChar char=""/>
-            </a:pPr>
-            <a:r>
-              <a:rPr lang="pt-BR" sz="1800" b="0" strike="noStrike" spc="-1">
-                <a:solidFill>
-                  <a:srgbClr val="01498E"/>
-                </a:solidFill>
-                <a:latin typeface="Arial"/>
-                <a:ea typeface="Calibri"/>
-              </a:rPr>
-              <a:t>método extrato()</a:t>
-            </a:r>
-            <a:endParaRPr lang="pt-BR" sz="1800" b="0" strike="noStrike" spc="-1">
-              <a:solidFill>
-                <a:srgbClr val="000000"/>
-              </a:solidFill>
-              <a:latin typeface="Arial"/>
-            </a:endParaRPr>
-          </a:p>
-          <a:p>
-            <a:pPr algn="just">
-              <a:lnSpc>
-                <a:spcPct val="115000"/>
-              </a:lnSpc>
-            </a:pPr>
-            <a:endParaRPr lang="pt-BR" sz="1800" b="0" strike="noStrike" spc="-1">
-              <a:solidFill>
-                <a:srgbClr val="000000"/>
-              </a:solidFill>
-              <a:latin typeface="Arial"/>
-            </a:endParaRPr>
-          </a:p>
-          <a:p>
-            <a:pPr algn="just">
-              <a:lnSpc>
-                <a:spcPct val="115000"/>
-              </a:lnSpc>
-            </a:pPr>
-            <a:endParaRPr lang="pt-BR" sz="1800" b="0" strike="noStrike" spc="-1">
-              <a:solidFill>
-                <a:srgbClr val="000000"/>
-              </a:solidFill>
-              <a:latin typeface="Arial"/>
-            </a:endParaRPr>
-          </a:p>
-        </p:txBody>
-      </p:sp>
-      <p:pic>
-        <p:nvPicPr>
-          <p:cNvPr id="306" name="Imagem 188"/>
-          <p:cNvPicPr/>
-          <p:nvPr/>
-        </p:nvPicPr>
-        <p:blipFill>
-          <a:blip r:embed="rId3"/>
-          <a:stretch/>
-        </p:blipFill>
-        <p:spPr>
-          <a:xfrm>
-            <a:off x="-3240" y="2024280"/>
-            <a:ext cx="6158160" cy="1790640"/>
-          </a:xfrm>
-          <a:prstGeom prst="rect">
-            <a:avLst/>
-          </a:prstGeom>
-          <a:ln w="0">
-            <a:noFill/>
-          </a:ln>
-        </p:spPr>
-      </p:pic>
-      <p:pic>
-        <p:nvPicPr>
-          <p:cNvPr id="307" name="Imagem 189"/>
-          <p:cNvPicPr/>
-          <p:nvPr/>
-        </p:nvPicPr>
-        <p:blipFill>
-          <a:blip r:embed="rId4"/>
-          <a:stretch/>
-        </p:blipFill>
-        <p:spPr>
-          <a:xfrm>
-            <a:off x="1296000" y="3830040"/>
-            <a:ext cx="7836480" cy="1312560"/>
-          </a:xfrm>
-          <a:prstGeom prst="rect">
-            <a:avLst/>
-          </a:prstGeom>
-          <a:ln w="0">
-            <a:noFill/>
-          </a:ln>
-        </p:spPr>
-      </p:pic>
-    </p:spTree>
-  </p:cSld>
-  <p:clrMapOvr>
-    <a:masterClrMapping/>
-  </p:clrMapOvr>
-</p:sld>
-</file>
-
 <file path=ppt/slides/slide55.xml><?xml version="1.0" encoding="utf-8"?>
 <p:sld xmlns:a="http://schemas.openxmlformats.org/drawingml/2006/main" xmlns:r="http://schemas.openxmlformats.org/officeDocument/2006/relationships" xmlns:p="http://schemas.openxmlformats.org/presentationml/2006/main">
   <p:cSld>
@@ -24687,6 +24747,314 @@
           <a:chExt cx="0" cy="0"/>
         </a:xfrm>
       </p:grpSpPr>
+      <p:sp>
+        <p:nvSpPr>
+          <p:cNvPr id="303" name="Título 7"/>
+          <p:cNvSpPr/>
+          <p:nvPr/>
+        </p:nvSpPr>
+        <p:spPr>
+          <a:xfrm>
+            <a:off x="291960" y="32040"/>
+            <a:ext cx="5587560" cy="900000"/>
+          </a:xfrm>
+          <a:prstGeom prst="rect">
+            <a:avLst/>
+          </a:prstGeom>
+          <a:noFill/>
+          <a:ln w="0">
+            <a:noFill/>
+          </a:ln>
+        </p:spPr>
+        <p:style>
+          <a:lnRef idx="0">
+            <a:scrgbClr r="0" g="0" b="0"/>
+          </a:lnRef>
+          <a:fillRef idx="0">
+            <a:scrgbClr r="0" g="0" b="0"/>
+          </a:fillRef>
+          <a:effectRef idx="0">
+            <a:scrgbClr r="0" g="0" b="0"/>
+          </a:effectRef>
+          <a:fontRef idx="minor"/>
+        </p:style>
+        <p:txBody>
+          <a:bodyPr lIns="90000" tIns="91440" rIns="90000" bIns="91440" anchor="t">
+            <a:noAutofit/>
+          </a:bodyPr>
+          <a:lstStyle/>
+          <a:p>
+            <a:pPr>
+              <a:lnSpc>
+                <a:spcPct val="100000"/>
+              </a:lnSpc>
+            </a:pPr>
+            <a:r>
+              <a:rPr lang="pt-BR" sz="5400" b="1" strike="noStrike" spc="-1">
+                <a:solidFill>
+                  <a:srgbClr val="002060"/>
+                </a:solidFill>
+                <a:latin typeface="Overpass"/>
+                <a:ea typeface="Overpass"/>
+              </a:rPr>
+              <a:t>Let’s Work</a:t>
+            </a:r>
+            <a:endParaRPr lang="pt-BR" sz="5400" b="0" strike="noStrike" spc="-1">
+              <a:solidFill>
+                <a:srgbClr val="000000"/>
+              </a:solidFill>
+              <a:latin typeface="Arial"/>
+            </a:endParaRPr>
+          </a:p>
+        </p:txBody>
+      </p:sp>
+      <p:pic>
+        <p:nvPicPr>
+          <p:cNvPr id="304" name="Imagem 11"/>
+          <p:cNvPicPr/>
+          <p:nvPr/>
+        </p:nvPicPr>
+        <p:blipFill>
+          <a:blip r:embed="rId2"/>
+          <a:stretch/>
+        </p:blipFill>
+        <p:spPr>
+          <a:xfrm rot="5400000">
+            <a:off x="7714440" y="-111600"/>
+            <a:ext cx="2973960" cy="3197880"/>
+          </a:xfrm>
+          <a:prstGeom prst="rect">
+            <a:avLst/>
+          </a:prstGeom>
+          <a:ln w="0">
+            <a:noFill/>
+          </a:ln>
+        </p:spPr>
+      </p:pic>
+      <p:sp>
+        <p:nvSpPr>
+          <p:cNvPr id="305" name="CaixaDeTexto 6"/>
+          <p:cNvSpPr/>
+          <p:nvPr/>
+        </p:nvSpPr>
+        <p:spPr>
+          <a:xfrm>
+            <a:off x="180000" y="720000"/>
+            <a:ext cx="7419600" cy="1981800"/>
+          </a:xfrm>
+          <a:prstGeom prst="rect">
+            <a:avLst/>
+          </a:prstGeom>
+          <a:noFill/>
+          <a:ln w="0">
+            <a:noFill/>
+          </a:ln>
+        </p:spPr>
+        <p:style>
+          <a:lnRef idx="0">
+            <a:scrgbClr r="0" g="0" b="0"/>
+          </a:lnRef>
+          <a:fillRef idx="0">
+            <a:scrgbClr r="0" g="0" b="0"/>
+          </a:fillRef>
+          <a:effectRef idx="0">
+            <a:scrgbClr r="0" g="0" b="0"/>
+          </a:effectRef>
+          <a:fontRef idx="minor"/>
+        </p:style>
+        <p:txBody>
+          <a:bodyPr lIns="90000" tIns="45000" rIns="90000" bIns="45000" anchor="t">
+            <a:spAutoFit/>
+          </a:bodyPr>
+          <a:lstStyle/>
+          <a:p>
+            <a:pPr marL="216000" indent="-216000" algn="just">
+              <a:lnSpc>
+                <a:spcPct val="115000"/>
+              </a:lnSpc>
+              <a:buClr>
+                <a:srgbClr val="000000"/>
+              </a:buClr>
+              <a:buFont typeface="Arial"/>
+              <a:buChar char="●"/>
+            </a:pPr>
+            <a:r>
+              <a:rPr lang="pt-BR" sz="1800" b="0" strike="noStrike" spc="-1">
+                <a:solidFill>
+                  <a:srgbClr val="01498E"/>
+                </a:solidFill>
+                <a:latin typeface="Arial"/>
+                <a:ea typeface="Calibri"/>
+              </a:rPr>
+              <a:t>Problema 6:</a:t>
+            </a:r>
+            <a:endParaRPr lang="pt-BR" sz="1800" b="0" strike="noStrike" spc="-1">
+              <a:solidFill>
+                <a:srgbClr val="000000"/>
+              </a:solidFill>
+              <a:latin typeface="Arial"/>
+            </a:endParaRPr>
+          </a:p>
+          <a:p>
+            <a:pPr marL="673200" lvl="1" indent="-216000" algn="just">
+              <a:lnSpc>
+                <a:spcPct val="115000"/>
+              </a:lnSpc>
+              <a:buClr>
+                <a:srgbClr val="000000"/>
+              </a:buClr>
+              <a:buFont typeface="Arial"/>
+              <a:buChar char="●"/>
+            </a:pPr>
+            <a:r>
+              <a:rPr lang="pt-BR" sz="1800" b="0" strike="noStrike" spc="-1">
+                <a:solidFill>
+                  <a:srgbClr val="01498E"/>
+                </a:solidFill>
+                <a:latin typeface="Arial"/>
+                <a:ea typeface="Calibri"/>
+              </a:rPr>
+              <a:t>Atualize a classe ContaBancaria, agora com </a:t>
+            </a:r>
+            <a:endParaRPr lang="pt-BR" sz="1800" b="0" strike="noStrike" spc="-1">
+              <a:solidFill>
+                <a:srgbClr val="000000"/>
+              </a:solidFill>
+              <a:latin typeface="Arial"/>
+            </a:endParaRPr>
+          </a:p>
+          <a:p>
+            <a:pPr marL="864000" lvl="3" indent="-216000" algn="just">
+              <a:lnSpc>
+                <a:spcPct val="115000"/>
+              </a:lnSpc>
+              <a:buClr>
+                <a:srgbClr val="000000"/>
+              </a:buClr>
+              <a:buSzPct val="45000"/>
+              <a:buFont typeface="Wingdings" charset="2"/>
+              <a:buChar char=""/>
+            </a:pPr>
+            <a:r>
+              <a:rPr lang="pt-BR" sz="1800" b="0" strike="noStrike" spc="-1">
+                <a:solidFill>
+                  <a:srgbClr val="01498E"/>
+                </a:solidFill>
+                <a:latin typeface="Arial"/>
+                <a:ea typeface="Calibri"/>
+              </a:rPr>
+              <a:t>histórico de movim. (valor, data e hora, observação, tipo)</a:t>
+            </a:r>
+            <a:endParaRPr lang="pt-BR" sz="1800" b="0" strike="noStrike" spc="-1">
+              <a:solidFill>
+                <a:srgbClr val="000000"/>
+              </a:solidFill>
+              <a:latin typeface="Arial"/>
+            </a:endParaRPr>
+          </a:p>
+          <a:p>
+            <a:pPr marL="864000" lvl="3" indent="-216000" algn="just">
+              <a:lnSpc>
+                <a:spcPct val="115000"/>
+              </a:lnSpc>
+              <a:buClr>
+                <a:srgbClr val="000000"/>
+              </a:buClr>
+              <a:buSzPct val="45000"/>
+              <a:buFont typeface="Wingdings" charset="2"/>
+              <a:buChar char=""/>
+            </a:pPr>
+            <a:r>
+              <a:rPr lang="pt-BR" sz="1800" b="0" strike="noStrike" spc="-1">
+                <a:solidFill>
+                  <a:srgbClr val="01498E"/>
+                </a:solidFill>
+                <a:latin typeface="Arial"/>
+                <a:ea typeface="Calibri"/>
+              </a:rPr>
+              <a:t>método extrato()</a:t>
+            </a:r>
+            <a:endParaRPr lang="pt-BR" sz="1800" b="0" strike="noStrike" spc="-1">
+              <a:solidFill>
+                <a:srgbClr val="000000"/>
+              </a:solidFill>
+              <a:latin typeface="Arial"/>
+            </a:endParaRPr>
+          </a:p>
+          <a:p>
+            <a:pPr algn="just">
+              <a:lnSpc>
+                <a:spcPct val="115000"/>
+              </a:lnSpc>
+            </a:pPr>
+            <a:endParaRPr lang="pt-BR" sz="1800" b="0" strike="noStrike" spc="-1">
+              <a:solidFill>
+                <a:srgbClr val="000000"/>
+              </a:solidFill>
+              <a:latin typeface="Arial"/>
+            </a:endParaRPr>
+          </a:p>
+          <a:p>
+            <a:pPr algn="just">
+              <a:lnSpc>
+                <a:spcPct val="115000"/>
+              </a:lnSpc>
+            </a:pPr>
+            <a:endParaRPr lang="pt-BR" sz="1800" b="0" strike="noStrike" spc="-1">
+              <a:solidFill>
+                <a:srgbClr val="000000"/>
+              </a:solidFill>
+              <a:latin typeface="Arial"/>
+            </a:endParaRPr>
+          </a:p>
+        </p:txBody>
+      </p:sp>
+      <p:pic>
+        <p:nvPicPr>
+          <p:cNvPr id="306" name="Imagem 188"/>
+          <p:cNvPicPr/>
+          <p:nvPr/>
+        </p:nvPicPr>
+        <p:blipFill>
+          <a:blip r:embed="rId3"/>
+          <a:stretch/>
+        </p:blipFill>
+        <p:spPr>
+          <a:xfrm>
+            <a:off x="-3240" y="2024280"/>
+            <a:ext cx="6158160" cy="1790640"/>
+          </a:xfrm>
+          <a:prstGeom prst="rect">
+            <a:avLst/>
+          </a:prstGeom>
+          <a:ln w="0">
+            <a:noFill/>
+          </a:ln>
+        </p:spPr>
+      </p:pic>
+      <p:pic>
+        <p:nvPicPr>
+          <p:cNvPr id="307" name="Imagem 189"/>
+          <p:cNvPicPr/>
+          <p:nvPr/>
+        </p:nvPicPr>
+        <p:blipFill>
+          <a:blip r:embed="rId4"/>
+          <a:stretch/>
+        </p:blipFill>
+        <p:spPr>
+          <a:xfrm>
+            <a:off x="1296000" y="3830040"/>
+            <a:ext cx="7836480" cy="1312560"/>
+          </a:xfrm>
+          <a:prstGeom prst="rect">
+            <a:avLst/>
+          </a:prstGeom>
+          <a:ln w="0">
+            <a:noFill/>
+          </a:ln>
+        </p:spPr>
+      </p:pic>
     </p:spTree>
   </p:cSld>
   <p:clrMapOvr>
@@ -24712,276 +25080,6 @@
           <a:chExt cx="0" cy="0"/>
         </a:xfrm>
       </p:grpSpPr>
-      <p:sp>
-        <p:nvSpPr>
-          <p:cNvPr id="308" name="Título 43"/>
-          <p:cNvSpPr/>
-          <p:nvPr/>
-        </p:nvSpPr>
-        <p:spPr>
-          <a:xfrm>
-            <a:off x="291960" y="32040"/>
-            <a:ext cx="5587560" cy="900000"/>
-          </a:xfrm>
-          <a:prstGeom prst="rect">
-            <a:avLst/>
-          </a:prstGeom>
-          <a:noFill/>
-          <a:ln w="0">
-            <a:noFill/>
-          </a:ln>
-        </p:spPr>
-        <p:style>
-          <a:lnRef idx="0">
-            <a:scrgbClr r="0" g="0" b="0"/>
-          </a:lnRef>
-          <a:fillRef idx="0">
-            <a:scrgbClr r="0" g="0" b="0"/>
-          </a:fillRef>
-          <a:effectRef idx="0">
-            <a:scrgbClr r="0" g="0" b="0"/>
-          </a:effectRef>
-          <a:fontRef idx="minor"/>
-        </p:style>
-        <p:txBody>
-          <a:bodyPr lIns="90000" tIns="91440" rIns="90000" bIns="91440" anchor="t">
-            <a:noAutofit/>
-          </a:bodyPr>
-          <a:lstStyle/>
-          <a:p>
-            <a:pPr>
-              <a:lnSpc>
-                <a:spcPct val="100000"/>
-              </a:lnSpc>
-            </a:pPr>
-            <a:r>
-              <a:rPr lang="pt-BR" sz="5400" b="1" strike="noStrike" spc="-1">
-                <a:solidFill>
-                  <a:srgbClr val="002060"/>
-                </a:solidFill>
-                <a:latin typeface="Overpass"/>
-                <a:ea typeface="Overpass"/>
-              </a:rPr>
-              <a:t>Let’s Work</a:t>
-            </a:r>
-            <a:endParaRPr lang="pt-BR" sz="5400" b="0" strike="noStrike" spc="-1">
-              <a:solidFill>
-                <a:srgbClr val="000000"/>
-              </a:solidFill>
-              <a:latin typeface="Arial"/>
-            </a:endParaRPr>
-          </a:p>
-        </p:txBody>
-      </p:sp>
-      <p:pic>
-        <p:nvPicPr>
-          <p:cNvPr id="309" name="Imagem 43"/>
-          <p:cNvPicPr/>
-          <p:nvPr/>
-        </p:nvPicPr>
-        <p:blipFill>
-          <a:blip r:embed="rId2"/>
-          <a:stretch/>
-        </p:blipFill>
-        <p:spPr>
-          <a:xfrm rot="5400000">
-            <a:off x="7714440" y="-111600"/>
-            <a:ext cx="2973960" cy="3197880"/>
-          </a:xfrm>
-          <a:prstGeom prst="rect">
-            <a:avLst/>
-          </a:prstGeom>
-          <a:ln w="0">
-            <a:noFill/>
-          </a:ln>
-        </p:spPr>
-      </p:pic>
-      <p:sp>
-        <p:nvSpPr>
-          <p:cNvPr id="310" name="CaixaDeTexto 42"/>
-          <p:cNvSpPr/>
-          <p:nvPr/>
-        </p:nvSpPr>
-        <p:spPr>
-          <a:xfrm>
-            <a:off x="180000" y="900000"/>
-            <a:ext cx="7419600" cy="2297160"/>
-          </a:xfrm>
-          <a:prstGeom prst="rect">
-            <a:avLst/>
-          </a:prstGeom>
-          <a:noFill/>
-          <a:ln w="0">
-            <a:noFill/>
-          </a:ln>
-        </p:spPr>
-        <p:style>
-          <a:lnRef idx="0">
-            <a:scrgbClr r="0" g="0" b="0"/>
-          </a:lnRef>
-          <a:fillRef idx="0">
-            <a:scrgbClr r="0" g="0" b="0"/>
-          </a:fillRef>
-          <a:effectRef idx="0">
-            <a:scrgbClr r="0" g="0" b="0"/>
-          </a:effectRef>
-          <a:fontRef idx="minor"/>
-        </p:style>
-        <p:txBody>
-          <a:bodyPr lIns="90000" tIns="45000" rIns="90000" bIns="45000" anchor="t">
-            <a:spAutoFit/>
-          </a:bodyPr>
-          <a:lstStyle/>
-          <a:p>
-            <a:pPr marL="216000" indent="-216000" algn="just">
-              <a:lnSpc>
-                <a:spcPct val="115000"/>
-              </a:lnSpc>
-              <a:buClr>
-                <a:srgbClr val="000000"/>
-              </a:buClr>
-              <a:buFont typeface="Arial"/>
-              <a:buChar char="●"/>
-            </a:pPr>
-            <a:r>
-              <a:rPr lang="pt-BR" sz="1800" b="0" strike="noStrike" spc="-1">
-                <a:solidFill>
-                  <a:srgbClr val="01498E"/>
-                </a:solidFill>
-                <a:latin typeface="Arial"/>
-                <a:ea typeface="Calibri"/>
-              </a:rPr>
-              <a:t>Problema 7:</a:t>
-            </a:r>
-            <a:endParaRPr lang="pt-BR" sz="1800" b="0" strike="noStrike" spc="-1">
-              <a:solidFill>
-                <a:srgbClr val="000000"/>
-              </a:solidFill>
-              <a:latin typeface="Arial"/>
-            </a:endParaRPr>
-          </a:p>
-          <a:p>
-            <a:pPr marL="673200" lvl="1" indent="-216000" algn="just">
-              <a:lnSpc>
-                <a:spcPct val="115000"/>
-              </a:lnSpc>
-              <a:buClr>
-                <a:srgbClr val="000000"/>
-              </a:buClr>
-              <a:buFont typeface="Arial"/>
-              <a:buChar char="●"/>
-            </a:pPr>
-            <a:r>
-              <a:rPr lang="pt-BR" sz="1800" b="0" strike="noStrike" spc="-1">
-                <a:solidFill>
-                  <a:srgbClr val="01498E"/>
-                </a:solidFill>
-                <a:latin typeface="Arial"/>
-                <a:ea typeface="Calibri"/>
-              </a:rPr>
-              <a:t>Crie uma classe Biblioteca que contém uma lista de objetos Livro.</a:t>
-            </a:r>
-            <a:endParaRPr lang="pt-BR" sz="1800" b="0" strike="noStrike" spc="-1">
-              <a:solidFill>
-                <a:srgbClr val="000000"/>
-              </a:solidFill>
-              <a:latin typeface="Arial"/>
-            </a:endParaRPr>
-          </a:p>
-          <a:p>
-            <a:pPr marL="673200" lvl="1" indent="-216000" algn="just">
-              <a:lnSpc>
-                <a:spcPct val="115000"/>
-              </a:lnSpc>
-              <a:buClr>
-                <a:srgbClr val="000000"/>
-              </a:buClr>
-              <a:buFont typeface="Arial"/>
-              <a:buChar char="●"/>
-            </a:pPr>
-            <a:r>
-              <a:rPr lang="pt-BR" sz="1800" b="0" strike="noStrike" spc="-1">
-                <a:solidFill>
-                  <a:srgbClr val="01498E"/>
-                </a:solidFill>
-                <a:latin typeface="Arial"/>
-                <a:ea typeface="Calibri"/>
-              </a:rPr>
-              <a:t>A classe Livro tem titulo e autor.</a:t>
-            </a:r>
-            <a:endParaRPr lang="pt-BR" sz="1800" b="0" strike="noStrike" spc="-1">
-              <a:solidFill>
-                <a:srgbClr val="000000"/>
-              </a:solidFill>
-              <a:latin typeface="Arial"/>
-            </a:endParaRPr>
-          </a:p>
-          <a:p>
-            <a:pPr marL="673200" lvl="1" indent="-216000" algn="just">
-              <a:lnSpc>
-                <a:spcPct val="115000"/>
-              </a:lnSpc>
-              <a:buClr>
-                <a:srgbClr val="000000"/>
-              </a:buClr>
-              <a:buFont typeface="Arial"/>
-              <a:buChar char="●"/>
-            </a:pPr>
-            <a:r>
-              <a:rPr lang="pt-BR" sz="1800" b="0" strike="noStrike" spc="-1">
-                <a:solidFill>
-                  <a:srgbClr val="01498E"/>
-                </a:solidFill>
-                <a:latin typeface="Arial"/>
-                <a:ea typeface="Calibri"/>
-              </a:rPr>
-              <a:t>A classe Biblioteca deve ter métodos para adicionar, remover e listar livros.</a:t>
-            </a:r>
-            <a:endParaRPr lang="pt-BR" sz="1800" b="0" strike="noStrike" spc="-1">
-              <a:solidFill>
-                <a:srgbClr val="000000"/>
-              </a:solidFill>
-              <a:latin typeface="Arial"/>
-            </a:endParaRPr>
-          </a:p>
-          <a:p>
-            <a:pPr algn="just">
-              <a:lnSpc>
-                <a:spcPct val="115000"/>
-              </a:lnSpc>
-            </a:pPr>
-            <a:endParaRPr lang="pt-BR" sz="1800" b="0" strike="noStrike" spc="-1">
-              <a:solidFill>
-                <a:srgbClr val="000000"/>
-              </a:solidFill>
-              <a:latin typeface="Arial"/>
-            </a:endParaRPr>
-          </a:p>
-        </p:txBody>
-      </p:sp>
-      <p:pic>
-        <p:nvPicPr>
-          <p:cNvPr id="311" name="Imagem 193"/>
-          <p:cNvPicPr/>
-          <p:nvPr/>
-        </p:nvPicPr>
-        <p:blipFill>
-          <a:blip r:embed="rId3"/>
-          <a:stretch/>
-        </p:blipFill>
-        <p:spPr>
-          <a:xfrm>
-            <a:off x="160560" y="3060000"/>
-            <a:ext cx="7398360" cy="1388880"/>
-          </a:xfrm>
-          <a:prstGeom prst="rect">
-            <a:avLst/>
-          </a:prstGeom>
-          <a:ln w="0">
-            <a:noFill/>
-          </a:ln>
-        </p:spPr>
-      </p:pic>
     </p:spTree>
   </p:cSld>
   <p:clrMapOvr>
@@ -25009,18 +25107,14 @@
       </p:grpSpPr>
       <p:sp>
         <p:nvSpPr>
-          <p:cNvPr id="312" name="PlaceHolder 1"/>
-          <p:cNvSpPr>
-            <a:spLocks noGrp="1"/>
-          </p:cNvSpPr>
-          <p:nvPr>
-            <p:ph type="title"/>
-          </p:nvPr>
-        </p:nvSpPr>
-        <p:spPr>
-          <a:xfrm>
-            <a:off x="457200" y="205200"/>
-            <a:ext cx="8227800" cy="857160"/>
+          <p:cNvPr id="308" name="Título 43"/>
+          <p:cNvSpPr/>
+          <p:nvPr/>
+        </p:nvSpPr>
+        <p:spPr>
+          <a:xfrm>
+            <a:off x="291960" y="32040"/>
+            <a:ext cx="5587560" cy="900000"/>
           </a:xfrm>
           <a:prstGeom prst="rect">
             <a:avLst/>
@@ -25030,57 +25124,40 @@
             <a:noFill/>
           </a:ln>
         </p:spPr>
-        <p:txBody>
-          <a:bodyPr lIns="0" tIns="0" rIns="0" bIns="0" anchor="ctr">
+        <p:style>
+          <a:lnRef idx="0">
+            <a:scrgbClr r="0" g="0" b="0"/>
+          </a:lnRef>
+          <a:fillRef idx="0">
+            <a:scrgbClr r="0" g="0" b="0"/>
+          </a:fillRef>
+          <a:effectRef idx="0">
+            <a:scrgbClr r="0" g="0" b="0"/>
+          </a:effectRef>
+          <a:fontRef idx="minor"/>
+        </p:style>
+        <p:txBody>
+          <a:bodyPr lIns="90000" tIns="91440" rIns="90000" bIns="91440" anchor="t">
             <a:noAutofit/>
           </a:bodyPr>
           <a:lstStyle/>
           <a:p>
-            <a:pPr indent="0" algn="ctr">
-              <a:buNone/>
-            </a:pPr>
-            <a:endParaRPr lang="pt-BR" sz="1800" b="0" strike="noStrike" spc="-1">
-              <a:solidFill>
-                <a:srgbClr val="000000"/>
-              </a:solidFill>
-              <a:latin typeface="Arial"/>
-            </a:endParaRPr>
-          </a:p>
-        </p:txBody>
-      </p:sp>
-      <p:sp>
-        <p:nvSpPr>
-          <p:cNvPr id="313" name="PlaceHolder 2"/>
-          <p:cNvSpPr>
-            <a:spLocks noGrp="1"/>
-          </p:cNvSpPr>
-          <p:nvPr>
-            <p:ph type="subTitle"/>
-          </p:nvPr>
-        </p:nvSpPr>
-        <p:spPr>
-          <a:xfrm>
-            <a:off x="457200" y="1203480"/>
-            <a:ext cx="8227800" cy="2981520"/>
-          </a:xfrm>
-          <a:prstGeom prst="rect">
-            <a:avLst/>
-          </a:prstGeom>
-          <a:noFill/>
-          <a:ln w="0">
-            <a:noFill/>
-          </a:ln>
-        </p:spPr>
-        <p:txBody>
-          <a:bodyPr lIns="0" tIns="0" rIns="0" bIns="0" anchor="ctr">
-            <a:noAutofit/>
-          </a:bodyPr>
-          <a:lstStyle/>
-          <a:p>
-            <a:pPr indent="0" algn="ctr">
-              <a:buNone/>
-            </a:pPr>
-            <a:endParaRPr lang="pt-BR" sz="1800" b="0" strike="noStrike" spc="-1">
+            <a:pPr>
+              <a:lnSpc>
+                <a:spcPct val="100000"/>
+              </a:lnSpc>
+            </a:pPr>
+            <a:r>
+              <a:rPr lang="pt-BR" sz="5400" b="1" strike="noStrike" spc="-1">
+                <a:solidFill>
+                  <a:srgbClr val="002060"/>
+                </a:solidFill>
+                <a:latin typeface="Overpass"/>
+                <a:ea typeface="Overpass"/>
+              </a:rPr>
+              <a:t>Let’s Work</a:t>
+            </a:r>
+            <a:endParaRPr lang="pt-BR" sz="5400" b="0" strike="noStrike" spc="-1">
               <a:solidFill>
                 <a:srgbClr val="000000"/>
               </a:solidFill>
@@ -25091,7 +25168,7 @@
       </p:sp>
       <p:pic>
         <p:nvPicPr>
-          <p:cNvPr id="314" name="Imagem 4"/>
+          <p:cNvPr id="309" name="Imagem 43"/>
           <p:cNvPicPr/>
           <p:nvPr/>
         </p:nvPicPr>
@@ -25100,9 +25177,195 @@
           <a:stretch/>
         </p:blipFill>
         <p:spPr>
-          <a:xfrm>
-            <a:off x="1355760" y="0"/>
-            <a:ext cx="6431400" cy="5142240"/>
+          <a:xfrm rot="5400000">
+            <a:off x="7714440" y="-111600"/>
+            <a:ext cx="2973960" cy="3197880"/>
+          </a:xfrm>
+          <a:prstGeom prst="rect">
+            <a:avLst/>
+          </a:prstGeom>
+          <a:ln w="0">
+            <a:noFill/>
+          </a:ln>
+        </p:spPr>
+      </p:pic>
+      <p:sp>
+        <p:nvSpPr>
+          <p:cNvPr id="310" name="CaixaDeTexto 42"/>
+          <p:cNvSpPr/>
+          <p:nvPr/>
+        </p:nvSpPr>
+        <p:spPr>
+          <a:xfrm>
+            <a:off x="180000" y="900000"/>
+            <a:ext cx="7419600" cy="2297160"/>
+          </a:xfrm>
+          <a:prstGeom prst="rect">
+            <a:avLst/>
+          </a:prstGeom>
+          <a:noFill/>
+          <a:ln w="0">
+            <a:noFill/>
+          </a:ln>
+        </p:spPr>
+        <p:style>
+          <a:lnRef idx="0">
+            <a:scrgbClr r="0" g="0" b="0"/>
+          </a:lnRef>
+          <a:fillRef idx="0">
+            <a:scrgbClr r="0" g="0" b="0"/>
+          </a:fillRef>
+          <a:effectRef idx="0">
+            <a:scrgbClr r="0" g="0" b="0"/>
+          </a:effectRef>
+          <a:fontRef idx="minor"/>
+        </p:style>
+        <p:txBody>
+          <a:bodyPr lIns="90000" tIns="45000" rIns="90000" bIns="45000" anchor="t">
+            <a:spAutoFit/>
+          </a:bodyPr>
+          <a:lstStyle/>
+          <a:p>
+            <a:pPr marL="216000" indent="-216000" algn="just">
+              <a:lnSpc>
+                <a:spcPct val="115000"/>
+              </a:lnSpc>
+              <a:buClr>
+                <a:srgbClr val="000000"/>
+              </a:buClr>
+              <a:buFont typeface="Arial"/>
+              <a:buChar char="●"/>
+            </a:pPr>
+            <a:r>
+              <a:rPr lang="pt-BR" sz="1800" b="0" strike="noStrike" spc="-1">
+                <a:solidFill>
+                  <a:srgbClr val="01498E"/>
+                </a:solidFill>
+                <a:latin typeface="Arial"/>
+                <a:ea typeface="Calibri"/>
+              </a:rPr>
+              <a:t>Problema 7:</a:t>
+            </a:r>
+            <a:endParaRPr lang="pt-BR" sz="1800" b="0" strike="noStrike" spc="-1">
+              <a:solidFill>
+                <a:srgbClr val="000000"/>
+              </a:solidFill>
+              <a:latin typeface="Arial"/>
+            </a:endParaRPr>
+          </a:p>
+          <a:p>
+            <a:pPr marL="673200" lvl="1" indent="-216000" algn="just">
+              <a:lnSpc>
+                <a:spcPct val="115000"/>
+              </a:lnSpc>
+              <a:buClr>
+                <a:srgbClr val="000000"/>
+              </a:buClr>
+              <a:buFont typeface="Arial"/>
+              <a:buChar char="●"/>
+            </a:pPr>
+            <a:r>
+              <a:rPr lang="pt-BR" sz="1800" b="0" strike="noStrike" spc="-1">
+                <a:solidFill>
+                  <a:srgbClr val="01498E"/>
+                </a:solidFill>
+                <a:latin typeface="Arial"/>
+                <a:ea typeface="Calibri"/>
+              </a:rPr>
+              <a:t>Crie uma classe Biblioteca que contém uma lista de objetos Livro.</a:t>
+            </a:r>
+            <a:endParaRPr lang="pt-BR" sz="1800" b="0" strike="noStrike" spc="-1">
+              <a:solidFill>
+                <a:srgbClr val="000000"/>
+              </a:solidFill>
+              <a:latin typeface="Arial"/>
+            </a:endParaRPr>
+          </a:p>
+          <a:p>
+            <a:pPr marL="673200" lvl="1" indent="-216000" algn="just">
+              <a:lnSpc>
+                <a:spcPct val="115000"/>
+              </a:lnSpc>
+              <a:buClr>
+                <a:srgbClr val="000000"/>
+              </a:buClr>
+              <a:buFont typeface="Arial"/>
+              <a:buChar char="●"/>
+            </a:pPr>
+            <a:r>
+              <a:rPr lang="pt-BR" sz="1800" b="0" strike="noStrike" spc="-1">
+                <a:solidFill>
+                  <a:srgbClr val="01498E"/>
+                </a:solidFill>
+                <a:latin typeface="Arial"/>
+                <a:ea typeface="Calibri"/>
+              </a:rPr>
+              <a:t>A classe Livro tem titulo e autor.</a:t>
+            </a:r>
+            <a:endParaRPr lang="pt-BR" sz="1800" b="0" strike="noStrike" spc="-1">
+              <a:solidFill>
+                <a:srgbClr val="000000"/>
+              </a:solidFill>
+              <a:latin typeface="Arial"/>
+            </a:endParaRPr>
+          </a:p>
+          <a:p>
+            <a:pPr marL="673200" lvl="1" indent="-216000" algn="just">
+              <a:lnSpc>
+                <a:spcPct val="115000"/>
+              </a:lnSpc>
+              <a:buClr>
+                <a:srgbClr val="000000"/>
+              </a:buClr>
+              <a:buFont typeface="Arial"/>
+              <a:buChar char="●"/>
+            </a:pPr>
+            <a:r>
+              <a:rPr lang="pt-BR" sz="1800" b="0" strike="noStrike" spc="-1">
+                <a:solidFill>
+                  <a:srgbClr val="01498E"/>
+                </a:solidFill>
+                <a:latin typeface="Arial"/>
+                <a:ea typeface="Calibri"/>
+              </a:rPr>
+              <a:t>A classe Biblioteca deve ter métodos para adicionar, remover e listar livros.</a:t>
+            </a:r>
+            <a:endParaRPr lang="pt-BR" sz="1800" b="0" strike="noStrike" spc="-1">
+              <a:solidFill>
+                <a:srgbClr val="000000"/>
+              </a:solidFill>
+              <a:latin typeface="Arial"/>
+            </a:endParaRPr>
+          </a:p>
+          <a:p>
+            <a:pPr algn="just">
+              <a:lnSpc>
+                <a:spcPct val="115000"/>
+              </a:lnSpc>
+            </a:pPr>
+            <a:endParaRPr lang="pt-BR" sz="1800" b="0" strike="noStrike" spc="-1">
+              <a:solidFill>
+                <a:srgbClr val="000000"/>
+              </a:solidFill>
+              <a:latin typeface="Arial"/>
+            </a:endParaRPr>
+          </a:p>
+        </p:txBody>
+      </p:sp>
+      <p:pic>
+        <p:nvPicPr>
+          <p:cNvPr id="311" name="Imagem 193"/>
+          <p:cNvPicPr/>
+          <p:nvPr/>
+        </p:nvPicPr>
+        <p:blipFill>
+          <a:blip r:embed="rId3"/>
+          <a:stretch/>
+        </p:blipFill>
+        <p:spPr>
+          <a:xfrm>
+            <a:off x="160560" y="3060000"/>
+            <a:ext cx="7398360" cy="1388880"/>
           </a:xfrm>
           <a:prstGeom prst="rect">
             <a:avLst/>
@@ -25137,6 +25400,111 @@
           <a:chExt cx="0" cy="0"/>
         </a:xfrm>
       </p:grpSpPr>
+      <p:sp>
+        <p:nvSpPr>
+          <p:cNvPr id="312" name="PlaceHolder 1"/>
+          <p:cNvSpPr>
+            <a:spLocks noGrp="1"/>
+          </p:cNvSpPr>
+          <p:nvPr>
+            <p:ph type="title"/>
+          </p:nvPr>
+        </p:nvSpPr>
+        <p:spPr>
+          <a:xfrm>
+            <a:off x="457200" y="205200"/>
+            <a:ext cx="8227800" cy="857160"/>
+          </a:xfrm>
+          <a:prstGeom prst="rect">
+            <a:avLst/>
+          </a:prstGeom>
+          <a:noFill/>
+          <a:ln w="0">
+            <a:noFill/>
+          </a:ln>
+        </p:spPr>
+        <p:txBody>
+          <a:bodyPr lIns="0" tIns="0" rIns="0" bIns="0" anchor="ctr">
+            <a:noAutofit/>
+          </a:bodyPr>
+          <a:lstStyle/>
+          <a:p>
+            <a:pPr indent="0" algn="ctr">
+              <a:buNone/>
+            </a:pPr>
+            <a:endParaRPr lang="pt-BR" sz="1800" b="0" strike="noStrike" spc="-1">
+              <a:solidFill>
+                <a:srgbClr val="000000"/>
+              </a:solidFill>
+              <a:latin typeface="Arial"/>
+            </a:endParaRPr>
+          </a:p>
+        </p:txBody>
+      </p:sp>
+      <p:sp>
+        <p:nvSpPr>
+          <p:cNvPr id="313" name="PlaceHolder 2"/>
+          <p:cNvSpPr>
+            <a:spLocks noGrp="1"/>
+          </p:cNvSpPr>
+          <p:nvPr>
+            <p:ph type="subTitle"/>
+          </p:nvPr>
+        </p:nvSpPr>
+        <p:spPr>
+          <a:xfrm>
+            <a:off x="457200" y="1203480"/>
+            <a:ext cx="8227800" cy="2981520"/>
+          </a:xfrm>
+          <a:prstGeom prst="rect">
+            <a:avLst/>
+          </a:prstGeom>
+          <a:noFill/>
+          <a:ln w="0">
+            <a:noFill/>
+          </a:ln>
+        </p:spPr>
+        <p:txBody>
+          <a:bodyPr lIns="0" tIns="0" rIns="0" bIns="0" anchor="ctr">
+            <a:noAutofit/>
+          </a:bodyPr>
+          <a:lstStyle/>
+          <a:p>
+            <a:pPr indent="0" algn="ctr">
+              <a:buNone/>
+            </a:pPr>
+            <a:endParaRPr lang="pt-BR" sz="1800" b="0" strike="noStrike" spc="-1">
+              <a:solidFill>
+                <a:srgbClr val="000000"/>
+              </a:solidFill>
+              <a:latin typeface="Arial"/>
+            </a:endParaRPr>
+          </a:p>
+        </p:txBody>
+      </p:sp>
+      <p:pic>
+        <p:nvPicPr>
+          <p:cNvPr id="314" name="Imagem 4"/>
+          <p:cNvPicPr/>
+          <p:nvPr/>
+        </p:nvPicPr>
+        <p:blipFill>
+          <a:blip r:embed="rId2"/>
+          <a:stretch/>
+        </p:blipFill>
+        <p:spPr>
+          <a:xfrm>
+            <a:off x="1355760" y="0"/>
+            <a:ext cx="6431400" cy="5142240"/>
+          </a:xfrm>
+          <a:prstGeom prst="rect">
+            <a:avLst/>
+          </a:prstGeom>
+          <a:ln w="0">
+            <a:noFill/>
+          </a:ln>
+        </p:spPr>
+      </p:pic>
     </p:spTree>
   </p:cSld>
   <p:clrMapOvr>
@@ -25553,6 +25921,31 @@
           </a:ln>
         </p:spPr>
       </p:pic>
+    </p:spTree>
+  </p:cSld>
+  <p:clrMapOvr>
+    <a:masterClrMapping/>
+  </p:clrMapOvr>
+</p:sld>
+</file>
+
+<file path=ppt/slides/slide60.xml><?xml version="1.0" encoding="utf-8"?>
+<p:sld xmlns:a="http://schemas.openxmlformats.org/drawingml/2006/main" xmlns:r="http://schemas.openxmlformats.org/officeDocument/2006/relationships" xmlns:p="http://schemas.openxmlformats.org/presentationml/2006/main">
+  <p:cSld>
+    <p:spTree>
+      <p:nvGrpSpPr>
+        <p:cNvPr id="1" name=""/>
+        <p:cNvGrpSpPr/>
+        <p:nvPr/>
+      </p:nvGrpSpPr>
+      <p:grpSpPr>
+        <a:xfrm>
+          <a:off x="0" y="0"/>
+          <a:ext cx="0" cy="0"/>
+          <a:chOff x="0" y="0"/>
+          <a:chExt cx="0" cy="0"/>
+        </a:xfrm>
+      </p:grpSpPr>
     </p:spTree>
   </p:cSld>
   <p:clrMapOvr>
